--- a/documents/基于音频预处理过程的语音识别系统攻击5.6_brief.pptx
+++ b/documents/基于音频预处理过程的语音识别系统攻击5.6_brief.pptx
@@ -5,17 +5,18 @@
     <p:sldMasterId id="2147483648" r:id="rId1"/>
   </p:sldMasterIdLst>
   <p:notesMasterIdLst>
-    <p:notesMasterId r:id="rId10"/>
+    <p:notesMasterId r:id="rId11"/>
   </p:notesMasterIdLst>
   <p:sldIdLst>
     <p:sldId id="558" r:id="rId2"/>
     <p:sldId id="576" r:id="rId3"/>
-    <p:sldId id="577" r:id="rId4"/>
-    <p:sldId id="578" r:id="rId5"/>
-    <p:sldId id="579" r:id="rId6"/>
-    <p:sldId id="580" r:id="rId7"/>
-    <p:sldId id="581" r:id="rId8"/>
-    <p:sldId id="582" r:id="rId9"/>
+    <p:sldId id="578" r:id="rId4"/>
+    <p:sldId id="577" r:id="rId5"/>
+    <p:sldId id="583" r:id="rId6"/>
+    <p:sldId id="579" r:id="rId7"/>
+    <p:sldId id="580" r:id="rId8"/>
+    <p:sldId id="581" r:id="rId9"/>
+    <p:sldId id="582" r:id="rId10"/>
   </p:sldIdLst>
   <p:sldSz cx="12192000" cy="6858000"/>
   <p:notesSz cx="9874250" cy="6797675"/>
@@ -207,7 +208,7 @@
           <a:p>
             <a:fld id="{8F4F2EAB-82EF-4749-B0A6-32E8CB1FB1E4}" type="datetimeFigureOut">
               <a:rPr lang="zh-CN" altLang="en-US" smtClean="0"/>
-              <a:t>2020/9/6</a:t>
+              <a:t>2020/9/7</a:t>
             </a:fld>
             <a:endParaRPr lang="zh-CN" altLang="en-US"/>
           </a:p>
@@ -716,7 +717,7 @@
     </p:spTree>
     <p:extLst>
       <p:ext uri="{BB962C8B-B14F-4D97-AF65-F5344CB8AC3E}">
-        <p14:creationId xmlns:p14="http://schemas.microsoft.com/office/powerpoint/2010/main" val="3226808913"/>
+        <p14:creationId xmlns:p14="http://schemas.microsoft.com/office/powerpoint/2010/main" val="655936192"/>
       </p:ext>
     </p:extLst>
   </p:cSld>
@@ -800,7 +801,7 @@
     </p:spTree>
     <p:extLst>
       <p:ext uri="{BB962C8B-B14F-4D97-AF65-F5344CB8AC3E}">
-        <p14:creationId xmlns:p14="http://schemas.microsoft.com/office/powerpoint/2010/main" val="655936192"/>
+        <p14:creationId xmlns:p14="http://schemas.microsoft.com/office/powerpoint/2010/main" val="3226808913"/>
       </p:ext>
     </p:extLst>
   </p:cSld>
@@ -884,7 +885,7 @@
     </p:spTree>
     <p:extLst>
       <p:ext uri="{BB962C8B-B14F-4D97-AF65-F5344CB8AC3E}">
-        <p14:creationId xmlns:p14="http://schemas.microsoft.com/office/powerpoint/2010/main" val="3827148618"/>
+        <p14:creationId xmlns:p14="http://schemas.microsoft.com/office/powerpoint/2010/main" val="3978257693"/>
       </p:ext>
     </p:extLst>
   </p:cSld>
@@ -968,7 +969,7 @@
     </p:spTree>
     <p:extLst>
       <p:ext uri="{BB962C8B-B14F-4D97-AF65-F5344CB8AC3E}">
-        <p14:creationId xmlns:p14="http://schemas.microsoft.com/office/powerpoint/2010/main" val="2266273032"/>
+        <p14:creationId xmlns:p14="http://schemas.microsoft.com/office/powerpoint/2010/main" val="3827148618"/>
       </p:ext>
     </p:extLst>
   </p:cSld>
@@ -1052,7 +1053,7 @@
     </p:spTree>
     <p:extLst>
       <p:ext uri="{BB962C8B-B14F-4D97-AF65-F5344CB8AC3E}">
-        <p14:creationId xmlns:p14="http://schemas.microsoft.com/office/powerpoint/2010/main" val="1174497986"/>
+        <p14:creationId xmlns:p14="http://schemas.microsoft.com/office/powerpoint/2010/main" val="2266273032"/>
       </p:ext>
     </p:extLst>
   </p:cSld>
@@ -1128,6 +1129,90 @@
             <a:fld id="{2E13179B-82BD-4567-A6FC-5FF2E5270D1F}" type="slidenum">
               <a:rPr lang="zh-CN" altLang="en-US" smtClean="0"/>
               <a:t>8</a:t>
+            </a:fld>
+            <a:endParaRPr lang="zh-CN" altLang="en-US"/>
+          </a:p>
+        </p:txBody>
+      </p:sp>
+    </p:spTree>
+    <p:extLst>
+      <p:ext uri="{BB962C8B-B14F-4D97-AF65-F5344CB8AC3E}">
+        <p14:creationId xmlns:p14="http://schemas.microsoft.com/office/powerpoint/2010/main" val="1174497986"/>
+      </p:ext>
+    </p:extLst>
+  </p:cSld>
+  <p:clrMapOvr>
+    <a:masterClrMapping/>
+  </p:clrMapOvr>
+</p:notes>
+</file>
+
+<file path=ppt/notesSlides/notesSlide9.xml><?xml version="1.0" encoding="utf-8"?>
+<p:notes xmlns:a="http://schemas.openxmlformats.org/drawingml/2006/main" xmlns:r="http://schemas.openxmlformats.org/officeDocument/2006/relationships" xmlns:p="http://schemas.openxmlformats.org/presentationml/2006/main">
+  <p:cSld>
+    <p:spTree>
+      <p:nvGrpSpPr>
+        <p:cNvPr id="1" name=""/>
+        <p:cNvGrpSpPr/>
+        <p:nvPr/>
+      </p:nvGrpSpPr>
+      <p:grpSpPr>
+        <a:xfrm>
+          <a:off x="0" y="0"/>
+          <a:ext cx="0" cy="0"/>
+          <a:chOff x="0" y="0"/>
+          <a:chExt cx="0" cy="0"/>
+        </a:xfrm>
+      </p:grpSpPr>
+      <p:sp>
+        <p:nvSpPr>
+          <p:cNvPr id="2" name="幻灯片图像占位符 1"/>
+          <p:cNvSpPr>
+            <a:spLocks noGrp="1" noRot="1" noChangeAspect="1"/>
+          </p:cNvSpPr>
+          <p:nvPr>
+            <p:ph type="sldImg"/>
+          </p:nvPr>
+        </p:nvSpPr>
+        <p:spPr/>
+      </p:sp>
+      <p:sp>
+        <p:nvSpPr>
+          <p:cNvPr id="3" name="备注占位符 2"/>
+          <p:cNvSpPr>
+            <a:spLocks noGrp="1"/>
+          </p:cNvSpPr>
+          <p:nvPr>
+            <p:ph type="body" idx="1"/>
+          </p:nvPr>
+        </p:nvSpPr>
+        <p:spPr/>
+        <p:txBody>
+          <a:bodyPr/>
+          <a:lstStyle/>
+          <a:p>
+            <a:endParaRPr lang="zh-CN" altLang="en-US" dirty="0"/>
+          </a:p>
+        </p:txBody>
+      </p:sp>
+      <p:sp>
+        <p:nvSpPr>
+          <p:cNvPr id="4" name="灯片编号占位符 3"/>
+          <p:cNvSpPr>
+            <a:spLocks noGrp="1"/>
+          </p:cNvSpPr>
+          <p:nvPr>
+            <p:ph type="sldNum" sz="quarter" idx="10"/>
+          </p:nvPr>
+        </p:nvSpPr>
+        <p:spPr/>
+        <p:txBody>
+          <a:bodyPr/>
+          <a:lstStyle/>
+          <a:p>
+            <a:fld id="{2E13179B-82BD-4567-A6FC-5FF2E5270D1F}" type="slidenum">
+              <a:rPr lang="zh-CN" altLang="en-US" smtClean="0"/>
+              <a:t>9</a:t>
             </a:fld>
             <a:endParaRPr lang="zh-CN" altLang="en-US"/>
           </a:p>
@@ -3259,7 +3344,7 @@
           <p:cNvPr id="12" name="矩形 11">
             <a:extLst>
               <a:ext uri="{FF2B5EF4-FFF2-40B4-BE49-F238E27FC236}">
-                <a16:creationId xmlns:a16="http://schemas.microsoft.com/office/drawing/2014/main" xmlns="" id="{0FDAD747-108F-4A6D-9220-5EA05067FF1E}"/>
+                <a16:creationId xmlns:a16="http://schemas.microsoft.com/office/drawing/2014/main" id="{0FDAD747-108F-4A6D-9220-5EA05067FF1E}"/>
               </a:ext>
             </a:extLst>
           </p:cNvPr>
@@ -3282,16 +3367,12 @@
           <a:lstStyle/>
           <a:p>
             <a:r>
-              <a:rPr lang="zh-CN" altLang="en-US" sz="3200" b="1" dirty="0" smtClean="0">
+              <a:rPr lang="zh-CN" altLang="en-US" sz="3200" b="1" dirty="0">
                 <a:latin typeface="微软雅黑" panose="020B0503020204020204" pitchFamily="34" charset="-122"/>
                 <a:ea typeface="微软雅黑" panose="020B0503020204020204" pitchFamily="34" charset="-122"/>
               </a:rPr>
               <a:t>手工切割间隔</a:t>
             </a:r>
-            <a:endParaRPr lang="zh-CN" altLang="en-US" sz="3200" b="1" dirty="0">
-              <a:latin typeface="微软雅黑" panose="020B0503020204020204" pitchFamily="34" charset="-122"/>
-              <a:ea typeface="微软雅黑" panose="020B0503020204020204" pitchFamily="34" charset="-122"/>
-            </a:endParaRPr>
           </a:p>
         </p:txBody>
       </p:sp>
@@ -3300,7 +3381,7 @@
           <p:cNvPr id="33" name="矩形 32">
             <a:extLst>
               <a:ext uri="{FF2B5EF4-FFF2-40B4-BE49-F238E27FC236}">
-                <a16:creationId xmlns:a16="http://schemas.microsoft.com/office/drawing/2014/main" xmlns="" id="{6D5DF4CC-A10E-4318-AC3B-EBB586734114}"/>
+                <a16:creationId xmlns:a16="http://schemas.microsoft.com/office/drawing/2014/main" id="{6D5DF4CC-A10E-4318-AC3B-EBB586734114}"/>
               </a:ext>
             </a:extLst>
           </p:cNvPr>
@@ -3335,17 +3416,9 @@
                 <a:ea typeface="微软雅黑" panose="020B0503020204020204" pitchFamily="34" charset="-122"/>
                 <a:sym typeface="Wingdings" panose="05000000000000000000" pitchFamily="2" charset="2"/>
               </a:rPr>
-              <a:t>能量</a:t>
+              <a:t>能量小不代表没声音</a:t>
             </a:r>
-            <a:r>
-              <a:rPr lang="zh-CN" altLang="en-US" sz="1600" dirty="0" smtClean="0">
-                <a:latin typeface="微软雅黑" panose="020B0503020204020204" pitchFamily="34" charset="-122"/>
-                <a:ea typeface="微软雅黑" panose="020B0503020204020204" pitchFamily="34" charset="-122"/>
-                <a:sym typeface="Wingdings" panose="05000000000000000000" pitchFamily="2" charset="2"/>
-              </a:rPr>
-              <a:t>小不代表没声音</a:t>
-            </a:r>
-            <a:endParaRPr lang="en-US" altLang="zh-CN" sz="1600" dirty="0" smtClean="0">
+            <a:endParaRPr lang="en-US" altLang="zh-CN" sz="1600" dirty="0">
               <a:latin typeface="微软雅黑" panose="020B0503020204020204" pitchFamily="34" charset="-122"/>
               <a:ea typeface="微软雅黑" panose="020B0503020204020204" pitchFamily="34" charset="-122"/>
               <a:sym typeface="Wingdings" panose="05000000000000000000" pitchFamily="2" charset="2"/>
@@ -3360,7 +3433,7 @@
               <a:buChar char="p"/>
             </a:pPr>
             <a:r>
-              <a:rPr lang="zh-CN" altLang="en-US" sz="1600" dirty="0" smtClean="0">
+              <a:rPr lang="zh-CN" altLang="en-US" sz="1600" dirty="0">
                 <a:latin typeface="微软雅黑" panose="020B0503020204020204" pitchFamily="34" charset="-122"/>
                 <a:ea typeface="微软雅黑" panose="020B0503020204020204" pitchFamily="34" charset="-122"/>
                 <a:sym typeface="Wingdings" panose="05000000000000000000" pitchFamily="2" charset="2"/>
@@ -3459,11 +3532,7 @@
           <a:p>
             <a:r>
               <a:rPr lang="en-US" altLang="zh-CN" dirty="0"/>
-              <a:t>t</a:t>
-            </a:r>
-            <a:r>
-              <a:rPr lang="en-US" altLang="zh-CN" dirty="0" smtClean="0"/>
-              <a:t>o   make</a:t>
+              <a:t>to   make</a:t>
             </a:r>
             <a:endParaRPr lang="zh-CN" altLang="en-US" dirty="0"/>
           </a:p>
@@ -3492,27 +3561,27 @@
           <a:lstStyle/>
           <a:p>
             <a:r>
-              <a:rPr lang="en-US" altLang="zh-CN" dirty="0" smtClean="0"/>
+              <a:rPr lang="en-US" altLang="zh-CN" dirty="0"/>
               <a:t>O            K     Goo    </a:t>
             </a:r>
             <a:r>
-              <a:rPr lang="en-US" altLang="zh-CN" dirty="0" err="1" smtClean="0"/>
+              <a:rPr lang="en-US" altLang="zh-CN" dirty="0" err="1"/>
               <a:t>Gle</a:t>
             </a:r>
             <a:r>
-              <a:rPr lang="en-US" altLang="zh-CN" dirty="0" smtClean="0"/>
+              <a:rPr lang="en-US" altLang="zh-CN" dirty="0"/>
               <a:t>         Ta    </a:t>
             </a:r>
             <a:r>
-              <a:rPr lang="en-US" altLang="zh-CN" dirty="0" err="1" smtClean="0"/>
+              <a:rPr lang="en-US" altLang="zh-CN" dirty="0" err="1"/>
               <a:t>ke</a:t>
             </a:r>
             <a:r>
-              <a:rPr lang="en-US" altLang="zh-CN" dirty="0" smtClean="0"/>
+              <a:rPr lang="en-US" altLang="zh-CN" dirty="0"/>
               <a:t>    Pic    </a:t>
             </a:r>
             <a:r>
-              <a:rPr lang="en-US" altLang="zh-CN" dirty="0" err="1" smtClean="0"/>
+              <a:rPr lang="en-US" altLang="zh-CN" dirty="0" err="1"/>
               <a:t>ture</a:t>
             </a:r>
             <a:endParaRPr lang="zh-CN" altLang="en-US" dirty="0"/>
@@ -3554,7 +3623,7 @@
           <p:cNvPr id="12" name="矩形 11">
             <a:extLst>
               <a:ext uri="{FF2B5EF4-FFF2-40B4-BE49-F238E27FC236}">
-                <a16:creationId xmlns:a16="http://schemas.microsoft.com/office/drawing/2014/main" xmlns="" id="{0FDAD747-108F-4A6D-9220-5EA05067FF1E}"/>
+                <a16:creationId xmlns:a16="http://schemas.microsoft.com/office/drawing/2014/main" id="{0FDAD747-108F-4A6D-9220-5EA05067FF1E}"/>
               </a:ext>
             </a:extLst>
           </p:cNvPr>
@@ -3577,16 +3646,12 @@
           <a:lstStyle/>
           <a:p>
             <a:r>
-              <a:rPr lang="zh-CN" altLang="en-US" sz="3200" b="1" dirty="0" smtClean="0">
+              <a:rPr lang="zh-CN" altLang="en-US" sz="3200" b="1" dirty="0">
                 <a:latin typeface="微软雅黑" panose="020B0503020204020204" pitchFamily="34" charset="-122"/>
                 <a:ea typeface="微软雅黑" panose="020B0503020204020204" pitchFamily="34" charset="-122"/>
               </a:rPr>
               <a:t>手工切割后倍速结果</a:t>
             </a:r>
-            <a:endParaRPr lang="zh-CN" altLang="en-US" sz="3200" b="1" dirty="0">
-              <a:latin typeface="微软雅黑" panose="020B0503020204020204" pitchFamily="34" charset="-122"/>
-              <a:ea typeface="微软雅黑" panose="020B0503020204020204" pitchFamily="34" charset="-122"/>
-            </a:endParaRPr>
           </a:p>
         </p:txBody>
       </p:sp>
@@ -3595,7 +3660,7 @@
           <p:cNvPr id="33" name="矩形 32">
             <a:extLst>
               <a:ext uri="{FF2B5EF4-FFF2-40B4-BE49-F238E27FC236}">
-                <a16:creationId xmlns:a16="http://schemas.microsoft.com/office/drawing/2014/main" xmlns="" id="{6D5DF4CC-A10E-4318-AC3B-EBB586734114}"/>
+                <a16:creationId xmlns:a16="http://schemas.microsoft.com/office/drawing/2014/main" id="{6D5DF4CC-A10E-4318-AC3B-EBB586734114}"/>
               </a:ext>
             </a:extLst>
           </p:cNvPr>
@@ -3625,7 +3690,7 @@
               <a:buChar char="p"/>
             </a:pPr>
             <a:r>
-              <a:rPr lang="zh-CN" altLang="en-US" sz="1600" dirty="0" smtClean="0">
+              <a:rPr lang="zh-CN" altLang="en-US" sz="1600" dirty="0">
                 <a:latin typeface="微软雅黑" panose="020B0503020204020204" pitchFamily="34" charset="-122"/>
                 <a:ea typeface="微软雅黑" panose="020B0503020204020204" pitchFamily="34" charset="-122"/>
                 <a:sym typeface="Wingdings" panose="05000000000000000000" pitchFamily="2" charset="2"/>
@@ -3786,7 +3851,7 @@
           <a:lstStyle/>
           <a:p>
             <a:r>
-              <a:rPr lang="en-US" altLang="zh-CN" dirty="0" smtClean="0"/>
+              <a:rPr lang="en-US" altLang="zh-CN" dirty="0"/>
               <a:t>1</a:t>
             </a:r>
             <a:endParaRPr lang="zh-CN" altLang="en-US" dirty="0"/>
@@ -3816,7 +3881,7 @@
           <a:lstStyle/>
           <a:p>
             <a:r>
-              <a:rPr lang="en-US" altLang="zh-CN" dirty="0" smtClean="0"/>
+              <a:rPr lang="en-US" altLang="zh-CN" dirty="0"/>
               <a:t>14</a:t>
             </a:r>
             <a:endParaRPr lang="zh-CN" altLang="en-US" dirty="0"/>
@@ -3846,7 +3911,7 @@
           <a:lstStyle/>
           <a:p>
             <a:r>
-              <a:rPr lang="en-US" altLang="zh-CN" dirty="0" smtClean="0"/>
+              <a:rPr lang="en-US" altLang="zh-CN" dirty="0"/>
               <a:t>2</a:t>
             </a:r>
             <a:endParaRPr lang="zh-CN" altLang="en-US" dirty="0"/>
@@ -4129,7 +4194,7 @@
           <p:cNvPr id="12" name="矩形 11">
             <a:extLst>
               <a:ext uri="{FF2B5EF4-FFF2-40B4-BE49-F238E27FC236}">
-                <a16:creationId xmlns:a16="http://schemas.microsoft.com/office/drawing/2014/main" xmlns="" id="{0FDAD747-108F-4A6D-9220-5EA05067FF1E}"/>
+                <a16:creationId xmlns:a16="http://schemas.microsoft.com/office/drawing/2014/main" id="{0FDAD747-108F-4A6D-9220-5EA05067FF1E}"/>
               </a:ext>
             </a:extLst>
           </p:cNvPr>
@@ -4139,7 +4204,7 @@
         <p:spPr>
           <a:xfrm>
             <a:off x="852298" y="1120596"/>
-            <a:ext cx="1005403" cy="584775"/>
+            <a:ext cx="3849515" cy="584775"/>
           </a:xfrm>
           <a:prstGeom prst="rect">
             <a:avLst/>
@@ -4151,17 +4216,20 @@
           </a:bodyPr>
           <a:lstStyle/>
           <a:p>
+            <a:r>
+              <a:rPr lang="en-US" altLang="zh-CN" sz="3200" b="1" dirty="0">
+                <a:latin typeface="微软雅黑" panose="020B0503020204020204" pitchFamily="34" charset="-122"/>
+                <a:ea typeface="微软雅黑" panose="020B0503020204020204" pitchFamily="34" charset="-122"/>
+              </a:rPr>
+              <a:t>TSM——AU</a:t>
+            </a:r>
             <a:r>
               <a:rPr lang="zh-CN" altLang="en-US" sz="3200" b="1" dirty="0">
                 <a:latin typeface="微软雅黑" panose="020B0503020204020204" pitchFamily="34" charset="-122"/>
                 <a:ea typeface="微软雅黑" panose="020B0503020204020204" pitchFamily="34" charset="-122"/>
               </a:rPr>
-              <a:t>思路</a:t>
+              <a:t>对比图</a:t>
             </a:r>
-            <a:endParaRPr lang="zh-CN" altLang="en-US" sz="3200" b="1" dirty="0">
-              <a:latin typeface="微软雅黑" panose="020B0503020204020204" pitchFamily="34" charset="-122"/>
-              <a:ea typeface="微软雅黑" panose="020B0503020204020204" pitchFamily="34" charset="-122"/>
-            </a:endParaRPr>
           </a:p>
         </p:txBody>
       </p:sp>
@@ -4170,7 +4238,7 @@
           <p:cNvPr id="33" name="矩形 32">
             <a:extLst>
               <a:ext uri="{FF2B5EF4-FFF2-40B4-BE49-F238E27FC236}">
-                <a16:creationId xmlns:a16="http://schemas.microsoft.com/office/drawing/2014/main" xmlns="" id="{6D5DF4CC-A10E-4318-AC3B-EBB586734114}"/>
+                <a16:creationId xmlns:a16="http://schemas.microsoft.com/office/drawing/2014/main" id="{6D5DF4CC-A10E-4318-AC3B-EBB586734114}"/>
               </a:ext>
             </a:extLst>
           </p:cNvPr>
@@ -4180,7 +4248,7 @@
         <p:spPr>
           <a:xfrm>
             <a:off x="852297" y="1705371"/>
-            <a:ext cx="10870780" cy="510524"/>
+            <a:ext cx="10870780" cy="1987852"/>
           </a:xfrm>
           <a:prstGeom prst="rect">
             <a:avLst/>
@@ -4200,12 +4268,12 @@
               <a:buChar char="p"/>
             </a:pPr>
             <a:r>
-              <a:rPr lang="en-US" altLang="zh-CN" sz="1600" dirty="0" smtClean="0">
+              <a:rPr lang="zh-CN" altLang="en-US" sz="1600" dirty="0">
                 <a:latin typeface="微软雅黑" panose="020B0503020204020204" pitchFamily="34" charset="-122"/>
                 <a:ea typeface="微软雅黑" panose="020B0503020204020204" pitchFamily="34" charset="-122"/>
                 <a:sym typeface="Wingdings" panose="05000000000000000000" pitchFamily="2" charset="2"/>
               </a:rPr>
-              <a:t>xxx</a:t>
+              <a:t>时间变短</a:t>
             </a:r>
             <a:endParaRPr lang="en-US" altLang="zh-CN" sz="1600" dirty="0">
               <a:latin typeface="微软雅黑" panose="020B0503020204020204" pitchFamily="34" charset="-122"/>
@@ -4213,26 +4281,169 @@
               <a:sym typeface="Wingdings" panose="05000000000000000000" pitchFamily="2" charset="2"/>
             </a:endParaRPr>
           </a:p>
+          <a:p>
+            <a:pPr marL="285750" indent="-285750">
+              <a:lnSpc>
+                <a:spcPct val="200000"/>
+              </a:lnSpc>
+              <a:buFont typeface="Wingdings" panose="05000000000000000000" pitchFamily="2" charset="2"/>
+              <a:buChar char="p"/>
+            </a:pPr>
+            <a:r>
+              <a:rPr lang="zh-CN" altLang="en-US" sz="1600" dirty="0">
+                <a:latin typeface="微软雅黑" panose="020B0503020204020204" pitchFamily="34" charset="-122"/>
+                <a:ea typeface="微软雅黑" panose="020B0503020204020204" pitchFamily="34" charset="-122"/>
+                <a:sym typeface="Wingdings" panose="05000000000000000000" pitchFamily="2" charset="2"/>
+              </a:rPr>
+              <a:t>毛刺变多</a:t>
+            </a:r>
+            <a:endParaRPr lang="en-US" altLang="zh-CN" sz="1600" dirty="0">
+              <a:latin typeface="微软雅黑" panose="020B0503020204020204" pitchFamily="34" charset="-122"/>
+              <a:ea typeface="微软雅黑" panose="020B0503020204020204" pitchFamily="34" charset="-122"/>
+              <a:sym typeface="Wingdings" panose="05000000000000000000" pitchFamily="2" charset="2"/>
+            </a:endParaRPr>
+          </a:p>
+          <a:p>
+            <a:pPr marL="285750" indent="-285750">
+              <a:lnSpc>
+                <a:spcPct val="200000"/>
+              </a:lnSpc>
+              <a:buFont typeface="Wingdings" panose="05000000000000000000" pitchFamily="2" charset="2"/>
+              <a:buChar char="p"/>
+            </a:pPr>
+            <a:r>
+              <a:rPr lang="zh-CN" altLang="en-US" sz="1600" dirty="0">
+                <a:latin typeface="微软雅黑" panose="020B0503020204020204" pitchFamily="34" charset="-122"/>
+                <a:ea typeface="微软雅黑" panose="020B0503020204020204" pitchFamily="34" charset="-122"/>
+                <a:sym typeface="Wingdings" panose="05000000000000000000" pitchFamily="2" charset="2"/>
+              </a:rPr>
+              <a:t>能量变小</a:t>
+            </a:r>
+            <a:endParaRPr lang="en-US" altLang="zh-CN" sz="1600" dirty="0">
+              <a:latin typeface="微软雅黑" panose="020B0503020204020204" pitchFamily="34" charset="-122"/>
+              <a:ea typeface="微软雅黑" panose="020B0503020204020204" pitchFamily="34" charset="-122"/>
+              <a:sym typeface="Wingdings" panose="05000000000000000000" pitchFamily="2" charset="2"/>
+            </a:endParaRPr>
+          </a:p>
+          <a:p>
+            <a:pPr marL="285750" indent="-285750">
+              <a:lnSpc>
+                <a:spcPct val="200000"/>
+              </a:lnSpc>
+              <a:buFont typeface="Wingdings" panose="05000000000000000000" pitchFamily="2" charset="2"/>
+              <a:buChar char="p"/>
+            </a:pPr>
+            <a:r>
+              <a:rPr lang="en-US" altLang="zh-CN" sz="1600" dirty="0">
+                <a:latin typeface="微软雅黑" panose="020B0503020204020204" pitchFamily="34" charset="-122"/>
+                <a:ea typeface="微软雅黑" panose="020B0503020204020204" pitchFamily="34" charset="-122"/>
+                <a:sym typeface="Wingdings" panose="05000000000000000000" pitchFamily="2" charset="2"/>
+              </a:rPr>
+              <a:t>I want to take a picture/Take action/Wait</a:t>
+            </a:r>
+          </a:p>
         </p:txBody>
       </p:sp>
       <p:pic>
         <p:nvPicPr>
-          <p:cNvPr id="2" name="图片 1"/>
+          <p:cNvPr id="4" name="1(1)">
+            <a:hlinkClick r:id="" action="ppaction://media"/>
+            <a:extLst>
+              <a:ext uri="{FF2B5EF4-FFF2-40B4-BE49-F238E27FC236}">
+                <a16:creationId xmlns:a16="http://schemas.microsoft.com/office/drawing/2014/main" id="{2C746C57-9869-43ED-84F7-4D0A62D408FB}"/>
+              </a:ext>
+            </a:extLst>
+          </p:cNvPr>
+          <p:cNvPicPr>
+            <a:picLocks noChangeAspect="1"/>
+          </p:cNvPicPr>
+          <p:nvPr>
+            <a:audioFile r:link="rId2"/>
+            <p:extLst>
+              <p:ext uri="{DAA4B4D4-6D71-4841-9C94-3DE7FCFB9230}">
+                <p14:media xmlns:p14="http://schemas.microsoft.com/office/powerpoint/2010/main" r:embed="rId1"/>
+              </p:ext>
+            </p:extLst>
+          </p:nvPr>
+        </p:nvPicPr>
+        <p:blipFill>
+          <a:blip r:embed="rId9"/>
+          <a:stretch>
+            <a:fillRect/>
+          </a:stretch>
+        </p:blipFill>
+        <p:spPr>
+          <a:xfrm>
+            <a:off x="6096000" y="1400571"/>
+            <a:ext cx="499848" cy="609600"/>
+          </a:xfrm>
+          <a:prstGeom prst="rect">
+            <a:avLst/>
+          </a:prstGeom>
+        </p:spPr>
+      </p:pic>
+      <p:pic>
+        <p:nvPicPr>
+          <p:cNvPr id="5" name="take action">
+            <a:hlinkClick r:id="" action="ppaction://media"/>
+            <a:extLst>
+              <a:ext uri="{FF2B5EF4-FFF2-40B4-BE49-F238E27FC236}">
+                <a16:creationId xmlns:a16="http://schemas.microsoft.com/office/drawing/2014/main" id="{8A906949-EC87-4434-9B0A-17D0622B1058}"/>
+              </a:ext>
+            </a:extLst>
+          </p:cNvPr>
+          <p:cNvPicPr>
+            <a:picLocks noChangeAspect="1"/>
+          </p:cNvPicPr>
+          <p:nvPr>
+            <a:audioFile r:link="rId4"/>
+            <p:extLst>
+              <p:ext uri="{DAA4B4D4-6D71-4841-9C94-3DE7FCFB9230}">
+                <p14:media xmlns:p14="http://schemas.microsoft.com/office/powerpoint/2010/main" r:embed="rId3"/>
+              </p:ext>
+            </p:extLst>
+          </p:nvPr>
+        </p:nvPicPr>
+        <p:blipFill>
+          <a:blip r:embed="rId9"/>
+          <a:stretch>
+            <a:fillRect/>
+          </a:stretch>
+        </p:blipFill>
+        <p:spPr>
+          <a:xfrm>
+            <a:off x="8126520" y="1400571"/>
+            <a:ext cx="499848" cy="609600"/>
+          </a:xfrm>
+          <a:prstGeom prst="rect">
+            <a:avLst/>
+          </a:prstGeom>
+        </p:spPr>
+      </p:pic>
+      <p:pic>
+        <p:nvPicPr>
+          <p:cNvPr id="2" name="图片 1">
+            <a:extLst>
+              <a:ext uri="{FF2B5EF4-FFF2-40B4-BE49-F238E27FC236}">
+                <a16:creationId xmlns:a16="http://schemas.microsoft.com/office/drawing/2014/main" id="{C193EBB0-AAD9-446D-B926-D84BEFB1EFFD}"/>
+              </a:ext>
+            </a:extLst>
+          </p:cNvPr>
           <p:cNvPicPr>
             <a:picLocks noChangeAspect="1"/>
           </p:cNvPicPr>
           <p:nvPr/>
         </p:nvPicPr>
         <p:blipFill>
-          <a:blip r:embed="rId3"/>
+          <a:blip r:embed="rId10"/>
           <a:stretch>
             <a:fillRect/>
           </a:stretch>
         </p:blipFill>
         <p:spPr>
           <a:xfrm>
-            <a:off x="0" y="1871602"/>
-            <a:ext cx="5812004" cy="4738786"/>
+            <a:off x="1099751" y="3780302"/>
+            <a:ext cx="4609071" cy="2920369"/>
           </a:xfrm>
           <a:prstGeom prst="rect">
             <a:avLst/>
@@ -4241,22 +4452,66 @@
       </p:pic>
       <p:pic>
         <p:nvPicPr>
-          <p:cNvPr id="4" name="图片 3"/>
+          <p:cNvPr id="6" name="图片 5">
+            <a:extLst>
+              <a:ext uri="{FF2B5EF4-FFF2-40B4-BE49-F238E27FC236}">
+                <a16:creationId xmlns:a16="http://schemas.microsoft.com/office/drawing/2014/main" id="{81D01220-3A63-4B33-8E27-3E0C15ADB0A7}"/>
+              </a:ext>
+            </a:extLst>
+          </p:cNvPr>
           <p:cNvPicPr>
             <a:picLocks noChangeAspect="1"/>
           </p:cNvPicPr>
           <p:nvPr/>
         </p:nvPicPr>
         <p:blipFill>
-          <a:blip r:embed="rId4"/>
+          <a:blip r:embed="rId11"/>
           <a:stretch>
             <a:fillRect/>
           </a:stretch>
         </p:blipFill>
         <p:spPr>
           <a:xfrm>
-            <a:off x="5812004" y="1871602"/>
-            <a:ext cx="6330439" cy="4738786"/>
+            <a:off x="5708822" y="3169914"/>
+            <a:ext cx="6414064" cy="3530757"/>
+          </a:xfrm>
+          <a:prstGeom prst="rect">
+            <a:avLst/>
+          </a:prstGeom>
+        </p:spPr>
+      </p:pic>
+      <p:pic>
+        <p:nvPicPr>
+          <p:cNvPr id="7" name="wait">
+            <a:hlinkClick r:id="" action="ppaction://media"/>
+            <a:extLst>
+              <a:ext uri="{FF2B5EF4-FFF2-40B4-BE49-F238E27FC236}">
+                <a16:creationId xmlns:a16="http://schemas.microsoft.com/office/drawing/2014/main" id="{45C343E1-FF41-4DEA-99F5-C00E804D57C1}"/>
+              </a:ext>
+            </a:extLst>
+          </p:cNvPr>
+          <p:cNvPicPr>
+            <a:picLocks noChangeAspect="1"/>
+          </p:cNvPicPr>
+          <p:nvPr>
+            <a:audioFile r:link="rId6"/>
+            <p:extLst>
+              <p:ext uri="{DAA4B4D4-6D71-4841-9C94-3DE7FCFB9230}">
+                <p14:media xmlns:p14="http://schemas.microsoft.com/office/powerpoint/2010/main" r:embed="rId5"/>
+              </p:ext>
+            </p:extLst>
+          </p:nvPr>
+        </p:nvPicPr>
+        <p:blipFill>
+          <a:blip r:embed="rId9"/>
+          <a:stretch>
+            <a:fillRect/>
+          </a:stretch>
+        </p:blipFill>
+        <p:spPr>
+          <a:xfrm>
+            <a:off x="10673681" y="1412983"/>
+            <a:ext cx="609600" cy="609600"/>
           </a:xfrm>
           <a:prstGeom prst="rect">
             <a:avLst/>
@@ -4266,7 +4521,7 @@
     </p:spTree>
     <p:extLst>
       <p:ext uri="{BB962C8B-B14F-4D97-AF65-F5344CB8AC3E}">
-        <p14:creationId xmlns:p14="http://schemas.microsoft.com/office/powerpoint/2010/main" val="1317122002"/>
+        <p14:creationId xmlns:p14="http://schemas.microsoft.com/office/powerpoint/2010/main" val="3005479436"/>
       </p:ext>
     </p:extLst>
   </p:cSld>
@@ -4276,7 +4531,192 @@
   <p:timing>
     <p:tnLst>
       <p:par>
-        <p:cTn id="1" dur="indefinite" restart="never" nodeType="tmRoot"/>
+        <p:cTn id="1" dur="indefinite" restart="never" nodeType="tmRoot">
+          <p:childTnLst>
+            <p:seq concurrent="1" nextAc="seek">
+              <p:cTn id="2" dur="indefinite" nodeType="mainSeq">
+                <p:childTnLst>
+                  <p:par>
+                    <p:cTn id="3" fill="hold">
+                      <p:stCondLst>
+                        <p:cond delay="indefinite"/>
+                      </p:stCondLst>
+                      <p:childTnLst>
+                        <p:par>
+                          <p:cTn id="4" fill="hold">
+                            <p:stCondLst>
+                              <p:cond delay="0"/>
+                            </p:stCondLst>
+                            <p:childTnLst>
+                              <p:par>
+                                <p:cTn id="5" presetID="1" presetClass="mediacall" presetSubtype="0" fill="hold" nodeType="clickEffect">
+                                  <p:stCondLst>
+                                    <p:cond delay="0"/>
+                                  </p:stCondLst>
+                                  <p:childTnLst>
+                                    <p:cmd type="call" cmd="playFrom(0.0)">
+                                      <p:cBhvr>
+                                        <p:cTn id="6" dur="1752" fill="hold"/>
+                                        <p:tgtEl>
+                                          <p:spTgt spid="4"/>
+                                        </p:tgtEl>
+                                      </p:cBhvr>
+                                    </p:cmd>
+                                  </p:childTnLst>
+                                </p:cTn>
+                              </p:par>
+                            </p:childTnLst>
+                          </p:cTn>
+                        </p:par>
+                      </p:childTnLst>
+                    </p:cTn>
+                  </p:par>
+                  <p:par>
+                    <p:cTn id="7" fill="hold">
+                      <p:stCondLst>
+                        <p:cond delay="indefinite"/>
+                      </p:stCondLst>
+                      <p:childTnLst>
+                        <p:par>
+                          <p:cTn id="8" fill="hold">
+                            <p:stCondLst>
+                              <p:cond delay="0"/>
+                            </p:stCondLst>
+                            <p:childTnLst>
+                              <p:par>
+                                <p:cTn id="9" presetID="1" presetClass="mediacall" presetSubtype="0" fill="hold" nodeType="clickEffect">
+                                  <p:stCondLst>
+                                    <p:cond delay="0"/>
+                                  </p:stCondLst>
+                                  <p:childTnLst>
+                                    <p:cmd type="call" cmd="playFrom(0.0)">
+                                      <p:cBhvr>
+                                        <p:cTn id="10" dur="1384" fill="hold"/>
+                                        <p:tgtEl>
+                                          <p:spTgt spid="5"/>
+                                        </p:tgtEl>
+                                      </p:cBhvr>
+                                    </p:cmd>
+                                  </p:childTnLst>
+                                </p:cTn>
+                              </p:par>
+                            </p:childTnLst>
+                          </p:cTn>
+                        </p:par>
+                      </p:childTnLst>
+                    </p:cTn>
+                  </p:par>
+                  <p:par>
+                    <p:cTn id="11" fill="hold">
+                      <p:stCondLst>
+                        <p:cond delay="indefinite"/>
+                      </p:stCondLst>
+                      <p:childTnLst>
+                        <p:par>
+                          <p:cTn id="12" fill="hold">
+                            <p:stCondLst>
+                              <p:cond delay="0"/>
+                            </p:stCondLst>
+                            <p:childTnLst>
+                              <p:par>
+                                <p:cTn id="13" presetID="1" presetClass="mediacall" presetSubtype="0" fill="hold" nodeType="clickEffect">
+                                  <p:stCondLst>
+                                    <p:cond delay="0"/>
+                                  </p:stCondLst>
+                                  <p:childTnLst>
+                                    <p:cmd type="call" cmd="playFrom(0.0)">
+                                      <p:cBhvr>
+                                        <p:cTn id="14" dur="1304" fill="hold"/>
+                                        <p:tgtEl>
+                                          <p:spTgt spid="7"/>
+                                        </p:tgtEl>
+                                      </p:cBhvr>
+                                    </p:cmd>
+                                  </p:childTnLst>
+                                </p:cTn>
+                              </p:par>
+                            </p:childTnLst>
+                          </p:cTn>
+                        </p:par>
+                      </p:childTnLst>
+                    </p:cTn>
+                  </p:par>
+                </p:childTnLst>
+              </p:cTn>
+              <p:prevCondLst>
+                <p:cond evt="onPrev" delay="0">
+                  <p:tgtEl>
+                    <p:sldTgt/>
+                  </p:tgtEl>
+                </p:cond>
+              </p:prevCondLst>
+              <p:nextCondLst>
+                <p:cond evt="onNext" delay="0">
+                  <p:tgtEl>
+                    <p:sldTgt/>
+                  </p:tgtEl>
+                </p:cond>
+              </p:nextCondLst>
+            </p:seq>
+            <p:audio>
+              <p:cMediaNode vol="80000">
+                <p:cTn id="15" fill="hold" display="0">
+                  <p:stCondLst>
+                    <p:cond delay="indefinite"/>
+                  </p:stCondLst>
+                  <p:endCondLst>
+                    <p:cond evt="onStopAudio" delay="0">
+                      <p:tgtEl>
+                        <p:sldTgt/>
+                      </p:tgtEl>
+                    </p:cond>
+                  </p:endCondLst>
+                </p:cTn>
+                <p:tgtEl>
+                  <p:spTgt spid="4"/>
+                </p:tgtEl>
+              </p:cMediaNode>
+            </p:audio>
+            <p:audio>
+              <p:cMediaNode vol="80000">
+                <p:cTn id="16" fill="hold" display="0">
+                  <p:stCondLst>
+                    <p:cond delay="indefinite"/>
+                  </p:stCondLst>
+                  <p:endCondLst>
+                    <p:cond evt="onStopAudio" delay="0">
+                      <p:tgtEl>
+                        <p:sldTgt/>
+                      </p:tgtEl>
+                    </p:cond>
+                  </p:endCondLst>
+                </p:cTn>
+                <p:tgtEl>
+                  <p:spTgt spid="5"/>
+                </p:tgtEl>
+              </p:cMediaNode>
+            </p:audio>
+            <p:audio>
+              <p:cMediaNode vol="80000">
+                <p:cTn id="17" fill="hold" display="0">
+                  <p:stCondLst>
+                    <p:cond delay="indefinite"/>
+                  </p:stCondLst>
+                  <p:endCondLst>
+                    <p:cond evt="onStopAudio" delay="0">
+                      <p:tgtEl>
+                        <p:sldTgt/>
+                      </p:tgtEl>
+                    </p:cond>
+                  </p:endCondLst>
+                </p:cTn>
+                <p:tgtEl>
+                  <p:spTgt spid="7"/>
+                </p:tgtEl>
+              </p:cMediaNode>
+            </p:audio>
+          </p:childTnLst>
+        </p:cTn>
       </p:par>
     </p:tnLst>
   </p:timing>
@@ -4305,7 +4745,7 @@
           <p:cNvPr id="12" name="矩形 11">
             <a:extLst>
               <a:ext uri="{FF2B5EF4-FFF2-40B4-BE49-F238E27FC236}">
-                <a16:creationId xmlns:a16="http://schemas.microsoft.com/office/drawing/2014/main" xmlns="" id="{0FDAD747-108F-4A6D-9220-5EA05067FF1E}"/>
+                <a16:creationId xmlns:a16="http://schemas.microsoft.com/office/drawing/2014/main" id="{0FDAD747-108F-4A6D-9220-5EA05067FF1E}"/>
               </a:ext>
             </a:extLst>
           </p:cNvPr>
@@ -4334,10 +4774,6 @@
               </a:rPr>
               <a:t>思路</a:t>
             </a:r>
-            <a:endParaRPr lang="zh-CN" altLang="en-US" sz="3200" b="1" dirty="0">
-              <a:latin typeface="微软雅黑" panose="020B0503020204020204" pitchFamily="34" charset="-122"/>
-              <a:ea typeface="微软雅黑" panose="020B0503020204020204" pitchFamily="34" charset="-122"/>
-            </a:endParaRPr>
           </a:p>
         </p:txBody>
       </p:sp>
@@ -4346,7 +4782,7 @@
           <p:cNvPr id="33" name="矩形 32">
             <a:extLst>
               <a:ext uri="{FF2B5EF4-FFF2-40B4-BE49-F238E27FC236}">
-                <a16:creationId xmlns:a16="http://schemas.microsoft.com/office/drawing/2014/main" xmlns="" id="{6D5DF4CC-A10E-4318-AC3B-EBB586734114}"/>
+                <a16:creationId xmlns:a16="http://schemas.microsoft.com/office/drawing/2014/main" id="{6D5DF4CC-A10E-4318-AC3B-EBB586734114}"/>
               </a:ext>
             </a:extLst>
           </p:cNvPr>
@@ -4376,46 +4812,74 @@
               <a:buChar char="p"/>
             </a:pPr>
             <a:r>
-              <a:rPr lang="zh-CN" altLang="en-US" sz="1600" dirty="0">
+              <a:rPr lang="en-US" altLang="zh-CN" sz="1600" dirty="0">
                 <a:latin typeface="微软雅黑" panose="020B0503020204020204" pitchFamily="34" charset="-122"/>
                 <a:ea typeface="微软雅黑" panose="020B0503020204020204" pitchFamily="34" charset="-122"/>
                 <a:sym typeface="Wingdings" panose="05000000000000000000" pitchFamily="2" charset="2"/>
               </a:rPr>
-              <a:t>求</a:t>
+              <a:t>xxx</a:t>
             </a:r>
-            <a:r>
-              <a:rPr lang="zh-CN" altLang="en-US" sz="1600" dirty="0" smtClean="0">
-                <a:latin typeface="微软雅黑" panose="020B0503020204020204" pitchFamily="34" charset="-122"/>
-                <a:ea typeface="微软雅黑" panose="020B0503020204020204" pitchFamily="34" charset="-122"/>
-                <a:sym typeface="Wingdings" panose="05000000000000000000" pitchFamily="2" charset="2"/>
-              </a:rPr>
-              <a:t>最大差异解</a:t>
-            </a:r>
-            <a:endParaRPr lang="en-US" altLang="zh-CN" sz="1600" dirty="0">
-              <a:latin typeface="微软雅黑" panose="020B0503020204020204" pitchFamily="34" charset="-122"/>
-              <a:ea typeface="微软雅黑" panose="020B0503020204020204" pitchFamily="34" charset="-122"/>
-              <a:sym typeface="Wingdings" panose="05000000000000000000" pitchFamily="2" charset="2"/>
-            </a:endParaRPr>
-          </a:p>
-        </p:txBody>
-      </p:sp>
+          </a:p>
+        </p:txBody>
+      </p:sp>
+      <p:pic>
+        <p:nvPicPr>
+          <p:cNvPr id="2" name="图片 1"/>
+          <p:cNvPicPr>
+            <a:picLocks noChangeAspect="1"/>
+          </p:cNvPicPr>
+          <p:nvPr/>
+        </p:nvPicPr>
+        <p:blipFill>
+          <a:blip r:embed="rId3"/>
+          <a:stretch>
+            <a:fillRect/>
+          </a:stretch>
+        </p:blipFill>
+        <p:spPr>
+          <a:xfrm>
+            <a:off x="0" y="1871602"/>
+            <a:ext cx="5812004" cy="4738786"/>
+          </a:xfrm>
+          <a:prstGeom prst="rect">
+            <a:avLst/>
+          </a:prstGeom>
+        </p:spPr>
+      </p:pic>
+      <p:pic>
+        <p:nvPicPr>
+          <p:cNvPr id="4" name="图片 3"/>
+          <p:cNvPicPr>
+            <a:picLocks noChangeAspect="1"/>
+          </p:cNvPicPr>
+          <p:nvPr/>
+        </p:nvPicPr>
+        <p:blipFill>
+          <a:blip r:embed="rId4"/>
+          <a:stretch>
+            <a:fillRect/>
+          </a:stretch>
+        </p:blipFill>
+        <p:spPr>
+          <a:xfrm>
+            <a:off x="5812004" y="1871602"/>
+            <a:ext cx="6330439" cy="4738786"/>
+          </a:xfrm>
+          <a:prstGeom prst="rect">
+            <a:avLst/>
+          </a:prstGeom>
+        </p:spPr>
+      </p:pic>
     </p:spTree>
     <p:extLst>
       <p:ext uri="{BB962C8B-B14F-4D97-AF65-F5344CB8AC3E}">
-        <p14:creationId xmlns:p14="http://schemas.microsoft.com/office/powerpoint/2010/main" val="3005479436"/>
+        <p14:creationId xmlns:p14="http://schemas.microsoft.com/office/powerpoint/2010/main" val="1317122002"/>
       </p:ext>
     </p:extLst>
   </p:cSld>
   <p:clrMapOvr>
     <a:masterClrMapping/>
   </p:clrMapOvr>
-  <p:timing>
-    <p:tnLst>
-      <p:par>
-        <p:cTn id="1" dur="indefinite" restart="never" nodeType="tmRoot"/>
-      </p:par>
-    </p:tnLst>
-  </p:timing>
 </p:sld>
 </file>
 
@@ -4441,7 +4905,7 @@
           <p:cNvPr id="12" name="矩形 11">
             <a:extLst>
               <a:ext uri="{FF2B5EF4-FFF2-40B4-BE49-F238E27FC236}">
-                <a16:creationId xmlns:a16="http://schemas.microsoft.com/office/drawing/2014/main" xmlns="" id="{0FDAD747-108F-4A6D-9220-5EA05067FF1E}"/>
+                <a16:creationId xmlns:a16="http://schemas.microsoft.com/office/drawing/2014/main" id="{0FDAD747-108F-4A6D-9220-5EA05067FF1E}"/>
               </a:ext>
             </a:extLst>
           </p:cNvPr>
@@ -4451,7 +4915,7 @@
         <p:spPr>
           <a:xfrm>
             <a:off x="852298" y="1120596"/>
-            <a:ext cx="2646878" cy="584775"/>
+            <a:ext cx="1005403" cy="584775"/>
           </a:xfrm>
           <a:prstGeom prst="rect">
             <a:avLst/>
@@ -4464,16 +4928,12 @@
           <a:lstStyle/>
           <a:p>
             <a:r>
-              <a:rPr lang="zh-CN" altLang="en-US" sz="3200" b="1" dirty="0" smtClean="0">
+              <a:rPr lang="zh-CN" altLang="en-US" sz="3200" b="1" dirty="0">
                 <a:latin typeface="微软雅黑" panose="020B0503020204020204" pitchFamily="34" charset="-122"/>
                 <a:ea typeface="微软雅黑" panose="020B0503020204020204" pitchFamily="34" charset="-122"/>
               </a:rPr>
-              <a:t>快速阈值探究</a:t>
+              <a:t>思路</a:t>
             </a:r>
-            <a:endParaRPr lang="zh-CN" altLang="en-US" sz="3200" b="1" dirty="0">
-              <a:latin typeface="微软雅黑" panose="020B0503020204020204" pitchFamily="34" charset="-122"/>
-              <a:ea typeface="微软雅黑" panose="020B0503020204020204" pitchFamily="34" charset="-122"/>
-            </a:endParaRPr>
           </a:p>
         </p:txBody>
       </p:sp>
@@ -4482,7 +4942,7 @@
           <p:cNvPr id="33" name="矩形 32">
             <a:extLst>
               <a:ext uri="{FF2B5EF4-FFF2-40B4-BE49-F238E27FC236}">
-                <a16:creationId xmlns:a16="http://schemas.microsoft.com/office/drawing/2014/main" xmlns="" id="{6D5DF4CC-A10E-4318-AC3B-EBB586734114}"/>
+                <a16:creationId xmlns:a16="http://schemas.microsoft.com/office/drawing/2014/main" id="{6D5DF4CC-A10E-4318-AC3B-EBB586734114}"/>
               </a:ext>
             </a:extLst>
           </p:cNvPr>
@@ -4492,7 +4952,7 @@
         <p:spPr>
           <a:xfrm>
             <a:off x="852297" y="1705371"/>
-            <a:ext cx="10870780" cy="510524"/>
+            <a:ext cx="10870780" cy="1002967"/>
           </a:xfrm>
           <a:prstGeom prst="rect">
             <a:avLst/>
@@ -4512,12 +4972,36 @@
               <a:buChar char="p"/>
             </a:pPr>
             <a:r>
-              <a:rPr lang="en-US" altLang="zh-CN" sz="1600" dirty="0" err="1" smtClean="0">
+              <a:rPr lang="en-US" altLang="zh-CN" sz="1600" dirty="0">
                 <a:latin typeface="微软雅黑" panose="020B0503020204020204" pitchFamily="34" charset="-122"/>
                 <a:ea typeface="微软雅黑" panose="020B0503020204020204" pitchFamily="34" charset="-122"/>
                 <a:sym typeface="Wingdings" panose="05000000000000000000" pitchFamily="2" charset="2"/>
               </a:rPr>
-              <a:t>xxxx</a:t>
+              <a:t>Image Scaling Attack: </a:t>
+            </a:r>
+            <a:r>
+              <a:rPr lang="zh-CN" altLang="en-US" sz="1600" dirty="0">
+                <a:latin typeface="微软雅黑" panose="020B0503020204020204" pitchFamily="34" charset="-122"/>
+                <a:ea typeface="微软雅黑" panose="020B0503020204020204" pitchFamily="34" charset="-122"/>
+                <a:sym typeface="Wingdings" panose="05000000000000000000" pitchFamily="2" charset="2"/>
+              </a:rPr>
+              <a:t>不确定</a:t>
+            </a:r>
+            <a:r>
+              <a:rPr lang="en-US" altLang="zh-CN" sz="1600" dirty="0">
+                <a:latin typeface="微软雅黑" panose="020B0503020204020204" pitchFamily="34" charset="-122"/>
+                <a:ea typeface="微软雅黑" panose="020B0503020204020204" pitchFamily="34" charset="-122"/>
+                <a:sym typeface="Wingdings" panose="05000000000000000000" pitchFamily="2" charset="2"/>
+              </a:rPr>
+              <a:t>target</a:t>
+            </a:r>
+            <a:r>
+              <a:rPr lang="zh-CN" altLang="en-US" sz="1600" dirty="0">
+                <a:latin typeface="微软雅黑" panose="020B0503020204020204" pitchFamily="34" charset="-122"/>
+                <a:ea typeface="微软雅黑" panose="020B0503020204020204" pitchFamily="34" charset="-122"/>
+                <a:sym typeface="Wingdings" panose="05000000000000000000" pitchFamily="2" charset="2"/>
+              </a:rPr>
+              <a:t>情况下求最大差异图片</a:t>
             </a:r>
             <a:endParaRPr lang="en-US" altLang="zh-CN" sz="1600" dirty="0">
               <a:latin typeface="微软雅黑" panose="020B0503020204020204" pitchFamily="34" charset="-122"/>
@@ -4525,25 +5009,40 @@
               <a:sym typeface="Wingdings" panose="05000000000000000000" pitchFamily="2" charset="2"/>
             </a:endParaRPr>
           </a:p>
+          <a:p>
+            <a:pPr marL="285750" indent="-285750">
+              <a:lnSpc>
+                <a:spcPct val="200000"/>
+              </a:lnSpc>
+              <a:buFont typeface="Wingdings" panose="05000000000000000000" pitchFamily="2" charset="2"/>
+              <a:buChar char="p"/>
+            </a:pPr>
+            <a:r>
+              <a:rPr lang="zh-CN" altLang="en-US" sz="1600" dirty="0">
+                <a:latin typeface="微软雅黑" panose="020B0503020204020204" pitchFamily="34" charset="-122"/>
+                <a:ea typeface="微软雅黑" panose="020B0503020204020204" pitchFamily="34" charset="-122"/>
+                <a:sym typeface="Wingdings" panose="05000000000000000000" pitchFamily="2" charset="2"/>
+              </a:rPr>
+              <a:t>求最大差异解</a:t>
+            </a:r>
+            <a:endParaRPr lang="en-US" altLang="zh-CN" sz="1600" dirty="0">
+              <a:latin typeface="微软雅黑" panose="020B0503020204020204" pitchFamily="34" charset="-122"/>
+              <a:ea typeface="微软雅黑" panose="020B0503020204020204" pitchFamily="34" charset="-122"/>
+              <a:sym typeface="Wingdings" panose="05000000000000000000" pitchFamily="2" charset="2"/>
+            </a:endParaRPr>
+          </a:p>
         </p:txBody>
       </p:sp>
     </p:spTree>
     <p:extLst>
       <p:ext uri="{BB962C8B-B14F-4D97-AF65-F5344CB8AC3E}">
-        <p14:creationId xmlns:p14="http://schemas.microsoft.com/office/powerpoint/2010/main" val="3527559931"/>
+        <p14:creationId xmlns:p14="http://schemas.microsoft.com/office/powerpoint/2010/main" val="3850148525"/>
       </p:ext>
     </p:extLst>
   </p:cSld>
   <p:clrMapOvr>
     <a:masterClrMapping/>
   </p:clrMapOvr>
-  <p:timing>
-    <p:tnLst>
-      <p:par>
-        <p:cTn id="1" dur="indefinite" restart="never" nodeType="tmRoot"/>
-      </p:par>
-    </p:tnLst>
-  </p:timing>
 </p:sld>
 </file>
 
@@ -4569,7 +5068,7 @@
           <p:cNvPr id="12" name="矩形 11">
             <a:extLst>
               <a:ext uri="{FF2B5EF4-FFF2-40B4-BE49-F238E27FC236}">
-                <a16:creationId xmlns:a16="http://schemas.microsoft.com/office/drawing/2014/main" xmlns="" id="{0FDAD747-108F-4A6D-9220-5EA05067FF1E}"/>
+                <a16:creationId xmlns:a16="http://schemas.microsoft.com/office/drawing/2014/main" id="{0FDAD747-108F-4A6D-9220-5EA05067FF1E}"/>
               </a:ext>
             </a:extLst>
           </p:cNvPr>
@@ -4592,16 +5091,12 @@
           <a:lstStyle/>
           <a:p>
             <a:r>
-              <a:rPr lang="zh-CN" altLang="en-US" sz="3200" b="1" dirty="0" smtClean="0">
+              <a:rPr lang="zh-CN" altLang="en-US" sz="3200" b="1" dirty="0">
                 <a:latin typeface="微软雅黑" panose="020B0503020204020204" pitchFamily="34" charset="-122"/>
                 <a:ea typeface="微软雅黑" panose="020B0503020204020204" pitchFamily="34" charset="-122"/>
               </a:rPr>
-              <a:t>慢速增音探究</a:t>
+              <a:t>快速阈值探究</a:t>
             </a:r>
-            <a:endParaRPr lang="zh-CN" altLang="en-US" sz="3200" b="1" dirty="0">
-              <a:latin typeface="微软雅黑" panose="020B0503020204020204" pitchFamily="34" charset="-122"/>
-              <a:ea typeface="微软雅黑" panose="020B0503020204020204" pitchFamily="34" charset="-122"/>
-            </a:endParaRPr>
           </a:p>
         </p:txBody>
       </p:sp>
@@ -4610,7 +5105,7 @@
           <p:cNvPr id="33" name="矩形 32">
             <a:extLst>
               <a:ext uri="{FF2B5EF4-FFF2-40B4-BE49-F238E27FC236}">
-                <a16:creationId xmlns:a16="http://schemas.microsoft.com/office/drawing/2014/main" xmlns="" id="{6D5DF4CC-A10E-4318-AC3B-EBB586734114}"/>
+                <a16:creationId xmlns:a16="http://schemas.microsoft.com/office/drawing/2014/main" id="{6D5DF4CC-A10E-4318-AC3B-EBB586734114}"/>
               </a:ext>
             </a:extLst>
           </p:cNvPr>
@@ -4640,12 +5135,12 @@
               <a:buChar char="p"/>
             </a:pPr>
             <a:r>
-              <a:rPr lang="en-US" altLang="zh-CN" sz="1600" dirty="0" err="1" smtClean="0">
+              <a:rPr lang="zh-CN" altLang="en-US" sz="1600" dirty="0">
                 <a:latin typeface="微软雅黑" panose="020B0503020204020204" pitchFamily="34" charset="-122"/>
                 <a:ea typeface="微软雅黑" panose="020B0503020204020204" pitchFamily="34" charset="-122"/>
                 <a:sym typeface="Wingdings" panose="05000000000000000000" pitchFamily="2" charset="2"/>
               </a:rPr>
-              <a:t>xxxx</a:t>
+              <a:t>快速不收敛到某一个值</a:t>
             </a:r>
             <a:endParaRPr lang="en-US" altLang="zh-CN" sz="1600" dirty="0">
               <a:latin typeface="微软雅黑" panose="020B0503020204020204" pitchFamily="34" charset="-122"/>
@@ -4658,20 +5153,13 @@
     </p:spTree>
     <p:extLst>
       <p:ext uri="{BB962C8B-B14F-4D97-AF65-F5344CB8AC3E}">
-        <p14:creationId xmlns:p14="http://schemas.microsoft.com/office/powerpoint/2010/main" val="4226513089"/>
+        <p14:creationId xmlns:p14="http://schemas.microsoft.com/office/powerpoint/2010/main" val="3527559931"/>
       </p:ext>
     </p:extLst>
   </p:cSld>
   <p:clrMapOvr>
     <a:masterClrMapping/>
   </p:clrMapOvr>
-  <p:timing>
-    <p:tnLst>
-      <p:par>
-        <p:cTn id="1" dur="indefinite" restart="never" nodeType="tmRoot"/>
-      </p:par>
-    </p:tnLst>
-  </p:timing>
 </p:sld>
 </file>
 
@@ -4697,7 +5185,7 @@
           <p:cNvPr id="12" name="矩形 11">
             <a:extLst>
               <a:ext uri="{FF2B5EF4-FFF2-40B4-BE49-F238E27FC236}">
-                <a16:creationId xmlns:a16="http://schemas.microsoft.com/office/drawing/2014/main" xmlns="" id="{0FDAD747-108F-4A6D-9220-5EA05067FF1E}"/>
+                <a16:creationId xmlns:a16="http://schemas.microsoft.com/office/drawing/2014/main" id="{0FDAD747-108F-4A6D-9220-5EA05067FF1E}"/>
               </a:ext>
             </a:extLst>
           </p:cNvPr>
@@ -4707,7 +5195,7 @@
         <p:spPr>
           <a:xfrm>
             <a:off x="852298" y="1120596"/>
-            <a:ext cx="3671198" cy="584775"/>
+            <a:ext cx="2646878" cy="584775"/>
           </a:xfrm>
           <a:prstGeom prst="rect">
             <a:avLst/>
@@ -4720,23 +5208,12 @@
           <a:lstStyle/>
           <a:p>
             <a:r>
-              <a:rPr lang="en-US" altLang="zh-CN" sz="3200" b="1" dirty="0" smtClean="0">
+              <a:rPr lang="zh-CN" altLang="en-US" sz="3200" b="1" dirty="0">
                 <a:latin typeface="微软雅黑" panose="020B0503020204020204" pitchFamily="34" charset="-122"/>
                 <a:ea typeface="微软雅黑" panose="020B0503020204020204" pitchFamily="34" charset="-122"/>
               </a:rPr>
-              <a:t>Deletion CTC</a:t>
+              <a:t>慢速增音探究</a:t>
             </a:r>
-            <a:r>
-              <a:rPr lang="zh-CN" altLang="en-US" sz="3200" b="1" dirty="0" smtClean="0">
-                <a:latin typeface="微软雅黑" panose="020B0503020204020204" pitchFamily="34" charset="-122"/>
-                <a:ea typeface="微软雅黑" panose="020B0503020204020204" pitchFamily="34" charset="-122"/>
-              </a:rPr>
-              <a:t>研究</a:t>
-            </a:r>
-            <a:endParaRPr lang="zh-CN" altLang="en-US" sz="3200" b="1" dirty="0">
-              <a:latin typeface="微软雅黑" panose="020B0503020204020204" pitchFamily="34" charset="-122"/>
-              <a:ea typeface="微软雅黑" panose="020B0503020204020204" pitchFamily="34" charset="-122"/>
-            </a:endParaRPr>
           </a:p>
         </p:txBody>
       </p:sp>
@@ -4745,7 +5222,7 @@
           <p:cNvPr id="33" name="矩形 32">
             <a:extLst>
               <a:ext uri="{FF2B5EF4-FFF2-40B4-BE49-F238E27FC236}">
-                <a16:creationId xmlns:a16="http://schemas.microsoft.com/office/drawing/2014/main" xmlns="" id="{6D5DF4CC-A10E-4318-AC3B-EBB586734114}"/>
+                <a16:creationId xmlns:a16="http://schemas.microsoft.com/office/drawing/2014/main" id="{6D5DF4CC-A10E-4318-AC3B-EBB586734114}"/>
               </a:ext>
             </a:extLst>
           </p:cNvPr>
@@ -4775,12 +5252,12 @@
               <a:buChar char="p"/>
             </a:pPr>
             <a:r>
-              <a:rPr lang="en-US" altLang="zh-CN" sz="1600" dirty="0" err="1" smtClean="0">
+              <a:rPr lang="zh-CN" altLang="en-US" sz="1600" dirty="0">
                 <a:latin typeface="微软雅黑" panose="020B0503020204020204" pitchFamily="34" charset="-122"/>
                 <a:ea typeface="微软雅黑" panose="020B0503020204020204" pitchFamily="34" charset="-122"/>
                 <a:sym typeface="Wingdings" panose="05000000000000000000" pitchFamily="2" charset="2"/>
               </a:rPr>
-              <a:t>xxxx</a:t>
+              <a:t>慢速不一定有增音</a:t>
             </a:r>
             <a:endParaRPr lang="en-US" altLang="zh-CN" sz="1600" dirty="0">
               <a:latin typeface="微软雅黑" panose="020B0503020204020204" pitchFamily="34" charset="-122"/>
@@ -4793,20 +5270,13 @@
     </p:spTree>
     <p:extLst>
       <p:ext uri="{BB962C8B-B14F-4D97-AF65-F5344CB8AC3E}">
-        <p14:creationId xmlns:p14="http://schemas.microsoft.com/office/powerpoint/2010/main" val="3607769104"/>
+        <p14:creationId xmlns:p14="http://schemas.microsoft.com/office/powerpoint/2010/main" val="4226513089"/>
       </p:ext>
     </p:extLst>
   </p:cSld>
   <p:clrMapOvr>
     <a:masterClrMapping/>
   </p:clrMapOvr>
-  <p:timing>
-    <p:tnLst>
-      <p:par>
-        <p:cTn id="1" dur="indefinite" restart="never" nodeType="tmRoot"/>
-      </p:par>
-    </p:tnLst>
-  </p:timing>
 </p:sld>
 </file>
 
@@ -4832,7 +5302,7 @@
           <p:cNvPr id="12" name="矩形 11">
             <a:extLst>
               <a:ext uri="{FF2B5EF4-FFF2-40B4-BE49-F238E27FC236}">
-                <a16:creationId xmlns:a16="http://schemas.microsoft.com/office/drawing/2014/main" xmlns="" id="{0FDAD747-108F-4A6D-9220-5EA05067FF1E}"/>
+                <a16:creationId xmlns:a16="http://schemas.microsoft.com/office/drawing/2014/main" id="{0FDAD747-108F-4A6D-9220-5EA05067FF1E}"/>
               </a:ext>
             </a:extLst>
           </p:cNvPr>
@@ -4842,7 +5312,7 @@
         <p:spPr>
           <a:xfrm>
             <a:off x="852298" y="1120596"/>
-            <a:ext cx="2236510" cy="584775"/>
+            <a:ext cx="3700052" cy="584775"/>
           </a:xfrm>
           <a:prstGeom prst="rect">
             <a:avLst/>
@@ -4855,16 +5325,19 @@
           <a:lstStyle/>
           <a:p>
             <a:r>
-              <a:rPr lang="zh-CN" altLang="en-US" sz="3200" b="1" dirty="0" smtClean="0">
+              <a:rPr lang="en-US" altLang="zh-CN" sz="3200" b="1" dirty="0">
                 <a:latin typeface="微软雅黑" panose="020B0503020204020204" pitchFamily="34" charset="-122"/>
                 <a:ea typeface="微软雅黑" panose="020B0503020204020204" pitchFamily="34" charset="-122"/>
               </a:rPr>
-              <a:t>降版本发现</a:t>
+              <a:t>Deletion </a:t>
             </a:r>
-            <a:endParaRPr lang="zh-CN" altLang="en-US" sz="3200" b="1" dirty="0">
-              <a:latin typeface="微软雅黑" panose="020B0503020204020204" pitchFamily="34" charset="-122"/>
-              <a:ea typeface="微软雅黑" panose="020B0503020204020204" pitchFamily="34" charset="-122"/>
-            </a:endParaRPr>
+            <a:r>
+              <a:rPr lang="zh-CN" altLang="en-US" sz="3200" b="1" dirty="0">
+                <a:latin typeface="微软雅黑" panose="020B0503020204020204" pitchFamily="34" charset="-122"/>
+                <a:ea typeface="微软雅黑" panose="020B0503020204020204" pitchFamily="34" charset="-122"/>
+              </a:rPr>
+              <a:t>序列研究</a:t>
+            </a:r>
           </a:p>
         </p:txBody>
       </p:sp>
@@ -4873,7 +5346,7 @@
           <p:cNvPr id="33" name="矩形 32">
             <a:extLst>
               <a:ext uri="{FF2B5EF4-FFF2-40B4-BE49-F238E27FC236}">
-                <a16:creationId xmlns:a16="http://schemas.microsoft.com/office/drawing/2014/main" xmlns="" id="{6D5DF4CC-A10E-4318-AC3B-EBB586734114}"/>
+                <a16:creationId xmlns:a16="http://schemas.microsoft.com/office/drawing/2014/main" id="{6D5DF4CC-A10E-4318-AC3B-EBB586734114}"/>
               </a:ext>
             </a:extLst>
           </p:cNvPr>
@@ -4903,7 +5376,124 @@
               <a:buChar char="p"/>
             </a:pPr>
             <a:r>
-              <a:rPr lang="en-US" altLang="zh-CN" sz="1600" dirty="0" err="1" smtClean="0">
+              <a:rPr lang="zh-CN" altLang="en-US" sz="1600" dirty="0">
+                <a:latin typeface="微软雅黑" panose="020B0503020204020204" pitchFamily="34" charset="-122"/>
+                <a:ea typeface="微软雅黑" panose="020B0503020204020204" pitchFamily="34" charset="-122"/>
+                <a:sym typeface="Wingdings" panose="05000000000000000000" pitchFamily="2" charset="2"/>
+              </a:rPr>
+              <a:t>等待填充</a:t>
+            </a:r>
+            <a:endParaRPr lang="en-US" altLang="zh-CN" sz="1600" dirty="0">
+              <a:latin typeface="微软雅黑" panose="020B0503020204020204" pitchFamily="34" charset="-122"/>
+              <a:ea typeface="微软雅黑" panose="020B0503020204020204" pitchFamily="34" charset="-122"/>
+              <a:sym typeface="Wingdings" panose="05000000000000000000" pitchFamily="2" charset="2"/>
+            </a:endParaRPr>
+          </a:p>
+        </p:txBody>
+      </p:sp>
+    </p:spTree>
+    <p:extLst>
+      <p:ext uri="{BB962C8B-B14F-4D97-AF65-F5344CB8AC3E}">
+        <p14:creationId xmlns:p14="http://schemas.microsoft.com/office/powerpoint/2010/main" val="3607769104"/>
+      </p:ext>
+    </p:extLst>
+  </p:cSld>
+  <p:clrMapOvr>
+    <a:masterClrMapping/>
+  </p:clrMapOvr>
+</p:sld>
+</file>
+
+<file path=ppt/slides/slide9.xml><?xml version="1.0" encoding="utf-8"?>
+<p:sld xmlns:a="http://schemas.openxmlformats.org/drawingml/2006/main" xmlns:r="http://schemas.openxmlformats.org/officeDocument/2006/relationships" xmlns:p="http://schemas.openxmlformats.org/presentationml/2006/main">
+  <p:cSld>
+    <p:spTree>
+      <p:nvGrpSpPr>
+        <p:cNvPr id="1" name=""/>
+        <p:cNvGrpSpPr/>
+        <p:nvPr/>
+      </p:nvGrpSpPr>
+      <p:grpSpPr>
+        <a:xfrm>
+          <a:off x="0" y="0"/>
+          <a:ext cx="0" cy="0"/>
+          <a:chOff x="0" y="0"/>
+          <a:chExt cx="0" cy="0"/>
+        </a:xfrm>
+      </p:grpSpPr>
+      <p:sp>
+        <p:nvSpPr>
+          <p:cNvPr id="12" name="矩形 11">
+            <a:extLst>
+              <a:ext uri="{FF2B5EF4-FFF2-40B4-BE49-F238E27FC236}">
+                <a16:creationId xmlns:a16="http://schemas.microsoft.com/office/drawing/2014/main" id="{0FDAD747-108F-4A6D-9220-5EA05067FF1E}"/>
+              </a:ext>
+            </a:extLst>
+          </p:cNvPr>
+          <p:cNvSpPr/>
+          <p:nvPr/>
+        </p:nvSpPr>
+        <p:spPr>
+          <a:xfrm>
+            <a:off x="852298" y="1120596"/>
+            <a:ext cx="2236510" cy="584775"/>
+          </a:xfrm>
+          <a:prstGeom prst="rect">
+            <a:avLst/>
+          </a:prstGeom>
+        </p:spPr>
+        <p:txBody>
+          <a:bodyPr wrap="none">
+            <a:spAutoFit/>
+          </a:bodyPr>
+          <a:lstStyle/>
+          <a:p>
+            <a:r>
+              <a:rPr lang="zh-CN" altLang="en-US" sz="3200" b="1" dirty="0">
+                <a:latin typeface="微软雅黑" panose="020B0503020204020204" pitchFamily="34" charset="-122"/>
+                <a:ea typeface="微软雅黑" panose="020B0503020204020204" pitchFamily="34" charset="-122"/>
+              </a:rPr>
+              <a:t>降版本发现</a:t>
+            </a:r>
+          </a:p>
+        </p:txBody>
+      </p:sp>
+      <p:sp>
+        <p:nvSpPr>
+          <p:cNvPr id="33" name="矩形 32">
+            <a:extLst>
+              <a:ext uri="{FF2B5EF4-FFF2-40B4-BE49-F238E27FC236}">
+                <a16:creationId xmlns:a16="http://schemas.microsoft.com/office/drawing/2014/main" id="{6D5DF4CC-A10E-4318-AC3B-EBB586734114}"/>
+              </a:ext>
+            </a:extLst>
+          </p:cNvPr>
+          <p:cNvSpPr/>
+          <p:nvPr/>
+        </p:nvSpPr>
+        <p:spPr>
+          <a:xfrm>
+            <a:off x="852297" y="1705371"/>
+            <a:ext cx="10870780" cy="510524"/>
+          </a:xfrm>
+          <a:prstGeom prst="rect">
+            <a:avLst/>
+          </a:prstGeom>
+        </p:spPr>
+        <p:txBody>
+          <a:bodyPr wrap="square">
+            <a:spAutoFit/>
+          </a:bodyPr>
+          <a:lstStyle/>
+          <a:p>
+            <a:pPr marL="285750" indent="-285750">
+              <a:lnSpc>
+                <a:spcPct val="200000"/>
+              </a:lnSpc>
+              <a:buFont typeface="Wingdings" panose="05000000000000000000" pitchFamily="2" charset="2"/>
+              <a:buChar char="p"/>
+            </a:pPr>
+            <a:r>
+              <a:rPr lang="en-US" altLang="zh-CN" sz="1600" dirty="0" err="1">
                 <a:latin typeface="微软雅黑" panose="020B0503020204020204" pitchFamily="34" charset="-122"/>
                 <a:ea typeface="微软雅黑" panose="020B0503020204020204" pitchFamily="34" charset="-122"/>
                 <a:sym typeface="Wingdings" panose="05000000000000000000" pitchFamily="2" charset="2"/>
@@ -4928,13 +5518,6 @@
   <p:clrMapOvr>
     <a:masterClrMapping/>
   </p:clrMapOvr>
-  <p:timing>
-    <p:tnLst>
-      <p:par>
-        <p:cTn id="1" dur="indefinite" restart="never" nodeType="tmRoot"/>
-      </p:par>
-    </p:tnLst>
-  </p:timing>
 </p:sld>
 </file>
 

--- a/documents/基于音频预处理过程的语音识别系统攻击5.6_brief.pptx
+++ b/documents/基于音频预处理过程的语音识别系统攻击5.6_brief.pptx
@@ -5,18 +5,26 @@
     <p:sldMasterId id="2147483648" r:id="rId1"/>
   </p:sldMasterIdLst>
   <p:notesMasterIdLst>
-    <p:notesMasterId r:id="rId11"/>
+    <p:notesMasterId r:id="rId19"/>
   </p:notesMasterIdLst>
   <p:sldIdLst>
     <p:sldId id="558" r:id="rId2"/>
     <p:sldId id="576" r:id="rId3"/>
     <p:sldId id="578" r:id="rId4"/>
-    <p:sldId id="577" r:id="rId5"/>
-    <p:sldId id="583" r:id="rId6"/>
-    <p:sldId id="579" r:id="rId7"/>
-    <p:sldId id="580" r:id="rId8"/>
-    <p:sldId id="581" r:id="rId9"/>
-    <p:sldId id="582" r:id="rId10"/>
+    <p:sldId id="584" r:id="rId5"/>
+    <p:sldId id="588" r:id="rId6"/>
+    <p:sldId id="589" r:id="rId7"/>
+    <p:sldId id="587" r:id="rId8"/>
+    <p:sldId id="585" r:id="rId9"/>
+    <p:sldId id="590" r:id="rId10"/>
+    <p:sldId id="591" r:id="rId11"/>
+    <p:sldId id="592" r:id="rId12"/>
+    <p:sldId id="577" r:id="rId13"/>
+    <p:sldId id="583" r:id="rId14"/>
+    <p:sldId id="579" r:id="rId15"/>
+    <p:sldId id="580" r:id="rId16"/>
+    <p:sldId id="581" r:id="rId17"/>
+    <p:sldId id="582" r:id="rId18"/>
   </p:sldIdLst>
   <p:sldSz cx="12192000" cy="6858000"/>
   <p:notesSz cx="9874250" cy="6797675"/>
@@ -208,7 +216,7 @@
           <a:p>
             <a:fld id="{8F4F2EAB-82EF-4749-B0A6-32E8CB1FB1E4}" type="datetimeFigureOut">
               <a:rPr lang="zh-CN" altLang="en-US" smtClean="0"/>
-              <a:t>2020/9/7</a:t>
+              <a:t>2020/9/8</a:t>
             </a:fld>
             <a:endParaRPr lang="zh-CN" altLang="en-US"/>
           </a:p>
@@ -559,6 +567,678 @@
 </p:notes>
 </file>
 
+<file path=ppt/notesSlides/notesSlide10.xml><?xml version="1.0" encoding="utf-8"?>
+<p:notes xmlns:a="http://schemas.openxmlformats.org/drawingml/2006/main" xmlns:r="http://schemas.openxmlformats.org/officeDocument/2006/relationships" xmlns:p="http://schemas.openxmlformats.org/presentationml/2006/main">
+  <p:cSld>
+    <p:spTree>
+      <p:nvGrpSpPr>
+        <p:cNvPr id="1" name=""/>
+        <p:cNvGrpSpPr/>
+        <p:nvPr/>
+      </p:nvGrpSpPr>
+      <p:grpSpPr>
+        <a:xfrm>
+          <a:off x="0" y="0"/>
+          <a:ext cx="0" cy="0"/>
+          <a:chOff x="0" y="0"/>
+          <a:chExt cx="0" cy="0"/>
+        </a:xfrm>
+      </p:grpSpPr>
+      <p:sp>
+        <p:nvSpPr>
+          <p:cNvPr id="2" name="幻灯片图像占位符 1"/>
+          <p:cNvSpPr>
+            <a:spLocks noGrp="1" noRot="1" noChangeAspect="1"/>
+          </p:cNvSpPr>
+          <p:nvPr>
+            <p:ph type="sldImg"/>
+          </p:nvPr>
+        </p:nvSpPr>
+        <p:spPr/>
+      </p:sp>
+      <p:sp>
+        <p:nvSpPr>
+          <p:cNvPr id="3" name="备注占位符 2"/>
+          <p:cNvSpPr>
+            <a:spLocks noGrp="1"/>
+          </p:cNvSpPr>
+          <p:nvPr>
+            <p:ph type="body" idx="1"/>
+          </p:nvPr>
+        </p:nvSpPr>
+        <p:spPr/>
+        <p:txBody>
+          <a:bodyPr/>
+          <a:lstStyle/>
+          <a:p>
+            <a:endParaRPr lang="zh-CN" altLang="en-US" dirty="0"/>
+          </a:p>
+        </p:txBody>
+      </p:sp>
+      <p:sp>
+        <p:nvSpPr>
+          <p:cNvPr id="4" name="灯片编号占位符 3"/>
+          <p:cNvSpPr>
+            <a:spLocks noGrp="1"/>
+          </p:cNvSpPr>
+          <p:nvPr>
+            <p:ph type="sldNum" sz="quarter" idx="10"/>
+          </p:nvPr>
+        </p:nvSpPr>
+        <p:spPr/>
+        <p:txBody>
+          <a:bodyPr/>
+          <a:lstStyle/>
+          <a:p>
+            <a:fld id="{2E13179B-82BD-4567-A6FC-5FF2E5270D1F}" type="slidenum">
+              <a:rPr lang="zh-CN" altLang="en-US" smtClean="0"/>
+              <a:t>10</a:t>
+            </a:fld>
+            <a:endParaRPr lang="zh-CN" altLang="en-US"/>
+          </a:p>
+        </p:txBody>
+      </p:sp>
+    </p:spTree>
+    <p:extLst>
+      <p:ext uri="{BB962C8B-B14F-4D97-AF65-F5344CB8AC3E}">
+        <p14:creationId xmlns:p14="http://schemas.microsoft.com/office/powerpoint/2010/main" val="763867834"/>
+      </p:ext>
+    </p:extLst>
+  </p:cSld>
+  <p:clrMapOvr>
+    <a:masterClrMapping/>
+  </p:clrMapOvr>
+</p:notes>
+</file>
+
+<file path=ppt/notesSlides/notesSlide11.xml><?xml version="1.0" encoding="utf-8"?>
+<p:notes xmlns:a="http://schemas.openxmlformats.org/drawingml/2006/main" xmlns:r="http://schemas.openxmlformats.org/officeDocument/2006/relationships" xmlns:p="http://schemas.openxmlformats.org/presentationml/2006/main">
+  <p:cSld>
+    <p:spTree>
+      <p:nvGrpSpPr>
+        <p:cNvPr id="1" name=""/>
+        <p:cNvGrpSpPr/>
+        <p:nvPr/>
+      </p:nvGrpSpPr>
+      <p:grpSpPr>
+        <a:xfrm>
+          <a:off x="0" y="0"/>
+          <a:ext cx="0" cy="0"/>
+          <a:chOff x="0" y="0"/>
+          <a:chExt cx="0" cy="0"/>
+        </a:xfrm>
+      </p:grpSpPr>
+      <p:sp>
+        <p:nvSpPr>
+          <p:cNvPr id="2" name="幻灯片图像占位符 1"/>
+          <p:cNvSpPr>
+            <a:spLocks noGrp="1" noRot="1" noChangeAspect="1"/>
+          </p:cNvSpPr>
+          <p:nvPr>
+            <p:ph type="sldImg"/>
+          </p:nvPr>
+        </p:nvSpPr>
+        <p:spPr/>
+      </p:sp>
+      <p:sp>
+        <p:nvSpPr>
+          <p:cNvPr id="3" name="备注占位符 2"/>
+          <p:cNvSpPr>
+            <a:spLocks noGrp="1"/>
+          </p:cNvSpPr>
+          <p:nvPr>
+            <p:ph type="body" idx="1"/>
+          </p:nvPr>
+        </p:nvSpPr>
+        <p:spPr/>
+        <p:txBody>
+          <a:bodyPr/>
+          <a:lstStyle/>
+          <a:p>
+            <a:endParaRPr lang="zh-CN" altLang="en-US" dirty="0"/>
+          </a:p>
+        </p:txBody>
+      </p:sp>
+      <p:sp>
+        <p:nvSpPr>
+          <p:cNvPr id="4" name="灯片编号占位符 3"/>
+          <p:cNvSpPr>
+            <a:spLocks noGrp="1"/>
+          </p:cNvSpPr>
+          <p:nvPr>
+            <p:ph type="sldNum" sz="quarter" idx="10"/>
+          </p:nvPr>
+        </p:nvSpPr>
+        <p:spPr/>
+        <p:txBody>
+          <a:bodyPr/>
+          <a:lstStyle/>
+          <a:p>
+            <a:fld id="{2E13179B-82BD-4567-A6FC-5FF2E5270D1F}" type="slidenum">
+              <a:rPr lang="zh-CN" altLang="en-US" smtClean="0"/>
+              <a:t>11</a:t>
+            </a:fld>
+            <a:endParaRPr lang="zh-CN" altLang="en-US"/>
+          </a:p>
+        </p:txBody>
+      </p:sp>
+    </p:spTree>
+    <p:extLst>
+      <p:ext uri="{BB962C8B-B14F-4D97-AF65-F5344CB8AC3E}">
+        <p14:creationId xmlns:p14="http://schemas.microsoft.com/office/powerpoint/2010/main" val="3447033235"/>
+      </p:ext>
+    </p:extLst>
+  </p:cSld>
+  <p:clrMapOvr>
+    <a:masterClrMapping/>
+  </p:clrMapOvr>
+</p:notes>
+</file>
+
+<file path=ppt/notesSlides/notesSlide12.xml><?xml version="1.0" encoding="utf-8"?>
+<p:notes xmlns:a="http://schemas.openxmlformats.org/drawingml/2006/main" xmlns:r="http://schemas.openxmlformats.org/officeDocument/2006/relationships" xmlns:p="http://schemas.openxmlformats.org/presentationml/2006/main">
+  <p:cSld>
+    <p:spTree>
+      <p:nvGrpSpPr>
+        <p:cNvPr id="1" name=""/>
+        <p:cNvGrpSpPr/>
+        <p:nvPr/>
+      </p:nvGrpSpPr>
+      <p:grpSpPr>
+        <a:xfrm>
+          <a:off x="0" y="0"/>
+          <a:ext cx="0" cy="0"/>
+          <a:chOff x="0" y="0"/>
+          <a:chExt cx="0" cy="0"/>
+        </a:xfrm>
+      </p:grpSpPr>
+      <p:sp>
+        <p:nvSpPr>
+          <p:cNvPr id="2" name="幻灯片图像占位符 1"/>
+          <p:cNvSpPr>
+            <a:spLocks noGrp="1" noRot="1" noChangeAspect="1"/>
+          </p:cNvSpPr>
+          <p:nvPr>
+            <p:ph type="sldImg"/>
+          </p:nvPr>
+        </p:nvSpPr>
+        <p:spPr/>
+      </p:sp>
+      <p:sp>
+        <p:nvSpPr>
+          <p:cNvPr id="3" name="备注占位符 2"/>
+          <p:cNvSpPr>
+            <a:spLocks noGrp="1"/>
+          </p:cNvSpPr>
+          <p:nvPr>
+            <p:ph type="body" idx="1"/>
+          </p:nvPr>
+        </p:nvSpPr>
+        <p:spPr/>
+        <p:txBody>
+          <a:bodyPr/>
+          <a:lstStyle/>
+          <a:p>
+            <a:endParaRPr lang="zh-CN" altLang="en-US" dirty="0"/>
+          </a:p>
+        </p:txBody>
+      </p:sp>
+      <p:sp>
+        <p:nvSpPr>
+          <p:cNvPr id="4" name="灯片编号占位符 3"/>
+          <p:cNvSpPr>
+            <a:spLocks noGrp="1"/>
+          </p:cNvSpPr>
+          <p:nvPr>
+            <p:ph type="sldNum" sz="quarter" idx="10"/>
+          </p:nvPr>
+        </p:nvSpPr>
+        <p:spPr/>
+        <p:txBody>
+          <a:bodyPr/>
+          <a:lstStyle/>
+          <a:p>
+            <a:fld id="{2E13179B-82BD-4567-A6FC-5FF2E5270D1F}" type="slidenum">
+              <a:rPr lang="zh-CN" altLang="en-US" smtClean="0"/>
+              <a:t>12</a:t>
+            </a:fld>
+            <a:endParaRPr lang="zh-CN" altLang="en-US"/>
+          </a:p>
+        </p:txBody>
+      </p:sp>
+    </p:spTree>
+    <p:extLst>
+      <p:ext uri="{BB962C8B-B14F-4D97-AF65-F5344CB8AC3E}">
+        <p14:creationId xmlns:p14="http://schemas.microsoft.com/office/powerpoint/2010/main" val="3226808913"/>
+      </p:ext>
+    </p:extLst>
+  </p:cSld>
+  <p:clrMapOvr>
+    <a:masterClrMapping/>
+  </p:clrMapOvr>
+</p:notes>
+</file>
+
+<file path=ppt/notesSlides/notesSlide13.xml><?xml version="1.0" encoding="utf-8"?>
+<p:notes xmlns:a="http://schemas.openxmlformats.org/drawingml/2006/main" xmlns:r="http://schemas.openxmlformats.org/officeDocument/2006/relationships" xmlns:p="http://schemas.openxmlformats.org/presentationml/2006/main">
+  <p:cSld>
+    <p:spTree>
+      <p:nvGrpSpPr>
+        <p:cNvPr id="1" name=""/>
+        <p:cNvGrpSpPr/>
+        <p:nvPr/>
+      </p:nvGrpSpPr>
+      <p:grpSpPr>
+        <a:xfrm>
+          <a:off x="0" y="0"/>
+          <a:ext cx="0" cy="0"/>
+          <a:chOff x="0" y="0"/>
+          <a:chExt cx="0" cy="0"/>
+        </a:xfrm>
+      </p:grpSpPr>
+      <p:sp>
+        <p:nvSpPr>
+          <p:cNvPr id="2" name="幻灯片图像占位符 1"/>
+          <p:cNvSpPr>
+            <a:spLocks noGrp="1" noRot="1" noChangeAspect="1"/>
+          </p:cNvSpPr>
+          <p:nvPr>
+            <p:ph type="sldImg"/>
+          </p:nvPr>
+        </p:nvSpPr>
+        <p:spPr/>
+      </p:sp>
+      <p:sp>
+        <p:nvSpPr>
+          <p:cNvPr id="3" name="备注占位符 2"/>
+          <p:cNvSpPr>
+            <a:spLocks noGrp="1"/>
+          </p:cNvSpPr>
+          <p:nvPr>
+            <p:ph type="body" idx="1"/>
+          </p:nvPr>
+        </p:nvSpPr>
+        <p:spPr/>
+        <p:txBody>
+          <a:bodyPr/>
+          <a:lstStyle/>
+          <a:p>
+            <a:endParaRPr lang="zh-CN" altLang="en-US" dirty="0"/>
+          </a:p>
+        </p:txBody>
+      </p:sp>
+      <p:sp>
+        <p:nvSpPr>
+          <p:cNvPr id="4" name="灯片编号占位符 3"/>
+          <p:cNvSpPr>
+            <a:spLocks noGrp="1"/>
+          </p:cNvSpPr>
+          <p:nvPr>
+            <p:ph type="sldNum" sz="quarter" idx="10"/>
+          </p:nvPr>
+        </p:nvSpPr>
+        <p:spPr/>
+        <p:txBody>
+          <a:bodyPr/>
+          <a:lstStyle/>
+          <a:p>
+            <a:fld id="{2E13179B-82BD-4567-A6FC-5FF2E5270D1F}" type="slidenum">
+              <a:rPr lang="zh-CN" altLang="en-US" smtClean="0"/>
+              <a:t>13</a:t>
+            </a:fld>
+            <a:endParaRPr lang="zh-CN" altLang="en-US"/>
+          </a:p>
+        </p:txBody>
+      </p:sp>
+    </p:spTree>
+    <p:extLst>
+      <p:ext uri="{BB962C8B-B14F-4D97-AF65-F5344CB8AC3E}">
+        <p14:creationId xmlns:p14="http://schemas.microsoft.com/office/powerpoint/2010/main" val="3978257693"/>
+      </p:ext>
+    </p:extLst>
+  </p:cSld>
+  <p:clrMapOvr>
+    <a:masterClrMapping/>
+  </p:clrMapOvr>
+</p:notes>
+</file>
+
+<file path=ppt/notesSlides/notesSlide14.xml><?xml version="1.0" encoding="utf-8"?>
+<p:notes xmlns:a="http://schemas.openxmlformats.org/drawingml/2006/main" xmlns:r="http://schemas.openxmlformats.org/officeDocument/2006/relationships" xmlns:p="http://schemas.openxmlformats.org/presentationml/2006/main">
+  <p:cSld>
+    <p:spTree>
+      <p:nvGrpSpPr>
+        <p:cNvPr id="1" name=""/>
+        <p:cNvGrpSpPr/>
+        <p:nvPr/>
+      </p:nvGrpSpPr>
+      <p:grpSpPr>
+        <a:xfrm>
+          <a:off x="0" y="0"/>
+          <a:ext cx="0" cy="0"/>
+          <a:chOff x="0" y="0"/>
+          <a:chExt cx="0" cy="0"/>
+        </a:xfrm>
+      </p:grpSpPr>
+      <p:sp>
+        <p:nvSpPr>
+          <p:cNvPr id="2" name="幻灯片图像占位符 1"/>
+          <p:cNvSpPr>
+            <a:spLocks noGrp="1" noRot="1" noChangeAspect="1"/>
+          </p:cNvSpPr>
+          <p:nvPr>
+            <p:ph type="sldImg"/>
+          </p:nvPr>
+        </p:nvSpPr>
+        <p:spPr/>
+      </p:sp>
+      <p:sp>
+        <p:nvSpPr>
+          <p:cNvPr id="3" name="备注占位符 2"/>
+          <p:cNvSpPr>
+            <a:spLocks noGrp="1"/>
+          </p:cNvSpPr>
+          <p:nvPr>
+            <p:ph type="body" idx="1"/>
+          </p:nvPr>
+        </p:nvSpPr>
+        <p:spPr/>
+        <p:txBody>
+          <a:bodyPr/>
+          <a:lstStyle/>
+          <a:p>
+            <a:endParaRPr lang="zh-CN" altLang="en-US" dirty="0"/>
+          </a:p>
+        </p:txBody>
+      </p:sp>
+      <p:sp>
+        <p:nvSpPr>
+          <p:cNvPr id="4" name="灯片编号占位符 3"/>
+          <p:cNvSpPr>
+            <a:spLocks noGrp="1"/>
+          </p:cNvSpPr>
+          <p:nvPr>
+            <p:ph type="sldNum" sz="quarter" idx="10"/>
+          </p:nvPr>
+        </p:nvSpPr>
+        <p:spPr/>
+        <p:txBody>
+          <a:bodyPr/>
+          <a:lstStyle/>
+          <a:p>
+            <a:fld id="{2E13179B-82BD-4567-A6FC-5FF2E5270D1F}" type="slidenum">
+              <a:rPr lang="zh-CN" altLang="en-US" smtClean="0"/>
+              <a:t>14</a:t>
+            </a:fld>
+            <a:endParaRPr lang="zh-CN" altLang="en-US"/>
+          </a:p>
+        </p:txBody>
+      </p:sp>
+    </p:spTree>
+    <p:extLst>
+      <p:ext uri="{BB962C8B-B14F-4D97-AF65-F5344CB8AC3E}">
+        <p14:creationId xmlns:p14="http://schemas.microsoft.com/office/powerpoint/2010/main" val="3827148618"/>
+      </p:ext>
+    </p:extLst>
+  </p:cSld>
+  <p:clrMapOvr>
+    <a:masterClrMapping/>
+  </p:clrMapOvr>
+</p:notes>
+</file>
+
+<file path=ppt/notesSlides/notesSlide15.xml><?xml version="1.0" encoding="utf-8"?>
+<p:notes xmlns:a="http://schemas.openxmlformats.org/drawingml/2006/main" xmlns:r="http://schemas.openxmlformats.org/officeDocument/2006/relationships" xmlns:p="http://schemas.openxmlformats.org/presentationml/2006/main">
+  <p:cSld>
+    <p:spTree>
+      <p:nvGrpSpPr>
+        <p:cNvPr id="1" name=""/>
+        <p:cNvGrpSpPr/>
+        <p:nvPr/>
+      </p:nvGrpSpPr>
+      <p:grpSpPr>
+        <a:xfrm>
+          <a:off x="0" y="0"/>
+          <a:ext cx="0" cy="0"/>
+          <a:chOff x="0" y="0"/>
+          <a:chExt cx="0" cy="0"/>
+        </a:xfrm>
+      </p:grpSpPr>
+      <p:sp>
+        <p:nvSpPr>
+          <p:cNvPr id="2" name="幻灯片图像占位符 1"/>
+          <p:cNvSpPr>
+            <a:spLocks noGrp="1" noRot="1" noChangeAspect="1"/>
+          </p:cNvSpPr>
+          <p:nvPr>
+            <p:ph type="sldImg"/>
+          </p:nvPr>
+        </p:nvSpPr>
+        <p:spPr/>
+      </p:sp>
+      <p:sp>
+        <p:nvSpPr>
+          <p:cNvPr id="3" name="备注占位符 2"/>
+          <p:cNvSpPr>
+            <a:spLocks noGrp="1"/>
+          </p:cNvSpPr>
+          <p:nvPr>
+            <p:ph type="body" idx="1"/>
+          </p:nvPr>
+        </p:nvSpPr>
+        <p:spPr/>
+        <p:txBody>
+          <a:bodyPr/>
+          <a:lstStyle/>
+          <a:p>
+            <a:endParaRPr lang="zh-CN" altLang="en-US" dirty="0"/>
+          </a:p>
+        </p:txBody>
+      </p:sp>
+      <p:sp>
+        <p:nvSpPr>
+          <p:cNvPr id="4" name="灯片编号占位符 3"/>
+          <p:cNvSpPr>
+            <a:spLocks noGrp="1"/>
+          </p:cNvSpPr>
+          <p:nvPr>
+            <p:ph type="sldNum" sz="quarter" idx="10"/>
+          </p:nvPr>
+        </p:nvSpPr>
+        <p:spPr/>
+        <p:txBody>
+          <a:bodyPr/>
+          <a:lstStyle/>
+          <a:p>
+            <a:fld id="{2E13179B-82BD-4567-A6FC-5FF2E5270D1F}" type="slidenum">
+              <a:rPr lang="zh-CN" altLang="en-US" smtClean="0"/>
+              <a:t>15</a:t>
+            </a:fld>
+            <a:endParaRPr lang="zh-CN" altLang="en-US"/>
+          </a:p>
+        </p:txBody>
+      </p:sp>
+    </p:spTree>
+    <p:extLst>
+      <p:ext uri="{BB962C8B-B14F-4D97-AF65-F5344CB8AC3E}">
+        <p14:creationId xmlns:p14="http://schemas.microsoft.com/office/powerpoint/2010/main" val="2266273032"/>
+      </p:ext>
+    </p:extLst>
+  </p:cSld>
+  <p:clrMapOvr>
+    <a:masterClrMapping/>
+  </p:clrMapOvr>
+</p:notes>
+</file>
+
+<file path=ppt/notesSlides/notesSlide16.xml><?xml version="1.0" encoding="utf-8"?>
+<p:notes xmlns:a="http://schemas.openxmlformats.org/drawingml/2006/main" xmlns:r="http://schemas.openxmlformats.org/officeDocument/2006/relationships" xmlns:p="http://schemas.openxmlformats.org/presentationml/2006/main">
+  <p:cSld>
+    <p:spTree>
+      <p:nvGrpSpPr>
+        <p:cNvPr id="1" name=""/>
+        <p:cNvGrpSpPr/>
+        <p:nvPr/>
+      </p:nvGrpSpPr>
+      <p:grpSpPr>
+        <a:xfrm>
+          <a:off x="0" y="0"/>
+          <a:ext cx="0" cy="0"/>
+          <a:chOff x="0" y="0"/>
+          <a:chExt cx="0" cy="0"/>
+        </a:xfrm>
+      </p:grpSpPr>
+      <p:sp>
+        <p:nvSpPr>
+          <p:cNvPr id="2" name="幻灯片图像占位符 1"/>
+          <p:cNvSpPr>
+            <a:spLocks noGrp="1" noRot="1" noChangeAspect="1"/>
+          </p:cNvSpPr>
+          <p:nvPr>
+            <p:ph type="sldImg"/>
+          </p:nvPr>
+        </p:nvSpPr>
+        <p:spPr/>
+      </p:sp>
+      <p:sp>
+        <p:nvSpPr>
+          <p:cNvPr id="3" name="备注占位符 2"/>
+          <p:cNvSpPr>
+            <a:spLocks noGrp="1"/>
+          </p:cNvSpPr>
+          <p:nvPr>
+            <p:ph type="body" idx="1"/>
+          </p:nvPr>
+        </p:nvSpPr>
+        <p:spPr/>
+        <p:txBody>
+          <a:bodyPr/>
+          <a:lstStyle/>
+          <a:p>
+            <a:endParaRPr lang="zh-CN" altLang="en-US" dirty="0"/>
+          </a:p>
+        </p:txBody>
+      </p:sp>
+      <p:sp>
+        <p:nvSpPr>
+          <p:cNvPr id="4" name="灯片编号占位符 3"/>
+          <p:cNvSpPr>
+            <a:spLocks noGrp="1"/>
+          </p:cNvSpPr>
+          <p:nvPr>
+            <p:ph type="sldNum" sz="quarter" idx="10"/>
+          </p:nvPr>
+        </p:nvSpPr>
+        <p:spPr/>
+        <p:txBody>
+          <a:bodyPr/>
+          <a:lstStyle/>
+          <a:p>
+            <a:fld id="{2E13179B-82BD-4567-A6FC-5FF2E5270D1F}" type="slidenum">
+              <a:rPr lang="zh-CN" altLang="en-US" smtClean="0"/>
+              <a:t>16</a:t>
+            </a:fld>
+            <a:endParaRPr lang="zh-CN" altLang="en-US"/>
+          </a:p>
+        </p:txBody>
+      </p:sp>
+    </p:spTree>
+    <p:extLst>
+      <p:ext uri="{BB962C8B-B14F-4D97-AF65-F5344CB8AC3E}">
+        <p14:creationId xmlns:p14="http://schemas.microsoft.com/office/powerpoint/2010/main" val="1174497986"/>
+      </p:ext>
+    </p:extLst>
+  </p:cSld>
+  <p:clrMapOvr>
+    <a:masterClrMapping/>
+  </p:clrMapOvr>
+</p:notes>
+</file>
+
+<file path=ppt/notesSlides/notesSlide17.xml><?xml version="1.0" encoding="utf-8"?>
+<p:notes xmlns:a="http://schemas.openxmlformats.org/drawingml/2006/main" xmlns:r="http://schemas.openxmlformats.org/officeDocument/2006/relationships" xmlns:p="http://schemas.openxmlformats.org/presentationml/2006/main">
+  <p:cSld>
+    <p:spTree>
+      <p:nvGrpSpPr>
+        <p:cNvPr id="1" name=""/>
+        <p:cNvGrpSpPr/>
+        <p:nvPr/>
+      </p:nvGrpSpPr>
+      <p:grpSpPr>
+        <a:xfrm>
+          <a:off x="0" y="0"/>
+          <a:ext cx="0" cy="0"/>
+          <a:chOff x="0" y="0"/>
+          <a:chExt cx="0" cy="0"/>
+        </a:xfrm>
+      </p:grpSpPr>
+      <p:sp>
+        <p:nvSpPr>
+          <p:cNvPr id="2" name="幻灯片图像占位符 1"/>
+          <p:cNvSpPr>
+            <a:spLocks noGrp="1" noRot="1" noChangeAspect="1"/>
+          </p:cNvSpPr>
+          <p:nvPr>
+            <p:ph type="sldImg"/>
+          </p:nvPr>
+        </p:nvSpPr>
+        <p:spPr/>
+      </p:sp>
+      <p:sp>
+        <p:nvSpPr>
+          <p:cNvPr id="3" name="备注占位符 2"/>
+          <p:cNvSpPr>
+            <a:spLocks noGrp="1"/>
+          </p:cNvSpPr>
+          <p:nvPr>
+            <p:ph type="body" idx="1"/>
+          </p:nvPr>
+        </p:nvSpPr>
+        <p:spPr/>
+        <p:txBody>
+          <a:bodyPr/>
+          <a:lstStyle/>
+          <a:p>
+            <a:endParaRPr lang="zh-CN" altLang="en-US" dirty="0"/>
+          </a:p>
+        </p:txBody>
+      </p:sp>
+      <p:sp>
+        <p:nvSpPr>
+          <p:cNvPr id="4" name="灯片编号占位符 3"/>
+          <p:cNvSpPr>
+            <a:spLocks noGrp="1"/>
+          </p:cNvSpPr>
+          <p:nvPr>
+            <p:ph type="sldNum" sz="quarter" idx="10"/>
+          </p:nvPr>
+        </p:nvSpPr>
+        <p:spPr/>
+        <p:txBody>
+          <a:bodyPr/>
+          <a:lstStyle/>
+          <a:p>
+            <a:fld id="{2E13179B-82BD-4567-A6FC-5FF2E5270D1F}" type="slidenum">
+              <a:rPr lang="zh-CN" altLang="en-US" smtClean="0"/>
+              <a:t>17</a:t>
+            </a:fld>
+            <a:endParaRPr lang="zh-CN" altLang="en-US"/>
+          </a:p>
+        </p:txBody>
+      </p:sp>
+    </p:spTree>
+    <p:extLst>
+      <p:ext uri="{BB962C8B-B14F-4D97-AF65-F5344CB8AC3E}">
+        <p14:creationId xmlns:p14="http://schemas.microsoft.com/office/powerpoint/2010/main" val="1764278869"/>
+      </p:ext>
+    </p:extLst>
+  </p:cSld>
+  <p:clrMapOvr>
+    <a:masterClrMapping/>
+  </p:clrMapOvr>
+</p:notes>
+</file>
+
 <file path=ppt/notesSlides/notesSlide2.xml><?xml version="1.0" encoding="utf-8"?>
 <p:notes xmlns:a="http://schemas.openxmlformats.org/drawingml/2006/main" xmlns:r="http://schemas.openxmlformats.org/officeDocument/2006/relationships" xmlns:p="http://schemas.openxmlformats.org/presentationml/2006/main">
   <p:cSld>
@@ -801,7 +1481,7 @@
     </p:spTree>
     <p:extLst>
       <p:ext uri="{BB962C8B-B14F-4D97-AF65-F5344CB8AC3E}">
-        <p14:creationId xmlns:p14="http://schemas.microsoft.com/office/powerpoint/2010/main" val="3226808913"/>
+        <p14:creationId xmlns:p14="http://schemas.microsoft.com/office/powerpoint/2010/main" val="922453585"/>
       </p:ext>
     </p:extLst>
   </p:cSld>
@@ -885,7 +1565,7 @@
     </p:spTree>
     <p:extLst>
       <p:ext uri="{BB962C8B-B14F-4D97-AF65-F5344CB8AC3E}">
-        <p14:creationId xmlns:p14="http://schemas.microsoft.com/office/powerpoint/2010/main" val="3978257693"/>
+        <p14:creationId xmlns:p14="http://schemas.microsoft.com/office/powerpoint/2010/main" val="4173248844"/>
       </p:ext>
     </p:extLst>
   </p:cSld>
@@ -969,7 +1649,7 @@
     </p:spTree>
     <p:extLst>
       <p:ext uri="{BB962C8B-B14F-4D97-AF65-F5344CB8AC3E}">
-        <p14:creationId xmlns:p14="http://schemas.microsoft.com/office/powerpoint/2010/main" val="3827148618"/>
+        <p14:creationId xmlns:p14="http://schemas.microsoft.com/office/powerpoint/2010/main" val="2441311221"/>
       </p:ext>
     </p:extLst>
   </p:cSld>
@@ -1053,7 +1733,7 @@
     </p:spTree>
     <p:extLst>
       <p:ext uri="{BB962C8B-B14F-4D97-AF65-F5344CB8AC3E}">
-        <p14:creationId xmlns:p14="http://schemas.microsoft.com/office/powerpoint/2010/main" val="2266273032"/>
+        <p14:creationId xmlns:p14="http://schemas.microsoft.com/office/powerpoint/2010/main" val="3502418033"/>
       </p:ext>
     </p:extLst>
   </p:cSld>
@@ -1137,7 +1817,7 @@
     </p:spTree>
     <p:extLst>
       <p:ext uri="{BB962C8B-B14F-4D97-AF65-F5344CB8AC3E}">
-        <p14:creationId xmlns:p14="http://schemas.microsoft.com/office/powerpoint/2010/main" val="1174497986"/>
+        <p14:creationId xmlns:p14="http://schemas.microsoft.com/office/powerpoint/2010/main" val="2635447281"/>
       </p:ext>
     </p:extLst>
   </p:cSld>
@@ -1221,7 +1901,7 @@
     </p:spTree>
     <p:extLst>
       <p:ext uri="{BB962C8B-B14F-4D97-AF65-F5344CB8AC3E}">
-        <p14:creationId xmlns:p14="http://schemas.microsoft.com/office/powerpoint/2010/main" val="1764278869"/>
+        <p14:creationId xmlns:p14="http://schemas.microsoft.com/office/powerpoint/2010/main" val="417292420"/>
       </p:ext>
     </p:extLst>
   </p:cSld>
@@ -3601,6 +4281,2820 @@
 </p:sld>
 </file>
 
+<file path=ppt/slides/slide10.xml><?xml version="1.0" encoding="utf-8"?>
+<p:sld xmlns:a="http://schemas.openxmlformats.org/drawingml/2006/main" xmlns:r="http://schemas.openxmlformats.org/officeDocument/2006/relationships" xmlns:p="http://schemas.openxmlformats.org/presentationml/2006/main">
+  <p:cSld>
+    <p:spTree>
+      <p:nvGrpSpPr>
+        <p:cNvPr id="1" name=""/>
+        <p:cNvGrpSpPr/>
+        <p:nvPr/>
+      </p:nvGrpSpPr>
+      <p:grpSpPr>
+        <a:xfrm>
+          <a:off x="0" y="0"/>
+          <a:ext cx="0" cy="0"/>
+          <a:chOff x="0" y="0"/>
+          <a:chExt cx="0" cy="0"/>
+        </a:xfrm>
+      </p:grpSpPr>
+      <p:sp>
+        <p:nvSpPr>
+          <p:cNvPr id="12" name="矩形 11">
+            <a:extLst>
+              <a:ext uri="{FF2B5EF4-FFF2-40B4-BE49-F238E27FC236}">
+                <a16:creationId xmlns:a16="http://schemas.microsoft.com/office/drawing/2014/main" id="{0FDAD747-108F-4A6D-9220-5EA05067FF1E}"/>
+              </a:ext>
+            </a:extLst>
+          </p:cNvPr>
+          <p:cNvSpPr/>
+          <p:nvPr/>
+        </p:nvSpPr>
+        <p:spPr>
+          <a:xfrm>
+            <a:off x="852298" y="1120596"/>
+            <a:ext cx="9117945" cy="584775"/>
+          </a:xfrm>
+          <a:prstGeom prst="rect">
+            <a:avLst/>
+          </a:prstGeom>
+        </p:spPr>
+        <p:txBody>
+          <a:bodyPr wrap="none">
+            <a:spAutoFit/>
+          </a:bodyPr>
+          <a:lstStyle/>
+          <a:p>
+            <a:r>
+              <a:rPr lang="en-US" altLang="zh-CN" sz="3200" b="1" dirty="0">
+                <a:latin typeface="微软雅黑" panose="020B0503020204020204" pitchFamily="34" charset="-122"/>
+                <a:ea typeface="微软雅黑" panose="020B0503020204020204" pitchFamily="34" charset="-122"/>
+              </a:rPr>
+              <a:t>TSM——OLA</a:t>
+            </a:r>
+            <a:r>
+              <a:rPr lang="zh-CN" altLang="en-US" sz="3200" b="1" dirty="0">
+                <a:latin typeface="微软雅黑" panose="020B0503020204020204" pitchFamily="34" charset="-122"/>
+                <a:ea typeface="微软雅黑" panose="020B0503020204020204" pitchFamily="34" charset="-122"/>
+              </a:rPr>
+              <a:t>中基于</a:t>
+            </a:r>
+            <a:r>
+              <a:rPr lang="en-US" altLang="zh-CN" sz="3200" b="1" dirty="0">
+                <a:latin typeface="微软雅黑" panose="020B0503020204020204" pitchFamily="34" charset="-122"/>
+                <a:ea typeface="微软雅黑" panose="020B0503020204020204" pitchFamily="34" charset="-122"/>
+              </a:rPr>
+              <a:t>VAD</a:t>
+            </a:r>
+            <a:r>
+              <a:rPr lang="zh-CN" altLang="en-US" sz="3200" b="1" dirty="0">
+                <a:latin typeface="微软雅黑" panose="020B0503020204020204" pitchFamily="34" charset="-122"/>
+                <a:ea typeface="微软雅黑" panose="020B0503020204020204" pitchFamily="34" charset="-122"/>
+              </a:rPr>
+              <a:t>间隔速度变化对照实验</a:t>
+            </a:r>
+          </a:p>
+        </p:txBody>
+      </p:sp>
+      <p:sp>
+        <p:nvSpPr>
+          <p:cNvPr id="33" name="矩形 32">
+            <a:extLst>
+              <a:ext uri="{FF2B5EF4-FFF2-40B4-BE49-F238E27FC236}">
+                <a16:creationId xmlns:a16="http://schemas.microsoft.com/office/drawing/2014/main" id="{6D5DF4CC-A10E-4318-AC3B-EBB586734114}"/>
+              </a:ext>
+            </a:extLst>
+          </p:cNvPr>
+          <p:cNvSpPr/>
+          <p:nvPr/>
+        </p:nvSpPr>
+        <p:spPr>
+          <a:xfrm>
+            <a:off x="852297" y="1705371"/>
+            <a:ext cx="10870780" cy="1002967"/>
+          </a:xfrm>
+          <a:prstGeom prst="rect">
+            <a:avLst/>
+          </a:prstGeom>
+        </p:spPr>
+        <p:txBody>
+          <a:bodyPr wrap="square">
+            <a:spAutoFit/>
+          </a:bodyPr>
+          <a:lstStyle/>
+          <a:p>
+            <a:pPr marL="285750" indent="-285750">
+              <a:lnSpc>
+                <a:spcPct val="200000"/>
+              </a:lnSpc>
+              <a:buFont typeface="Wingdings" panose="05000000000000000000" pitchFamily="2" charset="2"/>
+              <a:buChar char="p"/>
+            </a:pPr>
+            <a:r>
+              <a:rPr lang="en-US" altLang="zh-CN" sz="1600" dirty="0">
+                <a:latin typeface="微软雅黑" panose="020B0503020204020204" pitchFamily="34" charset="-122"/>
+                <a:ea typeface="微软雅黑" panose="020B0503020204020204" pitchFamily="34" charset="-122"/>
+                <a:sym typeface="Wingdings" panose="05000000000000000000" pitchFamily="2" charset="2"/>
+              </a:rPr>
+              <a:t>I want to take a picture</a:t>
+            </a:r>
+          </a:p>
+          <a:p>
+            <a:pPr marL="285750" indent="-285750">
+              <a:lnSpc>
+                <a:spcPct val="200000"/>
+              </a:lnSpc>
+              <a:buFont typeface="Wingdings" panose="05000000000000000000" pitchFamily="2" charset="2"/>
+              <a:buChar char="p"/>
+            </a:pPr>
+            <a:r>
+              <a:rPr lang="en-US" altLang="zh-CN" sz="1600" dirty="0">
+                <a:latin typeface="微软雅黑" panose="020B0503020204020204" pitchFamily="34" charset="-122"/>
+                <a:ea typeface="微软雅黑" panose="020B0503020204020204" pitchFamily="34" charset="-122"/>
+                <a:sym typeface="Wingdings" panose="05000000000000000000" pitchFamily="2" charset="2"/>
+              </a:rPr>
+              <a:t>WSOLA</a:t>
+            </a:r>
+          </a:p>
+        </p:txBody>
+      </p:sp>
+      <p:sp>
+        <p:nvSpPr>
+          <p:cNvPr id="9" name="文本框 8">
+            <a:extLst>
+              <a:ext uri="{FF2B5EF4-FFF2-40B4-BE49-F238E27FC236}">
+                <a16:creationId xmlns:a16="http://schemas.microsoft.com/office/drawing/2014/main" id="{55851EF9-67F0-4FE6-B8E0-73425D6548B6}"/>
+              </a:ext>
+            </a:extLst>
+          </p:cNvPr>
+          <p:cNvSpPr txBox="1"/>
+          <p:nvPr/>
+        </p:nvSpPr>
+        <p:spPr>
+          <a:xfrm>
+            <a:off x="1535755" y="4609070"/>
+            <a:ext cx="1233030" cy="369332"/>
+          </a:xfrm>
+          <a:prstGeom prst="rect">
+            <a:avLst/>
+          </a:prstGeom>
+          <a:noFill/>
+        </p:spPr>
+        <p:txBody>
+          <a:bodyPr wrap="none" rtlCol="0">
+            <a:spAutoFit/>
+          </a:bodyPr>
+          <a:lstStyle/>
+          <a:p>
+            <a:r>
+              <a:rPr lang="en-US" altLang="zh-CN" dirty="0"/>
+              <a:t>1_1.25_1.5</a:t>
+            </a:r>
+            <a:endParaRPr lang="zh-CN" altLang="en-US" dirty="0"/>
+          </a:p>
+        </p:txBody>
+      </p:sp>
+      <p:sp>
+        <p:nvSpPr>
+          <p:cNvPr id="10" name="文本框 9">
+            <a:extLst>
+              <a:ext uri="{FF2B5EF4-FFF2-40B4-BE49-F238E27FC236}">
+                <a16:creationId xmlns:a16="http://schemas.microsoft.com/office/drawing/2014/main" id="{2110567A-F5F3-4F7C-95F4-13B83A3B2A6A}"/>
+              </a:ext>
+            </a:extLst>
+          </p:cNvPr>
+          <p:cNvSpPr txBox="1"/>
+          <p:nvPr/>
+        </p:nvSpPr>
+        <p:spPr>
+          <a:xfrm>
+            <a:off x="989270" y="5886806"/>
+            <a:ext cx="2658998" cy="369332"/>
+          </a:xfrm>
+          <a:prstGeom prst="rect">
+            <a:avLst/>
+          </a:prstGeom>
+          <a:noFill/>
+        </p:spPr>
+        <p:txBody>
+          <a:bodyPr wrap="none" rtlCol="0">
+            <a:spAutoFit/>
+          </a:bodyPr>
+          <a:lstStyle/>
+          <a:p>
+            <a:r>
+              <a:rPr lang="en-US" altLang="zh-CN" dirty="0"/>
+              <a:t>Okay google take a picture</a:t>
+            </a:r>
+            <a:endParaRPr lang="zh-CN" altLang="en-US" dirty="0"/>
+          </a:p>
+        </p:txBody>
+      </p:sp>
+      <p:sp>
+        <p:nvSpPr>
+          <p:cNvPr id="13" name="文本框 12">
+            <a:extLst>
+              <a:ext uri="{FF2B5EF4-FFF2-40B4-BE49-F238E27FC236}">
+                <a16:creationId xmlns:a16="http://schemas.microsoft.com/office/drawing/2014/main" id="{5D633B7E-AACC-4DFE-8DB2-C2015FD0C1C8}"/>
+              </a:ext>
+            </a:extLst>
+          </p:cNvPr>
+          <p:cNvSpPr txBox="1"/>
+          <p:nvPr/>
+        </p:nvSpPr>
+        <p:spPr>
+          <a:xfrm>
+            <a:off x="4590107" y="4609070"/>
+            <a:ext cx="1058303" cy="369332"/>
+          </a:xfrm>
+          <a:prstGeom prst="rect">
+            <a:avLst/>
+          </a:prstGeom>
+          <a:noFill/>
+        </p:spPr>
+        <p:txBody>
+          <a:bodyPr wrap="none" rtlCol="0">
+            <a:spAutoFit/>
+          </a:bodyPr>
+          <a:lstStyle/>
+          <a:p>
+            <a:r>
+              <a:rPr lang="en-US" altLang="zh-CN" dirty="0"/>
+              <a:t>1_1.25_2</a:t>
+            </a:r>
+            <a:endParaRPr lang="zh-CN" altLang="en-US" dirty="0"/>
+          </a:p>
+        </p:txBody>
+      </p:sp>
+      <p:sp>
+        <p:nvSpPr>
+          <p:cNvPr id="14" name="文本框 13">
+            <a:extLst>
+              <a:ext uri="{FF2B5EF4-FFF2-40B4-BE49-F238E27FC236}">
+                <a16:creationId xmlns:a16="http://schemas.microsoft.com/office/drawing/2014/main" id="{5522F82C-FD5A-49BB-A3DA-113580F9ABB9}"/>
+              </a:ext>
+            </a:extLst>
+          </p:cNvPr>
+          <p:cNvSpPr txBox="1"/>
+          <p:nvPr/>
+        </p:nvSpPr>
+        <p:spPr>
+          <a:xfrm>
+            <a:off x="3877122" y="5891110"/>
+            <a:ext cx="2658998" cy="369332"/>
+          </a:xfrm>
+          <a:prstGeom prst="rect">
+            <a:avLst/>
+          </a:prstGeom>
+          <a:noFill/>
+        </p:spPr>
+        <p:txBody>
+          <a:bodyPr wrap="none" rtlCol="0">
+            <a:spAutoFit/>
+          </a:bodyPr>
+          <a:lstStyle/>
+          <a:p>
+            <a:r>
+              <a:rPr lang="en-US" altLang="zh-CN" dirty="0"/>
+              <a:t>Okay google take a picture</a:t>
+            </a:r>
+            <a:endParaRPr lang="zh-CN" altLang="en-US" dirty="0"/>
+          </a:p>
+        </p:txBody>
+      </p:sp>
+      <p:sp>
+        <p:nvSpPr>
+          <p:cNvPr id="15" name="文本框 14">
+            <a:extLst>
+              <a:ext uri="{FF2B5EF4-FFF2-40B4-BE49-F238E27FC236}">
+                <a16:creationId xmlns:a16="http://schemas.microsoft.com/office/drawing/2014/main" id="{AC670B4B-D64A-45C8-A982-61240B225330}"/>
+              </a:ext>
+            </a:extLst>
+          </p:cNvPr>
+          <p:cNvSpPr txBox="1"/>
+          <p:nvPr/>
+        </p:nvSpPr>
+        <p:spPr>
+          <a:xfrm>
+            <a:off x="9843577" y="4609070"/>
+            <a:ext cx="941283" cy="369332"/>
+          </a:xfrm>
+          <a:prstGeom prst="rect">
+            <a:avLst/>
+          </a:prstGeom>
+          <a:noFill/>
+        </p:spPr>
+        <p:txBody>
+          <a:bodyPr wrap="none" rtlCol="0">
+            <a:spAutoFit/>
+          </a:bodyPr>
+          <a:lstStyle/>
+          <a:p>
+            <a:r>
+              <a:rPr lang="en-US" altLang="zh-CN" dirty="0"/>
+              <a:t>2_1.5_1</a:t>
+            </a:r>
+            <a:endParaRPr lang="zh-CN" altLang="en-US" dirty="0"/>
+          </a:p>
+        </p:txBody>
+      </p:sp>
+      <p:sp>
+        <p:nvSpPr>
+          <p:cNvPr id="16" name="文本框 15">
+            <a:extLst>
+              <a:ext uri="{FF2B5EF4-FFF2-40B4-BE49-F238E27FC236}">
+                <a16:creationId xmlns:a16="http://schemas.microsoft.com/office/drawing/2014/main" id="{14A89AFF-4039-44A8-961E-1F23CD97CA7F}"/>
+              </a:ext>
+            </a:extLst>
+          </p:cNvPr>
+          <p:cNvSpPr txBox="1"/>
+          <p:nvPr/>
+        </p:nvSpPr>
+        <p:spPr>
+          <a:xfrm>
+            <a:off x="9631787" y="5866396"/>
+            <a:ext cx="1481881" cy="369332"/>
+          </a:xfrm>
+          <a:prstGeom prst="rect">
+            <a:avLst/>
+          </a:prstGeom>
+          <a:noFill/>
+        </p:spPr>
+        <p:txBody>
+          <a:bodyPr wrap="none" rtlCol="0">
+            <a:spAutoFit/>
+          </a:bodyPr>
+          <a:lstStyle/>
+          <a:p>
+            <a:r>
+              <a:rPr lang="en-US" altLang="zh-CN" dirty="0"/>
+              <a:t>Take a picture</a:t>
+            </a:r>
+            <a:endParaRPr lang="zh-CN" altLang="en-US" dirty="0"/>
+          </a:p>
+        </p:txBody>
+      </p:sp>
+      <p:sp>
+        <p:nvSpPr>
+          <p:cNvPr id="18" name="文本框 17">
+            <a:extLst>
+              <a:ext uri="{FF2B5EF4-FFF2-40B4-BE49-F238E27FC236}">
+                <a16:creationId xmlns:a16="http://schemas.microsoft.com/office/drawing/2014/main" id="{E4848E19-26EE-41E0-97AD-2259D11A293E}"/>
+              </a:ext>
+            </a:extLst>
+          </p:cNvPr>
+          <p:cNvSpPr txBox="1"/>
+          <p:nvPr/>
+        </p:nvSpPr>
+        <p:spPr>
+          <a:xfrm>
+            <a:off x="7469732" y="4609070"/>
+            <a:ext cx="941283" cy="369332"/>
+          </a:xfrm>
+          <a:prstGeom prst="rect">
+            <a:avLst/>
+          </a:prstGeom>
+          <a:noFill/>
+        </p:spPr>
+        <p:txBody>
+          <a:bodyPr wrap="none" rtlCol="0">
+            <a:spAutoFit/>
+          </a:bodyPr>
+          <a:lstStyle/>
+          <a:p>
+            <a:r>
+              <a:rPr lang="en-US" altLang="zh-CN" dirty="0"/>
+              <a:t>1_1.5_2</a:t>
+            </a:r>
+            <a:endParaRPr lang="zh-CN" altLang="en-US" dirty="0"/>
+          </a:p>
+        </p:txBody>
+      </p:sp>
+      <p:sp>
+        <p:nvSpPr>
+          <p:cNvPr id="19" name="文本框 18">
+            <a:extLst>
+              <a:ext uri="{FF2B5EF4-FFF2-40B4-BE49-F238E27FC236}">
+                <a16:creationId xmlns:a16="http://schemas.microsoft.com/office/drawing/2014/main" id="{8AC0A78C-CB53-4622-AF16-8419B9232F46}"/>
+              </a:ext>
+            </a:extLst>
+          </p:cNvPr>
+          <p:cNvSpPr txBox="1"/>
+          <p:nvPr/>
+        </p:nvSpPr>
+        <p:spPr>
+          <a:xfrm>
+            <a:off x="6744573" y="5886806"/>
+            <a:ext cx="2658998" cy="369332"/>
+          </a:xfrm>
+          <a:prstGeom prst="rect">
+            <a:avLst/>
+          </a:prstGeom>
+          <a:noFill/>
+        </p:spPr>
+        <p:txBody>
+          <a:bodyPr wrap="none" rtlCol="0">
+            <a:spAutoFit/>
+          </a:bodyPr>
+          <a:lstStyle/>
+          <a:p>
+            <a:r>
+              <a:rPr lang="en-US" altLang="zh-CN" dirty="0"/>
+              <a:t>Okay google take a</a:t>
+            </a:r>
+            <a:r>
+              <a:rPr lang="zh-CN" altLang="en-US" dirty="0"/>
+              <a:t> </a:t>
+            </a:r>
+            <a:r>
+              <a:rPr lang="en-US" altLang="zh-CN" dirty="0"/>
+              <a:t>picture</a:t>
+            </a:r>
+            <a:endParaRPr lang="zh-CN" altLang="en-US" dirty="0"/>
+          </a:p>
+        </p:txBody>
+      </p:sp>
+      <p:sp>
+        <p:nvSpPr>
+          <p:cNvPr id="21" name="文本框 20">
+            <a:extLst>
+              <a:ext uri="{FF2B5EF4-FFF2-40B4-BE49-F238E27FC236}">
+                <a16:creationId xmlns:a16="http://schemas.microsoft.com/office/drawing/2014/main" id="{16913F74-444D-4CAF-97F2-495D2383A728}"/>
+              </a:ext>
+            </a:extLst>
+          </p:cNvPr>
+          <p:cNvSpPr txBox="1"/>
+          <p:nvPr/>
+        </p:nvSpPr>
+        <p:spPr>
+          <a:xfrm>
+            <a:off x="9843576" y="2150841"/>
+            <a:ext cx="941283" cy="369332"/>
+          </a:xfrm>
+          <a:prstGeom prst="rect">
+            <a:avLst/>
+          </a:prstGeom>
+          <a:noFill/>
+        </p:spPr>
+        <p:txBody>
+          <a:bodyPr wrap="none" rtlCol="0">
+            <a:spAutoFit/>
+          </a:bodyPr>
+          <a:lstStyle/>
+          <a:p>
+            <a:r>
+              <a:rPr lang="en-US" altLang="zh-CN" dirty="0"/>
+              <a:t>2_1_0.5</a:t>
+            </a:r>
+            <a:endParaRPr lang="zh-CN" altLang="en-US" dirty="0"/>
+          </a:p>
+        </p:txBody>
+      </p:sp>
+      <p:sp>
+        <p:nvSpPr>
+          <p:cNvPr id="22" name="文本框 21">
+            <a:extLst>
+              <a:ext uri="{FF2B5EF4-FFF2-40B4-BE49-F238E27FC236}">
+                <a16:creationId xmlns:a16="http://schemas.microsoft.com/office/drawing/2014/main" id="{B9726F09-A9A4-48B8-83D0-05AB1781BA85}"/>
+              </a:ext>
+            </a:extLst>
+          </p:cNvPr>
+          <p:cNvSpPr txBox="1"/>
+          <p:nvPr/>
+        </p:nvSpPr>
+        <p:spPr>
+          <a:xfrm>
+            <a:off x="9836627" y="3367526"/>
+            <a:ext cx="1060098" cy="369332"/>
+          </a:xfrm>
+          <a:prstGeom prst="rect">
+            <a:avLst/>
+          </a:prstGeom>
+          <a:noFill/>
+        </p:spPr>
+        <p:txBody>
+          <a:bodyPr wrap="none" rtlCol="0">
+            <a:spAutoFit/>
+          </a:bodyPr>
+          <a:lstStyle/>
+          <a:p>
+            <a:r>
+              <a:rPr lang="en-US" altLang="zh-CN" dirty="0"/>
+              <a:t>Take it sir</a:t>
+            </a:r>
+            <a:endParaRPr lang="zh-CN" altLang="en-US" dirty="0"/>
+          </a:p>
+        </p:txBody>
+      </p:sp>
+      <p:pic>
+        <p:nvPicPr>
+          <p:cNvPr id="2" name="1_1.25_1.5_ola_okay_google_take_a_picture">
+            <a:hlinkClick r:id="" action="ppaction://media"/>
+            <a:extLst>
+              <a:ext uri="{FF2B5EF4-FFF2-40B4-BE49-F238E27FC236}">
+                <a16:creationId xmlns:a16="http://schemas.microsoft.com/office/drawing/2014/main" id="{B4BEAF5F-9C0C-4305-B7C2-616E84605E0E}"/>
+              </a:ext>
+            </a:extLst>
+          </p:cNvPr>
+          <p:cNvPicPr>
+            <a:picLocks noChangeAspect="1"/>
+          </p:cNvPicPr>
+          <p:nvPr>
+            <a:audioFile r:link="rId2"/>
+            <p:extLst>
+              <p:ext uri="{DAA4B4D4-6D71-4841-9C94-3DE7FCFB9230}">
+                <p14:media xmlns:p14="http://schemas.microsoft.com/office/powerpoint/2010/main" r:embed="rId1"/>
+              </p:ext>
+            </p:extLst>
+          </p:nvPr>
+        </p:nvPicPr>
+        <p:blipFill>
+          <a:blip r:embed="rId13"/>
+          <a:stretch>
+            <a:fillRect/>
+          </a:stretch>
+        </p:blipFill>
+        <p:spPr>
+          <a:xfrm>
+            <a:off x="2013969" y="5205813"/>
+            <a:ext cx="609600" cy="609600"/>
+          </a:xfrm>
+          <a:prstGeom prst="rect">
+            <a:avLst/>
+          </a:prstGeom>
+        </p:spPr>
+      </p:pic>
+      <p:pic>
+        <p:nvPicPr>
+          <p:cNvPr id="4" name="1_1.25_2_okay_google_take_a_picture">
+            <a:hlinkClick r:id="" action="ppaction://media"/>
+            <a:extLst>
+              <a:ext uri="{FF2B5EF4-FFF2-40B4-BE49-F238E27FC236}">
+                <a16:creationId xmlns:a16="http://schemas.microsoft.com/office/drawing/2014/main" id="{18457C9F-9867-4D57-BDE6-110FD0083756}"/>
+              </a:ext>
+            </a:extLst>
+          </p:cNvPr>
+          <p:cNvPicPr>
+            <a:picLocks noChangeAspect="1"/>
+          </p:cNvPicPr>
+          <p:nvPr>
+            <a:audioFile r:link="rId4"/>
+            <p:extLst>
+              <p:ext uri="{DAA4B4D4-6D71-4841-9C94-3DE7FCFB9230}">
+                <p14:media xmlns:p14="http://schemas.microsoft.com/office/powerpoint/2010/main" r:embed="rId3"/>
+              </p:ext>
+            </p:extLst>
+          </p:nvPr>
+        </p:nvPicPr>
+        <p:blipFill>
+          <a:blip r:embed="rId13"/>
+          <a:stretch>
+            <a:fillRect/>
+          </a:stretch>
+        </p:blipFill>
+        <p:spPr>
+          <a:xfrm>
+            <a:off x="4901821" y="5129956"/>
+            <a:ext cx="609600" cy="609600"/>
+          </a:xfrm>
+          <a:prstGeom prst="rect">
+            <a:avLst/>
+          </a:prstGeom>
+        </p:spPr>
+      </p:pic>
+      <p:pic>
+        <p:nvPicPr>
+          <p:cNvPr id="5" name="1_1.5_2_okay_google_take_a_picture">
+            <a:hlinkClick r:id="" action="ppaction://media"/>
+            <a:extLst>
+              <a:ext uri="{FF2B5EF4-FFF2-40B4-BE49-F238E27FC236}">
+                <a16:creationId xmlns:a16="http://schemas.microsoft.com/office/drawing/2014/main" id="{C7836A63-5E3B-4AC1-80FF-5F7ED75F1D54}"/>
+              </a:ext>
+            </a:extLst>
+          </p:cNvPr>
+          <p:cNvPicPr>
+            <a:picLocks noChangeAspect="1"/>
+          </p:cNvPicPr>
+          <p:nvPr>
+            <a:audioFile r:link="rId6"/>
+            <p:extLst>
+              <p:ext uri="{DAA4B4D4-6D71-4841-9C94-3DE7FCFB9230}">
+                <p14:media xmlns:p14="http://schemas.microsoft.com/office/powerpoint/2010/main" r:embed="rId5"/>
+              </p:ext>
+            </p:extLst>
+          </p:nvPr>
+        </p:nvPicPr>
+        <p:blipFill>
+          <a:blip r:embed="rId13"/>
+          <a:stretch>
+            <a:fillRect/>
+          </a:stretch>
+        </p:blipFill>
+        <p:spPr>
+          <a:xfrm>
+            <a:off x="7769272" y="5152629"/>
+            <a:ext cx="609600" cy="609600"/>
+          </a:xfrm>
+          <a:prstGeom prst="rect">
+            <a:avLst/>
+          </a:prstGeom>
+        </p:spPr>
+      </p:pic>
+      <p:pic>
+        <p:nvPicPr>
+          <p:cNvPr id="6" name="2_1.5_1_ola_take_a_picture">
+            <a:hlinkClick r:id="" action="ppaction://media"/>
+            <a:extLst>
+              <a:ext uri="{FF2B5EF4-FFF2-40B4-BE49-F238E27FC236}">
+                <a16:creationId xmlns:a16="http://schemas.microsoft.com/office/drawing/2014/main" id="{2CF88FD5-D187-443E-88BB-F7E721B373FB}"/>
+              </a:ext>
+            </a:extLst>
+          </p:cNvPr>
+          <p:cNvPicPr>
+            <a:picLocks noChangeAspect="1"/>
+          </p:cNvPicPr>
+          <p:nvPr>
+            <a:audioFile r:link="rId8"/>
+            <p:extLst>
+              <p:ext uri="{DAA4B4D4-6D71-4841-9C94-3DE7FCFB9230}">
+                <p14:media xmlns:p14="http://schemas.microsoft.com/office/powerpoint/2010/main" r:embed="rId7"/>
+              </p:ext>
+            </p:extLst>
+          </p:nvPr>
+        </p:nvPicPr>
+        <p:blipFill>
+          <a:blip r:embed="rId13"/>
+          <a:stretch>
+            <a:fillRect/>
+          </a:stretch>
+        </p:blipFill>
+        <p:spPr>
+          <a:xfrm>
+            <a:off x="10047492" y="5150050"/>
+            <a:ext cx="609600" cy="609600"/>
+          </a:xfrm>
+          <a:prstGeom prst="rect">
+            <a:avLst/>
+          </a:prstGeom>
+        </p:spPr>
+      </p:pic>
+      <p:pic>
+        <p:nvPicPr>
+          <p:cNvPr id="20" name="2_1_0.5_ola_take_it_sir">
+            <a:hlinkClick r:id="" action="ppaction://media"/>
+            <a:extLst>
+              <a:ext uri="{FF2B5EF4-FFF2-40B4-BE49-F238E27FC236}">
+                <a16:creationId xmlns:a16="http://schemas.microsoft.com/office/drawing/2014/main" id="{B53C9FD9-67CB-4E65-8831-3776BE95A083}"/>
+              </a:ext>
+            </a:extLst>
+          </p:cNvPr>
+          <p:cNvPicPr>
+            <a:picLocks noChangeAspect="1"/>
+          </p:cNvPicPr>
+          <p:nvPr>
+            <a:audioFile r:link="rId10"/>
+            <p:extLst>
+              <p:ext uri="{DAA4B4D4-6D71-4841-9C94-3DE7FCFB9230}">
+                <p14:media xmlns:p14="http://schemas.microsoft.com/office/powerpoint/2010/main" r:embed="rId9"/>
+              </p:ext>
+            </p:extLst>
+          </p:nvPr>
+        </p:nvPicPr>
+        <p:blipFill>
+          <a:blip r:embed="rId13"/>
+          <a:stretch>
+            <a:fillRect/>
+          </a:stretch>
+        </p:blipFill>
+        <p:spPr>
+          <a:xfrm>
+            <a:off x="10015551" y="2629901"/>
+            <a:ext cx="609600" cy="609600"/>
+          </a:xfrm>
+          <a:prstGeom prst="rect">
+            <a:avLst/>
+          </a:prstGeom>
+        </p:spPr>
+      </p:pic>
+    </p:spTree>
+    <p:extLst>
+      <p:ext uri="{BB962C8B-B14F-4D97-AF65-F5344CB8AC3E}">
+        <p14:creationId xmlns:p14="http://schemas.microsoft.com/office/powerpoint/2010/main" val="29766435"/>
+      </p:ext>
+    </p:extLst>
+  </p:cSld>
+  <p:clrMapOvr>
+    <a:masterClrMapping/>
+  </p:clrMapOvr>
+  <p:timing>
+    <p:tnLst>
+      <p:par>
+        <p:cTn id="1" dur="indefinite" restart="never" nodeType="tmRoot">
+          <p:childTnLst>
+            <p:seq concurrent="1" nextAc="seek">
+              <p:cTn id="2" dur="indefinite" nodeType="mainSeq">
+                <p:childTnLst>
+                  <p:par>
+                    <p:cTn id="3" fill="hold">
+                      <p:stCondLst>
+                        <p:cond delay="indefinite"/>
+                      </p:stCondLst>
+                      <p:childTnLst>
+                        <p:par>
+                          <p:cTn id="4" fill="hold">
+                            <p:stCondLst>
+                              <p:cond delay="0"/>
+                            </p:stCondLst>
+                            <p:childTnLst>
+                              <p:par>
+                                <p:cTn id="5" presetID="1" presetClass="mediacall" presetSubtype="0" fill="hold" nodeType="clickEffect">
+                                  <p:stCondLst>
+                                    <p:cond delay="0"/>
+                                  </p:stCondLst>
+                                  <p:childTnLst>
+                                    <p:cmd type="call" cmd="playFrom(0.0)">
+                                      <p:cBhvr>
+                                        <p:cTn id="6" dur="1848" fill="hold"/>
+                                        <p:tgtEl>
+                                          <p:spTgt spid="2"/>
+                                        </p:tgtEl>
+                                      </p:cBhvr>
+                                    </p:cmd>
+                                  </p:childTnLst>
+                                </p:cTn>
+                              </p:par>
+                            </p:childTnLst>
+                          </p:cTn>
+                        </p:par>
+                      </p:childTnLst>
+                    </p:cTn>
+                  </p:par>
+                  <p:par>
+                    <p:cTn id="7" fill="hold">
+                      <p:stCondLst>
+                        <p:cond delay="indefinite"/>
+                      </p:stCondLst>
+                      <p:childTnLst>
+                        <p:par>
+                          <p:cTn id="8" fill="hold">
+                            <p:stCondLst>
+                              <p:cond delay="0"/>
+                            </p:stCondLst>
+                            <p:childTnLst>
+                              <p:par>
+                                <p:cTn id="9" presetID="1" presetClass="mediacall" presetSubtype="0" fill="hold" nodeType="clickEffect">
+                                  <p:stCondLst>
+                                    <p:cond delay="0"/>
+                                  </p:stCondLst>
+                                  <p:childTnLst>
+                                    <p:cmd type="call" cmd="playFrom(0.0)">
+                                      <p:cBhvr>
+                                        <p:cTn id="10" dur="1760" fill="hold"/>
+                                        <p:tgtEl>
+                                          <p:spTgt spid="4"/>
+                                        </p:tgtEl>
+                                      </p:cBhvr>
+                                    </p:cmd>
+                                  </p:childTnLst>
+                                </p:cTn>
+                              </p:par>
+                            </p:childTnLst>
+                          </p:cTn>
+                        </p:par>
+                      </p:childTnLst>
+                    </p:cTn>
+                  </p:par>
+                  <p:par>
+                    <p:cTn id="11" fill="hold">
+                      <p:stCondLst>
+                        <p:cond delay="indefinite"/>
+                      </p:stCondLst>
+                      <p:childTnLst>
+                        <p:par>
+                          <p:cTn id="12" fill="hold">
+                            <p:stCondLst>
+                              <p:cond delay="0"/>
+                            </p:stCondLst>
+                            <p:childTnLst>
+                              <p:par>
+                                <p:cTn id="13" presetID="1" presetClass="mediacall" presetSubtype="0" fill="hold" nodeType="clickEffect">
+                                  <p:stCondLst>
+                                    <p:cond delay="0"/>
+                                  </p:stCondLst>
+                                  <p:childTnLst>
+                                    <p:cmd type="call" cmd="playFrom(0.0)">
+                                      <p:cBhvr>
+                                        <p:cTn id="14" dur="1720" fill="hold"/>
+                                        <p:tgtEl>
+                                          <p:spTgt spid="5"/>
+                                        </p:tgtEl>
+                                      </p:cBhvr>
+                                    </p:cmd>
+                                  </p:childTnLst>
+                                </p:cTn>
+                              </p:par>
+                            </p:childTnLst>
+                          </p:cTn>
+                        </p:par>
+                      </p:childTnLst>
+                    </p:cTn>
+                  </p:par>
+                  <p:par>
+                    <p:cTn id="15" fill="hold">
+                      <p:stCondLst>
+                        <p:cond delay="indefinite"/>
+                      </p:stCondLst>
+                      <p:childTnLst>
+                        <p:par>
+                          <p:cTn id="16" fill="hold">
+                            <p:stCondLst>
+                              <p:cond delay="0"/>
+                            </p:stCondLst>
+                            <p:childTnLst>
+                              <p:par>
+                                <p:cTn id="17" presetID="1" presetClass="mediacall" presetSubtype="0" fill="hold" nodeType="clickEffect">
+                                  <p:stCondLst>
+                                    <p:cond delay="0"/>
+                                  </p:stCondLst>
+                                  <p:childTnLst>
+                                    <p:cmd type="call" cmd="playFrom(0.0)">
+                                      <p:cBhvr>
+                                        <p:cTn id="18" dur="1568" fill="hold"/>
+                                        <p:tgtEl>
+                                          <p:spTgt spid="6"/>
+                                        </p:tgtEl>
+                                      </p:cBhvr>
+                                    </p:cmd>
+                                  </p:childTnLst>
+                                </p:cTn>
+                              </p:par>
+                            </p:childTnLst>
+                          </p:cTn>
+                        </p:par>
+                      </p:childTnLst>
+                    </p:cTn>
+                  </p:par>
+                  <p:par>
+                    <p:cTn id="19" fill="hold">
+                      <p:stCondLst>
+                        <p:cond delay="indefinite"/>
+                      </p:stCondLst>
+                      <p:childTnLst>
+                        <p:par>
+                          <p:cTn id="20" fill="hold">
+                            <p:stCondLst>
+                              <p:cond delay="0"/>
+                            </p:stCondLst>
+                            <p:childTnLst>
+                              <p:par>
+                                <p:cTn id="21" presetID="1" presetClass="mediacall" presetSubtype="0" fill="hold" nodeType="clickEffect">
+                                  <p:stCondLst>
+                                    <p:cond delay="0"/>
+                                  </p:stCondLst>
+                                  <p:childTnLst>
+                                    <p:cmd type="call" cmd="playFrom(0.0)">
+                                      <p:cBhvr>
+                                        <p:cTn id="22" dur="2160" fill="hold"/>
+                                        <p:tgtEl>
+                                          <p:spTgt spid="20"/>
+                                        </p:tgtEl>
+                                      </p:cBhvr>
+                                    </p:cmd>
+                                  </p:childTnLst>
+                                </p:cTn>
+                              </p:par>
+                            </p:childTnLst>
+                          </p:cTn>
+                        </p:par>
+                      </p:childTnLst>
+                    </p:cTn>
+                  </p:par>
+                </p:childTnLst>
+              </p:cTn>
+              <p:prevCondLst>
+                <p:cond evt="onPrev" delay="0">
+                  <p:tgtEl>
+                    <p:sldTgt/>
+                  </p:tgtEl>
+                </p:cond>
+              </p:prevCondLst>
+              <p:nextCondLst>
+                <p:cond evt="onNext" delay="0">
+                  <p:tgtEl>
+                    <p:sldTgt/>
+                  </p:tgtEl>
+                </p:cond>
+              </p:nextCondLst>
+            </p:seq>
+            <p:audio>
+              <p:cMediaNode vol="80000">
+                <p:cTn id="23" fill="hold" display="0">
+                  <p:stCondLst>
+                    <p:cond delay="indefinite"/>
+                  </p:stCondLst>
+                  <p:endCondLst>
+                    <p:cond evt="onStopAudio" delay="0">
+                      <p:tgtEl>
+                        <p:sldTgt/>
+                      </p:tgtEl>
+                    </p:cond>
+                  </p:endCondLst>
+                </p:cTn>
+                <p:tgtEl>
+                  <p:spTgt spid="2"/>
+                </p:tgtEl>
+              </p:cMediaNode>
+            </p:audio>
+            <p:audio>
+              <p:cMediaNode vol="80000">
+                <p:cTn id="24" fill="hold" display="0">
+                  <p:stCondLst>
+                    <p:cond delay="indefinite"/>
+                  </p:stCondLst>
+                  <p:endCondLst>
+                    <p:cond evt="onStopAudio" delay="0">
+                      <p:tgtEl>
+                        <p:sldTgt/>
+                      </p:tgtEl>
+                    </p:cond>
+                  </p:endCondLst>
+                </p:cTn>
+                <p:tgtEl>
+                  <p:spTgt spid="4"/>
+                </p:tgtEl>
+              </p:cMediaNode>
+            </p:audio>
+            <p:audio>
+              <p:cMediaNode vol="80000">
+                <p:cTn id="25" fill="hold" display="0">
+                  <p:stCondLst>
+                    <p:cond delay="indefinite"/>
+                  </p:stCondLst>
+                  <p:endCondLst>
+                    <p:cond evt="onStopAudio" delay="0">
+                      <p:tgtEl>
+                        <p:sldTgt/>
+                      </p:tgtEl>
+                    </p:cond>
+                  </p:endCondLst>
+                </p:cTn>
+                <p:tgtEl>
+                  <p:spTgt spid="5"/>
+                </p:tgtEl>
+              </p:cMediaNode>
+            </p:audio>
+            <p:audio>
+              <p:cMediaNode vol="80000">
+                <p:cTn id="26" fill="hold" display="0">
+                  <p:stCondLst>
+                    <p:cond delay="indefinite"/>
+                  </p:stCondLst>
+                  <p:endCondLst>
+                    <p:cond evt="onStopAudio" delay="0">
+                      <p:tgtEl>
+                        <p:sldTgt/>
+                      </p:tgtEl>
+                    </p:cond>
+                  </p:endCondLst>
+                </p:cTn>
+                <p:tgtEl>
+                  <p:spTgt spid="6"/>
+                </p:tgtEl>
+              </p:cMediaNode>
+            </p:audio>
+            <p:audio>
+              <p:cMediaNode vol="80000">
+                <p:cTn id="27" fill="hold" display="0">
+                  <p:stCondLst>
+                    <p:cond delay="indefinite"/>
+                  </p:stCondLst>
+                  <p:endCondLst>
+                    <p:cond evt="onStopAudio" delay="0">
+                      <p:tgtEl>
+                        <p:sldTgt/>
+                      </p:tgtEl>
+                    </p:cond>
+                  </p:endCondLst>
+                </p:cTn>
+                <p:tgtEl>
+                  <p:spTgt spid="20"/>
+                </p:tgtEl>
+              </p:cMediaNode>
+            </p:audio>
+          </p:childTnLst>
+        </p:cTn>
+      </p:par>
+    </p:tnLst>
+  </p:timing>
+</p:sld>
+</file>
+
+<file path=ppt/slides/slide11.xml><?xml version="1.0" encoding="utf-8"?>
+<p:sld xmlns:a="http://schemas.openxmlformats.org/drawingml/2006/main" xmlns:r="http://schemas.openxmlformats.org/officeDocument/2006/relationships" xmlns:p="http://schemas.openxmlformats.org/presentationml/2006/main">
+  <p:cSld>
+    <p:spTree>
+      <p:nvGrpSpPr>
+        <p:cNvPr id="1" name=""/>
+        <p:cNvGrpSpPr/>
+        <p:nvPr/>
+      </p:nvGrpSpPr>
+      <p:grpSpPr>
+        <a:xfrm>
+          <a:off x="0" y="0"/>
+          <a:ext cx="0" cy="0"/>
+          <a:chOff x="0" y="0"/>
+          <a:chExt cx="0" cy="0"/>
+        </a:xfrm>
+      </p:grpSpPr>
+      <p:sp>
+        <p:nvSpPr>
+          <p:cNvPr id="12" name="矩形 11">
+            <a:extLst>
+              <a:ext uri="{FF2B5EF4-FFF2-40B4-BE49-F238E27FC236}">
+                <a16:creationId xmlns:a16="http://schemas.microsoft.com/office/drawing/2014/main" id="{0FDAD747-108F-4A6D-9220-5EA05067FF1E}"/>
+              </a:ext>
+            </a:extLst>
+          </p:cNvPr>
+          <p:cNvSpPr/>
+          <p:nvPr/>
+        </p:nvSpPr>
+        <p:spPr>
+          <a:xfrm>
+            <a:off x="852298" y="1120596"/>
+            <a:ext cx="9323963" cy="584775"/>
+          </a:xfrm>
+          <a:prstGeom prst="rect">
+            <a:avLst/>
+          </a:prstGeom>
+        </p:spPr>
+        <p:txBody>
+          <a:bodyPr wrap="none">
+            <a:spAutoFit/>
+          </a:bodyPr>
+          <a:lstStyle/>
+          <a:p>
+            <a:r>
+              <a:rPr lang="en-US" altLang="zh-CN" sz="3200" b="1" dirty="0">
+                <a:latin typeface="微软雅黑" panose="020B0503020204020204" pitchFamily="34" charset="-122"/>
+                <a:ea typeface="微软雅黑" panose="020B0503020204020204" pitchFamily="34" charset="-122"/>
+              </a:rPr>
+              <a:t>TSM——OLA</a:t>
+            </a:r>
+            <a:r>
+              <a:rPr lang="zh-CN" altLang="en-US" sz="3200" b="1" dirty="0">
+                <a:latin typeface="微软雅黑" panose="020B0503020204020204" pitchFamily="34" charset="-122"/>
+                <a:ea typeface="微软雅黑" panose="020B0503020204020204" pitchFamily="34" charset="-122"/>
+              </a:rPr>
+              <a:t>中基于</a:t>
+            </a:r>
+            <a:r>
+              <a:rPr lang="en-US" altLang="zh-CN" sz="3200" b="1" dirty="0">
+                <a:latin typeface="微软雅黑" panose="020B0503020204020204" pitchFamily="34" charset="-122"/>
+                <a:ea typeface="微软雅黑" panose="020B0503020204020204" pitchFamily="34" charset="-122"/>
+              </a:rPr>
+              <a:t>50ms</a:t>
+            </a:r>
+            <a:r>
+              <a:rPr lang="zh-CN" altLang="en-US" sz="3200" b="1" dirty="0">
+                <a:latin typeface="微软雅黑" panose="020B0503020204020204" pitchFamily="34" charset="-122"/>
+                <a:ea typeface="微软雅黑" panose="020B0503020204020204" pitchFamily="34" charset="-122"/>
+              </a:rPr>
+              <a:t>间隔速度变化对照实验</a:t>
+            </a:r>
+          </a:p>
+        </p:txBody>
+      </p:sp>
+      <p:sp>
+        <p:nvSpPr>
+          <p:cNvPr id="33" name="矩形 32">
+            <a:extLst>
+              <a:ext uri="{FF2B5EF4-FFF2-40B4-BE49-F238E27FC236}">
+                <a16:creationId xmlns:a16="http://schemas.microsoft.com/office/drawing/2014/main" id="{6D5DF4CC-A10E-4318-AC3B-EBB586734114}"/>
+              </a:ext>
+            </a:extLst>
+          </p:cNvPr>
+          <p:cNvSpPr/>
+          <p:nvPr/>
+        </p:nvSpPr>
+        <p:spPr>
+          <a:xfrm>
+            <a:off x="852297" y="1705371"/>
+            <a:ext cx="10870780" cy="1002967"/>
+          </a:xfrm>
+          <a:prstGeom prst="rect">
+            <a:avLst/>
+          </a:prstGeom>
+        </p:spPr>
+        <p:txBody>
+          <a:bodyPr wrap="square">
+            <a:spAutoFit/>
+          </a:bodyPr>
+          <a:lstStyle/>
+          <a:p>
+            <a:pPr marL="285750" indent="-285750">
+              <a:lnSpc>
+                <a:spcPct val="200000"/>
+              </a:lnSpc>
+              <a:buFont typeface="Wingdings" panose="05000000000000000000" pitchFamily="2" charset="2"/>
+              <a:buChar char="p"/>
+            </a:pPr>
+            <a:r>
+              <a:rPr lang="en-US" altLang="zh-CN" sz="1600" dirty="0">
+                <a:latin typeface="微软雅黑" panose="020B0503020204020204" pitchFamily="34" charset="-122"/>
+                <a:ea typeface="微软雅黑" panose="020B0503020204020204" pitchFamily="34" charset="-122"/>
+                <a:sym typeface="Wingdings" panose="05000000000000000000" pitchFamily="2" charset="2"/>
+              </a:rPr>
+              <a:t>I want to take a picture</a:t>
+            </a:r>
+          </a:p>
+          <a:p>
+            <a:pPr marL="285750" indent="-285750">
+              <a:lnSpc>
+                <a:spcPct val="200000"/>
+              </a:lnSpc>
+              <a:buFont typeface="Wingdings" panose="05000000000000000000" pitchFamily="2" charset="2"/>
+              <a:buChar char="p"/>
+            </a:pPr>
+            <a:r>
+              <a:rPr lang="en-US" altLang="zh-CN" sz="1600" dirty="0">
+                <a:latin typeface="微软雅黑" panose="020B0503020204020204" pitchFamily="34" charset="-122"/>
+                <a:ea typeface="微软雅黑" panose="020B0503020204020204" pitchFamily="34" charset="-122"/>
+                <a:sym typeface="Wingdings" panose="05000000000000000000" pitchFamily="2" charset="2"/>
+              </a:rPr>
+              <a:t>WSOLA</a:t>
+            </a:r>
+          </a:p>
+        </p:txBody>
+      </p:sp>
+      <p:sp>
+        <p:nvSpPr>
+          <p:cNvPr id="9" name="文本框 8">
+            <a:extLst>
+              <a:ext uri="{FF2B5EF4-FFF2-40B4-BE49-F238E27FC236}">
+                <a16:creationId xmlns:a16="http://schemas.microsoft.com/office/drawing/2014/main" id="{55851EF9-67F0-4FE6-B8E0-73425D6548B6}"/>
+              </a:ext>
+            </a:extLst>
+          </p:cNvPr>
+          <p:cNvSpPr txBox="1"/>
+          <p:nvPr/>
+        </p:nvSpPr>
+        <p:spPr>
+          <a:xfrm>
+            <a:off x="1535755" y="4609070"/>
+            <a:ext cx="1233030" cy="369332"/>
+          </a:xfrm>
+          <a:prstGeom prst="rect">
+            <a:avLst/>
+          </a:prstGeom>
+          <a:noFill/>
+        </p:spPr>
+        <p:txBody>
+          <a:bodyPr wrap="none" rtlCol="0">
+            <a:spAutoFit/>
+          </a:bodyPr>
+          <a:lstStyle/>
+          <a:p>
+            <a:r>
+              <a:rPr lang="en-US" altLang="zh-CN" dirty="0"/>
+              <a:t>1_1.25_1.5</a:t>
+            </a:r>
+            <a:endParaRPr lang="zh-CN" altLang="en-US" dirty="0"/>
+          </a:p>
+        </p:txBody>
+      </p:sp>
+      <p:sp>
+        <p:nvSpPr>
+          <p:cNvPr id="10" name="文本框 9">
+            <a:extLst>
+              <a:ext uri="{FF2B5EF4-FFF2-40B4-BE49-F238E27FC236}">
+                <a16:creationId xmlns:a16="http://schemas.microsoft.com/office/drawing/2014/main" id="{2110567A-F5F3-4F7C-95F4-13B83A3B2A6A}"/>
+              </a:ext>
+            </a:extLst>
+          </p:cNvPr>
+          <p:cNvSpPr txBox="1"/>
+          <p:nvPr/>
+        </p:nvSpPr>
+        <p:spPr>
+          <a:xfrm>
+            <a:off x="989270" y="5886806"/>
+            <a:ext cx="2658998" cy="369332"/>
+          </a:xfrm>
+          <a:prstGeom prst="rect">
+            <a:avLst/>
+          </a:prstGeom>
+          <a:noFill/>
+        </p:spPr>
+        <p:txBody>
+          <a:bodyPr wrap="none" rtlCol="0">
+            <a:spAutoFit/>
+          </a:bodyPr>
+          <a:lstStyle/>
+          <a:p>
+            <a:r>
+              <a:rPr lang="en-US" altLang="zh-CN" dirty="0"/>
+              <a:t>Okay google take a picture</a:t>
+            </a:r>
+            <a:endParaRPr lang="zh-CN" altLang="en-US" dirty="0"/>
+          </a:p>
+        </p:txBody>
+      </p:sp>
+      <p:sp>
+        <p:nvSpPr>
+          <p:cNvPr id="13" name="文本框 12">
+            <a:extLst>
+              <a:ext uri="{FF2B5EF4-FFF2-40B4-BE49-F238E27FC236}">
+                <a16:creationId xmlns:a16="http://schemas.microsoft.com/office/drawing/2014/main" id="{5D633B7E-AACC-4DFE-8DB2-C2015FD0C1C8}"/>
+              </a:ext>
+            </a:extLst>
+          </p:cNvPr>
+          <p:cNvSpPr txBox="1"/>
+          <p:nvPr/>
+        </p:nvSpPr>
+        <p:spPr>
+          <a:xfrm>
+            <a:off x="4590107" y="4609070"/>
+            <a:ext cx="1058303" cy="369332"/>
+          </a:xfrm>
+          <a:prstGeom prst="rect">
+            <a:avLst/>
+          </a:prstGeom>
+          <a:noFill/>
+        </p:spPr>
+        <p:txBody>
+          <a:bodyPr wrap="none" rtlCol="0">
+            <a:spAutoFit/>
+          </a:bodyPr>
+          <a:lstStyle/>
+          <a:p>
+            <a:r>
+              <a:rPr lang="en-US" altLang="zh-CN" dirty="0"/>
+              <a:t>1_1.25_2</a:t>
+            </a:r>
+            <a:endParaRPr lang="zh-CN" altLang="en-US" dirty="0"/>
+          </a:p>
+        </p:txBody>
+      </p:sp>
+      <p:sp>
+        <p:nvSpPr>
+          <p:cNvPr id="14" name="文本框 13">
+            <a:extLst>
+              <a:ext uri="{FF2B5EF4-FFF2-40B4-BE49-F238E27FC236}">
+                <a16:creationId xmlns:a16="http://schemas.microsoft.com/office/drawing/2014/main" id="{5522F82C-FD5A-49BB-A3DA-113580F9ABB9}"/>
+              </a:ext>
+            </a:extLst>
+          </p:cNvPr>
+          <p:cNvSpPr txBox="1"/>
+          <p:nvPr/>
+        </p:nvSpPr>
+        <p:spPr>
+          <a:xfrm>
+            <a:off x="3877122" y="5891110"/>
+            <a:ext cx="2658998" cy="369332"/>
+          </a:xfrm>
+          <a:prstGeom prst="rect">
+            <a:avLst/>
+          </a:prstGeom>
+          <a:noFill/>
+        </p:spPr>
+        <p:txBody>
+          <a:bodyPr wrap="none" rtlCol="0">
+            <a:spAutoFit/>
+          </a:bodyPr>
+          <a:lstStyle/>
+          <a:p>
+            <a:r>
+              <a:rPr lang="en-US" altLang="zh-CN" dirty="0"/>
+              <a:t>Okay google take a picture</a:t>
+            </a:r>
+            <a:endParaRPr lang="zh-CN" altLang="en-US" dirty="0"/>
+          </a:p>
+        </p:txBody>
+      </p:sp>
+      <p:sp>
+        <p:nvSpPr>
+          <p:cNvPr id="15" name="文本框 14">
+            <a:extLst>
+              <a:ext uri="{FF2B5EF4-FFF2-40B4-BE49-F238E27FC236}">
+                <a16:creationId xmlns:a16="http://schemas.microsoft.com/office/drawing/2014/main" id="{AC670B4B-D64A-45C8-A982-61240B225330}"/>
+              </a:ext>
+            </a:extLst>
+          </p:cNvPr>
+          <p:cNvSpPr txBox="1"/>
+          <p:nvPr/>
+        </p:nvSpPr>
+        <p:spPr>
+          <a:xfrm>
+            <a:off x="9843577" y="4609070"/>
+            <a:ext cx="941283" cy="369332"/>
+          </a:xfrm>
+          <a:prstGeom prst="rect">
+            <a:avLst/>
+          </a:prstGeom>
+          <a:noFill/>
+        </p:spPr>
+        <p:txBody>
+          <a:bodyPr wrap="none" rtlCol="0">
+            <a:spAutoFit/>
+          </a:bodyPr>
+          <a:lstStyle/>
+          <a:p>
+            <a:r>
+              <a:rPr lang="en-US" altLang="zh-CN" dirty="0"/>
+              <a:t>2_1.5_1</a:t>
+            </a:r>
+            <a:endParaRPr lang="zh-CN" altLang="en-US" dirty="0"/>
+          </a:p>
+        </p:txBody>
+      </p:sp>
+      <p:sp>
+        <p:nvSpPr>
+          <p:cNvPr id="16" name="文本框 15">
+            <a:extLst>
+              <a:ext uri="{FF2B5EF4-FFF2-40B4-BE49-F238E27FC236}">
+                <a16:creationId xmlns:a16="http://schemas.microsoft.com/office/drawing/2014/main" id="{14A89AFF-4039-44A8-961E-1F23CD97CA7F}"/>
+              </a:ext>
+            </a:extLst>
+          </p:cNvPr>
+          <p:cNvSpPr txBox="1"/>
+          <p:nvPr/>
+        </p:nvSpPr>
+        <p:spPr>
+          <a:xfrm>
+            <a:off x="9631787" y="5866396"/>
+            <a:ext cx="1481881" cy="369332"/>
+          </a:xfrm>
+          <a:prstGeom prst="rect">
+            <a:avLst/>
+          </a:prstGeom>
+          <a:noFill/>
+        </p:spPr>
+        <p:txBody>
+          <a:bodyPr wrap="none" rtlCol="0">
+            <a:spAutoFit/>
+          </a:bodyPr>
+          <a:lstStyle/>
+          <a:p>
+            <a:r>
+              <a:rPr lang="en-US" altLang="zh-CN" dirty="0"/>
+              <a:t>Take a picture</a:t>
+            </a:r>
+            <a:endParaRPr lang="zh-CN" altLang="en-US" dirty="0"/>
+          </a:p>
+        </p:txBody>
+      </p:sp>
+      <p:sp>
+        <p:nvSpPr>
+          <p:cNvPr id="18" name="文本框 17">
+            <a:extLst>
+              <a:ext uri="{FF2B5EF4-FFF2-40B4-BE49-F238E27FC236}">
+                <a16:creationId xmlns:a16="http://schemas.microsoft.com/office/drawing/2014/main" id="{E4848E19-26EE-41E0-97AD-2259D11A293E}"/>
+              </a:ext>
+            </a:extLst>
+          </p:cNvPr>
+          <p:cNvSpPr txBox="1"/>
+          <p:nvPr/>
+        </p:nvSpPr>
+        <p:spPr>
+          <a:xfrm>
+            <a:off x="7469732" y="4609070"/>
+            <a:ext cx="941283" cy="369332"/>
+          </a:xfrm>
+          <a:prstGeom prst="rect">
+            <a:avLst/>
+          </a:prstGeom>
+          <a:noFill/>
+        </p:spPr>
+        <p:txBody>
+          <a:bodyPr wrap="none" rtlCol="0">
+            <a:spAutoFit/>
+          </a:bodyPr>
+          <a:lstStyle/>
+          <a:p>
+            <a:r>
+              <a:rPr lang="en-US" altLang="zh-CN" dirty="0"/>
+              <a:t>1_1.5_2</a:t>
+            </a:r>
+            <a:endParaRPr lang="zh-CN" altLang="en-US" dirty="0"/>
+          </a:p>
+        </p:txBody>
+      </p:sp>
+      <p:sp>
+        <p:nvSpPr>
+          <p:cNvPr id="19" name="文本框 18">
+            <a:extLst>
+              <a:ext uri="{FF2B5EF4-FFF2-40B4-BE49-F238E27FC236}">
+                <a16:creationId xmlns:a16="http://schemas.microsoft.com/office/drawing/2014/main" id="{8AC0A78C-CB53-4622-AF16-8419B9232F46}"/>
+              </a:ext>
+            </a:extLst>
+          </p:cNvPr>
+          <p:cNvSpPr txBox="1"/>
+          <p:nvPr/>
+        </p:nvSpPr>
+        <p:spPr>
+          <a:xfrm>
+            <a:off x="6744573" y="5886806"/>
+            <a:ext cx="2658998" cy="369332"/>
+          </a:xfrm>
+          <a:prstGeom prst="rect">
+            <a:avLst/>
+          </a:prstGeom>
+          <a:noFill/>
+        </p:spPr>
+        <p:txBody>
+          <a:bodyPr wrap="none" rtlCol="0">
+            <a:spAutoFit/>
+          </a:bodyPr>
+          <a:lstStyle/>
+          <a:p>
+            <a:r>
+              <a:rPr lang="en-US" altLang="zh-CN" dirty="0"/>
+              <a:t>Okay google take a</a:t>
+            </a:r>
+            <a:r>
+              <a:rPr lang="zh-CN" altLang="en-US" dirty="0"/>
+              <a:t> </a:t>
+            </a:r>
+            <a:r>
+              <a:rPr lang="en-US" altLang="zh-CN" dirty="0"/>
+              <a:t>picture</a:t>
+            </a:r>
+            <a:endParaRPr lang="zh-CN" altLang="en-US" dirty="0"/>
+          </a:p>
+        </p:txBody>
+      </p:sp>
+      <p:sp>
+        <p:nvSpPr>
+          <p:cNvPr id="21" name="文本框 20">
+            <a:extLst>
+              <a:ext uri="{FF2B5EF4-FFF2-40B4-BE49-F238E27FC236}">
+                <a16:creationId xmlns:a16="http://schemas.microsoft.com/office/drawing/2014/main" id="{16913F74-444D-4CAF-97F2-495D2383A728}"/>
+              </a:ext>
+            </a:extLst>
+          </p:cNvPr>
+          <p:cNvSpPr txBox="1"/>
+          <p:nvPr/>
+        </p:nvSpPr>
+        <p:spPr>
+          <a:xfrm>
+            <a:off x="9843576" y="2150841"/>
+            <a:ext cx="941283" cy="369332"/>
+          </a:xfrm>
+          <a:prstGeom prst="rect">
+            <a:avLst/>
+          </a:prstGeom>
+          <a:noFill/>
+        </p:spPr>
+        <p:txBody>
+          <a:bodyPr wrap="none" rtlCol="0">
+            <a:spAutoFit/>
+          </a:bodyPr>
+          <a:lstStyle/>
+          <a:p>
+            <a:r>
+              <a:rPr lang="en-US" altLang="zh-CN" dirty="0"/>
+              <a:t>2_1_0.5</a:t>
+            </a:r>
+            <a:endParaRPr lang="zh-CN" altLang="en-US" dirty="0"/>
+          </a:p>
+        </p:txBody>
+      </p:sp>
+      <p:sp>
+        <p:nvSpPr>
+          <p:cNvPr id="22" name="文本框 21">
+            <a:extLst>
+              <a:ext uri="{FF2B5EF4-FFF2-40B4-BE49-F238E27FC236}">
+                <a16:creationId xmlns:a16="http://schemas.microsoft.com/office/drawing/2014/main" id="{B9726F09-A9A4-48B8-83D0-05AB1781BA85}"/>
+              </a:ext>
+            </a:extLst>
+          </p:cNvPr>
+          <p:cNvSpPr txBox="1"/>
+          <p:nvPr/>
+        </p:nvSpPr>
+        <p:spPr>
+          <a:xfrm>
+            <a:off x="9836627" y="3367526"/>
+            <a:ext cx="1060098" cy="369332"/>
+          </a:xfrm>
+          <a:prstGeom prst="rect">
+            <a:avLst/>
+          </a:prstGeom>
+          <a:noFill/>
+        </p:spPr>
+        <p:txBody>
+          <a:bodyPr wrap="none" rtlCol="0">
+            <a:spAutoFit/>
+          </a:bodyPr>
+          <a:lstStyle/>
+          <a:p>
+            <a:r>
+              <a:rPr lang="en-US" altLang="zh-CN" dirty="0"/>
+              <a:t>Take it sir</a:t>
+            </a:r>
+            <a:endParaRPr lang="zh-CN" altLang="en-US" dirty="0"/>
+          </a:p>
+        </p:txBody>
+      </p:sp>
+      <p:pic>
+        <p:nvPicPr>
+          <p:cNvPr id="2" name="1_1.25_1.5_ola_okay_google_take_a_picture">
+            <a:hlinkClick r:id="" action="ppaction://media"/>
+            <a:extLst>
+              <a:ext uri="{FF2B5EF4-FFF2-40B4-BE49-F238E27FC236}">
+                <a16:creationId xmlns:a16="http://schemas.microsoft.com/office/drawing/2014/main" id="{B4BEAF5F-9C0C-4305-B7C2-616E84605E0E}"/>
+              </a:ext>
+            </a:extLst>
+          </p:cNvPr>
+          <p:cNvPicPr>
+            <a:picLocks noChangeAspect="1"/>
+          </p:cNvPicPr>
+          <p:nvPr>
+            <a:audioFile r:link="rId2"/>
+            <p:extLst>
+              <p:ext uri="{DAA4B4D4-6D71-4841-9C94-3DE7FCFB9230}">
+                <p14:media xmlns:p14="http://schemas.microsoft.com/office/powerpoint/2010/main" r:embed="rId1"/>
+              </p:ext>
+            </p:extLst>
+          </p:nvPr>
+        </p:nvPicPr>
+        <p:blipFill>
+          <a:blip r:embed="rId13"/>
+          <a:stretch>
+            <a:fillRect/>
+          </a:stretch>
+        </p:blipFill>
+        <p:spPr>
+          <a:xfrm>
+            <a:off x="2013969" y="5205813"/>
+            <a:ext cx="609600" cy="609600"/>
+          </a:xfrm>
+          <a:prstGeom prst="rect">
+            <a:avLst/>
+          </a:prstGeom>
+        </p:spPr>
+      </p:pic>
+      <p:pic>
+        <p:nvPicPr>
+          <p:cNvPr id="4" name="1_1.25_2_okay_google_take_a_picture">
+            <a:hlinkClick r:id="" action="ppaction://media"/>
+            <a:extLst>
+              <a:ext uri="{FF2B5EF4-FFF2-40B4-BE49-F238E27FC236}">
+                <a16:creationId xmlns:a16="http://schemas.microsoft.com/office/drawing/2014/main" id="{18457C9F-9867-4D57-BDE6-110FD0083756}"/>
+              </a:ext>
+            </a:extLst>
+          </p:cNvPr>
+          <p:cNvPicPr>
+            <a:picLocks noChangeAspect="1"/>
+          </p:cNvPicPr>
+          <p:nvPr>
+            <a:audioFile r:link="rId4"/>
+            <p:extLst>
+              <p:ext uri="{DAA4B4D4-6D71-4841-9C94-3DE7FCFB9230}">
+                <p14:media xmlns:p14="http://schemas.microsoft.com/office/powerpoint/2010/main" r:embed="rId3"/>
+              </p:ext>
+            </p:extLst>
+          </p:nvPr>
+        </p:nvPicPr>
+        <p:blipFill>
+          <a:blip r:embed="rId13"/>
+          <a:stretch>
+            <a:fillRect/>
+          </a:stretch>
+        </p:blipFill>
+        <p:spPr>
+          <a:xfrm>
+            <a:off x="4901821" y="5129956"/>
+            <a:ext cx="609600" cy="609600"/>
+          </a:xfrm>
+          <a:prstGeom prst="rect">
+            <a:avLst/>
+          </a:prstGeom>
+        </p:spPr>
+      </p:pic>
+      <p:pic>
+        <p:nvPicPr>
+          <p:cNvPr id="5" name="1_1.5_2_okay_google_take_a_picture">
+            <a:hlinkClick r:id="" action="ppaction://media"/>
+            <a:extLst>
+              <a:ext uri="{FF2B5EF4-FFF2-40B4-BE49-F238E27FC236}">
+                <a16:creationId xmlns:a16="http://schemas.microsoft.com/office/drawing/2014/main" id="{C7836A63-5E3B-4AC1-80FF-5F7ED75F1D54}"/>
+              </a:ext>
+            </a:extLst>
+          </p:cNvPr>
+          <p:cNvPicPr>
+            <a:picLocks noChangeAspect="1"/>
+          </p:cNvPicPr>
+          <p:nvPr>
+            <a:audioFile r:link="rId6"/>
+            <p:extLst>
+              <p:ext uri="{DAA4B4D4-6D71-4841-9C94-3DE7FCFB9230}">
+                <p14:media xmlns:p14="http://schemas.microsoft.com/office/powerpoint/2010/main" r:embed="rId5"/>
+              </p:ext>
+            </p:extLst>
+          </p:nvPr>
+        </p:nvPicPr>
+        <p:blipFill>
+          <a:blip r:embed="rId13"/>
+          <a:stretch>
+            <a:fillRect/>
+          </a:stretch>
+        </p:blipFill>
+        <p:spPr>
+          <a:xfrm>
+            <a:off x="7769272" y="5152629"/>
+            <a:ext cx="609600" cy="609600"/>
+          </a:xfrm>
+          <a:prstGeom prst="rect">
+            <a:avLst/>
+          </a:prstGeom>
+        </p:spPr>
+      </p:pic>
+      <p:pic>
+        <p:nvPicPr>
+          <p:cNvPr id="6" name="2_1.5_1_ola_take_a_picture">
+            <a:hlinkClick r:id="" action="ppaction://media"/>
+            <a:extLst>
+              <a:ext uri="{FF2B5EF4-FFF2-40B4-BE49-F238E27FC236}">
+                <a16:creationId xmlns:a16="http://schemas.microsoft.com/office/drawing/2014/main" id="{2CF88FD5-D187-443E-88BB-F7E721B373FB}"/>
+              </a:ext>
+            </a:extLst>
+          </p:cNvPr>
+          <p:cNvPicPr>
+            <a:picLocks noChangeAspect="1"/>
+          </p:cNvPicPr>
+          <p:nvPr>
+            <a:audioFile r:link="rId8"/>
+            <p:extLst>
+              <p:ext uri="{DAA4B4D4-6D71-4841-9C94-3DE7FCFB9230}">
+                <p14:media xmlns:p14="http://schemas.microsoft.com/office/powerpoint/2010/main" r:embed="rId7"/>
+              </p:ext>
+            </p:extLst>
+          </p:nvPr>
+        </p:nvPicPr>
+        <p:blipFill>
+          <a:blip r:embed="rId13"/>
+          <a:stretch>
+            <a:fillRect/>
+          </a:stretch>
+        </p:blipFill>
+        <p:spPr>
+          <a:xfrm>
+            <a:off x="10047492" y="5150050"/>
+            <a:ext cx="609600" cy="609600"/>
+          </a:xfrm>
+          <a:prstGeom prst="rect">
+            <a:avLst/>
+          </a:prstGeom>
+        </p:spPr>
+      </p:pic>
+      <p:pic>
+        <p:nvPicPr>
+          <p:cNvPr id="20" name="2_1_0.5_ola_take_it_sir">
+            <a:hlinkClick r:id="" action="ppaction://media"/>
+            <a:extLst>
+              <a:ext uri="{FF2B5EF4-FFF2-40B4-BE49-F238E27FC236}">
+                <a16:creationId xmlns:a16="http://schemas.microsoft.com/office/drawing/2014/main" id="{B53C9FD9-67CB-4E65-8831-3776BE95A083}"/>
+              </a:ext>
+            </a:extLst>
+          </p:cNvPr>
+          <p:cNvPicPr>
+            <a:picLocks noChangeAspect="1"/>
+          </p:cNvPicPr>
+          <p:nvPr>
+            <a:audioFile r:link="rId10"/>
+            <p:extLst>
+              <p:ext uri="{DAA4B4D4-6D71-4841-9C94-3DE7FCFB9230}">
+                <p14:media xmlns:p14="http://schemas.microsoft.com/office/powerpoint/2010/main" r:embed="rId9"/>
+              </p:ext>
+            </p:extLst>
+          </p:nvPr>
+        </p:nvPicPr>
+        <p:blipFill>
+          <a:blip r:embed="rId13"/>
+          <a:stretch>
+            <a:fillRect/>
+          </a:stretch>
+        </p:blipFill>
+        <p:spPr>
+          <a:xfrm>
+            <a:off x="10015551" y="2629901"/>
+            <a:ext cx="609600" cy="609600"/>
+          </a:xfrm>
+          <a:prstGeom prst="rect">
+            <a:avLst/>
+          </a:prstGeom>
+        </p:spPr>
+      </p:pic>
+    </p:spTree>
+    <p:extLst>
+      <p:ext uri="{BB962C8B-B14F-4D97-AF65-F5344CB8AC3E}">
+        <p14:creationId xmlns:p14="http://schemas.microsoft.com/office/powerpoint/2010/main" val="136220779"/>
+      </p:ext>
+    </p:extLst>
+  </p:cSld>
+  <p:clrMapOvr>
+    <a:masterClrMapping/>
+  </p:clrMapOvr>
+  <p:timing>
+    <p:tnLst>
+      <p:par>
+        <p:cTn id="1" dur="indefinite" restart="never" nodeType="tmRoot">
+          <p:childTnLst>
+            <p:seq concurrent="1" nextAc="seek">
+              <p:cTn id="2" dur="indefinite" nodeType="mainSeq">
+                <p:childTnLst>
+                  <p:par>
+                    <p:cTn id="3" fill="hold">
+                      <p:stCondLst>
+                        <p:cond delay="indefinite"/>
+                      </p:stCondLst>
+                      <p:childTnLst>
+                        <p:par>
+                          <p:cTn id="4" fill="hold">
+                            <p:stCondLst>
+                              <p:cond delay="0"/>
+                            </p:stCondLst>
+                            <p:childTnLst>
+                              <p:par>
+                                <p:cTn id="5" presetID="1" presetClass="mediacall" presetSubtype="0" fill="hold" nodeType="clickEffect">
+                                  <p:stCondLst>
+                                    <p:cond delay="0"/>
+                                  </p:stCondLst>
+                                  <p:childTnLst>
+                                    <p:cmd type="call" cmd="playFrom(0.0)">
+                                      <p:cBhvr>
+                                        <p:cTn id="6" dur="1848" fill="hold"/>
+                                        <p:tgtEl>
+                                          <p:spTgt spid="2"/>
+                                        </p:tgtEl>
+                                      </p:cBhvr>
+                                    </p:cmd>
+                                  </p:childTnLst>
+                                </p:cTn>
+                              </p:par>
+                            </p:childTnLst>
+                          </p:cTn>
+                        </p:par>
+                      </p:childTnLst>
+                    </p:cTn>
+                  </p:par>
+                  <p:par>
+                    <p:cTn id="7" fill="hold">
+                      <p:stCondLst>
+                        <p:cond delay="indefinite"/>
+                      </p:stCondLst>
+                      <p:childTnLst>
+                        <p:par>
+                          <p:cTn id="8" fill="hold">
+                            <p:stCondLst>
+                              <p:cond delay="0"/>
+                            </p:stCondLst>
+                            <p:childTnLst>
+                              <p:par>
+                                <p:cTn id="9" presetID="1" presetClass="mediacall" presetSubtype="0" fill="hold" nodeType="clickEffect">
+                                  <p:stCondLst>
+                                    <p:cond delay="0"/>
+                                  </p:stCondLst>
+                                  <p:childTnLst>
+                                    <p:cmd type="call" cmd="playFrom(0.0)">
+                                      <p:cBhvr>
+                                        <p:cTn id="10" dur="1760" fill="hold"/>
+                                        <p:tgtEl>
+                                          <p:spTgt spid="4"/>
+                                        </p:tgtEl>
+                                      </p:cBhvr>
+                                    </p:cmd>
+                                  </p:childTnLst>
+                                </p:cTn>
+                              </p:par>
+                            </p:childTnLst>
+                          </p:cTn>
+                        </p:par>
+                      </p:childTnLst>
+                    </p:cTn>
+                  </p:par>
+                  <p:par>
+                    <p:cTn id="11" fill="hold">
+                      <p:stCondLst>
+                        <p:cond delay="indefinite"/>
+                      </p:stCondLst>
+                      <p:childTnLst>
+                        <p:par>
+                          <p:cTn id="12" fill="hold">
+                            <p:stCondLst>
+                              <p:cond delay="0"/>
+                            </p:stCondLst>
+                            <p:childTnLst>
+                              <p:par>
+                                <p:cTn id="13" presetID="1" presetClass="mediacall" presetSubtype="0" fill="hold" nodeType="clickEffect">
+                                  <p:stCondLst>
+                                    <p:cond delay="0"/>
+                                  </p:stCondLst>
+                                  <p:childTnLst>
+                                    <p:cmd type="call" cmd="playFrom(0.0)">
+                                      <p:cBhvr>
+                                        <p:cTn id="14" dur="1720" fill="hold"/>
+                                        <p:tgtEl>
+                                          <p:spTgt spid="5"/>
+                                        </p:tgtEl>
+                                      </p:cBhvr>
+                                    </p:cmd>
+                                  </p:childTnLst>
+                                </p:cTn>
+                              </p:par>
+                            </p:childTnLst>
+                          </p:cTn>
+                        </p:par>
+                      </p:childTnLst>
+                    </p:cTn>
+                  </p:par>
+                  <p:par>
+                    <p:cTn id="15" fill="hold">
+                      <p:stCondLst>
+                        <p:cond delay="indefinite"/>
+                      </p:stCondLst>
+                      <p:childTnLst>
+                        <p:par>
+                          <p:cTn id="16" fill="hold">
+                            <p:stCondLst>
+                              <p:cond delay="0"/>
+                            </p:stCondLst>
+                            <p:childTnLst>
+                              <p:par>
+                                <p:cTn id="17" presetID="1" presetClass="mediacall" presetSubtype="0" fill="hold" nodeType="clickEffect">
+                                  <p:stCondLst>
+                                    <p:cond delay="0"/>
+                                  </p:stCondLst>
+                                  <p:childTnLst>
+                                    <p:cmd type="call" cmd="playFrom(0.0)">
+                                      <p:cBhvr>
+                                        <p:cTn id="18" dur="1568" fill="hold"/>
+                                        <p:tgtEl>
+                                          <p:spTgt spid="6"/>
+                                        </p:tgtEl>
+                                      </p:cBhvr>
+                                    </p:cmd>
+                                  </p:childTnLst>
+                                </p:cTn>
+                              </p:par>
+                            </p:childTnLst>
+                          </p:cTn>
+                        </p:par>
+                      </p:childTnLst>
+                    </p:cTn>
+                  </p:par>
+                  <p:par>
+                    <p:cTn id="19" fill="hold">
+                      <p:stCondLst>
+                        <p:cond delay="indefinite"/>
+                      </p:stCondLst>
+                      <p:childTnLst>
+                        <p:par>
+                          <p:cTn id="20" fill="hold">
+                            <p:stCondLst>
+                              <p:cond delay="0"/>
+                            </p:stCondLst>
+                            <p:childTnLst>
+                              <p:par>
+                                <p:cTn id="21" presetID="1" presetClass="mediacall" presetSubtype="0" fill="hold" nodeType="clickEffect">
+                                  <p:stCondLst>
+                                    <p:cond delay="0"/>
+                                  </p:stCondLst>
+                                  <p:childTnLst>
+                                    <p:cmd type="call" cmd="playFrom(0.0)">
+                                      <p:cBhvr>
+                                        <p:cTn id="22" dur="2160" fill="hold"/>
+                                        <p:tgtEl>
+                                          <p:spTgt spid="20"/>
+                                        </p:tgtEl>
+                                      </p:cBhvr>
+                                    </p:cmd>
+                                  </p:childTnLst>
+                                </p:cTn>
+                              </p:par>
+                            </p:childTnLst>
+                          </p:cTn>
+                        </p:par>
+                      </p:childTnLst>
+                    </p:cTn>
+                  </p:par>
+                </p:childTnLst>
+              </p:cTn>
+              <p:prevCondLst>
+                <p:cond evt="onPrev" delay="0">
+                  <p:tgtEl>
+                    <p:sldTgt/>
+                  </p:tgtEl>
+                </p:cond>
+              </p:prevCondLst>
+              <p:nextCondLst>
+                <p:cond evt="onNext" delay="0">
+                  <p:tgtEl>
+                    <p:sldTgt/>
+                  </p:tgtEl>
+                </p:cond>
+              </p:nextCondLst>
+            </p:seq>
+            <p:audio>
+              <p:cMediaNode vol="80000">
+                <p:cTn id="23" fill="hold" display="0">
+                  <p:stCondLst>
+                    <p:cond delay="indefinite"/>
+                  </p:stCondLst>
+                  <p:endCondLst>
+                    <p:cond evt="onStopAudio" delay="0">
+                      <p:tgtEl>
+                        <p:sldTgt/>
+                      </p:tgtEl>
+                    </p:cond>
+                  </p:endCondLst>
+                </p:cTn>
+                <p:tgtEl>
+                  <p:spTgt spid="2"/>
+                </p:tgtEl>
+              </p:cMediaNode>
+            </p:audio>
+            <p:audio>
+              <p:cMediaNode vol="80000">
+                <p:cTn id="24" fill="hold" display="0">
+                  <p:stCondLst>
+                    <p:cond delay="indefinite"/>
+                  </p:stCondLst>
+                  <p:endCondLst>
+                    <p:cond evt="onStopAudio" delay="0">
+                      <p:tgtEl>
+                        <p:sldTgt/>
+                      </p:tgtEl>
+                    </p:cond>
+                  </p:endCondLst>
+                </p:cTn>
+                <p:tgtEl>
+                  <p:spTgt spid="4"/>
+                </p:tgtEl>
+              </p:cMediaNode>
+            </p:audio>
+            <p:audio>
+              <p:cMediaNode vol="80000">
+                <p:cTn id="25" fill="hold" display="0">
+                  <p:stCondLst>
+                    <p:cond delay="indefinite"/>
+                  </p:stCondLst>
+                  <p:endCondLst>
+                    <p:cond evt="onStopAudio" delay="0">
+                      <p:tgtEl>
+                        <p:sldTgt/>
+                      </p:tgtEl>
+                    </p:cond>
+                  </p:endCondLst>
+                </p:cTn>
+                <p:tgtEl>
+                  <p:spTgt spid="5"/>
+                </p:tgtEl>
+              </p:cMediaNode>
+            </p:audio>
+            <p:audio>
+              <p:cMediaNode vol="80000">
+                <p:cTn id="26" fill="hold" display="0">
+                  <p:stCondLst>
+                    <p:cond delay="indefinite"/>
+                  </p:stCondLst>
+                  <p:endCondLst>
+                    <p:cond evt="onStopAudio" delay="0">
+                      <p:tgtEl>
+                        <p:sldTgt/>
+                      </p:tgtEl>
+                    </p:cond>
+                  </p:endCondLst>
+                </p:cTn>
+                <p:tgtEl>
+                  <p:spTgt spid="6"/>
+                </p:tgtEl>
+              </p:cMediaNode>
+            </p:audio>
+            <p:audio>
+              <p:cMediaNode vol="80000">
+                <p:cTn id="27" fill="hold" display="0">
+                  <p:stCondLst>
+                    <p:cond delay="indefinite"/>
+                  </p:stCondLst>
+                  <p:endCondLst>
+                    <p:cond evt="onStopAudio" delay="0">
+                      <p:tgtEl>
+                        <p:sldTgt/>
+                      </p:tgtEl>
+                    </p:cond>
+                  </p:endCondLst>
+                </p:cTn>
+                <p:tgtEl>
+                  <p:spTgt spid="20"/>
+                </p:tgtEl>
+              </p:cMediaNode>
+            </p:audio>
+          </p:childTnLst>
+        </p:cTn>
+      </p:par>
+    </p:tnLst>
+  </p:timing>
+</p:sld>
+</file>
+
+<file path=ppt/slides/slide12.xml><?xml version="1.0" encoding="utf-8"?>
+<p:sld xmlns:a="http://schemas.openxmlformats.org/drawingml/2006/main" xmlns:r="http://schemas.openxmlformats.org/officeDocument/2006/relationships" xmlns:p="http://schemas.openxmlformats.org/presentationml/2006/main">
+  <p:cSld>
+    <p:spTree>
+      <p:nvGrpSpPr>
+        <p:cNvPr id="1" name=""/>
+        <p:cNvGrpSpPr/>
+        <p:nvPr/>
+      </p:nvGrpSpPr>
+      <p:grpSpPr>
+        <a:xfrm>
+          <a:off x="0" y="0"/>
+          <a:ext cx="0" cy="0"/>
+          <a:chOff x="0" y="0"/>
+          <a:chExt cx="0" cy="0"/>
+        </a:xfrm>
+      </p:grpSpPr>
+      <p:sp>
+        <p:nvSpPr>
+          <p:cNvPr id="12" name="矩形 11">
+            <a:extLst>
+              <a:ext uri="{FF2B5EF4-FFF2-40B4-BE49-F238E27FC236}">
+                <a16:creationId xmlns:a16="http://schemas.microsoft.com/office/drawing/2014/main" id="{0FDAD747-108F-4A6D-9220-5EA05067FF1E}"/>
+              </a:ext>
+            </a:extLst>
+          </p:cNvPr>
+          <p:cNvSpPr/>
+          <p:nvPr/>
+        </p:nvSpPr>
+        <p:spPr>
+          <a:xfrm>
+            <a:off x="852298" y="1120596"/>
+            <a:ext cx="1005403" cy="584775"/>
+          </a:xfrm>
+          <a:prstGeom prst="rect">
+            <a:avLst/>
+          </a:prstGeom>
+        </p:spPr>
+        <p:txBody>
+          <a:bodyPr wrap="none">
+            <a:spAutoFit/>
+          </a:bodyPr>
+          <a:lstStyle/>
+          <a:p>
+            <a:r>
+              <a:rPr lang="zh-CN" altLang="en-US" sz="3200" b="1" dirty="0">
+                <a:latin typeface="微软雅黑" panose="020B0503020204020204" pitchFamily="34" charset="-122"/>
+                <a:ea typeface="微软雅黑" panose="020B0503020204020204" pitchFamily="34" charset="-122"/>
+              </a:rPr>
+              <a:t>思路</a:t>
+            </a:r>
+          </a:p>
+        </p:txBody>
+      </p:sp>
+      <p:sp>
+        <p:nvSpPr>
+          <p:cNvPr id="33" name="矩形 32">
+            <a:extLst>
+              <a:ext uri="{FF2B5EF4-FFF2-40B4-BE49-F238E27FC236}">
+                <a16:creationId xmlns:a16="http://schemas.microsoft.com/office/drawing/2014/main" id="{6D5DF4CC-A10E-4318-AC3B-EBB586734114}"/>
+              </a:ext>
+            </a:extLst>
+          </p:cNvPr>
+          <p:cNvSpPr/>
+          <p:nvPr/>
+        </p:nvSpPr>
+        <p:spPr>
+          <a:xfrm>
+            <a:off x="852297" y="1705371"/>
+            <a:ext cx="10870780" cy="510524"/>
+          </a:xfrm>
+          <a:prstGeom prst="rect">
+            <a:avLst/>
+          </a:prstGeom>
+        </p:spPr>
+        <p:txBody>
+          <a:bodyPr wrap="square">
+            <a:spAutoFit/>
+          </a:bodyPr>
+          <a:lstStyle/>
+          <a:p>
+            <a:pPr marL="285750" indent="-285750">
+              <a:lnSpc>
+                <a:spcPct val="200000"/>
+              </a:lnSpc>
+              <a:buFont typeface="Wingdings" panose="05000000000000000000" pitchFamily="2" charset="2"/>
+              <a:buChar char="p"/>
+            </a:pPr>
+            <a:r>
+              <a:rPr lang="en-US" altLang="zh-CN" sz="1600" dirty="0">
+                <a:latin typeface="微软雅黑" panose="020B0503020204020204" pitchFamily="34" charset="-122"/>
+                <a:ea typeface="微软雅黑" panose="020B0503020204020204" pitchFamily="34" charset="-122"/>
+                <a:sym typeface="Wingdings" panose="05000000000000000000" pitchFamily="2" charset="2"/>
+              </a:rPr>
+              <a:t>xxx</a:t>
+            </a:r>
+          </a:p>
+        </p:txBody>
+      </p:sp>
+      <p:pic>
+        <p:nvPicPr>
+          <p:cNvPr id="2" name="图片 1"/>
+          <p:cNvPicPr>
+            <a:picLocks noChangeAspect="1"/>
+          </p:cNvPicPr>
+          <p:nvPr/>
+        </p:nvPicPr>
+        <p:blipFill>
+          <a:blip r:embed="rId3"/>
+          <a:stretch>
+            <a:fillRect/>
+          </a:stretch>
+        </p:blipFill>
+        <p:spPr>
+          <a:xfrm>
+            <a:off x="0" y="1871602"/>
+            <a:ext cx="5812004" cy="4738786"/>
+          </a:xfrm>
+          <a:prstGeom prst="rect">
+            <a:avLst/>
+          </a:prstGeom>
+        </p:spPr>
+      </p:pic>
+      <p:pic>
+        <p:nvPicPr>
+          <p:cNvPr id="4" name="图片 3"/>
+          <p:cNvPicPr>
+            <a:picLocks noChangeAspect="1"/>
+          </p:cNvPicPr>
+          <p:nvPr/>
+        </p:nvPicPr>
+        <p:blipFill>
+          <a:blip r:embed="rId4"/>
+          <a:stretch>
+            <a:fillRect/>
+          </a:stretch>
+        </p:blipFill>
+        <p:spPr>
+          <a:xfrm>
+            <a:off x="5812004" y="1871602"/>
+            <a:ext cx="6330439" cy="4738786"/>
+          </a:xfrm>
+          <a:prstGeom prst="rect">
+            <a:avLst/>
+          </a:prstGeom>
+        </p:spPr>
+      </p:pic>
+    </p:spTree>
+    <p:extLst>
+      <p:ext uri="{BB962C8B-B14F-4D97-AF65-F5344CB8AC3E}">
+        <p14:creationId xmlns:p14="http://schemas.microsoft.com/office/powerpoint/2010/main" val="1317122002"/>
+      </p:ext>
+    </p:extLst>
+  </p:cSld>
+  <p:clrMapOvr>
+    <a:masterClrMapping/>
+  </p:clrMapOvr>
+</p:sld>
+</file>
+
+<file path=ppt/slides/slide13.xml><?xml version="1.0" encoding="utf-8"?>
+<p:sld xmlns:a="http://schemas.openxmlformats.org/drawingml/2006/main" xmlns:r="http://schemas.openxmlformats.org/officeDocument/2006/relationships" xmlns:p="http://schemas.openxmlformats.org/presentationml/2006/main">
+  <p:cSld>
+    <p:spTree>
+      <p:nvGrpSpPr>
+        <p:cNvPr id="1" name=""/>
+        <p:cNvGrpSpPr/>
+        <p:nvPr/>
+      </p:nvGrpSpPr>
+      <p:grpSpPr>
+        <a:xfrm>
+          <a:off x="0" y="0"/>
+          <a:ext cx="0" cy="0"/>
+          <a:chOff x="0" y="0"/>
+          <a:chExt cx="0" cy="0"/>
+        </a:xfrm>
+      </p:grpSpPr>
+      <p:sp>
+        <p:nvSpPr>
+          <p:cNvPr id="12" name="矩形 11">
+            <a:extLst>
+              <a:ext uri="{FF2B5EF4-FFF2-40B4-BE49-F238E27FC236}">
+                <a16:creationId xmlns:a16="http://schemas.microsoft.com/office/drawing/2014/main" id="{0FDAD747-108F-4A6D-9220-5EA05067FF1E}"/>
+              </a:ext>
+            </a:extLst>
+          </p:cNvPr>
+          <p:cNvSpPr/>
+          <p:nvPr/>
+        </p:nvSpPr>
+        <p:spPr>
+          <a:xfrm>
+            <a:off x="852298" y="1120596"/>
+            <a:ext cx="1005403" cy="584775"/>
+          </a:xfrm>
+          <a:prstGeom prst="rect">
+            <a:avLst/>
+          </a:prstGeom>
+        </p:spPr>
+        <p:txBody>
+          <a:bodyPr wrap="none">
+            <a:spAutoFit/>
+          </a:bodyPr>
+          <a:lstStyle/>
+          <a:p>
+            <a:r>
+              <a:rPr lang="zh-CN" altLang="en-US" sz="3200" b="1" dirty="0">
+                <a:latin typeface="微软雅黑" panose="020B0503020204020204" pitchFamily="34" charset="-122"/>
+                <a:ea typeface="微软雅黑" panose="020B0503020204020204" pitchFamily="34" charset="-122"/>
+              </a:rPr>
+              <a:t>思路</a:t>
+            </a:r>
+          </a:p>
+        </p:txBody>
+      </p:sp>
+      <p:sp>
+        <p:nvSpPr>
+          <p:cNvPr id="33" name="矩形 32">
+            <a:extLst>
+              <a:ext uri="{FF2B5EF4-FFF2-40B4-BE49-F238E27FC236}">
+                <a16:creationId xmlns:a16="http://schemas.microsoft.com/office/drawing/2014/main" id="{6D5DF4CC-A10E-4318-AC3B-EBB586734114}"/>
+              </a:ext>
+            </a:extLst>
+          </p:cNvPr>
+          <p:cNvSpPr/>
+          <p:nvPr/>
+        </p:nvSpPr>
+        <p:spPr>
+          <a:xfrm>
+            <a:off x="852297" y="1705371"/>
+            <a:ext cx="10870780" cy="1002967"/>
+          </a:xfrm>
+          <a:prstGeom prst="rect">
+            <a:avLst/>
+          </a:prstGeom>
+        </p:spPr>
+        <p:txBody>
+          <a:bodyPr wrap="square">
+            <a:spAutoFit/>
+          </a:bodyPr>
+          <a:lstStyle/>
+          <a:p>
+            <a:pPr marL="285750" indent="-285750">
+              <a:lnSpc>
+                <a:spcPct val="200000"/>
+              </a:lnSpc>
+              <a:buFont typeface="Wingdings" panose="05000000000000000000" pitchFamily="2" charset="2"/>
+              <a:buChar char="p"/>
+            </a:pPr>
+            <a:r>
+              <a:rPr lang="en-US" altLang="zh-CN" sz="1600" dirty="0">
+                <a:latin typeface="微软雅黑" panose="020B0503020204020204" pitchFamily="34" charset="-122"/>
+                <a:ea typeface="微软雅黑" panose="020B0503020204020204" pitchFamily="34" charset="-122"/>
+                <a:sym typeface="Wingdings" panose="05000000000000000000" pitchFamily="2" charset="2"/>
+              </a:rPr>
+              <a:t>Image Scaling Attack: </a:t>
+            </a:r>
+            <a:r>
+              <a:rPr lang="zh-CN" altLang="en-US" sz="1600" dirty="0">
+                <a:latin typeface="微软雅黑" panose="020B0503020204020204" pitchFamily="34" charset="-122"/>
+                <a:ea typeface="微软雅黑" panose="020B0503020204020204" pitchFamily="34" charset="-122"/>
+                <a:sym typeface="Wingdings" panose="05000000000000000000" pitchFamily="2" charset="2"/>
+              </a:rPr>
+              <a:t>不确定</a:t>
+            </a:r>
+            <a:r>
+              <a:rPr lang="en-US" altLang="zh-CN" sz="1600" dirty="0">
+                <a:latin typeface="微软雅黑" panose="020B0503020204020204" pitchFamily="34" charset="-122"/>
+                <a:ea typeface="微软雅黑" panose="020B0503020204020204" pitchFamily="34" charset="-122"/>
+                <a:sym typeface="Wingdings" panose="05000000000000000000" pitchFamily="2" charset="2"/>
+              </a:rPr>
+              <a:t>target</a:t>
+            </a:r>
+            <a:r>
+              <a:rPr lang="zh-CN" altLang="en-US" sz="1600" dirty="0">
+                <a:latin typeface="微软雅黑" panose="020B0503020204020204" pitchFamily="34" charset="-122"/>
+                <a:ea typeface="微软雅黑" panose="020B0503020204020204" pitchFamily="34" charset="-122"/>
+                <a:sym typeface="Wingdings" panose="05000000000000000000" pitchFamily="2" charset="2"/>
+              </a:rPr>
+              <a:t>情况下求最大差异图片</a:t>
+            </a:r>
+            <a:endParaRPr lang="en-US" altLang="zh-CN" sz="1600" dirty="0">
+              <a:latin typeface="微软雅黑" panose="020B0503020204020204" pitchFamily="34" charset="-122"/>
+              <a:ea typeface="微软雅黑" panose="020B0503020204020204" pitchFamily="34" charset="-122"/>
+              <a:sym typeface="Wingdings" panose="05000000000000000000" pitchFamily="2" charset="2"/>
+            </a:endParaRPr>
+          </a:p>
+          <a:p>
+            <a:pPr marL="285750" indent="-285750">
+              <a:lnSpc>
+                <a:spcPct val="200000"/>
+              </a:lnSpc>
+              <a:buFont typeface="Wingdings" panose="05000000000000000000" pitchFamily="2" charset="2"/>
+              <a:buChar char="p"/>
+            </a:pPr>
+            <a:r>
+              <a:rPr lang="zh-CN" altLang="en-US" sz="1600" dirty="0">
+                <a:latin typeface="微软雅黑" panose="020B0503020204020204" pitchFamily="34" charset="-122"/>
+                <a:ea typeface="微软雅黑" panose="020B0503020204020204" pitchFamily="34" charset="-122"/>
+                <a:sym typeface="Wingdings" panose="05000000000000000000" pitchFamily="2" charset="2"/>
+              </a:rPr>
+              <a:t>求最大差异解</a:t>
+            </a:r>
+            <a:endParaRPr lang="en-US" altLang="zh-CN" sz="1600" dirty="0">
+              <a:latin typeface="微软雅黑" panose="020B0503020204020204" pitchFamily="34" charset="-122"/>
+              <a:ea typeface="微软雅黑" panose="020B0503020204020204" pitchFamily="34" charset="-122"/>
+              <a:sym typeface="Wingdings" panose="05000000000000000000" pitchFamily="2" charset="2"/>
+            </a:endParaRPr>
+          </a:p>
+        </p:txBody>
+      </p:sp>
+    </p:spTree>
+    <p:extLst>
+      <p:ext uri="{BB962C8B-B14F-4D97-AF65-F5344CB8AC3E}">
+        <p14:creationId xmlns:p14="http://schemas.microsoft.com/office/powerpoint/2010/main" val="3850148525"/>
+      </p:ext>
+    </p:extLst>
+  </p:cSld>
+  <p:clrMapOvr>
+    <a:masterClrMapping/>
+  </p:clrMapOvr>
+</p:sld>
+</file>
+
+<file path=ppt/slides/slide14.xml><?xml version="1.0" encoding="utf-8"?>
+<p:sld xmlns:a="http://schemas.openxmlformats.org/drawingml/2006/main" xmlns:r="http://schemas.openxmlformats.org/officeDocument/2006/relationships" xmlns:p="http://schemas.openxmlformats.org/presentationml/2006/main">
+  <p:cSld>
+    <p:spTree>
+      <p:nvGrpSpPr>
+        <p:cNvPr id="1" name=""/>
+        <p:cNvGrpSpPr/>
+        <p:nvPr/>
+      </p:nvGrpSpPr>
+      <p:grpSpPr>
+        <a:xfrm>
+          <a:off x="0" y="0"/>
+          <a:ext cx="0" cy="0"/>
+          <a:chOff x="0" y="0"/>
+          <a:chExt cx="0" cy="0"/>
+        </a:xfrm>
+      </p:grpSpPr>
+      <p:sp>
+        <p:nvSpPr>
+          <p:cNvPr id="12" name="矩形 11">
+            <a:extLst>
+              <a:ext uri="{FF2B5EF4-FFF2-40B4-BE49-F238E27FC236}">
+                <a16:creationId xmlns:a16="http://schemas.microsoft.com/office/drawing/2014/main" id="{0FDAD747-108F-4A6D-9220-5EA05067FF1E}"/>
+              </a:ext>
+            </a:extLst>
+          </p:cNvPr>
+          <p:cNvSpPr/>
+          <p:nvPr/>
+        </p:nvSpPr>
+        <p:spPr>
+          <a:xfrm>
+            <a:off x="852298" y="1120596"/>
+            <a:ext cx="2646878" cy="584775"/>
+          </a:xfrm>
+          <a:prstGeom prst="rect">
+            <a:avLst/>
+          </a:prstGeom>
+        </p:spPr>
+        <p:txBody>
+          <a:bodyPr wrap="none">
+            <a:spAutoFit/>
+          </a:bodyPr>
+          <a:lstStyle/>
+          <a:p>
+            <a:r>
+              <a:rPr lang="zh-CN" altLang="en-US" sz="3200" b="1" dirty="0">
+                <a:latin typeface="微软雅黑" panose="020B0503020204020204" pitchFamily="34" charset="-122"/>
+                <a:ea typeface="微软雅黑" panose="020B0503020204020204" pitchFamily="34" charset="-122"/>
+              </a:rPr>
+              <a:t>快速阈值探究</a:t>
+            </a:r>
+          </a:p>
+        </p:txBody>
+      </p:sp>
+      <p:sp>
+        <p:nvSpPr>
+          <p:cNvPr id="33" name="矩形 32">
+            <a:extLst>
+              <a:ext uri="{FF2B5EF4-FFF2-40B4-BE49-F238E27FC236}">
+                <a16:creationId xmlns:a16="http://schemas.microsoft.com/office/drawing/2014/main" id="{6D5DF4CC-A10E-4318-AC3B-EBB586734114}"/>
+              </a:ext>
+            </a:extLst>
+          </p:cNvPr>
+          <p:cNvSpPr/>
+          <p:nvPr/>
+        </p:nvSpPr>
+        <p:spPr>
+          <a:xfrm>
+            <a:off x="852297" y="1705371"/>
+            <a:ext cx="10870780" cy="510524"/>
+          </a:xfrm>
+          <a:prstGeom prst="rect">
+            <a:avLst/>
+          </a:prstGeom>
+        </p:spPr>
+        <p:txBody>
+          <a:bodyPr wrap="square">
+            <a:spAutoFit/>
+          </a:bodyPr>
+          <a:lstStyle/>
+          <a:p>
+            <a:pPr marL="285750" indent="-285750">
+              <a:lnSpc>
+                <a:spcPct val="200000"/>
+              </a:lnSpc>
+              <a:buFont typeface="Wingdings" panose="05000000000000000000" pitchFamily="2" charset="2"/>
+              <a:buChar char="p"/>
+            </a:pPr>
+            <a:r>
+              <a:rPr lang="zh-CN" altLang="en-US" sz="1600" dirty="0">
+                <a:latin typeface="微软雅黑" panose="020B0503020204020204" pitchFamily="34" charset="-122"/>
+                <a:ea typeface="微软雅黑" panose="020B0503020204020204" pitchFamily="34" charset="-122"/>
+                <a:sym typeface="Wingdings" panose="05000000000000000000" pitchFamily="2" charset="2"/>
+              </a:rPr>
+              <a:t>快速不收敛到某一个值</a:t>
+            </a:r>
+            <a:endParaRPr lang="en-US" altLang="zh-CN" sz="1600" dirty="0">
+              <a:latin typeface="微软雅黑" panose="020B0503020204020204" pitchFamily="34" charset="-122"/>
+              <a:ea typeface="微软雅黑" panose="020B0503020204020204" pitchFamily="34" charset="-122"/>
+              <a:sym typeface="Wingdings" panose="05000000000000000000" pitchFamily="2" charset="2"/>
+            </a:endParaRPr>
+          </a:p>
+        </p:txBody>
+      </p:sp>
+    </p:spTree>
+    <p:extLst>
+      <p:ext uri="{BB962C8B-B14F-4D97-AF65-F5344CB8AC3E}">
+        <p14:creationId xmlns:p14="http://schemas.microsoft.com/office/powerpoint/2010/main" val="3527559931"/>
+      </p:ext>
+    </p:extLst>
+  </p:cSld>
+  <p:clrMapOvr>
+    <a:masterClrMapping/>
+  </p:clrMapOvr>
+</p:sld>
+</file>
+
+<file path=ppt/slides/slide15.xml><?xml version="1.0" encoding="utf-8"?>
+<p:sld xmlns:a="http://schemas.openxmlformats.org/drawingml/2006/main" xmlns:r="http://schemas.openxmlformats.org/officeDocument/2006/relationships" xmlns:p="http://schemas.openxmlformats.org/presentationml/2006/main">
+  <p:cSld>
+    <p:spTree>
+      <p:nvGrpSpPr>
+        <p:cNvPr id="1" name=""/>
+        <p:cNvGrpSpPr/>
+        <p:nvPr/>
+      </p:nvGrpSpPr>
+      <p:grpSpPr>
+        <a:xfrm>
+          <a:off x="0" y="0"/>
+          <a:ext cx="0" cy="0"/>
+          <a:chOff x="0" y="0"/>
+          <a:chExt cx="0" cy="0"/>
+        </a:xfrm>
+      </p:grpSpPr>
+      <p:sp>
+        <p:nvSpPr>
+          <p:cNvPr id="12" name="矩形 11">
+            <a:extLst>
+              <a:ext uri="{FF2B5EF4-FFF2-40B4-BE49-F238E27FC236}">
+                <a16:creationId xmlns:a16="http://schemas.microsoft.com/office/drawing/2014/main" id="{0FDAD747-108F-4A6D-9220-5EA05067FF1E}"/>
+              </a:ext>
+            </a:extLst>
+          </p:cNvPr>
+          <p:cNvSpPr/>
+          <p:nvPr/>
+        </p:nvSpPr>
+        <p:spPr>
+          <a:xfrm>
+            <a:off x="852298" y="1120596"/>
+            <a:ext cx="2646878" cy="584775"/>
+          </a:xfrm>
+          <a:prstGeom prst="rect">
+            <a:avLst/>
+          </a:prstGeom>
+        </p:spPr>
+        <p:txBody>
+          <a:bodyPr wrap="none">
+            <a:spAutoFit/>
+          </a:bodyPr>
+          <a:lstStyle/>
+          <a:p>
+            <a:r>
+              <a:rPr lang="zh-CN" altLang="en-US" sz="3200" b="1" dirty="0">
+                <a:latin typeface="微软雅黑" panose="020B0503020204020204" pitchFamily="34" charset="-122"/>
+                <a:ea typeface="微软雅黑" panose="020B0503020204020204" pitchFamily="34" charset="-122"/>
+              </a:rPr>
+              <a:t>慢速增音探究</a:t>
+            </a:r>
+          </a:p>
+        </p:txBody>
+      </p:sp>
+      <p:sp>
+        <p:nvSpPr>
+          <p:cNvPr id="33" name="矩形 32">
+            <a:extLst>
+              <a:ext uri="{FF2B5EF4-FFF2-40B4-BE49-F238E27FC236}">
+                <a16:creationId xmlns:a16="http://schemas.microsoft.com/office/drawing/2014/main" id="{6D5DF4CC-A10E-4318-AC3B-EBB586734114}"/>
+              </a:ext>
+            </a:extLst>
+          </p:cNvPr>
+          <p:cNvSpPr/>
+          <p:nvPr/>
+        </p:nvSpPr>
+        <p:spPr>
+          <a:xfrm>
+            <a:off x="852297" y="1705371"/>
+            <a:ext cx="10870780" cy="510524"/>
+          </a:xfrm>
+          <a:prstGeom prst="rect">
+            <a:avLst/>
+          </a:prstGeom>
+        </p:spPr>
+        <p:txBody>
+          <a:bodyPr wrap="square">
+            <a:spAutoFit/>
+          </a:bodyPr>
+          <a:lstStyle/>
+          <a:p>
+            <a:pPr marL="285750" indent="-285750">
+              <a:lnSpc>
+                <a:spcPct val="200000"/>
+              </a:lnSpc>
+              <a:buFont typeface="Wingdings" panose="05000000000000000000" pitchFamily="2" charset="2"/>
+              <a:buChar char="p"/>
+            </a:pPr>
+            <a:r>
+              <a:rPr lang="zh-CN" altLang="en-US" sz="1600" dirty="0">
+                <a:latin typeface="微软雅黑" panose="020B0503020204020204" pitchFamily="34" charset="-122"/>
+                <a:ea typeface="微软雅黑" panose="020B0503020204020204" pitchFamily="34" charset="-122"/>
+                <a:sym typeface="Wingdings" panose="05000000000000000000" pitchFamily="2" charset="2"/>
+              </a:rPr>
+              <a:t>慢速不一定有增音</a:t>
+            </a:r>
+            <a:endParaRPr lang="en-US" altLang="zh-CN" sz="1600" dirty="0">
+              <a:latin typeface="微软雅黑" panose="020B0503020204020204" pitchFamily="34" charset="-122"/>
+              <a:ea typeface="微软雅黑" panose="020B0503020204020204" pitchFamily="34" charset="-122"/>
+              <a:sym typeface="Wingdings" panose="05000000000000000000" pitchFamily="2" charset="2"/>
+            </a:endParaRPr>
+          </a:p>
+        </p:txBody>
+      </p:sp>
+    </p:spTree>
+    <p:extLst>
+      <p:ext uri="{BB962C8B-B14F-4D97-AF65-F5344CB8AC3E}">
+        <p14:creationId xmlns:p14="http://schemas.microsoft.com/office/powerpoint/2010/main" val="4226513089"/>
+      </p:ext>
+    </p:extLst>
+  </p:cSld>
+  <p:clrMapOvr>
+    <a:masterClrMapping/>
+  </p:clrMapOvr>
+</p:sld>
+</file>
+
+<file path=ppt/slides/slide16.xml><?xml version="1.0" encoding="utf-8"?>
+<p:sld xmlns:a="http://schemas.openxmlformats.org/drawingml/2006/main" xmlns:r="http://schemas.openxmlformats.org/officeDocument/2006/relationships" xmlns:p="http://schemas.openxmlformats.org/presentationml/2006/main">
+  <p:cSld>
+    <p:spTree>
+      <p:nvGrpSpPr>
+        <p:cNvPr id="1" name=""/>
+        <p:cNvGrpSpPr/>
+        <p:nvPr/>
+      </p:nvGrpSpPr>
+      <p:grpSpPr>
+        <a:xfrm>
+          <a:off x="0" y="0"/>
+          <a:ext cx="0" cy="0"/>
+          <a:chOff x="0" y="0"/>
+          <a:chExt cx="0" cy="0"/>
+        </a:xfrm>
+      </p:grpSpPr>
+      <p:sp>
+        <p:nvSpPr>
+          <p:cNvPr id="12" name="矩形 11">
+            <a:extLst>
+              <a:ext uri="{FF2B5EF4-FFF2-40B4-BE49-F238E27FC236}">
+                <a16:creationId xmlns:a16="http://schemas.microsoft.com/office/drawing/2014/main" id="{0FDAD747-108F-4A6D-9220-5EA05067FF1E}"/>
+              </a:ext>
+            </a:extLst>
+          </p:cNvPr>
+          <p:cNvSpPr/>
+          <p:nvPr/>
+        </p:nvSpPr>
+        <p:spPr>
+          <a:xfrm>
+            <a:off x="852298" y="1120596"/>
+            <a:ext cx="3700052" cy="584775"/>
+          </a:xfrm>
+          <a:prstGeom prst="rect">
+            <a:avLst/>
+          </a:prstGeom>
+        </p:spPr>
+        <p:txBody>
+          <a:bodyPr wrap="none">
+            <a:spAutoFit/>
+          </a:bodyPr>
+          <a:lstStyle/>
+          <a:p>
+            <a:r>
+              <a:rPr lang="en-US" altLang="zh-CN" sz="3200" b="1" dirty="0">
+                <a:latin typeface="微软雅黑" panose="020B0503020204020204" pitchFamily="34" charset="-122"/>
+                <a:ea typeface="微软雅黑" panose="020B0503020204020204" pitchFamily="34" charset="-122"/>
+              </a:rPr>
+              <a:t>Deletion </a:t>
+            </a:r>
+            <a:r>
+              <a:rPr lang="zh-CN" altLang="en-US" sz="3200" b="1" dirty="0">
+                <a:latin typeface="微软雅黑" panose="020B0503020204020204" pitchFamily="34" charset="-122"/>
+                <a:ea typeface="微软雅黑" panose="020B0503020204020204" pitchFamily="34" charset="-122"/>
+              </a:rPr>
+              <a:t>序列研究</a:t>
+            </a:r>
+          </a:p>
+        </p:txBody>
+      </p:sp>
+      <p:sp>
+        <p:nvSpPr>
+          <p:cNvPr id="33" name="矩形 32">
+            <a:extLst>
+              <a:ext uri="{FF2B5EF4-FFF2-40B4-BE49-F238E27FC236}">
+                <a16:creationId xmlns:a16="http://schemas.microsoft.com/office/drawing/2014/main" id="{6D5DF4CC-A10E-4318-AC3B-EBB586734114}"/>
+              </a:ext>
+            </a:extLst>
+          </p:cNvPr>
+          <p:cNvSpPr/>
+          <p:nvPr/>
+        </p:nvSpPr>
+        <p:spPr>
+          <a:xfrm>
+            <a:off x="852297" y="1705371"/>
+            <a:ext cx="10870780" cy="510524"/>
+          </a:xfrm>
+          <a:prstGeom prst="rect">
+            <a:avLst/>
+          </a:prstGeom>
+        </p:spPr>
+        <p:txBody>
+          <a:bodyPr wrap="square">
+            <a:spAutoFit/>
+          </a:bodyPr>
+          <a:lstStyle/>
+          <a:p>
+            <a:pPr marL="285750" indent="-285750">
+              <a:lnSpc>
+                <a:spcPct val="200000"/>
+              </a:lnSpc>
+              <a:buFont typeface="Wingdings" panose="05000000000000000000" pitchFamily="2" charset="2"/>
+              <a:buChar char="p"/>
+            </a:pPr>
+            <a:r>
+              <a:rPr lang="zh-CN" altLang="en-US" sz="1600" dirty="0">
+                <a:latin typeface="微软雅黑" panose="020B0503020204020204" pitchFamily="34" charset="-122"/>
+                <a:ea typeface="微软雅黑" panose="020B0503020204020204" pitchFamily="34" charset="-122"/>
+                <a:sym typeface="Wingdings" panose="05000000000000000000" pitchFamily="2" charset="2"/>
+              </a:rPr>
+              <a:t>等待填充</a:t>
+            </a:r>
+            <a:endParaRPr lang="en-US" altLang="zh-CN" sz="1600" dirty="0">
+              <a:latin typeface="微软雅黑" panose="020B0503020204020204" pitchFamily="34" charset="-122"/>
+              <a:ea typeface="微软雅黑" panose="020B0503020204020204" pitchFamily="34" charset="-122"/>
+              <a:sym typeface="Wingdings" panose="05000000000000000000" pitchFamily="2" charset="2"/>
+            </a:endParaRPr>
+          </a:p>
+        </p:txBody>
+      </p:sp>
+    </p:spTree>
+    <p:extLst>
+      <p:ext uri="{BB962C8B-B14F-4D97-AF65-F5344CB8AC3E}">
+        <p14:creationId xmlns:p14="http://schemas.microsoft.com/office/powerpoint/2010/main" val="3607769104"/>
+      </p:ext>
+    </p:extLst>
+  </p:cSld>
+  <p:clrMapOvr>
+    <a:masterClrMapping/>
+  </p:clrMapOvr>
+</p:sld>
+</file>
+
+<file path=ppt/slides/slide17.xml><?xml version="1.0" encoding="utf-8"?>
+<p:sld xmlns:a="http://schemas.openxmlformats.org/drawingml/2006/main" xmlns:r="http://schemas.openxmlformats.org/officeDocument/2006/relationships" xmlns:p="http://schemas.openxmlformats.org/presentationml/2006/main">
+  <p:cSld>
+    <p:spTree>
+      <p:nvGrpSpPr>
+        <p:cNvPr id="1" name=""/>
+        <p:cNvGrpSpPr/>
+        <p:nvPr/>
+      </p:nvGrpSpPr>
+      <p:grpSpPr>
+        <a:xfrm>
+          <a:off x="0" y="0"/>
+          <a:ext cx="0" cy="0"/>
+          <a:chOff x="0" y="0"/>
+          <a:chExt cx="0" cy="0"/>
+        </a:xfrm>
+      </p:grpSpPr>
+      <p:sp>
+        <p:nvSpPr>
+          <p:cNvPr id="12" name="矩形 11">
+            <a:extLst>
+              <a:ext uri="{FF2B5EF4-FFF2-40B4-BE49-F238E27FC236}">
+                <a16:creationId xmlns:a16="http://schemas.microsoft.com/office/drawing/2014/main" id="{0FDAD747-108F-4A6D-9220-5EA05067FF1E}"/>
+              </a:ext>
+            </a:extLst>
+          </p:cNvPr>
+          <p:cNvSpPr/>
+          <p:nvPr/>
+        </p:nvSpPr>
+        <p:spPr>
+          <a:xfrm>
+            <a:off x="852298" y="1120596"/>
+            <a:ext cx="2236510" cy="584775"/>
+          </a:xfrm>
+          <a:prstGeom prst="rect">
+            <a:avLst/>
+          </a:prstGeom>
+        </p:spPr>
+        <p:txBody>
+          <a:bodyPr wrap="none">
+            <a:spAutoFit/>
+          </a:bodyPr>
+          <a:lstStyle/>
+          <a:p>
+            <a:r>
+              <a:rPr lang="zh-CN" altLang="en-US" sz="3200" b="1" dirty="0">
+                <a:latin typeface="微软雅黑" panose="020B0503020204020204" pitchFamily="34" charset="-122"/>
+                <a:ea typeface="微软雅黑" panose="020B0503020204020204" pitchFamily="34" charset="-122"/>
+              </a:rPr>
+              <a:t>降版本发现</a:t>
+            </a:r>
+          </a:p>
+        </p:txBody>
+      </p:sp>
+      <p:sp>
+        <p:nvSpPr>
+          <p:cNvPr id="33" name="矩形 32">
+            <a:extLst>
+              <a:ext uri="{FF2B5EF4-FFF2-40B4-BE49-F238E27FC236}">
+                <a16:creationId xmlns:a16="http://schemas.microsoft.com/office/drawing/2014/main" id="{6D5DF4CC-A10E-4318-AC3B-EBB586734114}"/>
+              </a:ext>
+            </a:extLst>
+          </p:cNvPr>
+          <p:cNvSpPr/>
+          <p:nvPr/>
+        </p:nvSpPr>
+        <p:spPr>
+          <a:xfrm>
+            <a:off x="852297" y="1705371"/>
+            <a:ext cx="10870780" cy="510524"/>
+          </a:xfrm>
+          <a:prstGeom prst="rect">
+            <a:avLst/>
+          </a:prstGeom>
+        </p:spPr>
+        <p:txBody>
+          <a:bodyPr wrap="square">
+            <a:spAutoFit/>
+          </a:bodyPr>
+          <a:lstStyle/>
+          <a:p>
+            <a:pPr marL="285750" indent="-285750">
+              <a:lnSpc>
+                <a:spcPct val="200000"/>
+              </a:lnSpc>
+              <a:buFont typeface="Wingdings" panose="05000000000000000000" pitchFamily="2" charset="2"/>
+              <a:buChar char="p"/>
+            </a:pPr>
+            <a:r>
+              <a:rPr lang="en-US" altLang="zh-CN" sz="1600" dirty="0" err="1">
+                <a:latin typeface="微软雅黑" panose="020B0503020204020204" pitchFamily="34" charset="-122"/>
+                <a:ea typeface="微软雅黑" panose="020B0503020204020204" pitchFamily="34" charset="-122"/>
+                <a:sym typeface="Wingdings" panose="05000000000000000000" pitchFamily="2" charset="2"/>
+              </a:rPr>
+              <a:t>xxxx</a:t>
+            </a:r>
+            <a:endParaRPr lang="en-US" altLang="zh-CN" sz="1600" dirty="0">
+              <a:latin typeface="微软雅黑" panose="020B0503020204020204" pitchFamily="34" charset="-122"/>
+              <a:ea typeface="微软雅黑" panose="020B0503020204020204" pitchFamily="34" charset="-122"/>
+              <a:sym typeface="Wingdings" panose="05000000000000000000" pitchFamily="2" charset="2"/>
+            </a:endParaRPr>
+          </a:p>
+        </p:txBody>
+      </p:sp>
+    </p:spTree>
+    <p:extLst>
+      <p:ext uri="{BB962C8B-B14F-4D97-AF65-F5344CB8AC3E}">
+        <p14:creationId xmlns:p14="http://schemas.microsoft.com/office/powerpoint/2010/main" val="1669947589"/>
+      </p:ext>
+    </p:extLst>
+  </p:cSld>
+  <p:clrMapOvr>
+    <a:masterClrMapping/>
+  </p:clrMapOvr>
+</p:sld>
+</file>
+
 <file path=ppt/slides/slide2.xml><?xml version="1.0" encoding="utf-8"?>
 <p:sld xmlns:a="http://schemas.openxmlformats.org/drawingml/2006/main" xmlns:r="http://schemas.openxmlformats.org/officeDocument/2006/relationships" xmlns:p="http://schemas.openxmlformats.org/presentationml/2006/main">
   <p:cSld>
@@ -4755,7 +8249,7 @@
         <p:spPr>
           <a:xfrm>
             <a:off x="852298" y="1120596"/>
-            <a:ext cx="1005403" cy="584775"/>
+            <a:ext cx="6565002" cy="584775"/>
           </a:xfrm>
           <a:prstGeom prst="rect">
             <a:avLst/>
@@ -4768,11 +8262,32 @@
           <a:lstStyle/>
           <a:p>
             <a:r>
+              <a:rPr lang="en-US" altLang="zh-CN" sz="3200" b="1" dirty="0">
+                <a:latin typeface="微软雅黑" panose="020B0503020204020204" pitchFamily="34" charset="-122"/>
+                <a:ea typeface="微软雅黑" panose="020B0503020204020204" pitchFamily="34" charset="-122"/>
+              </a:rPr>
+              <a:t>TSM——1</a:t>
+            </a:r>
+            <a:r>
               <a:rPr lang="zh-CN" altLang="en-US" sz="3200" b="1" dirty="0">
                 <a:latin typeface="微软雅黑" panose="020B0503020204020204" pitchFamily="34" charset="-122"/>
                 <a:ea typeface="微软雅黑" panose="020B0503020204020204" pitchFamily="34" charset="-122"/>
               </a:rPr>
-              <a:t>思路</a:t>
+              <a:t>倍速不同算法</a:t>
+            </a:r>
+            <a:r>
+              <a:rPr lang="en-US" altLang="zh-CN" sz="3200" b="1" dirty="0">
+                <a:latin typeface="微软雅黑" panose="020B0503020204020204" pitchFamily="34" charset="-122"/>
+                <a:ea typeface="微软雅黑" panose="020B0503020204020204" pitchFamily="34" charset="-122"/>
+              </a:rPr>
+              <a:t>AU</a:t>
+            </a:r>
+            <a:r>
+              <a:rPr lang="zh-CN" altLang="en-US" sz="3200" b="1" dirty="0">
+                <a:latin typeface="微软雅黑" panose="020B0503020204020204" pitchFamily="34" charset="-122"/>
+                <a:ea typeface="微软雅黑" panose="020B0503020204020204" pitchFamily="34" charset="-122"/>
+              </a:rPr>
+              <a:t>对比图</a:t>
             </a:r>
           </a:p>
         </p:txBody>
@@ -4792,7 +8307,7 @@
         <p:spPr>
           <a:xfrm>
             <a:off x="852297" y="1705371"/>
-            <a:ext cx="10870780" cy="510524"/>
+            <a:ext cx="10870780" cy="1987852"/>
           </a:xfrm>
           <a:prstGeom prst="rect">
             <a:avLst/>
@@ -4817,14 +8332,137 @@
                 <a:ea typeface="微软雅黑" panose="020B0503020204020204" pitchFamily="34" charset="-122"/>
                 <a:sym typeface="Wingdings" panose="05000000000000000000" pitchFamily="2" charset="2"/>
               </a:rPr>
-              <a:t>xxx</a:t>
-            </a:r>
+              <a:t>I want to take a picture</a:t>
+            </a:r>
+          </a:p>
+          <a:p>
+            <a:pPr marL="285750" indent="-285750">
+              <a:lnSpc>
+                <a:spcPct val="200000"/>
+              </a:lnSpc>
+              <a:buFont typeface="Wingdings" panose="05000000000000000000" pitchFamily="2" charset="2"/>
+              <a:buChar char="p"/>
+            </a:pPr>
+            <a:r>
+              <a:rPr lang="en-US" altLang="zh-CN" sz="1600" dirty="0" err="1">
+                <a:latin typeface="微软雅黑" panose="020B0503020204020204" pitchFamily="34" charset="-122"/>
+                <a:ea typeface="微软雅黑" panose="020B0503020204020204" pitchFamily="34" charset="-122"/>
+                <a:sym typeface="Wingdings" panose="05000000000000000000" pitchFamily="2" charset="2"/>
+              </a:rPr>
+              <a:t>ffmpeg</a:t>
+            </a:r>
+            <a:r>
+              <a:rPr lang="en-US" altLang="zh-CN" sz="1600" dirty="0">
+                <a:latin typeface="微软雅黑" panose="020B0503020204020204" pitchFamily="34" charset="-122"/>
+                <a:ea typeface="微软雅黑" panose="020B0503020204020204" pitchFamily="34" charset="-122"/>
+                <a:sym typeface="Wingdings" panose="05000000000000000000" pitchFamily="2" charset="2"/>
+              </a:rPr>
+              <a:t>/</a:t>
+            </a:r>
+            <a:r>
+              <a:rPr lang="en-US" altLang="zh-CN" sz="1600" dirty="0" err="1">
+                <a:latin typeface="微软雅黑" panose="020B0503020204020204" pitchFamily="34" charset="-122"/>
+                <a:ea typeface="微软雅黑" panose="020B0503020204020204" pitchFamily="34" charset="-122"/>
+                <a:sym typeface="Wingdings" panose="05000000000000000000" pitchFamily="2" charset="2"/>
+              </a:rPr>
+              <a:t>ola</a:t>
+            </a:r>
+            <a:r>
+              <a:rPr lang="en-US" altLang="zh-CN" sz="1600" dirty="0">
+                <a:latin typeface="微软雅黑" panose="020B0503020204020204" pitchFamily="34" charset="-122"/>
+                <a:ea typeface="微软雅黑" panose="020B0503020204020204" pitchFamily="34" charset="-122"/>
+                <a:sym typeface="Wingdings" panose="05000000000000000000" pitchFamily="2" charset="2"/>
+              </a:rPr>
+              <a:t>/</a:t>
+            </a:r>
+            <a:r>
+              <a:rPr lang="en-US" altLang="zh-CN" sz="1600" dirty="0" err="1">
+                <a:latin typeface="微软雅黑" panose="020B0503020204020204" pitchFamily="34" charset="-122"/>
+                <a:ea typeface="微软雅黑" panose="020B0503020204020204" pitchFamily="34" charset="-122"/>
+                <a:sym typeface="Wingdings" panose="05000000000000000000" pitchFamily="2" charset="2"/>
+              </a:rPr>
+              <a:t>pv</a:t>
+            </a:r>
+            <a:r>
+              <a:rPr lang="en-US" altLang="zh-CN" sz="1600" dirty="0">
+                <a:latin typeface="微软雅黑" panose="020B0503020204020204" pitchFamily="34" charset="-122"/>
+                <a:ea typeface="微软雅黑" panose="020B0503020204020204" pitchFamily="34" charset="-122"/>
+                <a:sym typeface="Wingdings" panose="05000000000000000000" pitchFamily="2" charset="2"/>
+              </a:rPr>
+              <a:t>/</a:t>
+            </a:r>
+            <a:r>
+              <a:rPr lang="en-US" altLang="zh-CN" sz="1600" dirty="0" err="1">
+                <a:latin typeface="微软雅黑" panose="020B0503020204020204" pitchFamily="34" charset="-122"/>
+                <a:ea typeface="微软雅黑" panose="020B0503020204020204" pitchFamily="34" charset="-122"/>
+                <a:sym typeface="Wingdings" panose="05000000000000000000" pitchFamily="2" charset="2"/>
+              </a:rPr>
+              <a:t>wsola</a:t>
+            </a:r>
+            <a:r>
+              <a:rPr lang="en-US" altLang="zh-CN" sz="1600" dirty="0">
+                <a:latin typeface="微软雅黑" panose="020B0503020204020204" pitchFamily="34" charset="-122"/>
+                <a:ea typeface="微软雅黑" panose="020B0503020204020204" pitchFamily="34" charset="-122"/>
+                <a:sym typeface="Wingdings" panose="05000000000000000000" pitchFamily="2" charset="2"/>
+              </a:rPr>
+              <a:t>/origin</a:t>
+            </a:r>
+          </a:p>
+          <a:p>
+            <a:pPr marL="285750" indent="-285750">
+              <a:lnSpc>
+                <a:spcPct val="200000"/>
+              </a:lnSpc>
+              <a:buFont typeface="Wingdings" panose="05000000000000000000" pitchFamily="2" charset="2"/>
+              <a:buChar char="p"/>
+            </a:pPr>
+            <a:r>
+              <a:rPr lang="zh-CN" altLang="en-US" sz="1600" dirty="0">
+                <a:latin typeface="微软雅黑" panose="020B0503020204020204" pitchFamily="34" charset="-122"/>
+                <a:ea typeface="微软雅黑" panose="020B0503020204020204" pitchFamily="34" charset="-122"/>
+                <a:sym typeface="Wingdings" panose="05000000000000000000" pitchFamily="2" charset="2"/>
+              </a:rPr>
+              <a:t>尖峰细节</a:t>
+            </a:r>
+            <a:endParaRPr lang="en-US" altLang="zh-CN" sz="1600" dirty="0">
+              <a:latin typeface="微软雅黑" panose="020B0503020204020204" pitchFamily="34" charset="-122"/>
+              <a:ea typeface="微软雅黑" panose="020B0503020204020204" pitchFamily="34" charset="-122"/>
+              <a:sym typeface="Wingdings" panose="05000000000000000000" pitchFamily="2" charset="2"/>
+            </a:endParaRPr>
+          </a:p>
+          <a:p>
+            <a:pPr marL="285750" indent="-285750">
+              <a:lnSpc>
+                <a:spcPct val="200000"/>
+              </a:lnSpc>
+              <a:buFont typeface="Wingdings" panose="05000000000000000000" pitchFamily="2" charset="2"/>
+              <a:buChar char="p"/>
+            </a:pPr>
+            <a:r>
+              <a:rPr lang="zh-CN" altLang="en-US" sz="1600" dirty="0">
+                <a:latin typeface="微软雅黑" panose="020B0503020204020204" pitchFamily="34" charset="-122"/>
+                <a:ea typeface="微软雅黑" panose="020B0503020204020204" pitchFamily="34" charset="-122"/>
+                <a:sym typeface="Wingdings" panose="05000000000000000000" pitchFamily="2" charset="2"/>
+              </a:rPr>
+              <a:t>平滑度</a:t>
+            </a:r>
+            <a:endParaRPr lang="en-US" altLang="zh-CN" sz="1600" dirty="0">
+              <a:latin typeface="微软雅黑" panose="020B0503020204020204" pitchFamily="34" charset="-122"/>
+              <a:ea typeface="微软雅黑" panose="020B0503020204020204" pitchFamily="34" charset="-122"/>
+              <a:sym typeface="Wingdings" panose="05000000000000000000" pitchFamily="2" charset="2"/>
+            </a:endParaRPr>
           </a:p>
         </p:txBody>
       </p:sp>
       <p:pic>
         <p:nvPicPr>
-          <p:cNvPr id="2" name="图片 1"/>
+          <p:cNvPr id="3" name="图片 2">
+            <a:extLst>
+              <a:ext uri="{FF2B5EF4-FFF2-40B4-BE49-F238E27FC236}">
+                <a16:creationId xmlns:a16="http://schemas.microsoft.com/office/drawing/2014/main" id="{9638B3C7-5D3F-4FB1-92B6-C3353F470FD6}"/>
+              </a:ext>
+            </a:extLst>
+          </p:cNvPr>
           <p:cNvPicPr>
             <a:picLocks noChangeAspect="1"/>
           </p:cNvPicPr>
@@ -4838,32 +8476,8 @@
         </p:blipFill>
         <p:spPr>
           <a:xfrm>
-            <a:off x="0" y="1871602"/>
-            <a:ext cx="5812004" cy="4738786"/>
-          </a:xfrm>
-          <a:prstGeom prst="rect">
-            <a:avLst/>
-          </a:prstGeom>
-        </p:spPr>
-      </p:pic>
-      <p:pic>
-        <p:nvPicPr>
-          <p:cNvPr id="4" name="图片 3"/>
-          <p:cNvPicPr>
-            <a:picLocks noChangeAspect="1"/>
-          </p:cNvPicPr>
-          <p:nvPr/>
-        </p:nvPicPr>
-        <p:blipFill>
-          <a:blip r:embed="rId4"/>
-          <a:stretch>
-            <a:fillRect/>
-          </a:stretch>
-        </p:blipFill>
-        <p:spPr>
-          <a:xfrm>
-            <a:off x="5812004" y="1871602"/>
-            <a:ext cx="6330439" cy="4738786"/>
+            <a:off x="5723554" y="1705371"/>
+            <a:ext cx="5776785" cy="4938557"/>
           </a:xfrm>
           <a:prstGeom prst="rect">
             <a:avLst/>
@@ -4873,7 +8487,7 @@
     </p:spTree>
     <p:extLst>
       <p:ext uri="{BB962C8B-B14F-4D97-AF65-F5344CB8AC3E}">
-        <p14:creationId xmlns:p14="http://schemas.microsoft.com/office/powerpoint/2010/main" val="1317122002"/>
+        <p14:creationId xmlns:p14="http://schemas.microsoft.com/office/powerpoint/2010/main" val="2827599918"/>
       </p:ext>
     </p:extLst>
   </p:cSld>
@@ -4915,7 +8529,7 @@
         <p:spPr>
           <a:xfrm>
             <a:off x="852298" y="1120596"/>
-            <a:ext cx="1005403" cy="584775"/>
+            <a:ext cx="5704190" cy="584775"/>
           </a:xfrm>
           <a:prstGeom prst="rect">
             <a:avLst/>
@@ -4928,11 +8542,32 @@
           <a:lstStyle/>
           <a:p>
             <a:r>
+              <a:rPr lang="en-US" altLang="zh-CN" sz="3200" b="1" dirty="0">
+                <a:latin typeface="微软雅黑" panose="020B0503020204020204" pitchFamily="34" charset="-122"/>
+                <a:ea typeface="微软雅黑" panose="020B0503020204020204" pitchFamily="34" charset="-122"/>
+              </a:rPr>
+              <a:t>TSM——0.5</a:t>
+            </a:r>
+            <a:r>
               <a:rPr lang="zh-CN" altLang="en-US" sz="3200" b="1" dirty="0">
                 <a:latin typeface="微软雅黑" panose="020B0503020204020204" pitchFamily="34" charset="-122"/>
                 <a:ea typeface="微软雅黑" panose="020B0503020204020204" pitchFamily="34" charset="-122"/>
               </a:rPr>
-              <a:t>思路</a:t>
+              <a:t>整体倍速</a:t>
+            </a:r>
+            <a:r>
+              <a:rPr lang="en-US" altLang="zh-CN" sz="3200" b="1" dirty="0">
+                <a:latin typeface="微软雅黑" panose="020B0503020204020204" pitchFamily="34" charset="-122"/>
+                <a:ea typeface="微软雅黑" panose="020B0503020204020204" pitchFamily="34" charset="-122"/>
+              </a:rPr>
+              <a:t>AU</a:t>
+            </a:r>
+            <a:r>
+              <a:rPr lang="zh-CN" altLang="en-US" sz="3200" b="1" dirty="0">
+                <a:latin typeface="微软雅黑" panose="020B0503020204020204" pitchFamily="34" charset="-122"/>
+                <a:ea typeface="微软雅黑" panose="020B0503020204020204" pitchFamily="34" charset="-122"/>
+              </a:rPr>
+              <a:t>分析</a:t>
             </a:r>
           </a:p>
         </p:txBody>
@@ -4952,7 +8587,7 @@
         <p:spPr>
           <a:xfrm>
             <a:off x="852297" y="1705371"/>
-            <a:ext cx="10870780" cy="1002967"/>
+            <a:ext cx="10870780" cy="2972737"/>
           </a:xfrm>
           <a:prstGeom prst="rect">
             <a:avLst/>
@@ -4972,20 +8607,39 @@
               <a:buChar char="p"/>
             </a:pPr>
             <a:r>
+              <a:rPr lang="en-US" altLang="zh-CN" sz="1600" dirty="0" err="1">
+                <a:latin typeface="微软雅黑" panose="020B0503020204020204" pitchFamily="34" charset="-122"/>
+                <a:ea typeface="微软雅黑" panose="020B0503020204020204" pitchFamily="34" charset="-122"/>
+                <a:sym typeface="Wingdings" panose="05000000000000000000" pitchFamily="2" charset="2"/>
+              </a:rPr>
+              <a:t>FFmpeg</a:t>
+            </a:r>
+            <a:r>
+              <a:rPr lang="zh-CN" altLang="en-US" sz="1600" dirty="0">
+                <a:latin typeface="微软雅黑" panose="020B0503020204020204" pitchFamily="34" charset="-122"/>
+                <a:ea typeface="微软雅黑" panose="020B0503020204020204" pitchFamily="34" charset="-122"/>
+                <a:sym typeface="Wingdings" panose="05000000000000000000" pitchFamily="2" charset="2"/>
+              </a:rPr>
+              <a:t>：</a:t>
+            </a:r>
+            <a:r>
               <a:rPr lang="en-US" altLang="zh-CN" sz="1600" dirty="0">
                 <a:latin typeface="微软雅黑" panose="020B0503020204020204" pitchFamily="34" charset="-122"/>
                 <a:ea typeface="微软雅黑" panose="020B0503020204020204" pitchFamily="34" charset="-122"/>
                 <a:sym typeface="Wingdings" panose="05000000000000000000" pitchFamily="2" charset="2"/>
               </a:rPr>
-              <a:t>Image Scaling Attack: </a:t>
-            </a:r>
-            <a:r>
-              <a:rPr lang="zh-CN" altLang="en-US" sz="1600" dirty="0">
+              <a:t>okay google take</a:t>
+            </a:r>
+            <a:r>
+              <a:rPr lang="en-US" altLang="zh-CN" sz="1600" b="1" dirty="0">
+                <a:solidFill>
+                  <a:srgbClr val="C00000"/>
+                </a:solidFill>
                 <a:latin typeface="微软雅黑" panose="020B0503020204020204" pitchFamily="34" charset="-122"/>
                 <a:ea typeface="微软雅黑" panose="020B0503020204020204" pitchFamily="34" charset="-122"/>
                 <a:sym typeface="Wingdings" panose="05000000000000000000" pitchFamily="2" charset="2"/>
               </a:rPr>
-              <a:t>不确定</a:t>
+              <a:t>s</a:t>
             </a:r>
             <a:r>
               <a:rPr lang="en-US" altLang="zh-CN" sz="1600" dirty="0">
@@ -4993,21 +8647,8 @@
                 <a:ea typeface="微软雅黑" panose="020B0503020204020204" pitchFamily="34" charset="-122"/>
                 <a:sym typeface="Wingdings" panose="05000000000000000000" pitchFamily="2" charset="2"/>
               </a:rPr>
-              <a:t>target</a:t>
-            </a:r>
-            <a:r>
-              <a:rPr lang="zh-CN" altLang="en-US" sz="1600" dirty="0">
-                <a:latin typeface="微软雅黑" panose="020B0503020204020204" pitchFamily="34" charset="-122"/>
-                <a:ea typeface="微软雅黑" panose="020B0503020204020204" pitchFamily="34" charset="-122"/>
-                <a:sym typeface="Wingdings" panose="05000000000000000000" pitchFamily="2" charset="2"/>
-              </a:rPr>
-              <a:t>情况下求最大差异图片</a:t>
-            </a:r>
-            <a:endParaRPr lang="en-US" altLang="zh-CN" sz="1600" dirty="0">
-              <a:latin typeface="微软雅黑" panose="020B0503020204020204" pitchFamily="34" charset="-122"/>
-              <a:ea typeface="微软雅黑" panose="020B0503020204020204" pitchFamily="34" charset="-122"/>
-              <a:sym typeface="Wingdings" panose="05000000000000000000" pitchFamily="2" charset="2"/>
-            </a:endParaRPr>
+              <a:t> a picture</a:t>
+            </a:r>
           </a:p>
           <a:p>
             <a:pPr marL="285750" indent="-285750">
@@ -5018,12 +8659,36 @@
               <a:buChar char="p"/>
             </a:pPr>
             <a:r>
+              <a:rPr lang="en-US" altLang="zh-CN" sz="1600" dirty="0">
+                <a:latin typeface="微软雅黑" panose="020B0503020204020204" pitchFamily="34" charset="-122"/>
+                <a:ea typeface="微软雅黑" panose="020B0503020204020204" pitchFamily="34" charset="-122"/>
+                <a:sym typeface="Wingdings" panose="05000000000000000000" pitchFamily="2" charset="2"/>
+              </a:rPr>
+              <a:t>OLA</a:t>
+            </a:r>
+            <a:r>
               <a:rPr lang="zh-CN" altLang="en-US" sz="1600" dirty="0">
                 <a:latin typeface="微软雅黑" panose="020B0503020204020204" pitchFamily="34" charset="-122"/>
                 <a:ea typeface="微软雅黑" panose="020B0503020204020204" pitchFamily="34" charset="-122"/>
                 <a:sym typeface="Wingdings" panose="05000000000000000000" pitchFamily="2" charset="2"/>
               </a:rPr>
-              <a:t>求最大差异解</a:t>
+              <a:t>：</a:t>
+            </a:r>
+            <a:r>
+              <a:rPr lang="en-US" altLang="zh-CN" sz="1600" dirty="0">
+                <a:latin typeface="微软雅黑" panose="020B0503020204020204" pitchFamily="34" charset="-122"/>
+                <a:ea typeface="微软雅黑" panose="020B0503020204020204" pitchFamily="34" charset="-122"/>
+                <a:sym typeface="Wingdings" panose="05000000000000000000" pitchFamily="2" charset="2"/>
+              </a:rPr>
+              <a:t>okay gurgle </a:t>
+            </a:r>
+            <a:r>
+              <a:rPr lang="en-US" altLang="zh-CN" sz="1600" dirty="0" err="1">
+                <a:latin typeface="微软雅黑" panose="020B0503020204020204" pitchFamily="34" charset="-122"/>
+                <a:ea typeface="微软雅黑" panose="020B0503020204020204" pitchFamily="34" charset="-122"/>
+                <a:sym typeface="Wingdings" panose="05000000000000000000" pitchFamily="2" charset="2"/>
+              </a:rPr>
+              <a:t>tapiser</a:t>
             </a:r>
             <a:endParaRPr lang="en-US" altLang="zh-CN" sz="1600" dirty="0">
               <a:latin typeface="微软雅黑" panose="020B0503020204020204" pitchFamily="34" charset="-122"/>
@@ -5031,18 +8696,577 @@
               <a:sym typeface="Wingdings" panose="05000000000000000000" pitchFamily="2" charset="2"/>
             </a:endParaRPr>
           </a:p>
-        </p:txBody>
-      </p:sp>
+          <a:p>
+            <a:pPr marL="285750" indent="-285750">
+              <a:lnSpc>
+                <a:spcPct val="200000"/>
+              </a:lnSpc>
+              <a:buFont typeface="Wingdings" panose="05000000000000000000" pitchFamily="2" charset="2"/>
+              <a:buChar char="p"/>
+            </a:pPr>
+            <a:r>
+              <a:rPr lang="en-US" altLang="zh-CN" sz="1600" dirty="0">
+                <a:latin typeface="微软雅黑" panose="020B0503020204020204" pitchFamily="34" charset="-122"/>
+                <a:ea typeface="微软雅黑" panose="020B0503020204020204" pitchFamily="34" charset="-122"/>
+                <a:sym typeface="Wingdings" panose="05000000000000000000" pitchFamily="2" charset="2"/>
+              </a:rPr>
+              <a:t>WSOLA</a:t>
+            </a:r>
+            <a:r>
+              <a:rPr lang="zh-CN" altLang="en-US" sz="1600" dirty="0">
+                <a:latin typeface="微软雅黑" panose="020B0503020204020204" pitchFamily="34" charset="-122"/>
+                <a:ea typeface="微软雅黑" panose="020B0503020204020204" pitchFamily="34" charset="-122"/>
+                <a:sym typeface="Wingdings" panose="05000000000000000000" pitchFamily="2" charset="2"/>
+              </a:rPr>
+              <a:t>：</a:t>
+            </a:r>
+            <a:r>
+              <a:rPr lang="en-US" altLang="zh-CN" sz="1600" dirty="0">
+                <a:latin typeface="微软雅黑" panose="020B0503020204020204" pitchFamily="34" charset="-122"/>
+                <a:ea typeface="微软雅黑" panose="020B0503020204020204" pitchFamily="34" charset="-122"/>
+                <a:sym typeface="Wingdings" panose="05000000000000000000" pitchFamily="2" charset="2"/>
+              </a:rPr>
+              <a:t>okay google taint the big ex</a:t>
+            </a:r>
+          </a:p>
+          <a:p>
+            <a:pPr marL="285750" indent="-285750">
+              <a:lnSpc>
+                <a:spcPct val="200000"/>
+              </a:lnSpc>
+              <a:buFont typeface="Wingdings" panose="05000000000000000000" pitchFamily="2" charset="2"/>
+              <a:buChar char="p"/>
+            </a:pPr>
+            <a:r>
+              <a:rPr lang="en-US" altLang="zh-CN" sz="1600" dirty="0">
+                <a:latin typeface="微软雅黑" panose="020B0503020204020204" pitchFamily="34" charset="-122"/>
+                <a:ea typeface="微软雅黑" panose="020B0503020204020204" pitchFamily="34" charset="-122"/>
+                <a:sym typeface="Wingdings" panose="05000000000000000000" pitchFamily="2" charset="2"/>
+              </a:rPr>
+              <a:t>PV</a:t>
+            </a:r>
+            <a:r>
+              <a:rPr lang="zh-CN" altLang="en-US" sz="1600" dirty="0">
+                <a:latin typeface="微软雅黑" panose="020B0503020204020204" pitchFamily="34" charset="-122"/>
+                <a:ea typeface="微软雅黑" panose="020B0503020204020204" pitchFamily="34" charset="-122"/>
+                <a:sym typeface="Wingdings" panose="05000000000000000000" pitchFamily="2" charset="2"/>
+              </a:rPr>
+              <a:t>：空</a:t>
+            </a:r>
+            <a:endParaRPr lang="en-US" altLang="zh-CN" sz="1600" dirty="0">
+              <a:latin typeface="微软雅黑" panose="020B0503020204020204" pitchFamily="34" charset="-122"/>
+              <a:ea typeface="微软雅黑" panose="020B0503020204020204" pitchFamily="34" charset="-122"/>
+              <a:sym typeface="Wingdings" panose="05000000000000000000" pitchFamily="2" charset="2"/>
+            </a:endParaRPr>
+          </a:p>
+          <a:p>
+            <a:pPr marL="285750" indent="-285750">
+              <a:lnSpc>
+                <a:spcPct val="200000"/>
+              </a:lnSpc>
+              <a:buFont typeface="Wingdings" panose="05000000000000000000" pitchFamily="2" charset="2"/>
+              <a:buChar char="p"/>
+            </a:pPr>
+            <a:r>
+              <a:rPr lang="zh-CN" altLang="en-US" sz="1600" dirty="0">
+                <a:latin typeface="微软雅黑" panose="020B0503020204020204" pitchFamily="34" charset="-122"/>
+                <a:ea typeface="微软雅黑" panose="020B0503020204020204" pitchFamily="34" charset="-122"/>
+                <a:sym typeface="Wingdings" panose="05000000000000000000" pitchFamily="2" charset="2"/>
+              </a:rPr>
+              <a:t>慢放之后</a:t>
+            </a:r>
+            <a:r>
+              <a:rPr lang="en-US" altLang="zh-CN" sz="1600" dirty="0" err="1">
+                <a:latin typeface="微软雅黑" panose="020B0503020204020204" pitchFamily="34" charset="-122"/>
+                <a:ea typeface="微软雅黑" panose="020B0503020204020204" pitchFamily="34" charset="-122"/>
+                <a:sym typeface="Wingdings" panose="05000000000000000000" pitchFamily="2" charset="2"/>
+              </a:rPr>
+              <a:t>Ffmpeg</a:t>
+            </a:r>
+            <a:r>
+              <a:rPr lang="zh-CN" altLang="en-US" sz="1600" dirty="0">
+                <a:latin typeface="微软雅黑" panose="020B0503020204020204" pitchFamily="34" charset="-122"/>
+                <a:ea typeface="微软雅黑" panose="020B0503020204020204" pitchFamily="34" charset="-122"/>
+                <a:sym typeface="Wingdings" panose="05000000000000000000" pitchFamily="2" charset="2"/>
+              </a:rPr>
+              <a:t>波形收敛特性更好（震荡少）</a:t>
+            </a:r>
+            <a:endParaRPr lang="en-US" altLang="zh-CN" sz="1600" dirty="0">
+              <a:latin typeface="微软雅黑" panose="020B0503020204020204" pitchFamily="34" charset="-122"/>
+              <a:ea typeface="微软雅黑" panose="020B0503020204020204" pitchFamily="34" charset="-122"/>
+              <a:sym typeface="Wingdings" panose="05000000000000000000" pitchFamily="2" charset="2"/>
+            </a:endParaRPr>
+          </a:p>
+          <a:p>
+            <a:pPr marL="285750" indent="-285750">
+              <a:lnSpc>
+                <a:spcPct val="200000"/>
+              </a:lnSpc>
+              <a:buFont typeface="Wingdings" panose="05000000000000000000" pitchFamily="2" charset="2"/>
+              <a:buChar char="p"/>
+            </a:pPr>
+            <a:r>
+              <a:rPr lang="en-US" altLang="zh-CN" sz="1600" dirty="0">
+                <a:latin typeface="微软雅黑" panose="020B0503020204020204" pitchFamily="34" charset="-122"/>
+                <a:ea typeface="微软雅黑" panose="020B0503020204020204" pitchFamily="34" charset="-122"/>
+                <a:sym typeface="Wingdings" panose="05000000000000000000" pitchFamily="2" charset="2"/>
+              </a:rPr>
+              <a:t>PV</a:t>
+            </a:r>
+            <a:r>
+              <a:rPr lang="zh-CN" altLang="en-US" sz="1600" dirty="0">
+                <a:latin typeface="微软雅黑" panose="020B0503020204020204" pitchFamily="34" charset="-122"/>
+                <a:ea typeface="微软雅黑" panose="020B0503020204020204" pitchFamily="34" charset="-122"/>
+                <a:sym typeface="Wingdings" panose="05000000000000000000" pitchFamily="2" charset="2"/>
+              </a:rPr>
+              <a:t>波形细节损失很大</a:t>
+            </a:r>
+            <a:endParaRPr lang="en-US" altLang="zh-CN" sz="1600" dirty="0">
+              <a:latin typeface="微软雅黑" panose="020B0503020204020204" pitchFamily="34" charset="-122"/>
+              <a:ea typeface="微软雅黑" panose="020B0503020204020204" pitchFamily="34" charset="-122"/>
+              <a:sym typeface="Wingdings" panose="05000000000000000000" pitchFamily="2" charset="2"/>
+            </a:endParaRPr>
+          </a:p>
+        </p:txBody>
+      </p:sp>
+      <p:pic>
+        <p:nvPicPr>
+          <p:cNvPr id="2" name="图片 1">
+            <a:extLst>
+              <a:ext uri="{FF2B5EF4-FFF2-40B4-BE49-F238E27FC236}">
+                <a16:creationId xmlns:a16="http://schemas.microsoft.com/office/drawing/2014/main" id="{69FA0DA2-3D18-4BD8-8766-9F98202F7A8C}"/>
+              </a:ext>
+            </a:extLst>
+          </p:cNvPr>
+          <p:cNvPicPr>
+            <a:picLocks noChangeAspect="1"/>
+          </p:cNvPicPr>
+          <p:nvPr/>
+        </p:nvPicPr>
+        <p:blipFill>
+          <a:blip r:embed="rId11"/>
+          <a:stretch>
+            <a:fillRect/>
+          </a:stretch>
+        </p:blipFill>
+        <p:spPr>
+          <a:xfrm>
+            <a:off x="5396167" y="1915297"/>
+            <a:ext cx="6357552" cy="4238368"/>
+          </a:xfrm>
+          <a:prstGeom prst="rect">
+            <a:avLst/>
+          </a:prstGeom>
+        </p:spPr>
+      </p:pic>
+      <p:pic>
+        <p:nvPicPr>
+          <p:cNvPr id="3" name="1_ffmpeg_0.5">
+            <a:hlinkClick r:id="" action="ppaction://media"/>
+            <a:extLst>
+              <a:ext uri="{FF2B5EF4-FFF2-40B4-BE49-F238E27FC236}">
+                <a16:creationId xmlns:a16="http://schemas.microsoft.com/office/drawing/2014/main" id="{0478F93F-8466-45D2-BCD1-5E4727AD5B7B}"/>
+              </a:ext>
+            </a:extLst>
+          </p:cNvPr>
+          <p:cNvPicPr>
+            <a:picLocks noChangeAspect="1"/>
+          </p:cNvPicPr>
+          <p:nvPr>
+            <a:audioFile r:link="rId2"/>
+            <p:extLst>
+              <p:ext uri="{DAA4B4D4-6D71-4841-9C94-3DE7FCFB9230}">
+                <p14:media xmlns:p14="http://schemas.microsoft.com/office/powerpoint/2010/main" r:embed="rId1"/>
+              </p:ext>
+            </p:extLst>
+          </p:nvPr>
+        </p:nvPicPr>
+        <p:blipFill>
+          <a:blip r:embed="rId12"/>
+          <a:stretch>
+            <a:fillRect/>
+          </a:stretch>
+        </p:blipFill>
+        <p:spPr>
+          <a:xfrm>
+            <a:off x="574675" y="4935538"/>
+            <a:ext cx="609600" cy="609600"/>
+          </a:xfrm>
+          <a:prstGeom prst="rect">
+            <a:avLst/>
+          </a:prstGeom>
+        </p:spPr>
+      </p:pic>
+      <p:pic>
+        <p:nvPicPr>
+          <p:cNvPr id="5" name="1_ola_0.5">
+            <a:hlinkClick r:id="" action="ppaction://media"/>
+            <a:extLst>
+              <a:ext uri="{FF2B5EF4-FFF2-40B4-BE49-F238E27FC236}">
+                <a16:creationId xmlns:a16="http://schemas.microsoft.com/office/drawing/2014/main" id="{35ACAD48-A590-4759-87EC-936740A56D72}"/>
+              </a:ext>
+            </a:extLst>
+          </p:cNvPr>
+          <p:cNvPicPr>
+            <a:picLocks noChangeAspect="1"/>
+          </p:cNvPicPr>
+          <p:nvPr>
+            <a:audioFile r:link="rId4"/>
+            <p:extLst>
+              <p:ext uri="{DAA4B4D4-6D71-4841-9C94-3DE7FCFB9230}">
+                <p14:media xmlns:p14="http://schemas.microsoft.com/office/powerpoint/2010/main" r:embed="rId3"/>
+              </p:ext>
+            </p:extLst>
+          </p:nvPr>
+        </p:nvPicPr>
+        <p:blipFill>
+          <a:blip r:embed="rId12"/>
+          <a:stretch>
+            <a:fillRect/>
+          </a:stretch>
+        </p:blipFill>
+        <p:spPr>
+          <a:xfrm>
+            <a:off x="1587458" y="4935399"/>
+            <a:ext cx="609600" cy="609600"/>
+          </a:xfrm>
+          <a:prstGeom prst="rect">
+            <a:avLst/>
+          </a:prstGeom>
+        </p:spPr>
+      </p:pic>
+      <p:pic>
+        <p:nvPicPr>
+          <p:cNvPr id="6" name="1_wsola_0.5">
+            <a:hlinkClick r:id="" action="ppaction://media"/>
+            <a:extLst>
+              <a:ext uri="{FF2B5EF4-FFF2-40B4-BE49-F238E27FC236}">
+                <a16:creationId xmlns:a16="http://schemas.microsoft.com/office/drawing/2014/main" id="{8764615A-617F-4B97-B0FB-BF796D903AF5}"/>
+              </a:ext>
+            </a:extLst>
+          </p:cNvPr>
+          <p:cNvPicPr>
+            <a:picLocks noChangeAspect="1"/>
+          </p:cNvPicPr>
+          <p:nvPr>
+            <a:audioFile r:link="rId6"/>
+            <p:extLst>
+              <p:ext uri="{DAA4B4D4-6D71-4841-9C94-3DE7FCFB9230}">
+                <p14:media xmlns:p14="http://schemas.microsoft.com/office/powerpoint/2010/main" r:embed="rId5"/>
+              </p:ext>
+            </p:extLst>
+          </p:nvPr>
+        </p:nvPicPr>
+        <p:blipFill>
+          <a:blip r:embed="rId12"/>
+          <a:stretch>
+            <a:fillRect/>
+          </a:stretch>
+        </p:blipFill>
+        <p:spPr>
+          <a:xfrm>
+            <a:off x="2600241" y="4935399"/>
+            <a:ext cx="609600" cy="609600"/>
+          </a:xfrm>
+          <a:prstGeom prst="rect">
+            <a:avLst/>
+          </a:prstGeom>
+        </p:spPr>
+      </p:pic>
+      <p:pic>
+        <p:nvPicPr>
+          <p:cNvPr id="7" name="1_phasevoctor_0.5">
+            <a:hlinkClick r:id="" action="ppaction://media"/>
+            <a:extLst>
+              <a:ext uri="{FF2B5EF4-FFF2-40B4-BE49-F238E27FC236}">
+                <a16:creationId xmlns:a16="http://schemas.microsoft.com/office/drawing/2014/main" id="{435F7317-4D1C-457D-9503-9AA373C945D5}"/>
+              </a:ext>
+            </a:extLst>
+          </p:cNvPr>
+          <p:cNvPicPr>
+            <a:picLocks noChangeAspect="1"/>
+          </p:cNvPicPr>
+          <p:nvPr>
+            <a:audioFile r:link="rId8"/>
+            <p:extLst>
+              <p:ext uri="{DAA4B4D4-6D71-4841-9C94-3DE7FCFB9230}">
+                <p14:media xmlns:p14="http://schemas.microsoft.com/office/powerpoint/2010/main" r:embed="rId7"/>
+              </p:ext>
+            </p:extLst>
+          </p:nvPr>
+        </p:nvPicPr>
+        <p:blipFill>
+          <a:blip r:embed="rId12"/>
+          <a:stretch>
+            <a:fillRect/>
+          </a:stretch>
+        </p:blipFill>
+        <p:spPr>
+          <a:xfrm>
+            <a:off x="3613024" y="4935399"/>
+            <a:ext cx="609600" cy="609600"/>
+          </a:xfrm>
+          <a:prstGeom prst="rect">
+            <a:avLst/>
+          </a:prstGeom>
+        </p:spPr>
+      </p:pic>
     </p:spTree>
     <p:extLst>
       <p:ext uri="{BB962C8B-B14F-4D97-AF65-F5344CB8AC3E}">
-        <p14:creationId xmlns:p14="http://schemas.microsoft.com/office/powerpoint/2010/main" val="3850148525"/>
+        <p14:creationId xmlns:p14="http://schemas.microsoft.com/office/powerpoint/2010/main" val="2258610092"/>
       </p:ext>
     </p:extLst>
   </p:cSld>
   <p:clrMapOvr>
     <a:masterClrMapping/>
   </p:clrMapOvr>
+  <p:timing>
+    <p:tnLst>
+      <p:par>
+        <p:cTn id="1" dur="indefinite" restart="never" nodeType="tmRoot">
+          <p:childTnLst>
+            <p:seq concurrent="1" nextAc="seek">
+              <p:cTn id="2" dur="indefinite" nodeType="mainSeq">
+                <p:childTnLst>
+                  <p:par>
+                    <p:cTn id="3" fill="hold">
+                      <p:stCondLst>
+                        <p:cond delay="indefinite"/>
+                      </p:stCondLst>
+                      <p:childTnLst>
+                        <p:par>
+                          <p:cTn id="4" fill="hold">
+                            <p:stCondLst>
+                              <p:cond delay="0"/>
+                            </p:stCondLst>
+                            <p:childTnLst>
+                              <p:par>
+                                <p:cTn id="5" presetID="1" presetClass="mediacall" presetSubtype="0" fill="hold" nodeType="clickEffect">
+                                  <p:stCondLst>
+                                    <p:cond delay="0"/>
+                                  </p:stCondLst>
+                                  <p:childTnLst>
+                                    <p:cmd type="call" cmd="playFrom(0.0)">
+                                      <p:cBhvr>
+                                        <p:cTn id="6" dur="4184" fill="hold"/>
+                                        <p:tgtEl>
+                                          <p:spTgt spid="3"/>
+                                        </p:tgtEl>
+                                      </p:cBhvr>
+                                    </p:cmd>
+                                  </p:childTnLst>
+                                </p:cTn>
+                              </p:par>
+                            </p:childTnLst>
+                          </p:cTn>
+                        </p:par>
+                      </p:childTnLst>
+                    </p:cTn>
+                  </p:par>
+                  <p:par>
+                    <p:cTn id="7" fill="hold">
+                      <p:stCondLst>
+                        <p:cond delay="indefinite"/>
+                      </p:stCondLst>
+                      <p:childTnLst>
+                        <p:par>
+                          <p:cTn id="8" fill="hold">
+                            <p:stCondLst>
+                              <p:cond delay="0"/>
+                            </p:stCondLst>
+                            <p:childTnLst>
+                              <p:par>
+                                <p:cTn id="9" presetID="1" presetClass="mediacall" presetSubtype="0" fill="hold" nodeType="clickEffect">
+                                  <p:stCondLst>
+                                    <p:cond delay="0"/>
+                                  </p:stCondLst>
+                                  <p:childTnLst>
+                                    <p:cmd type="call" cmd="playFrom(0.0)">
+                                      <p:cBhvr>
+                                        <p:cTn id="10" dur="4256" fill="hold"/>
+                                        <p:tgtEl>
+                                          <p:spTgt spid="5"/>
+                                        </p:tgtEl>
+                                      </p:cBhvr>
+                                    </p:cmd>
+                                  </p:childTnLst>
+                                </p:cTn>
+                              </p:par>
+                            </p:childTnLst>
+                          </p:cTn>
+                        </p:par>
+                      </p:childTnLst>
+                    </p:cTn>
+                  </p:par>
+                  <p:par>
+                    <p:cTn id="11" fill="hold">
+                      <p:stCondLst>
+                        <p:cond delay="indefinite"/>
+                      </p:stCondLst>
+                      <p:childTnLst>
+                        <p:par>
+                          <p:cTn id="12" fill="hold">
+                            <p:stCondLst>
+                              <p:cond delay="0"/>
+                            </p:stCondLst>
+                            <p:childTnLst>
+                              <p:par>
+                                <p:cTn id="13" presetID="1" presetClass="mediacall" presetSubtype="0" fill="hold" nodeType="clickEffect">
+                                  <p:stCondLst>
+                                    <p:cond delay="0"/>
+                                  </p:stCondLst>
+                                  <p:childTnLst>
+                                    <p:cmd type="call" cmd="playFrom(0.0)">
+                                      <p:cBhvr>
+                                        <p:cTn id="14" dur="4064" fill="hold"/>
+                                        <p:tgtEl>
+                                          <p:spTgt spid="6"/>
+                                        </p:tgtEl>
+                                      </p:cBhvr>
+                                    </p:cmd>
+                                  </p:childTnLst>
+                                </p:cTn>
+                              </p:par>
+                            </p:childTnLst>
+                          </p:cTn>
+                        </p:par>
+                      </p:childTnLst>
+                    </p:cTn>
+                  </p:par>
+                  <p:par>
+                    <p:cTn id="15" fill="hold">
+                      <p:stCondLst>
+                        <p:cond delay="indefinite"/>
+                      </p:stCondLst>
+                      <p:childTnLst>
+                        <p:par>
+                          <p:cTn id="16" fill="hold">
+                            <p:stCondLst>
+                              <p:cond delay="0"/>
+                            </p:stCondLst>
+                            <p:childTnLst>
+                              <p:par>
+                                <p:cTn id="17" presetID="1" presetClass="mediacall" presetSubtype="0" fill="hold" nodeType="clickEffect">
+                                  <p:stCondLst>
+                                    <p:cond delay="0"/>
+                                  </p:stCondLst>
+                                  <p:childTnLst>
+                                    <p:cmd type="call" cmd="playFrom(0.0)">
+                                      <p:cBhvr>
+                                        <p:cTn id="18" dur="4128" fill="hold"/>
+                                        <p:tgtEl>
+                                          <p:spTgt spid="7"/>
+                                        </p:tgtEl>
+                                      </p:cBhvr>
+                                    </p:cmd>
+                                  </p:childTnLst>
+                                </p:cTn>
+                              </p:par>
+                            </p:childTnLst>
+                          </p:cTn>
+                        </p:par>
+                      </p:childTnLst>
+                    </p:cTn>
+                  </p:par>
+                </p:childTnLst>
+              </p:cTn>
+              <p:prevCondLst>
+                <p:cond evt="onPrev" delay="0">
+                  <p:tgtEl>
+                    <p:sldTgt/>
+                  </p:tgtEl>
+                </p:cond>
+              </p:prevCondLst>
+              <p:nextCondLst>
+                <p:cond evt="onNext" delay="0">
+                  <p:tgtEl>
+                    <p:sldTgt/>
+                  </p:tgtEl>
+                </p:cond>
+              </p:nextCondLst>
+            </p:seq>
+            <p:audio>
+              <p:cMediaNode vol="80000">
+                <p:cTn id="19" fill="hold" display="0">
+                  <p:stCondLst>
+                    <p:cond delay="indefinite"/>
+                  </p:stCondLst>
+                  <p:endCondLst>
+                    <p:cond evt="onStopAudio" delay="0">
+                      <p:tgtEl>
+                        <p:sldTgt/>
+                      </p:tgtEl>
+                    </p:cond>
+                  </p:endCondLst>
+                </p:cTn>
+                <p:tgtEl>
+                  <p:spTgt spid="3"/>
+                </p:tgtEl>
+              </p:cMediaNode>
+            </p:audio>
+            <p:audio>
+              <p:cMediaNode vol="80000">
+                <p:cTn id="20" fill="hold" display="0">
+                  <p:stCondLst>
+                    <p:cond delay="indefinite"/>
+                  </p:stCondLst>
+                  <p:endCondLst>
+                    <p:cond evt="onStopAudio" delay="0">
+                      <p:tgtEl>
+                        <p:sldTgt/>
+                      </p:tgtEl>
+                    </p:cond>
+                  </p:endCondLst>
+                </p:cTn>
+                <p:tgtEl>
+                  <p:spTgt spid="5"/>
+                </p:tgtEl>
+              </p:cMediaNode>
+            </p:audio>
+            <p:audio>
+              <p:cMediaNode vol="80000">
+                <p:cTn id="21" fill="hold" display="0">
+                  <p:stCondLst>
+                    <p:cond delay="indefinite"/>
+                  </p:stCondLst>
+                  <p:endCondLst>
+                    <p:cond evt="onStopAudio" delay="0">
+                      <p:tgtEl>
+                        <p:sldTgt/>
+                      </p:tgtEl>
+                    </p:cond>
+                  </p:endCondLst>
+                </p:cTn>
+                <p:tgtEl>
+                  <p:spTgt spid="6"/>
+                </p:tgtEl>
+              </p:cMediaNode>
+            </p:audio>
+            <p:audio>
+              <p:cMediaNode vol="80000">
+                <p:cTn id="22" fill="hold" display="0">
+                  <p:stCondLst>
+                    <p:cond delay="indefinite"/>
+                  </p:stCondLst>
+                  <p:endCondLst>
+                    <p:cond evt="onStopAudio" delay="0">
+                      <p:tgtEl>
+                        <p:sldTgt/>
+                      </p:tgtEl>
+                    </p:cond>
+                  </p:endCondLst>
+                </p:cTn>
+                <p:tgtEl>
+                  <p:spTgt spid="7"/>
+                </p:tgtEl>
+              </p:cMediaNode>
+            </p:audio>
+          </p:childTnLst>
+        </p:cTn>
+      </p:par>
+    </p:tnLst>
+  </p:timing>
 </p:sld>
 </file>
 
@@ -5078,7 +9302,7 @@
         <p:spPr>
           <a:xfrm>
             <a:off x="852298" y="1120596"/>
-            <a:ext cx="2646878" cy="584775"/>
+            <a:ext cx="5704190" cy="584775"/>
           </a:xfrm>
           <a:prstGeom prst="rect">
             <a:avLst/>
@@ -5091,11 +9315,32 @@
           <a:lstStyle/>
           <a:p>
             <a:r>
+              <a:rPr lang="en-US" altLang="zh-CN" sz="3200" b="1" dirty="0">
+                <a:latin typeface="微软雅黑" panose="020B0503020204020204" pitchFamily="34" charset="-122"/>
+                <a:ea typeface="微软雅黑" panose="020B0503020204020204" pitchFamily="34" charset="-122"/>
+              </a:rPr>
+              <a:t>TSM——1.5</a:t>
+            </a:r>
+            <a:r>
               <a:rPr lang="zh-CN" altLang="en-US" sz="3200" b="1" dirty="0">
                 <a:latin typeface="微软雅黑" panose="020B0503020204020204" pitchFamily="34" charset="-122"/>
                 <a:ea typeface="微软雅黑" panose="020B0503020204020204" pitchFamily="34" charset="-122"/>
               </a:rPr>
-              <a:t>快速阈值探究</a:t>
+              <a:t>整体倍速</a:t>
+            </a:r>
+            <a:r>
+              <a:rPr lang="en-US" altLang="zh-CN" sz="3200" b="1" dirty="0">
+                <a:latin typeface="微软雅黑" panose="020B0503020204020204" pitchFamily="34" charset="-122"/>
+                <a:ea typeface="微软雅黑" panose="020B0503020204020204" pitchFamily="34" charset="-122"/>
+              </a:rPr>
+              <a:t>AU</a:t>
+            </a:r>
+            <a:r>
+              <a:rPr lang="zh-CN" altLang="en-US" sz="3200" b="1" dirty="0">
+                <a:latin typeface="微软雅黑" panose="020B0503020204020204" pitchFamily="34" charset="-122"/>
+                <a:ea typeface="微软雅黑" panose="020B0503020204020204" pitchFamily="34" charset="-122"/>
+              </a:rPr>
+              <a:t>分析</a:t>
             </a:r>
           </a:p>
         </p:txBody>
@@ -5115,7 +9360,7 @@
         <p:spPr>
           <a:xfrm>
             <a:off x="852297" y="1705371"/>
-            <a:ext cx="10870780" cy="510524"/>
+            <a:ext cx="10870780" cy="3465179"/>
           </a:xfrm>
           <a:prstGeom prst="rect">
             <a:avLst/>
@@ -5135,12 +9380,119 @@
               <a:buChar char="p"/>
             </a:pPr>
             <a:r>
+              <a:rPr lang="en-US" altLang="zh-CN" sz="1600" dirty="0" err="1">
+                <a:latin typeface="微软雅黑" panose="020B0503020204020204" pitchFamily="34" charset="-122"/>
+                <a:ea typeface="微软雅黑" panose="020B0503020204020204" pitchFamily="34" charset="-122"/>
+                <a:sym typeface="Wingdings" panose="05000000000000000000" pitchFamily="2" charset="2"/>
+              </a:rPr>
+              <a:t>FFmpeg</a:t>
+            </a:r>
+            <a:r>
               <a:rPr lang="zh-CN" altLang="en-US" sz="1600" dirty="0">
                 <a:latin typeface="微软雅黑" panose="020B0503020204020204" pitchFamily="34" charset="-122"/>
                 <a:ea typeface="微软雅黑" panose="020B0503020204020204" pitchFamily="34" charset="-122"/>
                 <a:sym typeface="Wingdings" panose="05000000000000000000" pitchFamily="2" charset="2"/>
               </a:rPr>
-              <a:t>快速不收敛到某一个值</a:t>
+              <a:t>：</a:t>
+            </a:r>
+            <a:r>
+              <a:rPr lang="en-US" altLang="zh-CN" sz="1600" dirty="0">
+                <a:latin typeface="微软雅黑" panose="020B0503020204020204" pitchFamily="34" charset="-122"/>
+                <a:ea typeface="微软雅黑" panose="020B0503020204020204" pitchFamily="34" charset="-122"/>
+                <a:sym typeface="Wingdings" panose="05000000000000000000" pitchFamily="2" charset="2"/>
+              </a:rPr>
+              <a:t>go take a picture</a:t>
+            </a:r>
+          </a:p>
+          <a:p>
+            <a:pPr marL="285750" indent="-285750">
+              <a:lnSpc>
+                <a:spcPct val="200000"/>
+              </a:lnSpc>
+              <a:buFont typeface="Wingdings" panose="05000000000000000000" pitchFamily="2" charset="2"/>
+              <a:buChar char="p"/>
+            </a:pPr>
+            <a:r>
+              <a:rPr lang="en-US" altLang="zh-CN" sz="1600" dirty="0">
+                <a:latin typeface="微软雅黑" panose="020B0503020204020204" pitchFamily="34" charset="-122"/>
+                <a:ea typeface="微软雅黑" panose="020B0503020204020204" pitchFamily="34" charset="-122"/>
+                <a:sym typeface="Wingdings" panose="05000000000000000000" pitchFamily="2" charset="2"/>
+              </a:rPr>
+              <a:t>OLA</a:t>
+            </a:r>
+            <a:r>
+              <a:rPr lang="zh-CN" altLang="en-US" sz="1600" dirty="0">
+                <a:latin typeface="微软雅黑" panose="020B0503020204020204" pitchFamily="34" charset="-122"/>
+                <a:ea typeface="微软雅黑" panose="020B0503020204020204" pitchFamily="34" charset="-122"/>
+                <a:sym typeface="Wingdings" panose="05000000000000000000" pitchFamily="2" charset="2"/>
+              </a:rPr>
+              <a:t>：</a:t>
+            </a:r>
+            <a:r>
+              <a:rPr lang="en-US" altLang="zh-CN" sz="1600" dirty="0">
+                <a:latin typeface="微软雅黑" panose="020B0503020204020204" pitchFamily="34" charset="-122"/>
+                <a:ea typeface="微软雅黑" panose="020B0503020204020204" pitchFamily="34" charset="-122"/>
+                <a:sym typeface="Wingdings" panose="05000000000000000000" pitchFamily="2" charset="2"/>
+              </a:rPr>
+              <a:t>take a picture</a:t>
+            </a:r>
+          </a:p>
+          <a:p>
+            <a:pPr marL="285750" indent="-285750">
+              <a:lnSpc>
+                <a:spcPct val="200000"/>
+              </a:lnSpc>
+              <a:buFont typeface="Wingdings" panose="05000000000000000000" pitchFamily="2" charset="2"/>
+              <a:buChar char="p"/>
+            </a:pPr>
+            <a:r>
+              <a:rPr lang="en-US" altLang="zh-CN" sz="1600" dirty="0">
+                <a:latin typeface="微软雅黑" panose="020B0503020204020204" pitchFamily="34" charset="-122"/>
+                <a:ea typeface="微软雅黑" panose="020B0503020204020204" pitchFamily="34" charset="-122"/>
+                <a:sym typeface="Wingdings" panose="05000000000000000000" pitchFamily="2" charset="2"/>
+              </a:rPr>
+              <a:t>WSOLA</a:t>
+            </a:r>
+            <a:r>
+              <a:rPr lang="zh-CN" altLang="en-US" sz="1600" dirty="0">
+                <a:latin typeface="微软雅黑" panose="020B0503020204020204" pitchFamily="34" charset="-122"/>
+                <a:ea typeface="微软雅黑" panose="020B0503020204020204" pitchFamily="34" charset="-122"/>
+                <a:sym typeface="Wingdings" panose="05000000000000000000" pitchFamily="2" charset="2"/>
+              </a:rPr>
+              <a:t>：</a:t>
+            </a:r>
+            <a:r>
+              <a:rPr lang="en-US" altLang="zh-CN" sz="1600" dirty="0">
+                <a:latin typeface="微软雅黑" panose="020B0503020204020204" pitchFamily="34" charset="-122"/>
+                <a:ea typeface="微软雅黑" panose="020B0503020204020204" pitchFamily="34" charset="-122"/>
+                <a:sym typeface="Wingdings" panose="05000000000000000000" pitchFamily="2" charset="2"/>
+              </a:rPr>
+              <a:t>okay google epicure</a:t>
+            </a:r>
+          </a:p>
+          <a:p>
+            <a:pPr marL="285750" indent="-285750">
+              <a:lnSpc>
+                <a:spcPct val="200000"/>
+              </a:lnSpc>
+              <a:buFont typeface="Wingdings" panose="05000000000000000000" pitchFamily="2" charset="2"/>
+              <a:buChar char="p"/>
+            </a:pPr>
+            <a:r>
+              <a:rPr lang="en-US" altLang="zh-CN" sz="1600" dirty="0">
+                <a:latin typeface="微软雅黑" panose="020B0503020204020204" pitchFamily="34" charset="-122"/>
+                <a:ea typeface="微软雅黑" panose="020B0503020204020204" pitchFamily="34" charset="-122"/>
+                <a:sym typeface="Wingdings" panose="05000000000000000000" pitchFamily="2" charset="2"/>
+              </a:rPr>
+              <a:t>PV</a:t>
+            </a:r>
+            <a:r>
+              <a:rPr lang="zh-CN" altLang="en-US" sz="1600" dirty="0">
+                <a:latin typeface="微软雅黑" panose="020B0503020204020204" pitchFamily="34" charset="-122"/>
+                <a:ea typeface="微软雅黑" panose="020B0503020204020204" pitchFamily="34" charset="-122"/>
+                <a:sym typeface="Wingdings" panose="05000000000000000000" pitchFamily="2" charset="2"/>
+              </a:rPr>
+              <a:t>：空</a:t>
             </a:r>
             <a:endParaRPr lang="en-US" altLang="zh-CN" sz="1600" dirty="0">
               <a:latin typeface="微软雅黑" panose="020B0503020204020204" pitchFamily="34" charset="-122"/>
@@ -5148,18 +9500,560 @@
               <a:sym typeface="Wingdings" panose="05000000000000000000" pitchFamily="2" charset="2"/>
             </a:endParaRPr>
           </a:p>
-        </p:txBody>
-      </p:sp>
+          <a:p>
+            <a:pPr marL="285750" indent="-285750">
+              <a:lnSpc>
+                <a:spcPct val="200000"/>
+              </a:lnSpc>
+              <a:buFont typeface="Wingdings" panose="05000000000000000000" pitchFamily="2" charset="2"/>
+              <a:buChar char="p"/>
+            </a:pPr>
+            <a:r>
+              <a:rPr lang="zh-CN" altLang="en-US" sz="1600" dirty="0">
+                <a:latin typeface="微软雅黑" panose="020B0503020204020204" pitchFamily="34" charset="-122"/>
+                <a:ea typeface="微软雅黑" panose="020B0503020204020204" pitchFamily="34" charset="-122"/>
+                <a:sym typeface="Wingdings" panose="05000000000000000000" pitchFamily="2" charset="2"/>
+              </a:rPr>
+              <a:t>可听性上</a:t>
+            </a:r>
+            <a:r>
+              <a:rPr lang="en-US" altLang="zh-CN" sz="1600" dirty="0" err="1">
+                <a:latin typeface="微软雅黑" panose="020B0503020204020204" pitchFamily="34" charset="-122"/>
+                <a:ea typeface="微软雅黑" panose="020B0503020204020204" pitchFamily="34" charset="-122"/>
+                <a:sym typeface="Wingdings" panose="05000000000000000000" pitchFamily="2" charset="2"/>
+              </a:rPr>
+              <a:t>ffmpeg</a:t>
+            </a:r>
+            <a:r>
+              <a:rPr lang="zh-CN" altLang="en-US" sz="1600" dirty="0">
+                <a:latin typeface="微软雅黑" panose="020B0503020204020204" pitchFamily="34" charset="-122"/>
+                <a:ea typeface="微软雅黑" panose="020B0503020204020204" pitchFamily="34" charset="-122"/>
+                <a:sym typeface="Wingdings" panose="05000000000000000000" pitchFamily="2" charset="2"/>
+              </a:rPr>
+              <a:t>和</a:t>
+            </a:r>
+            <a:r>
+              <a:rPr lang="en-US" altLang="zh-CN" sz="1600" dirty="0" err="1">
+                <a:latin typeface="微软雅黑" panose="020B0503020204020204" pitchFamily="34" charset="-122"/>
+                <a:ea typeface="微软雅黑" panose="020B0503020204020204" pitchFamily="34" charset="-122"/>
+                <a:sym typeface="Wingdings" panose="05000000000000000000" pitchFamily="2" charset="2"/>
+              </a:rPr>
+              <a:t>wsola</a:t>
+            </a:r>
+            <a:r>
+              <a:rPr lang="zh-CN" altLang="en-US" sz="1600" dirty="0">
+                <a:latin typeface="微软雅黑" panose="020B0503020204020204" pitchFamily="34" charset="-122"/>
+                <a:ea typeface="微软雅黑" panose="020B0503020204020204" pitchFamily="34" charset="-122"/>
+                <a:sym typeface="Wingdings" panose="05000000000000000000" pitchFamily="2" charset="2"/>
+              </a:rPr>
+              <a:t>连贯性更好</a:t>
+            </a:r>
+            <a:endParaRPr lang="en-US" altLang="zh-CN" sz="1600" dirty="0">
+              <a:latin typeface="微软雅黑" panose="020B0503020204020204" pitchFamily="34" charset="-122"/>
+              <a:ea typeface="微软雅黑" panose="020B0503020204020204" pitchFamily="34" charset="-122"/>
+              <a:sym typeface="Wingdings" panose="05000000000000000000" pitchFamily="2" charset="2"/>
+            </a:endParaRPr>
+          </a:p>
+          <a:p>
+            <a:pPr marL="285750" indent="-285750">
+              <a:lnSpc>
+                <a:spcPct val="200000"/>
+              </a:lnSpc>
+              <a:buFont typeface="Wingdings" panose="05000000000000000000" pitchFamily="2" charset="2"/>
+              <a:buChar char="p"/>
+            </a:pPr>
+            <a:r>
+              <a:rPr lang="en-US" altLang="zh-CN" sz="1600" dirty="0">
+                <a:latin typeface="微软雅黑" panose="020B0503020204020204" pitchFamily="34" charset="-122"/>
+                <a:ea typeface="微软雅黑" panose="020B0503020204020204" pitchFamily="34" charset="-122"/>
+                <a:sym typeface="Wingdings" panose="05000000000000000000" pitchFamily="2" charset="2"/>
+              </a:rPr>
+              <a:t>WSOLA</a:t>
+            </a:r>
+            <a:r>
+              <a:rPr lang="zh-CN" altLang="en-US" sz="1600" dirty="0">
+                <a:latin typeface="微软雅黑" panose="020B0503020204020204" pitchFamily="34" charset="-122"/>
+                <a:ea typeface="微软雅黑" panose="020B0503020204020204" pitchFamily="34" charset="-122"/>
+                <a:sym typeface="Wingdings" panose="05000000000000000000" pitchFamily="2" charset="2"/>
+              </a:rPr>
+              <a:t>在空隙处会平滑使得音频其实延长了</a:t>
+            </a:r>
+            <a:endParaRPr lang="en-US" altLang="zh-CN" sz="1600" dirty="0">
+              <a:latin typeface="微软雅黑" panose="020B0503020204020204" pitchFamily="34" charset="-122"/>
+              <a:ea typeface="微软雅黑" panose="020B0503020204020204" pitchFamily="34" charset="-122"/>
+              <a:sym typeface="Wingdings" panose="05000000000000000000" pitchFamily="2" charset="2"/>
+            </a:endParaRPr>
+          </a:p>
+          <a:p>
+            <a:pPr marL="285750" indent="-285750">
+              <a:lnSpc>
+                <a:spcPct val="200000"/>
+              </a:lnSpc>
+              <a:buFont typeface="Wingdings" panose="05000000000000000000" pitchFamily="2" charset="2"/>
+              <a:buChar char="p"/>
+            </a:pPr>
+            <a:r>
+              <a:rPr lang="en-US" altLang="zh-CN" sz="1600" dirty="0">
+                <a:latin typeface="微软雅黑" panose="020B0503020204020204" pitchFamily="34" charset="-122"/>
+                <a:ea typeface="微软雅黑" panose="020B0503020204020204" pitchFamily="34" charset="-122"/>
+                <a:sym typeface="Wingdings" panose="05000000000000000000" pitchFamily="2" charset="2"/>
+              </a:rPr>
+              <a:t>OLA</a:t>
+            </a:r>
+            <a:r>
+              <a:rPr lang="zh-CN" altLang="en-US" sz="1600" dirty="0">
+                <a:latin typeface="微软雅黑" panose="020B0503020204020204" pitchFamily="34" charset="-122"/>
+                <a:ea typeface="微软雅黑" panose="020B0503020204020204" pitchFamily="34" charset="-122"/>
+                <a:sym typeface="Wingdings" panose="05000000000000000000" pitchFamily="2" charset="2"/>
+              </a:rPr>
+              <a:t>更多的毛刺</a:t>
+            </a:r>
+            <a:endParaRPr lang="en-US" altLang="zh-CN" sz="1600" dirty="0">
+              <a:latin typeface="微软雅黑" panose="020B0503020204020204" pitchFamily="34" charset="-122"/>
+              <a:ea typeface="微软雅黑" panose="020B0503020204020204" pitchFamily="34" charset="-122"/>
+              <a:sym typeface="Wingdings" panose="05000000000000000000" pitchFamily="2" charset="2"/>
+            </a:endParaRPr>
+          </a:p>
+        </p:txBody>
+      </p:sp>
+      <p:pic>
+        <p:nvPicPr>
+          <p:cNvPr id="4" name="图片 3">
+            <a:extLst>
+              <a:ext uri="{FF2B5EF4-FFF2-40B4-BE49-F238E27FC236}">
+                <a16:creationId xmlns:a16="http://schemas.microsoft.com/office/drawing/2014/main" id="{81E3DFEE-EE88-4D22-9D55-C1BA590D02A2}"/>
+              </a:ext>
+            </a:extLst>
+          </p:cNvPr>
+          <p:cNvPicPr>
+            <a:picLocks noChangeAspect="1"/>
+          </p:cNvPicPr>
+          <p:nvPr/>
+        </p:nvPicPr>
+        <p:blipFill>
+          <a:blip r:embed="rId11"/>
+          <a:stretch>
+            <a:fillRect/>
+          </a:stretch>
+        </p:blipFill>
+        <p:spPr>
+          <a:xfrm>
+            <a:off x="5541825" y="1705371"/>
+            <a:ext cx="6181252" cy="4561566"/>
+          </a:xfrm>
+          <a:prstGeom prst="rect">
+            <a:avLst/>
+          </a:prstGeom>
+        </p:spPr>
+      </p:pic>
+      <p:pic>
+        <p:nvPicPr>
+          <p:cNvPr id="8" name="1_ffmpeg_1.5">
+            <a:hlinkClick r:id="" action="ppaction://media"/>
+            <a:extLst>
+              <a:ext uri="{FF2B5EF4-FFF2-40B4-BE49-F238E27FC236}">
+                <a16:creationId xmlns:a16="http://schemas.microsoft.com/office/drawing/2014/main" id="{C390B1F2-43B2-4556-B861-97F3194D8D51}"/>
+              </a:ext>
+            </a:extLst>
+          </p:cNvPr>
+          <p:cNvPicPr>
+            <a:picLocks noChangeAspect="1"/>
+          </p:cNvPicPr>
+          <p:nvPr>
+            <a:audioFile r:link="rId2"/>
+            <p:extLst>
+              <p:ext uri="{DAA4B4D4-6D71-4841-9C94-3DE7FCFB9230}">
+                <p14:media xmlns:p14="http://schemas.microsoft.com/office/powerpoint/2010/main" r:embed="rId1"/>
+              </p:ext>
+            </p:extLst>
+          </p:nvPr>
+        </p:nvPicPr>
+        <p:blipFill>
+          <a:blip r:embed="rId12"/>
+          <a:stretch>
+            <a:fillRect/>
+          </a:stretch>
+        </p:blipFill>
+        <p:spPr>
+          <a:xfrm>
+            <a:off x="852296" y="5170550"/>
+            <a:ext cx="609600" cy="609600"/>
+          </a:xfrm>
+          <a:prstGeom prst="rect">
+            <a:avLst/>
+          </a:prstGeom>
+        </p:spPr>
+      </p:pic>
+      <p:pic>
+        <p:nvPicPr>
+          <p:cNvPr id="9" name="1_ola_1.5">
+            <a:hlinkClick r:id="" action="ppaction://media"/>
+            <a:extLst>
+              <a:ext uri="{FF2B5EF4-FFF2-40B4-BE49-F238E27FC236}">
+                <a16:creationId xmlns:a16="http://schemas.microsoft.com/office/drawing/2014/main" id="{38C5CF6F-7EE7-429D-85FB-4C42C2CD0E6B}"/>
+              </a:ext>
+            </a:extLst>
+          </p:cNvPr>
+          <p:cNvPicPr>
+            <a:picLocks noChangeAspect="1"/>
+          </p:cNvPicPr>
+          <p:nvPr>
+            <a:audioFile r:link="rId4"/>
+            <p:extLst>
+              <p:ext uri="{DAA4B4D4-6D71-4841-9C94-3DE7FCFB9230}">
+                <p14:media xmlns:p14="http://schemas.microsoft.com/office/powerpoint/2010/main" r:embed="rId3"/>
+              </p:ext>
+            </p:extLst>
+          </p:nvPr>
+        </p:nvPicPr>
+        <p:blipFill>
+          <a:blip r:embed="rId12"/>
+          <a:stretch>
+            <a:fillRect/>
+          </a:stretch>
+        </p:blipFill>
+        <p:spPr>
+          <a:xfrm>
+            <a:off x="1934232" y="5194131"/>
+            <a:ext cx="609600" cy="609600"/>
+          </a:xfrm>
+          <a:prstGeom prst="rect">
+            <a:avLst/>
+          </a:prstGeom>
+        </p:spPr>
+      </p:pic>
+      <p:pic>
+        <p:nvPicPr>
+          <p:cNvPr id="10" name="1_wsola_1.5">
+            <a:hlinkClick r:id="" action="ppaction://media"/>
+            <a:extLst>
+              <a:ext uri="{FF2B5EF4-FFF2-40B4-BE49-F238E27FC236}">
+                <a16:creationId xmlns:a16="http://schemas.microsoft.com/office/drawing/2014/main" id="{4EE15CC3-4B08-4DD1-BAC7-94F7595B2E69}"/>
+              </a:ext>
+            </a:extLst>
+          </p:cNvPr>
+          <p:cNvPicPr>
+            <a:picLocks noChangeAspect="1"/>
+          </p:cNvPicPr>
+          <p:nvPr>
+            <a:audioFile r:link="rId6"/>
+            <p:extLst>
+              <p:ext uri="{DAA4B4D4-6D71-4841-9C94-3DE7FCFB9230}">
+                <p14:media xmlns:p14="http://schemas.microsoft.com/office/powerpoint/2010/main" r:embed="rId5"/>
+              </p:ext>
+            </p:extLst>
+          </p:nvPr>
+        </p:nvPicPr>
+        <p:blipFill>
+          <a:blip r:embed="rId12"/>
+          <a:stretch>
+            <a:fillRect/>
+          </a:stretch>
+        </p:blipFill>
+        <p:spPr>
+          <a:xfrm>
+            <a:off x="3083947" y="5194131"/>
+            <a:ext cx="609600" cy="609600"/>
+          </a:xfrm>
+          <a:prstGeom prst="rect">
+            <a:avLst/>
+          </a:prstGeom>
+        </p:spPr>
+      </p:pic>
+      <p:pic>
+        <p:nvPicPr>
+          <p:cNvPr id="11" name="1_phasevoctor_1.5">
+            <a:hlinkClick r:id="" action="ppaction://media"/>
+            <a:extLst>
+              <a:ext uri="{FF2B5EF4-FFF2-40B4-BE49-F238E27FC236}">
+                <a16:creationId xmlns:a16="http://schemas.microsoft.com/office/drawing/2014/main" id="{181D51DA-6C15-4A2D-A93D-D5136AC490EA}"/>
+              </a:ext>
+            </a:extLst>
+          </p:cNvPr>
+          <p:cNvPicPr>
+            <a:picLocks noChangeAspect="1"/>
+          </p:cNvPicPr>
+          <p:nvPr>
+            <a:audioFile r:link="rId8"/>
+            <p:extLst>
+              <p:ext uri="{DAA4B4D4-6D71-4841-9C94-3DE7FCFB9230}">
+                <p14:media xmlns:p14="http://schemas.microsoft.com/office/powerpoint/2010/main" r:embed="rId7"/>
+              </p:ext>
+            </p:extLst>
+          </p:nvPr>
+        </p:nvPicPr>
+        <p:blipFill>
+          <a:blip r:embed="rId12"/>
+          <a:stretch>
+            <a:fillRect/>
+          </a:stretch>
+        </p:blipFill>
+        <p:spPr>
+          <a:xfrm>
+            <a:off x="4233662" y="5179038"/>
+            <a:ext cx="609600" cy="609600"/>
+          </a:xfrm>
+          <a:prstGeom prst="rect">
+            <a:avLst/>
+          </a:prstGeom>
+        </p:spPr>
+      </p:pic>
     </p:spTree>
     <p:extLst>
       <p:ext uri="{BB962C8B-B14F-4D97-AF65-F5344CB8AC3E}">
-        <p14:creationId xmlns:p14="http://schemas.microsoft.com/office/powerpoint/2010/main" val="3527559931"/>
+        <p14:creationId xmlns:p14="http://schemas.microsoft.com/office/powerpoint/2010/main" val="3817256475"/>
       </p:ext>
     </p:extLst>
   </p:cSld>
   <p:clrMapOvr>
     <a:masterClrMapping/>
   </p:clrMapOvr>
+  <p:timing>
+    <p:tnLst>
+      <p:par>
+        <p:cTn id="1" dur="indefinite" restart="never" nodeType="tmRoot">
+          <p:childTnLst>
+            <p:seq concurrent="1" nextAc="seek">
+              <p:cTn id="2" dur="indefinite" nodeType="mainSeq">
+                <p:childTnLst>
+                  <p:par>
+                    <p:cTn id="3" fill="hold">
+                      <p:stCondLst>
+                        <p:cond delay="indefinite"/>
+                      </p:stCondLst>
+                      <p:childTnLst>
+                        <p:par>
+                          <p:cTn id="4" fill="hold">
+                            <p:stCondLst>
+                              <p:cond delay="0"/>
+                            </p:stCondLst>
+                            <p:childTnLst>
+                              <p:par>
+                                <p:cTn id="5" presetID="1" presetClass="mediacall" presetSubtype="0" fill="hold" nodeType="clickEffect">
+                                  <p:stCondLst>
+                                    <p:cond delay="0"/>
+                                  </p:stCondLst>
+                                  <p:childTnLst>
+                                    <p:cmd type="call" cmd="playFrom(0.0)">
+                                      <p:cBhvr>
+                                        <p:cTn id="6" dur="1400" fill="hold"/>
+                                        <p:tgtEl>
+                                          <p:spTgt spid="8"/>
+                                        </p:tgtEl>
+                                      </p:cBhvr>
+                                    </p:cmd>
+                                  </p:childTnLst>
+                                </p:cTn>
+                              </p:par>
+                            </p:childTnLst>
+                          </p:cTn>
+                        </p:par>
+                      </p:childTnLst>
+                    </p:cTn>
+                  </p:par>
+                  <p:par>
+                    <p:cTn id="7" fill="hold">
+                      <p:stCondLst>
+                        <p:cond delay="indefinite"/>
+                      </p:stCondLst>
+                      <p:childTnLst>
+                        <p:par>
+                          <p:cTn id="8" fill="hold">
+                            <p:stCondLst>
+                              <p:cond delay="0"/>
+                            </p:stCondLst>
+                            <p:childTnLst>
+                              <p:par>
+                                <p:cTn id="9" presetID="1" presetClass="mediacall" presetSubtype="0" fill="hold" nodeType="clickEffect">
+                                  <p:stCondLst>
+                                    <p:cond delay="0"/>
+                                  </p:stCondLst>
+                                  <p:childTnLst>
+                                    <p:cmd type="call" cmd="playFrom(0.0)">
+                                      <p:cBhvr>
+                                        <p:cTn id="10" dur="1416" fill="hold"/>
+                                        <p:tgtEl>
+                                          <p:spTgt spid="9"/>
+                                        </p:tgtEl>
+                                      </p:cBhvr>
+                                    </p:cmd>
+                                  </p:childTnLst>
+                                </p:cTn>
+                              </p:par>
+                            </p:childTnLst>
+                          </p:cTn>
+                        </p:par>
+                      </p:childTnLst>
+                    </p:cTn>
+                  </p:par>
+                  <p:par>
+                    <p:cTn id="11" fill="hold">
+                      <p:stCondLst>
+                        <p:cond delay="indefinite"/>
+                      </p:stCondLst>
+                      <p:childTnLst>
+                        <p:par>
+                          <p:cTn id="12" fill="hold">
+                            <p:stCondLst>
+                              <p:cond delay="0"/>
+                            </p:stCondLst>
+                            <p:childTnLst>
+                              <p:par>
+                                <p:cTn id="13" presetID="1" presetClass="mediacall" presetSubtype="0" fill="hold" nodeType="clickEffect">
+                                  <p:stCondLst>
+                                    <p:cond delay="0"/>
+                                  </p:stCondLst>
+                                  <p:childTnLst>
+                                    <p:cmd type="call" cmd="playFrom(0.0)">
+                                      <p:cBhvr>
+                                        <p:cTn id="14" dur="1344" fill="hold"/>
+                                        <p:tgtEl>
+                                          <p:spTgt spid="10"/>
+                                        </p:tgtEl>
+                                      </p:cBhvr>
+                                    </p:cmd>
+                                  </p:childTnLst>
+                                </p:cTn>
+                              </p:par>
+                            </p:childTnLst>
+                          </p:cTn>
+                        </p:par>
+                      </p:childTnLst>
+                    </p:cTn>
+                  </p:par>
+                  <p:par>
+                    <p:cTn id="15" fill="hold">
+                      <p:stCondLst>
+                        <p:cond delay="indefinite"/>
+                      </p:stCondLst>
+                      <p:childTnLst>
+                        <p:par>
+                          <p:cTn id="16" fill="hold">
+                            <p:stCondLst>
+                              <p:cond delay="0"/>
+                            </p:stCondLst>
+                            <p:childTnLst>
+                              <p:par>
+                                <p:cTn id="17" presetID="1" presetClass="mediacall" presetSubtype="0" fill="hold" nodeType="clickEffect">
+                                  <p:stCondLst>
+                                    <p:cond delay="0"/>
+                                  </p:stCondLst>
+                                  <p:childTnLst>
+                                    <p:cmd type="call" cmd="playFrom(0.0)">
+                                      <p:cBhvr>
+                                        <p:cTn id="18" dur="1376" fill="hold"/>
+                                        <p:tgtEl>
+                                          <p:spTgt spid="11"/>
+                                        </p:tgtEl>
+                                      </p:cBhvr>
+                                    </p:cmd>
+                                  </p:childTnLst>
+                                </p:cTn>
+                              </p:par>
+                            </p:childTnLst>
+                          </p:cTn>
+                        </p:par>
+                      </p:childTnLst>
+                    </p:cTn>
+                  </p:par>
+                </p:childTnLst>
+              </p:cTn>
+              <p:prevCondLst>
+                <p:cond evt="onPrev" delay="0">
+                  <p:tgtEl>
+                    <p:sldTgt/>
+                  </p:tgtEl>
+                </p:cond>
+              </p:prevCondLst>
+              <p:nextCondLst>
+                <p:cond evt="onNext" delay="0">
+                  <p:tgtEl>
+                    <p:sldTgt/>
+                  </p:tgtEl>
+                </p:cond>
+              </p:nextCondLst>
+            </p:seq>
+            <p:audio>
+              <p:cMediaNode vol="80000">
+                <p:cTn id="19" fill="hold" display="0">
+                  <p:stCondLst>
+                    <p:cond delay="indefinite"/>
+                  </p:stCondLst>
+                  <p:endCondLst>
+                    <p:cond evt="onStopAudio" delay="0">
+                      <p:tgtEl>
+                        <p:sldTgt/>
+                      </p:tgtEl>
+                    </p:cond>
+                  </p:endCondLst>
+                </p:cTn>
+                <p:tgtEl>
+                  <p:spTgt spid="8"/>
+                </p:tgtEl>
+              </p:cMediaNode>
+            </p:audio>
+            <p:audio>
+              <p:cMediaNode vol="80000">
+                <p:cTn id="20" fill="hold" display="0">
+                  <p:stCondLst>
+                    <p:cond delay="indefinite"/>
+                  </p:stCondLst>
+                  <p:endCondLst>
+                    <p:cond evt="onStopAudio" delay="0">
+                      <p:tgtEl>
+                        <p:sldTgt/>
+                      </p:tgtEl>
+                    </p:cond>
+                  </p:endCondLst>
+                </p:cTn>
+                <p:tgtEl>
+                  <p:spTgt spid="9"/>
+                </p:tgtEl>
+              </p:cMediaNode>
+            </p:audio>
+            <p:audio>
+              <p:cMediaNode vol="80000">
+                <p:cTn id="21" fill="hold" display="0">
+                  <p:stCondLst>
+                    <p:cond delay="indefinite"/>
+                  </p:stCondLst>
+                  <p:endCondLst>
+                    <p:cond evt="onStopAudio" delay="0">
+                      <p:tgtEl>
+                        <p:sldTgt/>
+                      </p:tgtEl>
+                    </p:cond>
+                  </p:endCondLst>
+                </p:cTn>
+                <p:tgtEl>
+                  <p:spTgt spid="10"/>
+                </p:tgtEl>
+              </p:cMediaNode>
+            </p:audio>
+            <p:audio>
+              <p:cMediaNode vol="80000">
+                <p:cTn id="22" fill="hold" display="0">
+                  <p:stCondLst>
+                    <p:cond delay="indefinite"/>
+                  </p:stCondLst>
+                  <p:endCondLst>
+                    <p:cond evt="onStopAudio" delay="0">
+                      <p:tgtEl>
+                        <p:sldTgt/>
+                      </p:tgtEl>
+                    </p:cond>
+                  </p:endCondLst>
+                </p:cTn>
+                <p:tgtEl>
+                  <p:spTgt spid="11"/>
+                </p:tgtEl>
+              </p:cMediaNode>
+            </p:audio>
+          </p:childTnLst>
+        </p:cTn>
+      </p:par>
+    </p:tnLst>
+  </p:timing>
 </p:sld>
 </file>
 
@@ -5195,7 +10089,7 @@
         <p:spPr>
           <a:xfrm>
             <a:off x="852298" y="1120596"/>
-            <a:ext cx="2646878" cy="584775"/>
+            <a:ext cx="5209055" cy="584775"/>
           </a:xfrm>
           <a:prstGeom prst="rect">
             <a:avLst/>
@@ -5208,11 +10102,18 @@
           <a:lstStyle/>
           <a:p>
             <a:r>
+              <a:rPr lang="en-US" altLang="zh-CN" sz="3200" b="1" dirty="0">
+                <a:latin typeface="微软雅黑" panose="020B0503020204020204" pitchFamily="34" charset="-122"/>
+                <a:ea typeface="微软雅黑" panose="020B0503020204020204" pitchFamily="34" charset="-122"/>
+              </a:rPr>
+              <a:t>TSM——WSOLA</a:t>
+            </a:r>
+            <a:r>
               <a:rPr lang="zh-CN" altLang="en-US" sz="3200" b="1" dirty="0">
                 <a:latin typeface="微软雅黑" panose="020B0503020204020204" pitchFamily="34" charset="-122"/>
                 <a:ea typeface="微软雅黑" panose="020B0503020204020204" pitchFamily="34" charset="-122"/>
               </a:rPr>
-              <a:t>慢速增音探究</a:t>
+              <a:t>细节观察</a:t>
             </a:r>
           </a:p>
         </p:txBody>
@@ -5232,7 +10133,7 @@
         <p:spPr>
           <a:xfrm>
             <a:off x="852297" y="1705371"/>
-            <a:ext cx="10870780" cy="510524"/>
+            <a:ext cx="10870780" cy="1002967"/>
           </a:xfrm>
           <a:prstGeom prst="rect">
             <a:avLst/>
@@ -5252,12 +10153,20 @@
               <a:buChar char="p"/>
             </a:pPr>
             <a:r>
+              <a:rPr lang="en-US" altLang="zh-CN" sz="1600" dirty="0">
+                <a:latin typeface="微软雅黑" panose="020B0503020204020204" pitchFamily="34" charset="-122"/>
+                <a:ea typeface="微软雅黑" panose="020B0503020204020204" pitchFamily="34" charset="-122"/>
+                <a:sym typeface="Wingdings" panose="05000000000000000000" pitchFamily="2" charset="2"/>
+              </a:rPr>
+              <a:t>Frame</a:t>
+            </a:r>
+            <a:r>
               <a:rPr lang="zh-CN" altLang="en-US" sz="1600" dirty="0">
                 <a:latin typeface="微软雅黑" panose="020B0503020204020204" pitchFamily="34" charset="-122"/>
                 <a:ea typeface="微软雅黑" panose="020B0503020204020204" pitchFamily="34" charset="-122"/>
                 <a:sym typeface="Wingdings" panose="05000000000000000000" pitchFamily="2" charset="2"/>
               </a:rPr>
-              <a:t>慢速不一定有增音</a:t>
+              <a:t>中空隙平滑明显</a:t>
             </a:r>
             <a:endParaRPr lang="en-US" altLang="zh-CN" sz="1600" dirty="0">
               <a:latin typeface="微软雅黑" panose="020B0503020204020204" pitchFamily="34" charset="-122"/>
@@ -5265,12 +10174,72 @@
               <a:sym typeface="Wingdings" panose="05000000000000000000" pitchFamily="2" charset="2"/>
             </a:endParaRPr>
           </a:p>
-        </p:txBody>
-      </p:sp>
+          <a:p>
+            <a:pPr marL="285750" indent="-285750">
+              <a:lnSpc>
+                <a:spcPct val="200000"/>
+              </a:lnSpc>
+              <a:buFont typeface="Wingdings" panose="05000000000000000000" pitchFamily="2" charset="2"/>
+              <a:buChar char="p"/>
+            </a:pPr>
+            <a:r>
+              <a:rPr lang="en-US" altLang="zh-CN" sz="1600" dirty="0">
+                <a:latin typeface="微软雅黑" panose="020B0503020204020204" pitchFamily="34" charset="-122"/>
+                <a:ea typeface="微软雅黑" panose="020B0503020204020204" pitchFamily="34" charset="-122"/>
+                <a:sym typeface="Wingdings" panose="05000000000000000000" pitchFamily="2" charset="2"/>
+              </a:rPr>
+              <a:t>Take a</a:t>
+            </a:r>
+            <a:r>
+              <a:rPr lang="zh-CN" altLang="en-US" sz="1600" dirty="0">
+                <a:latin typeface="微软雅黑" panose="020B0503020204020204" pitchFamily="34" charset="-122"/>
+                <a:ea typeface="微软雅黑" panose="020B0503020204020204" pitchFamily="34" charset="-122"/>
+                <a:sym typeface="Wingdings" panose="05000000000000000000" pitchFamily="2" charset="2"/>
+              </a:rPr>
+              <a:t>合并</a:t>
+            </a:r>
+            <a:endParaRPr lang="en-US" altLang="zh-CN" sz="1600" dirty="0">
+              <a:latin typeface="微软雅黑" panose="020B0503020204020204" pitchFamily="34" charset="-122"/>
+              <a:ea typeface="微软雅黑" panose="020B0503020204020204" pitchFamily="34" charset="-122"/>
+              <a:sym typeface="Wingdings" panose="05000000000000000000" pitchFamily="2" charset="2"/>
+            </a:endParaRPr>
+          </a:p>
+        </p:txBody>
+      </p:sp>
+      <p:pic>
+        <p:nvPicPr>
+          <p:cNvPr id="4" name="图片 3">
+            <a:extLst>
+              <a:ext uri="{FF2B5EF4-FFF2-40B4-BE49-F238E27FC236}">
+                <a16:creationId xmlns:a16="http://schemas.microsoft.com/office/drawing/2014/main" id="{48CB71F1-EA5B-4F43-B219-EBFB5916A3B3}"/>
+              </a:ext>
+            </a:extLst>
+          </p:cNvPr>
+          <p:cNvPicPr>
+            <a:picLocks noChangeAspect="1"/>
+          </p:cNvPicPr>
+          <p:nvPr/>
+        </p:nvPicPr>
+        <p:blipFill>
+          <a:blip r:embed="rId3"/>
+          <a:stretch>
+            <a:fillRect/>
+          </a:stretch>
+        </p:blipFill>
+        <p:spPr>
+          <a:xfrm>
+            <a:off x="3779227" y="1960633"/>
+            <a:ext cx="7943850" cy="3933825"/>
+          </a:xfrm>
+          <a:prstGeom prst="rect">
+            <a:avLst/>
+          </a:prstGeom>
+        </p:spPr>
+      </p:pic>
     </p:spTree>
     <p:extLst>
       <p:ext uri="{BB962C8B-B14F-4D97-AF65-F5344CB8AC3E}">
-        <p14:creationId xmlns:p14="http://schemas.microsoft.com/office/powerpoint/2010/main" val="4226513089"/>
+        <p14:creationId xmlns:p14="http://schemas.microsoft.com/office/powerpoint/2010/main" val="2446397431"/>
       </p:ext>
     </p:extLst>
   </p:cSld>
@@ -5312,7 +10281,7 @@
         <p:spPr>
           <a:xfrm>
             <a:off x="852298" y="1120596"/>
-            <a:ext cx="3700052" cy="584775"/>
+            <a:ext cx="7531164" cy="584775"/>
           </a:xfrm>
           <a:prstGeom prst="rect">
             <a:avLst/>
@@ -5329,14 +10298,42 @@
                 <a:latin typeface="微软雅黑" panose="020B0503020204020204" pitchFamily="34" charset="-122"/>
                 <a:ea typeface="微软雅黑" panose="020B0503020204020204" pitchFamily="34" charset="-122"/>
               </a:rPr>
-              <a:t>Deletion </a:t>
+              <a:t>TSM——OLA</a:t>
             </a:r>
             <a:r>
               <a:rPr lang="zh-CN" altLang="en-US" sz="3200" b="1" dirty="0">
                 <a:latin typeface="微软雅黑" panose="020B0503020204020204" pitchFamily="34" charset="-122"/>
                 <a:ea typeface="微软雅黑" panose="020B0503020204020204" pitchFamily="34" charset="-122"/>
               </a:rPr>
-              <a:t>序列研究</a:t>
+              <a:t>与</a:t>
+            </a:r>
+            <a:r>
+              <a:rPr lang="en-US" altLang="zh-CN" sz="3200" b="1" dirty="0">
+                <a:latin typeface="微软雅黑" panose="020B0503020204020204" pitchFamily="34" charset="-122"/>
+                <a:ea typeface="微软雅黑" panose="020B0503020204020204" pitchFamily="34" charset="-122"/>
+              </a:rPr>
+              <a:t>WSOLA</a:t>
+            </a:r>
+            <a:r>
+              <a:rPr lang="zh-CN" altLang="en-US" sz="3200" b="1" dirty="0">
+                <a:latin typeface="微软雅黑" panose="020B0503020204020204" pitchFamily="34" charset="-122"/>
+                <a:ea typeface="微软雅黑" panose="020B0503020204020204" pitchFamily="34" charset="-122"/>
+              </a:rPr>
+              <a:t>的</a:t>
+            </a:r>
+            <a:r>
+              <a:rPr lang="en-US" altLang="zh-CN" sz="3200" b="1" dirty="0">
+                <a:latin typeface="微软雅黑" panose="020B0503020204020204" pitchFamily="34" charset="-122"/>
+                <a:ea typeface="微软雅黑" panose="020B0503020204020204" pitchFamily="34" charset="-122"/>
+              </a:rPr>
+              <a:t>AU</a:t>
+            </a:r>
+            <a:r>
+              <a:rPr lang="zh-CN" altLang="en-US" sz="3200" b="1" dirty="0">
+                <a:latin typeface="微软雅黑" panose="020B0503020204020204" pitchFamily="34" charset="-122"/>
+                <a:ea typeface="微软雅黑" panose="020B0503020204020204" pitchFamily="34" charset="-122"/>
+              </a:rPr>
+              <a:t>结果对比</a:t>
             </a:r>
           </a:p>
         </p:txBody>
@@ -5356,7 +10353,7 @@
         <p:spPr>
           <a:xfrm>
             <a:off x="852297" y="1705371"/>
-            <a:ext cx="10870780" cy="510524"/>
+            <a:ext cx="10870780" cy="2972737"/>
           </a:xfrm>
           <a:prstGeom prst="rect">
             <a:avLst/>
@@ -5376,12 +10373,88 @@
               <a:buChar char="p"/>
             </a:pPr>
             <a:r>
+              <a:rPr lang="en-US" altLang="zh-CN" sz="1600" dirty="0">
+                <a:latin typeface="微软雅黑" panose="020B0503020204020204" pitchFamily="34" charset="-122"/>
+                <a:ea typeface="微软雅黑" panose="020B0503020204020204" pitchFamily="34" charset="-122"/>
+                <a:sym typeface="Wingdings" panose="05000000000000000000" pitchFamily="2" charset="2"/>
+              </a:rPr>
+              <a:t>I want to take a picture</a:t>
+            </a:r>
+          </a:p>
+          <a:p>
+            <a:pPr marL="285750" indent="-285750">
+              <a:lnSpc>
+                <a:spcPct val="200000"/>
+              </a:lnSpc>
+              <a:buFont typeface="Wingdings" panose="05000000000000000000" pitchFamily="2" charset="2"/>
+              <a:buChar char="p"/>
+            </a:pPr>
+            <a:r>
+              <a:rPr lang="en-US" altLang="zh-CN" sz="1600" dirty="0">
+                <a:latin typeface="微软雅黑" panose="020B0503020204020204" pitchFamily="34" charset="-122"/>
+                <a:ea typeface="微软雅黑" panose="020B0503020204020204" pitchFamily="34" charset="-122"/>
+                <a:sym typeface="Wingdings" panose="05000000000000000000" pitchFamily="2" charset="2"/>
+              </a:rPr>
+              <a:t>1.5 1.25 1.5</a:t>
+            </a:r>
+          </a:p>
+          <a:p>
+            <a:pPr marL="285750" indent="-285750">
+              <a:lnSpc>
+                <a:spcPct val="200000"/>
+              </a:lnSpc>
+              <a:buFont typeface="Wingdings" panose="05000000000000000000" pitchFamily="2" charset="2"/>
+              <a:buChar char="p"/>
+            </a:pPr>
+            <a:r>
+              <a:rPr lang="en-US" altLang="zh-CN" sz="1600" dirty="0">
+                <a:latin typeface="微软雅黑" panose="020B0503020204020204" pitchFamily="34" charset="-122"/>
+                <a:ea typeface="微软雅黑" panose="020B0503020204020204" pitchFamily="34" charset="-122"/>
+                <a:sym typeface="Wingdings" panose="05000000000000000000" pitchFamily="2" charset="2"/>
+              </a:rPr>
+              <a:t>OLA</a:t>
+            </a:r>
+          </a:p>
+          <a:p>
+            <a:pPr marL="285750" indent="-285750">
+              <a:lnSpc>
+                <a:spcPct val="200000"/>
+              </a:lnSpc>
+              <a:buFont typeface="Wingdings" panose="05000000000000000000" pitchFamily="2" charset="2"/>
+              <a:buChar char="p"/>
+            </a:pPr>
+            <a:r>
+              <a:rPr lang="en-US" altLang="zh-CN" sz="1600" dirty="0">
+                <a:latin typeface="微软雅黑" panose="020B0503020204020204" pitchFamily="34" charset="-122"/>
+                <a:ea typeface="微软雅黑" panose="020B0503020204020204" pitchFamily="34" charset="-122"/>
+                <a:sym typeface="Wingdings" panose="05000000000000000000" pitchFamily="2" charset="2"/>
+              </a:rPr>
+              <a:t>WSOLA</a:t>
+            </a:r>
+          </a:p>
+          <a:p>
+            <a:pPr marL="285750" indent="-285750">
+              <a:lnSpc>
+                <a:spcPct val="200000"/>
+              </a:lnSpc>
+              <a:buFont typeface="Wingdings" panose="05000000000000000000" pitchFamily="2" charset="2"/>
+              <a:buChar char="p"/>
+            </a:pPr>
+            <a:r>
+              <a:rPr lang="en-US" altLang="zh-CN" sz="1600" dirty="0">
+                <a:latin typeface="微软雅黑" panose="020B0503020204020204" pitchFamily="34" charset="-122"/>
+                <a:ea typeface="微软雅黑" panose="020B0503020204020204" pitchFamily="34" charset="-122"/>
+                <a:sym typeface="Wingdings" panose="05000000000000000000" pitchFamily="2" charset="2"/>
+              </a:rPr>
+              <a:t>【OLA】</a:t>
+            </a:r>
+            <a:r>
               <a:rPr lang="zh-CN" altLang="en-US" sz="1600" dirty="0">
                 <a:latin typeface="微软雅黑" panose="020B0503020204020204" pitchFamily="34" charset="-122"/>
                 <a:ea typeface="微软雅黑" panose="020B0503020204020204" pitchFamily="34" charset="-122"/>
                 <a:sym typeface="Wingdings" panose="05000000000000000000" pitchFamily="2" charset="2"/>
               </a:rPr>
-              <a:t>等待填充</a:t>
+              <a:t>有噪声但是关键部分还在</a:t>
             </a:r>
             <a:endParaRPr lang="en-US" altLang="zh-CN" sz="1600" dirty="0">
               <a:latin typeface="微软雅黑" panose="020B0503020204020204" pitchFamily="34" charset="-122"/>
@@ -5389,18 +10462,292 @@
               <a:sym typeface="Wingdings" panose="05000000000000000000" pitchFamily="2" charset="2"/>
             </a:endParaRPr>
           </a:p>
-        </p:txBody>
-      </p:sp>
+          <a:p>
+            <a:pPr marL="285750" indent="-285750">
+              <a:lnSpc>
+                <a:spcPct val="200000"/>
+              </a:lnSpc>
+              <a:buFont typeface="Wingdings" panose="05000000000000000000" pitchFamily="2" charset="2"/>
+              <a:buChar char="p"/>
+            </a:pPr>
+            <a:r>
+              <a:rPr lang="en-US" altLang="zh-CN" sz="1600" dirty="0">
+                <a:latin typeface="微软雅黑" panose="020B0503020204020204" pitchFamily="34" charset="-122"/>
+                <a:ea typeface="微软雅黑" panose="020B0503020204020204" pitchFamily="34" charset="-122"/>
+                <a:sym typeface="Wingdings" panose="05000000000000000000" pitchFamily="2" charset="2"/>
+              </a:rPr>
+              <a:t>【WSOLA】</a:t>
+            </a:r>
+            <a:r>
+              <a:rPr lang="zh-CN" altLang="en-US" sz="1600" dirty="0">
+                <a:latin typeface="微软雅黑" panose="020B0503020204020204" pitchFamily="34" charset="-122"/>
+                <a:ea typeface="微软雅黑" panose="020B0503020204020204" pitchFamily="34" charset="-122"/>
+                <a:sym typeface="Wingdings" panose="05000000000000000000" pitchFamily="2" charset="2"/>
+              </a:rPr>
+              <a:t>虽然听上去平滑但是少内容</a:t>
+            </a:r>
+            <a:endParaRPr lang="en-US" altLang="zh-CN" sz="1600" dirty="0">
+              <a:latin typeface="微软雅黑" panose="020B0503020204020204" pitchFamily="34" charset="-122"/>
+              <a:ea typeface="微软雅黑" panose="020B0503020204020204" pitchFamily="34" charset="-122"/>
+              <a:sym typeface="Wingdings" panose="05000000000000000000" pitchFamily="2" charset="2"/>
+            </a:endParaRPr>
+          </a:p>
+        </p:txBody>
+      </p:sp>
+      <p:pic>
+        <p:nvPicPr>
+          <p:cNvPr id="2" name="图片 1">
+            <a:extLst>
+              <a:ext uri="{FF2B5EF4-FFF2-40B4-BE49-F238E27FC236}">
+                <a16:creationId xmlns:a16="http://schemas.microsoft.com/office/drawing/2014/main" id="{C70A30AF-F56F-428A-8239-E32010D22D99}"/>
+              </a:ext>
+            </a:extLst>
+          </p:cNvPr>
+          <p:cNvPicPr>
+            <a:picLocks noChangeAspect="1"/>
+          </p:cNvPicPr>
+          <p:nvPr/>
+        </p:nvPicPr>
+        <p:blipFill>
+          <a:blip r:embed="rId7"/>
+          <a:stretch>
+            <a:fillRect/>
+          </a:stretch>
+        </p:blipFill>
+        <p:spPr>
+          <a:xfrm>
+            <a:off x="4840062" y="1822528"/>
+            <a:ext cx="7181773" cy="3914876"/>
+          </a:xfrm>
+          <a:prstGeom prst="rect">
+            <a:avLst/>
+          </a:prstGeom>
+        </p:spPr>
+      </p:pic>
+      <p:pic>
+        <p:nvPicPr>
+          <p:cNvPr id="4" name="1.5_1.25_1.5_ola_go_take_a_picture">
+            <a:hlinkClick r:id="" action="ppaction://media"/>
+            <a:extLst>
+              <a:ext uri="{FF2B5EF4-FFF2-40B4-BE49-F238E27FC236}">
+                <a16:creationId xmlns:a16="http://schemas.microsoft.com/office/drawing/2014/main" id="{FF884E4D-D456-4CB1-9AC9-DCBE83A28BC4}"/>
+              </a:ext>
+            </a:extLst>
+          </p:cNvPr>
+          <p:cNvPicPr>
+            <a:picLocks noChangeAspect="1"/>
+          </p:cNvPicPr>
+          <p:nvPr>
+            <a:audioFile r:link="rId2"/>
+            <p:extLst>
+              <p:ext uri="{DAA4B4D4-6D71-4841-9C94-3DE7FCFB9230}">
+                <p14:media xmlns:p14="http://schemas.microsoft.com/office/powerpoint/2010/main" r:embed="rId1"/>
+              </p:ext>
+            </p:extLst>
+          </p:nvPr>
+        </p:nvPicPr>
+        <p:blipFill>
+          <a:blip r:embed="rId8"/>
+          <a:stretch>
+            <a:fillRect/>
+          </a:stretch>
+        </p:blipFill>
+        <p:spPr>
+          <a:xfrm>
+            <a:off x="1179041" y="5167089"/>
+            <a:ext cx="609600" cy="609600"/>
+          </a:xfrm>
+          <a:prstGeom prst="rect">
+            <a:avLst/>
+          </a:prstGeom>
+        </p:spPr>
+      </p:pic>
+      <p:pic>
+        <p:nvPicPr>
+          <p:cNvPr id="5" name="1.5_1.25_1.5_wsola_take">
+            <a:hlinkClick r:id="" action="ppaction://media"/>
+            <a:extLst>
+              <a:ext uri="{FF2B5EF4-FFF2-40B4-BE49-F238E27FC236}">
+                <a16:creationId xmlns:a16="http://schemas.microsoft.com/office/drawing/2014/main" id="{9BD1E15C-C884-4363-92D7-3751D62512FC}"/>
+              </a:ext>
+            </a:extLst>
+          </p:cNvPr>
+          <p:cNvPicPr>
+            <a:picLocks noChangeAspect="1"/>
+          </p:cNvPicPr>
+          <p:nvPr>
+            <a:audioFile r:link="rId4"/>
+            <p:extLst>
+              <p:ext uri="{DAA4B4D4-6D71-4841-9C94-3DE7FCFB9230}">
+                <p14:media xmlns:p14="http://schemas.microsoft.com/office/powerpoint/2010/main" r:embed="rId3"/>
+              </p:ext>
+            </p:extLst>
+          </p:nvPr>
+        </p:nvPicPr>
+        <p:blipFill>
+          <a:blip r:embed="rId8"/>
+          <a:stretch>
+            <a:fillRect/>
+          </a:stretch>
+        </p:blipFill>
+        <p:spPr>
+          <a:xfrm>
+            <a:off x="2399951" y="5167089"/>
+            <a:ext cx="609600" cy="609600"/>
+          </a:xfrm>
+          <a:prstGeom prst="rect">
+            <a:avLst/>
+          </a:prstGeom>
+        </p:spPr>
+      </p:pic>
     </p:spTree>
     <p:extLst>
       <p:ext uri="{BB962C8B-B14F-4D97-AF65-F5344CB8AC3E}">
-        <p14:creationId xmlns:p14="http://schemas.microsoft.com/office/powerpoint/2010/main" val="3607769104"/>
+        <p14:creationId xmlns:p14="http://schemas.microsoft.com/office/powerpoint/2010/main" val="273214726"/>
       </p:ext>
     </p:extLst>
   </p:cSld>
   <p:clrMapOvr>
     <a:masterClrMapping/>
   </p:clrMapOvr>
+  <p:timing>
+    <p:tnLst>
+      <p:par>
+        <p:cTn id="1" dur="indefinite" restart="never" nodeType="tmRoot">
+          <p:childTnLst>
+            <p:seq concurrent="1" nextAc="seek">
+              <p:cTn id="2" dur="indefinite" nodeType="mainSeq">
+                <p:childTnLst>
+                  <p:par>
+                    <p:cTn id="3" fill="hold">
+                      <p:stCondLst>
+                        <p:cond delay="indefinite"/>
+                      </p:stCondLst>
+                      <p:childTnLst>
+                        <p:par>
+                          <p:cTn id="4" fill="hold">
+                            <p:stCondLst>
+                              <p:cond delay="0"/>
+                            </p:stCondLst>
+                            <p:childTnLst>
+                              <p:par>
+                                <p:cTn id="5" presetID="1" presetClass="mediacall" presetSubtype="0" fill="hold" nodeType="clickEffect">
+                                  <p:stCondLst>
+                                    <p:cond delay="0"/>
+                                  </p:stCondLst>
+                                  <p:childTnLst>
+                                    <p:cmd type="call" cmd="playFrom(0.0)">
+                                      <p:cBhvr>
+                                        <p:cTn id="6" dur="1584" fill="hold"/>
+                                        <p:tgtEl>
+                                          <p:spTgt spid="4"/>
+                                        </p:tgtEl>
+                                      </p:cBhvr>
+                                    </p:cmd>
+                                  </p:childTnLst>
+                                </p:cTn>
+                              </p:par>
+                            </p:childTnLst>
+                          </p:cTn>
+                        </p:par>
+                      </p:childTnLst>
+                    </p:cTn>
+                  </p:par>
+                  <p:par>
+                    <p:cTn id="7" fill="hold">
+                      <p:stCondLst>
+                        <p:cond delay="indefinite"/>
+                      </p:stCondLst>
+                      <p:childTnLst>
+                        <p:par>
+                          <p:cTn id="8" fill="hold">
+                            <p:stCondLst>
+                              <p:cond delay="0"/>
+                            </p:stCondLst>
+                            <p:childTnLst>
+                              <p:par>
+                                <p:cTn id="9" presetID="1" presetClass="mediacall" presetSubtype="0" fill="hold" nodeType="clickEffect">
+                                  <p:stCondLst>
+                                    <p:cond delay="0"/>
+                                  </p:stCondLst>
+                                  <p:childTnLst>
+                                    <p:cmd type="call" cmd="playFrom(0.0)">
+                                      <p:cBhvr>
+                                        <p:cTn id="10" dur="1152" fill="hold"/>
+                                        <p:tgtEl>
+                                          <p:spTgt spid="5"/>
+                                        </p:tgtEl>
+                                      </p:cBhvr>
+                                    </p:cmd>
+                                  </p:childTnLst>
+                                </p:cTn>
+                              </p:par>
+                            </p:childTnLst>
+                          </p:cTn>
+                        </p:par>
+                      </p:childTnLst>
+                    </p:cTn>
+                  </p:par>
+                </p:childTnLst>
+              </p:cTn>
+              <p:prevCondLst>
+                <p:cond evt="onPrev" delay="0">
+                  <p:tgtEl>
+                    <p:sldTgt/>
+                  </p:tgtEl>
+                </p:cond>
+              </p:prevCondLst>
+              <p:nextCondLst>
+                <p:cond evt="onNext" delay="0">
+                  <p:tgtEl>
+                    <p:sldTgt/>
+                  </p:tgtEl>
+                </p:cond>
+              </p:nextCondLst>
+            </p:seq>
+            <p:audio>
+              <p:cMediaNode vol="80000">
+                <p:cTn id="11" fill="hold" display="0">
+                  <p:stCondLst>
+                    <p:cond delay="indefinite"/>
+                  </p:stCondLst>
+                  <p:endCondLst>
+                    <p:cond evt="onStopAudio" delay="0">
+                      <p:tgtEl>
+                        <p:sldTgt/>
+                      </p:tgtEl>
+                    </p:cond>
+                  </p:endCondLst>
+                </p:cTn>
+                <p:tgtEl>
+                  <p:spTgt spid="4"/>
+                </p:tgtEl>
+              </p:cMediaNode>
+            </p:audio>
+            <p:audio>
+              <p:cMediaNode vol="80000">
+                <p:cTn id="12" fill="hold" display="0">
+                  <p:stCondLst>
+                    <p:cond delay="indefinite"/>
+                  </p:stCondLst>
+                  <p:endCondLst>
+                    <p:cond evt="onStopAudio" delay="0">
+                      <p:tgtEl>
+                        <p:sldTgt/>
+                      </p:tgtEl>
+                    </p:cond>
+                  </p:endCondLst>
+                </p:cTn>
+                <p:tgtEl>
+                  <p:spTgt spid="5"/>
+                </p:tgtEl>
+              </p:cMediaNode>
+            </p:audio>
+          </p:childTnLst>
+        </p:cTn>
+      </p:par>
+    </p:tnLst>
+  </p:timing>
 </p:sld>
 </file>
 
@@ -5436,7 +10783,7 @@
         <p:spPr>
           <a:xfrm>
             <a:off x="852298" y="1120596"/>
-            <a:ext cx="2236510" cy="584775"/>
+            <a:ext cx="9807237" cy="584775"/>
           </a:xfrm>
           <a:prstGeom prst="rect">
             <a:avLst/>
@@ -5449,11 +10796,32 @@
           <a:lstStyle/>
           <a:p>
             <a:r>
+              <a:rPr lang="en-US" altLang="zh-CN" sz="3200" b="1" dirty="0">
+                <a:latin typeface="微软雅黑" panose="020B0503020204020204" pitchFamily="34" charset="-122"/>
+                <a:ea typeface="微软雅黑" panose="020B0503020204020204" pitchFamily="34" charset="-122"/>
+              </a:rPr>
+              <a:t>TSM——WSOLA</a:t>
+            </a:r>
+            <a:r>
               <a:rPr lang="zh-CN" altLang="en-US" sz="3200" b="1" dirty="0">
                 <a:latin typeface="微软雅黑" panose="020B0503020204020204" pitchFamily="34" charset="-122"/>
                 <a:ea typeface="微软雅黑" panose="020B0503020204020204" pitchFamily="34" charset="-122"/>
               </a:rPr>
-              <a:t>降版本发现</a:t>
+              <a:t>中基于</a:t>
+            </a:r>
+            <a:r>
+              <a:rPr lang="en-US" altLang="zh-CN" sz="3200" b="1" dirty="0">
+                <a:latin typeface="微软雅黑" panose="020B0503020204020204" pitchFamily="34" charset="-122"/>
+                <a:ea typeface="微软雅黑" panose="020B0503020204020204" pitchFamily="34" charset="-122"/>
+              </a:rPr>
+              <a:t>VAD</a:t>
+            </a:r>
+            <a:r>
+              <a:rPr lang="zh-CN" altLang="en-US" sz="3200" b="1" dirty="0">
+                <a:latin typeface="微软雅黑" panose="020B0503020204020204" pitchFamily="34" charset="-122"/>
+                <a:ea typeface="微软雅黑" panose="020B0503020204020204" pitchFamily="34" charset="-122"/>
+              </a:rPr>
+              <a:t>间隔速度变化对照实验</a:t>
             </a:r>
           </a:p>
         </p:txBody>
@@ -5473,7 +10841,7 @@
         <p:spPr>
           <a:xfrm>
             <a:off x="852297" y="1705371"/>
-            <a:ext cx="10870780" cy="510524"/>
+            <a:ext cx="10870780" cy="1002967"/>
           </a:xfrm>
           <a:prstGeom prst="rect">
             <a:avLst/>
@@ -5493,31 +10861,893 @@
               <a:buChar char="p"/>
             </a:pPr>
             <a:r>
-              <a:rPr lang="en-US" altLang="zh-CN" sz="1600" dirty="0" err="1">
+              <a:rPr lang="en-US" altLang="zh-CN" sz="1600" dirty="0">
                 <a:latin typeface="微软雅黑" panose="020B0503020204020204" pitchFamily="34" charset="-122"/>
                 <a:ea typeface="微软雅黑" panose="020B0503020204020204" pitchFamily="34" charset="-122"/>
                 <a:sym typeface="Wingdings" panose="05000000000000000000" pitchFamily="2" charset="2"/>
               </a:rPr>
-              <a:t>xxxx</a:t>
-            </a:r>
-            <a:endParaRPr lang="en-US" altLang="zh-CN" sz="1600" dirty="0">
-              <a:latin typeface="微软雅黑" panose="020B0503020204020204" pitchFamily="34" charset="-122"/>
-              <a:ea typeface="微软雅黑" panose="020B0503020204020204" pitchFamily="34" charset="-122"/>
-              <a:sym typeface="Wingdings" panose="05000000000000000000" pitchFamily="2" charset="2"/>
-            </a:endParaRPr>
+              <a:t>I want to take a picture</a:t>
+            </a:r>
+          </a:p>
+          <a:p>
+            <a:pPr marL="285750" indent="-285750">
+              <a:lnSpc>
+                <a:spcPct val="200000"/>
+              </a:lnSpc>
+              <a:buFont typeface="Wingdings" panose="05000000000000000000" pitchFamily="2" charset="2"/>
+              <a:buChar char="p"/>
+            </a:pPr>
+            <a:r>
+              <a:rPr lang="en-US" altLang="zh-CN" sz="1600" dirty="0">
+                <a:latin typeface="微软雅黑" panose="020B0503020204020204" pitchFamily="34" charset="-122"/>
+                <a:ea typeface="微软雅黑" panose="020B0503020204020204" pitchFamily="34" charset="-122"/>
+                <a:sym typeface="Wingdings" panose="05000000000000000000" pitchFamily="2" charset="2"/>
+              </a:rPr>
+              <a:t>WSOLA</a:t>
+            </a:r>
+          </a:p>
+        </p:txBody>
+      </p:sp>
+      <p:pic>
+        <p:nvPicPr>
+          <p:cNvPr id="3" name="1_1.25_1.5_wsola_okay_google_take_extra">
+            <a:hlinkClick r:id="" action="ppaction://media"/>
+            <a:extLst>
+              <a:ext uri="{FF2B5EF4-FFF2-40B4-BE49-F238E27FC236}">
+                <a16:creationId xmlns:a16="http://schemas.microsoft.com/office/drawing/2014/main" id="{93702073-5021-48EB-AACD-9C96070CCE0B}"/>
+              </a:ext>
+            </a:extLst>
+          </p:cNvPr>
+          <p:cNvPicPr>
+            <a:picLocks noChangeAspect="1"/>
+          </p:cNvPicPr>
+          <p:nvPr>
+            <a:audioFile r:link="rId2"/>
+            <p:extLst>
+              <p:ext uri="{DAA4B4D4-6D71-4841-9C94-3DE7FCFB9230}">
+                <p14:media xmlns:p14="http://schemas.microsoft.com/office/powerpoint/2010/main" r:embed="rId1"/>
+              </p:ext>
+            </p:extLst>
+          </p:nvPr>
+        </p:nvPicPr>
+        <p:blipFill>
+          <a:blip r:embed="rId13"/>
+          <a:stretch>
+            <a:fillRect/>
+          </a:stretch>
+        </p:blipFill>
+        <p:spPr>
+          <a:xfrm>
+            <a:off x="1847470" y="5127804"/>
+            <a:ext cx="609600" cy="609600"/>
+          </a:xfrm>
+          <a:prstGeom prst="rect">
+            <a:avLst/>
+          </a:prstGeom>
+        </p:spPr>
+      </p:pic>
+      <p:sp>
+        <p:nvSpPr>
+          <p:cNvPr id="9" name="文本框 8">
+            <a:extLst>
+              <a:ext uri="{FF2B5EF4-FFF2-40B4-BE49-F238E27FC236}">
+                <a16:creationId xmlns:a16="http://schemas.microsoft.com/office/drawing/2014/main" id="{55851EF9-67F0-4FE6-B8E0-73425D6548B6}"/>
+              </a:ext>
+            </a:extLst>
+          </p:cNvPr>
+          <p:cNvSpPr txBox="1"/>
+          <p:nvPr/>
+        </p:nvSpPr>
+        <p:spPr>
+          <a:xfrm>
+            <a:off x="1535755" y="4609070"/>
+            <a:ext cx="1233030" cy="369332"/>
+          </a:xfrm>
+          <a:prstGeom prst="rect">
+            <a:avLst/>
+          </a:prstGeom>
+          <a:noFill/>
+        </p:spPr>
+        <p:txBody>
+          <a:bodyPr wrap="none" rtlCol="0">
+            <a:spAutoFit/>
+          </a:bodyPr>
+          <a:lstStyle/>
+          <a:p>
+            <a:r>
+              <a:rPr lang="en-US" altLang="zh-CN" dirty="0"/>
+              <a:t>1_1.25_1.5</a:t>
+            </a:r>
+            <a:endParaRPr lang="zh-CN" altLang="en-US" dirty="0"/>
+          </a:p>
+        </p:txBody>
+      </p:sp>
+      <p:sp>
+        <p:nvSpPr>
+          <p:cNvPr id="10" name="文本框 9">
+            <a:extLst>
+              <a:ext uri="{FF2B5EF4-FFF2-40B4-BE49-F238E27FC236}">
+                <a16:creationId xmlns:a16="http://schemas.microsoft.com/office/drawing/2014/main" id="{2110567A-F5F3-4F7C-95F4-13B83A3B2A6A}"/>
+              </a:ext>
+            </a:extLst>
+          </p:cNvPr>
+          <p:cNvSpPr txBox="1"/>
+          <p:nvPr/>
+        </p:nvSpPr>
+        <p:spPr>
+          <a:xfrm>
+            <a:off x="1303741" y="5886806"/>
+            <a:ext cx="2306657" cy="369332"/>
+          </a:xfrm>
+          <a:prstGeom prst="rect">
+            <a:avLst/>
+          </a:prstGeom>
+          <a:noFill/>
+        </p:spPr>
+        <p:txBody>
+          <a:bodyPr wrap="none" rtlCol="0">
+            <a:spAutoFit/>
+          </a:bodyPr>
+          <a:lstStyle/>
+          <a:p>
+            <a:r>
+              <a:rPr lang="en-US" altLang="zh-CN" dirty="0"/>
+              <a:t>Okay google take extra</a:t>
+            </a:r>
+            <a:endParaRPr lang="zh-CN" altLang="en-US" dirty="0"/>
+          </a:p>
+        </p:txBody>
+      </p:sp>
+      <p:pic>
+        <p:nvPicPr>
+          <p:cNvPr id="7" name="1_1.25_2_wsola_okay_google_take">
+            <a:hlinkClick r:id="" action="ppaction://media"/>
+            <a:extLst>
+              <a:ext uri="{FF2B5EF4-FFF2-40B4-BE49-F238E27FC236}">
+                <a16:creationId xmlns:a16="http://schemas.microsoft.com/office/drawing/2014/main" id="{9026D15B-5EDB-4053-9F4F-51398948849C}"/>
+              </a:ext>
+            </a:extLst>
+          </p:cNvPr>
+          <p:cNvPicPr>
+            <a:picLocks noChangeAspect="1"/>
+          </p:cNvPicPr>
+          <p:nvPr>
+            <a:audioFile r:link="rId4"/>
+            <p:extLst>
+              <p:ext uri="{DAA4B4D4-6D71-4841-9C94-3DE7FCFB9230}">
+                <p14:media xmlns:p14="http://schemas.microsoft.com/office/powerpoint/2010/main" r:embed="rId3"/>
+              </p:ext>
+            </p:extLst>
+          </p:nvPr>
+        </p:nvPicPr>
+        <p:blipFill>
+          <a:blip r:embed="rId13"/>
+          <a:stretch>
+            <a:fillRect/>
+          </a:stretch>
+        </p:blipFill>
+        <p:spPr>
+          <a:xfrm>
+            <a:off x="4901822" y="5205813"/>
+            <a:ext cx="609600" cy="609600"/>
+          </a:xfrm>
+          <a:prstGeom prst="rect">
+            <a:avLst/>
+          </a:prstGeom>
+        </p:spPr>
+      </p:pic>
+      <p:sp>
+        <p:nvSpPr>
+          <p:cNvPr id="13" name="文本框 12">
+            <a:extLst>
+              <a:ext uri="{FF2B5EF4-FFF2-40B4-BE49-F238E27FC236}">
+                <a16:creationId xmlns:a16="http://schemas.microsoft.com/office/drawing/2014/main" id="{5D633B7E-AACC-4DFE-8DB2-C2015FD0C1C8}"/>
+              </a:ext>
+            </a:extLst>
+          </p:cNvPr>
+          <p:cNvSpPr txBox="1"/>
+          <p:nvPr/>
+        </p:nvSpPr>
+        <p:spPr>
+          <a:xfrm>
+            <a:off x="4590107" y="4609070"/>
+            <a:ext cx="1058303" cy="369332"/>
+          </a:xfrm>
+          <a:prstGeom prst="rect">
+            <a:avLst/>
+          </a:prstGeom>
+          <a:noFill/>
+        </p:spPr>
+        <p:txBody>
+          <a:bodyPr wrap="none" rtlCol="0">
+            <a:spAutoFit/>
+          </a:bodyPr>
+          <a:lstStyle/>
+          <a:p>
+            <a:r>
+              <a:rPr lang="en-US" altLang="zh-CN" dirty="0"/>
+              <a:t>1_1.25_2</a:t>
+            </a:r>
+            <a:endParaRPr lang="zh-CN" altLang="en-US" dirty="0"/>
+          </a:p>
+        </p:txBody>
+      </p:sp>
+      <p:sp>
+        <p:nvSpPr>
+          <p:cNvPr id="14" name="文本框 13">
+            <a:extLst>
+              <a:ext uri="{FF2B5EF4-FFF2-40B4-BE49-F238E27FC236}">
+                <a16:creationId xmlns:a16="http://schemas.microsoft.com/office/drawing/2014/main" id="{5522F82C-FD5A-49BB-A3DA-113580F9ABB9}"/>
+              </a:ext>
+            </a:extLst>
+          </p:cNvPr>
+          <p:cNvSpPr txBox="1"/>
+          <p:nvPr/>
+        </p:nvSpPr>
+        <p:spPr>
+          <a:xfrm>
+            <a:off x="4317243" y="5891110"/>
+            <a:ext cx="1778757" cy="369332"/>
+          </a:xfrm>
+          <a:prstGeom prst="rect">
+            <a:avLst/>
+          </a:prstGeom>
+          <a:noFill/>
+        </p:spPr>
+        <p:txBody>
+          <a:bodyPr wrap="none" rtlCol="0">
+            <a:spAutoFit/>
+          </a:bodyPr>
+          <a:lstStyle/>
+          <a:p>
+            <a:r>
+              <a:rPr lang="en-US" altLang="zh-CN" dirty="0"/>
+              <a:t>Okay google take</a:t>
+            </a:r>
+            <a:endParaRPr lang="zh-CN" altLang="en-US" dirty="0"/>
+          </a:p>
+        </p:txBody>
+      </p:sp>
+      <p:pic>
+        <p:nvPicPr>
+          <p:cNvPr id="8" name="2_1.5_1_wsola_at">
+            <a:hlinkClick r:id="" action="ppaction://media"/>
+            <a:extLst>
+              <a:ext uri="{FF2B5EF4-FFF2-40B4-BE49-F238E27FC236}">
+                <a16:creationId xmlns:a16="http://schemas.microsoft.com/office/drawing/2014/main" id="{2C412282-BE28-49C5-94C4-6C9E334452E9}"/>
+              </a:ext>
+            </a:extLst>
+          </p:cNvPr>
+          <p:cNvPicPr>
+            <a:picLocks noChangeAspect="1"/>
+          </p:cNvPicPr>
+          <p:nvPr>
+            <a:audioFile r:link="rId6"/>
+            <p:extLst>
+              <p:ext uri="{DAA4B4D4-6D71-4841-9C94-3DE7FCFB9230}">
+                <p14:media xmlns:p14="http://schemas.microsoft.com/office/powerpoint/2010/main" r:embed="rId5"/>
+              </p:ext>
+            </p:extLst>
+          </p:nvPr>
+        </p:nvPicPr>
+        <p:blipFill>
+          <a:blip r:embed="rId13"/>
+          <a:stretch>
+            <a:fillRect/>
+          </a:stretch>
+        </p:blipFill>
+        <p:spPr>
+          <a:xfrm>
+            <a:off x="10067929" y="5209932"/>
+            <a:ext cx="609600" cy="609600"/>
+          </a:xfrm>
+          <a:prstGeom prst="rect">
+            <a:avLst/>
+          </a:prstGeom>
+        </p:spPr>
+      </p:pic>
+      <p:sp>
+        <p:nvSpPr>
+          <p:cNvPr id="15" name="文本框 14">
+            <a:extLst>
+              <a:ext uri="{FF2B5EF4-FFF2-40B4-BE49-F238E27FC236}">
+                <a16:creationId xmlns:a16="http://schemas.microsoft.com/office/drawing/2014/main" id="{AC670B4B-D64A-45C8-A982-61240B225330}"/>
+              </a:ext>
+            </a:extLst>
+          </p:cNvPr>
+          <p:cNvSpPr txBox="1"/>
+          <p:nvPr/>
+        </p:nvSpPr>
+        <p:spPr>
+          <a:xfrm>
+            <a:off x="9843577" y="4609070"/>
+            <a:ext cx="941283" cy="369332"/>
+          </a:xfrm>
+          <a:prstGeom prst="rect">
+            <a:avLst/>
+          </a:prstGeom>
+          <a:noFill/>
+        </p:spPr>
+        <p:txBody>
+          <a:bodyPr wrap="none" rtlCol="0">
+            <a:spAutoFit/>
+          </a:bodyPr>
+          <a:lstStyle/>
+          <a:p>
+            <a:r>
+              <a:rPr lang="en-US" altLang="zh-CN" dirty="0"/>
+              <a:t>2_1.5_1</a:t>
+            </a:r>
+            <a:endParaRPr lang="zh-CN" altLang="en-US" dirty="0"/>
+          </a:p>
+        </p:txBody>
+      </p:sp>
+      <p:sp>
+        <p:nvSpPr>
+          <p:cNvPr id="16" name="文本框 15">
+            <a:extLst>
+              <a:ext uri="{FF2B5EF4-FFF2-40B4-BE49-F238E27FC236}">
+                <a16:creationId xmlns:a16="http://schemas.microsoft.com/office/drawing/2014/main" id="{14A89AFF-4039-44A8-961E-1F23CD97CA7F}"/>
+              </a:ext>
+            </a:extLst>
+          </p:cNvPr>
+          <p:cNvSpPr txBox="1"/>
+          <p:nvPr/>
+        </p:nvSpPr>
+        <p:spPr>
+          <a:xfrm>
+            <a:off x="10187678" y="5866396"/>
+            <a:ext cx="370101" cy="369332"/>
+          </a:xfrm>
+          <a:prstGeom prst="rect">
+            <a:avLst/>
+          </a:prstGeom>
+          <a:noFill/>
+        </p:spPr>
+        <p:txBody>
+          <a:bodyPr wrap="none" rtlCol="0">
+            <a:spAutoFit/>
+          </a:bodyPr>
+          <a:lstStyle/>
+          <a:p>
+            <a:r>
+              <a:rPr lang="en-US" altLang="zh-CN" dirty="0"/>
+              <a:t>at</a:t>
+            </a:r>
+            <a:endParaRPr lang="zh-CN" altLang="en-US" dirty="0"/>
+          </a:p>
+        </p:txBody>
+      </p:sp>
+      <p:pic>
+        <p:nvPicPr>
+          <p:cNvPr id="11" name="1_1.5_2_wsola_okay_google_take">
+            <a:hlinkClick r:id="" action="ppaction://media"/>
+            <a:extLst>
+              <a:ext uri="{FF2B5EF4-FFF2-40B4-BE49-F238E27FC236}">
+                <a16:creationId xmlns:a16="http://schemas.microsoft.com/office/drawing/2014/main" id="{72BB6D68-8637-4F89-9B7D-19CE0CDC8045}"/>
+              </a:ext>
+            </a:extLst>
+          </p:cNvPr>
+          <p:cNvPicPr>
+            <a:picLocks noChangeAspect="1"/>
+          </p:cNvPicPr>
+          <p:nvPr>
+            <a:audioFile r:link="rId8"/>
+            <p:extLst>
+              <p:ext uri="{DAA4B4D4-6D71-4841-9C94-3DE7FCFB9230}">
+                <p14:media xmlns:p14="http://schemas.microsoft.com/office/powerpoint/2010/main" r:embed="rId7"/>
+              </p:ext>
+            </p:extLst>
+          </p:nvPr>
+        </p:nvPicPr>
+        <p:blipFill>
+          <a:blip r:embed="rId13"/>
+          <a:stretch>
+            <a:fillRect/>
+          </a:stretch>
+        </p:blipFill>
+        <p:spPr>
+          <a:xfrm>
+            <a:off x="7651374" y="5205813"/>
+            <a:ext cx="609600" cy="609600"/>
+          </a:xfrm>
+          <a:prstGeom prst="rect">
+            <a:avLst/>
+          </a:prstGeom>
+        </p:spPr>
+      </p:pic>
+      <p:sp>
+        <p:nvSpPr>
+          <p:cNvPr id="18" name="文本框 17">
+            <a:extLst>
+              <a:ext uri="{FF2B5EF4-FFF2-40B4-BE49-F238E27FC236}">
+                <a16:creationId xmlns:a16="http://schemas.microsoft.com/office/drawing/2014/main" id="{E4848E19-26EE-41E0-97AD-2259D11A293E}"/>
+              </a:ext>
+            </a:extLst>
+          </p:cNvPr>
+          <p:cNvSpPr txBox="1"/>
+          <p:nvPr/>
+        </p:nvSpPr>
+        <p:spPr>
+          <a:xfrm>
+            <a:off x="7469732" y="4609070"/>
+            <a:ext cx="941283" cy="369332"/>
+          </a:xfrm>
+          <a:prstGeom prst="rect">
+            <a:avLst/>
+          </a:prstGeom>
+          <a:noFill/>
+        </p:spPr>
+        <p:txBody>
+          <a:bodyPr wrap="none" rtlCol="0">
+            <a:spAutoFit/>
+          </a:bodyPr>
+          <a:lstStyle/>
+          <a:p>
+            <a:r>
+              <a:rPr lang="en-US" altLang="zh-CN" dirty="0"/>
+              <a:t>1_1.5_2</a:t>
+            </a:r>
+            <a:endParaRPr lang="zh-CN" altLang="en-US" dirty="0"/>
+          </a:p>
+        </p:txBody>
+      </p:sp>
+      <p:sp>
+        <p:nvSpPr>
+          <p:cNvPr id="19" name="文本框 18">
+            <a:extLst>
+              <a:ext uri="{FF2B5EF4-FFF2-40B4-BE49-F238E27FC236}">
+                <a16:creationId xmlns:a16="http://schemas.microsoft.com/office/drawing/2014/main" id="{8AC0A78C-CB53-4622-AF16-8419B9232F46}"/>
+              </a:ext>
+            </a:extLst>
+          </p:cNvPr>
+          <p:cNvSpPr txBox="1"/>
+          <p:nvPr/>
+        </p:nvSpPr>
+        <p:spPr>
+          <a:xfrm>
+            <a:off x="7050994" y="5886806"/>
+            <a:ext cx="1778757" cy="369332"/>
+          </a:xfrm>
+          <a:prstGeom prst="rect">
+            <a:avLst/>
+          </a:prstGeom>
+          <a:noFill/>
+        </p:spPr>
+        <p:txBody>
+          <a:bodyPr wrap="none" rtlCol="0">
+            <a:spAutoFit/>
+          </a:bodyPr>
+          <a:lstStyle/>
+          <a:p>
+            <a:r>
+              <a:rPr lang="en-US" altLang="zh-CN" dirty="0"/>
+              <a:t>Okay google take</a:t>
+            </a:r>
+            <a:endParaRPr lang="zh-CN" altLang="en-US" dirty="0"/>
+          </a:p>
+        </p:txBody>
+      </p:sp>
+      <p:pic>
+        <p:nvPicPr>
+          <p:cNvPr id="17" name="2_1_0.5_wsola_ill_take_the_ex">
+            <a:hlinkClick r:id="" action="ppaction://media"/>
+            <a:extLst>
+              <a:ext uri="{FF2B5EF4-FFF2-40B4-BE49-F238E27FC236}">
+                <a16:creationId xmlns:a16="http://schemas.microsoft.com/office/drawing/2014/main" id="{D9998671-C6FF-4040-973E-C8DBFC0267CB}"/>
+              </a:ext>
+            </a:extLst>
+          </p:cNvPr>
+          <p:cNvPicPr>
+            <a:picLocks noChangeAspect="1"/>
+          </p:cNvPicPr>
+          <p:nvPr>
+            <a:audioFile r:link="rId10"/>
+            <p:extLst>
+              <p:ext uri="{DAA4B4D4-6D71-4841-9C94-3DE7FCFB9230}">
+                <p14:media xmlns:p14="http://schemas.microsoft.com/office/powerpoint/2010/main" r:embed="rId9"/>
+              </p:ext>
+            </p:extLst>
+          </p:nvPr>
+        </p:nvPicPr>
+        <p:blipFill>
+          <a:blip r:embed="rId13"/>
+          <a:stretch>
+            <a:fillRect/>
+          </a:stretch>
+        </p:blipFill>
+        <p:spPr>
+          <a:xfrm>
+            <a:off x="10042987" y="2711062"/>
+            <a:ext cx="609600" cy="609600"/>
+          </a:xfrm>
+          <a:prstGeom prst="rect">
+            <a:avLst/>
+          </a:prstGeom>
+        </p:spPr>
+      </p:pic>
+      <p:sp>
+        <p:nvSpPr>
+          <p:cNvPr id="21" name="文本框 20">
+            <a:extLst>
+              <a:ext uri="{FF2B5EF4-FFF2-40B4-BE49-F238E27FC236}">
+                <a16:creationId xmlns:a16="http://schemas.microsoft.com/office/drawing/2014/main" id="{16913F74-444D-4CAF-97F2-495D2383A728}"/>
+              </a:ext>
+            </a:extLst>
+          </p:cNvPr>
+          <p:cNvSpPr txBox="1"/>
+          <p:nvPr/>
+        </p:nvSpPr>
+        <p:spPr>
+          <a:xfrm>
+            <a:off x="9843576" y="2150841"/>
+            <a:ext cx="941283" cy="369332"/>
+          </a:xfrm>
+          <a:prstGeom prst="rect">
+            <a:avLst/>
+          </a:prstGeom>
+          <a:noFill/>
+        </p:spPr>
+        <p:txBody>
+          <a:bodyPr wrap="none" rtlCol="0">
+            <a:spAutoFit/>
+          </a:bodyPr>
+          <a:lstStyle/>
+          <a:p>
+            <a:r>
+              <a:rPr lang="en-US" altLang="zh-CN" dirty="0"/>
+              <a:t>2_1_0.5</a:t>
+            </a:r>
+            <a:endParaRPr lang="zh-CN" altLang="en-US" dirty="0"/>
+          </a:p>
+        </p:txBody>
+      </p:sp>
+      <p:sp>
+        <p:nvSpPr>
+          <p:cNvPr id="22" name="文本框 21">
+            <a:extLst>
+              <a:ext uri="{FF2B5EF4-FFF2-40B4-BE49-F238E27FC236}">
+                <a16:creationId xmlns:a16="http://schemas.microsoft.com/office/drawing/2014/main" id="{B9726F09-A9A4-48B8-83D0-05AB1781BA85}"/>
+              </a:ext>
+            </a:extLst>
+          </p:cNvPr>
+          <p:cNvSpPr txBox="1"/>
+          <p:nvPr/>
+        </p:nvSpPr>
+        <p:spPr>
+          <a:xfrm>
+            <a:off x="9629223" y="3367526"/>
+            <a:ext cx="1487010" cy="369332"/>
+          </a:xfrm>
+          <a:prstGeom prst="rect">
+            <a:avLst/>
+          </a:prstGeom>
+          <a:noFill/>
+        </p:spPr>
+        <p:txBody>
+          <a:bodyPr wrap="none" rtlCol="0">
+            <a:spAutoFit/>
+          </a:bodyPr>
+          <a:lstStyle/>
+          <a:p>
+            <a:r>
+              <a:rPr lang="en-US" altLang="zh-CN" dirty="0"/>
+              <a:t>I’ll take the ex</a:t>
+            </a:r>
+            <a:endParaRPr lang="zh-CN" altLang="en-US" dirty="0"/>
           </a:p>
         </p:txBody>
       </p:sp>
     </p:spTree>
     <p:extLst>
       <p:ext uri="{BB962C8B-B14F-4D97-AF65-F5344CB8AC3E}">
-        <p14:creationId xmlns:p14="http://schemas.microsoft.com/office/powerpoint/2010/main" val="1669947589"/>
+        <p14:creationId xmlns:p14="http://schemas.microsoft.com/office/powerpoint/2010/main" val="1025557759"/>
       </p:ext>
     </p:extLst>
   </p:cSld>
   <p:clrMapOvr>
     <a:masterClrMapping/>
   </p:clrMapOvr>
+  <p:timing>
+    <p:tnLst>
+      <p:par>
+        <p:cTn id="1" dur="indefinite" restart="never" nodeType="tmRoot">
+          <p:childTnLst>
+            <p:seq concurrent="1" nextAc="seek">
+              <p:cTn id="2" dur="indefinite" nodeType="mainSeq">
+                <p:childTnLst>
+                  <p:par>
+                    <p:cTn id="3" fill="hold">
+                      <p:stCondLst>
+                        <p:cond delay="indefinite"/>
+                      </p:stCondLst>
+                      <p:childTnLst>
+                        <p:par>
+                          <p:cTn id="4" fill="hold">
+                            <p:stCondLst>
+                              <p:cond delay="0"/>
+                            </p:stCondLst>
+                            <p:childTnLst>
+                              <p:par>
+                                <p:cTn id="5" presetID="1" presetClass="mediacall" presetSubtype="0" fill="hold" nodeType="clickEffect">
+                                  <p:stCondLst>
+                                    <p:cond delay="0"/>
+                                  </p:stCondLst>
+                                  <p:childTnLst>
+                                    <p:cmd type="call" cmd="playFrom(0.0)">
+                                      <p:cBhvr>
+                                        <p:cTn id="6" dur="1408" fill="hold"/>
+                                        <p:tgtEl>
+                                          <p:spTgt spid="3"/>
+                                        </p:tgtEl>
+                                      </p:cBhvr>
+                                    </p:cmd>
+                                  </p:childTnLst>
+                                </p:cTn>
+                              </p:par>
+                            </p:childTnLst>
+                          </p:cTn>
+                        </p:par>
+                      </p:childTnLst>
+                    </p:cTn>
+                  </p:par>
+                  <p:par>
+                    <p:cTn id="7" fill="hold">
+                      <p:stCondLst>
+                        <p:cond delay="indefinite"/>
+                      </p:stCondLst>
+                      <p:childTnLst>
+                        <p:par>
+                          <p:cTn id="8" fill="hold">
+                            <p:stCondLst>
+                              <p:cond delay="0"/>
+                            </p:stCondLst>
+                            <p:childTnLst>
+                              <p:par>
+                                <p:cTn id="9" presetID="1" presetClass="mediacall" presetSubtype="0" fill="hold" nodeType="clickEffect">
+                                  <p:stCondLst>
+                                    <p:cond delay="0"/>
+                                  </p:stCondLst>
+                                  <p:childTnLst>
+                                    <p:cmd type="call" cmd="playFrom(0.0)">
+                                      <p:cBhvr>
+                                        <p:cTn id="10" dur="1344" fill="hold"/>
+                                        <p:tgtEl>
+                                          <p:spTgt spid="7"/>
+                                        </p:tgtEl>
+                                      </p:cBhvr>
+                                    </p:cmd>
+                                  </p:childTnLst>
+                                </p:cTn>
+                              </p:par>
+                            </p:childTnLst>
+                          </p:cTn>
+                        </p:par>
+                      </p:childTnLst>
+                    </p:cTn>
+                  </p:par>
+                  <p:par>
+                    <p:cTn id="11" fill="hold">
+                      <p:stCondLst>
+                        <p:cond delay="indefinite"/>
+                      </p:stCondLst>
+                      <p:childTnLst>
+                        <p:par>
+                          <p:cTn id="12" fill="hold">
+                            <p:stCondLst>
+                              <p:cond delay="0"/>
+                            </p:stCondLst>
+                            <p:childTnLst>
+                              <p:par>
+                                <p:cTn id="13" presetID="1" presetClass="mediacall" presetSubtype="0" fill="hold" nodeType="clickEffect">
+                                  <p:stCondLst>
+                                    <p:cond delay="0"/>
+                                  </p:stCondLst>
+                                  <p:childTnLst>
+                                    <p:cmd type="call" cmd="playFrom(0.0)">
+                                      <p:cBhvr>
+                                        <p:cTn id="14" dur="1152" fill="hold"/>
+                                        <p:tgtEl>
+                                          <p:spTgt spid="8"/>
+                                        </p:tgtEl>
+                                      </p:cBhvr>
+                                    </p:cmd>
+                                  </p:childTnLst>
+                                </p:cTn>
+                              </p:par>
+                            </p:childTnLst>
+                          </p:cTn>
+                        </p:par>
+                      </p:childTnLst>
+                    </p:cTn>
+                  </p:par>
+                  <p:par>
+                    <p:cTn id="15" fill="hold">
+                      <p:stCondLst>
+                        <p:cond delay="indefinite"/>
+                      </p:stCondLst>
+                      <p:childTnLst>
+                        <p:par>
+                          <p:cTn id="16" fill="hold">
+                            <p:stCondLst>
+                              <p:cond delay="0"/>
+                            </p:stCondLst>
+                            <p:childTnLst>
+                              <p:par>
+                                <p:cTn id="17" presetID="1" presetClass="mediacall" presetSubtype="0" fill="hold" nodeType="clickEffect">
+                                  <p:stCondLst>
+                                    <p:cond delay="0"/>
+                                  </p:stCondLst>
+                                  <p:childTnLst>
+                                    <p:cmd type="call" cmd="playFrom(0.0)">
+                                      <p:cBhvr>
+                                        <p:cTn id="18" dur="1312" fill="hold"/>
+                                        <p:tgtEl>
+                                          <p:spTgt spid="11"/>
+                                        </p:tgtEl>
+                                      </p:cBhvr>
+                                    </p:cmd>
+                                  </p:childTnLst>
+                                </p:cTn>
+                              </p:par>
+                            </p:childTnLst>
+                          </p:cTn>
+                        </p:par>
+                      </p:childTnLst>
+                    </p:cTn>
+                  </p:par>
+                  <p:par>
+                    <p:cTn id="19" fill="hold">
+                      <p:stCondLst>
+                        <p:cond delay="indefinite"/>
+                      </p:stCondLst>
+                      <p:childTnLst>
+                        <p:par>
+                          <p:cTn id="20" fill="hold">
+                            <p:stCondLst>
+                              <p:cond delay="0"/>
+                            </p:stCondLst>
+                            <p:childTnLst>
+                              <p:par>
+                                <p:cTn id="21" presetID="1" presetClass="mediacall" presetSubtype="0" fill="hold" nodeType="clickEffect">
+                                  <p:stCondLst>
+                                    <p:cond delay="0"/>
+                                  </p:stCondLst>
+                                  <p:childTnLst>
+                                    <p:cmd type="call" cmd="playFrom(0.0)">
+                                      <p:cBhvr>
+                                        <p:cTn id="22" dur="1632" fill="hold"/>
+                                        <p:tgtEl>
+                                          <p:spTgt spid="17"/>
+                                        </p:tgtEl>
+                                      </p:cBhvr>
+                                    </p:cmd>
+                                  </p:childTnLst>
+                                </p:cTn>
+                              </p:par>
+                            </p:childTnLst>
+                          </p:cTn>
+                        </p:par>
+                      </p:childTnLst>
+                    </p:cTn>
+                  </p:par>
+                </p:childTnLst>
+              </p:cTn>
+              <p:prevCondLst>
+                <p:cond evt="onPrev" delay="0">
+                  <p:tgtEl>
+                    <p:sldTgt/>
+                  </p:tgtEl>
+                </p:cond>
+              </p:prevCondLst>
+              <p:nextCondLst>
+                <p:cond evt="onNext" delay="0">
+                  <p:tgtEl>
+                    <p:sldTgt/>
+                  </p:tgtEl>
+                </p:cond>
+              </p:nextCondLst>
+            </p:seq>
+            <p:audio>
+              <p:cMediaNode vol="80000">
+                <p:cTn id="23" fill="hold" display="0">
+                  <p:stCondLst>
+                    <p:cond delay="indefinite"/>
+                  </p:stCondLst>
+                  <p:endCondLst>
+                    <p:cond evt="onStopAudio" delay="0">
+                      <p:tgtEl>
+                        <p:sldTgt/>
+                      </p:tgtEl>
+                    </p:cond>
+                  </p:endCondLst>
+                </p:cTn>
+                <p:tgtEl>
+                  <p:spTgt spid="3"/>
+                </p:tgtEl>
+              </p:cMediaNode>
+            </p:audio>
+            <p:audio>
+              <p:cMediaNode vol="80000">
+                <p:cTn id="24" fill="hold" display="0">
+                  <p:stCondLst>
+                    <p:cond delay="indefinite"/>
+                  </p:stCondLst>
+                  <p:endCondLst>
+                    <p:cond evt="onStopAudio" delay="0">
+                      <p:tgtEl>
+                        <p:sldTgt/>
+                      </p:tgtEl>
+                    </p:cond>
+                  </p:endCondLst>
+                </p:cTn>
+                <p:tgtEl>
+                  <p:spTgt spid="7"/>
+                </p:tgtEl>
+              </p:cMediaNode>
+            </p:audio>
+            <p:audio>
+              <p:cMediaNode vol="80000">
+                <p:cTn id="25" fill="hold" display="0">
+                  <p:stCondLst>
+                    <p:cond delay="indefinite"/>
+                  </p:stCondLst>
+                  <p:endCondLst>
+                    <p:cond evt="onStopAudio" delay="0">
+                      <p:tgtEl>
+                        <p:sldTgt/>
+                      </p:tgtEl>
+                    </p:cond>
+                  </p:endCondLst>
+                </p:cTn>
+                <p:tgtEl>
+                  <p:spTgt spid="8"/>
+                </p:tgtEl>
+              </p:cMediaNode>
+            </p:audio>
+            <p:audio>
+              <p:cMediaNode vol="80000">
+                <p:cTn id="26" fill="hold" display="0">
+                  <p:stCondLst>
+                    <p:cond delay="indefinite"/>
+                  </p:stCondLst>
+                  <p:endCondLst>
+                    <p:cond evt="onStopAudio" delay="0">
+                      <p:tgtEl>
+                        <p:sldTgt/>
+                      </p:tgtEl>
+                    </p:cond>
+                  </p:endCondLst>
+                </p:cTn>
+                <p:tgtEl>
+                  <p:spTgt spid="11"/>
+                </p:tgtEl>
+              </p:cMediaNode>
+            </p:audio>
+            <p:audio>
+              <p:cMediaNode vol="80000">
+                <p:cTn id="27" fill="hold" display="0">
+                  <p:stCondLst>
+                    <p:cond delay="indefinite"/>
+                  </p:stCondLst>
+                  <p:endCondLst>
+                    <p:cond evt="onStopAudio" delay="0">
+                      <p:tgtEl>
+                        <p:sldTgt/>
+                      </p:tgtEl>
+                    </p:cond>
+                  </p:endCondLst>
+                </p:cTn>
+                <p:tgtEl>
+                  <p:spTgt spid="17"/>
+                </p:tgtEl>
+              </p:cMediaNode>
+            </p:audio>
+          </p:childTnLst>
+        </p:cTn>
+      </p:par>
+    </p:tnLst>
+  </p:timing>
 </p:sld>
 </file>
 

--- a/documents/基于音频预处理过程的语音识别系统攻击5.6_brief.pptx
+++ b/documents/基于音频预处理过程的语音识别系统攻击5.6_brief.pptx
@@ -5379,7 +5379,7 @@
         <p:spPr>
           <a:xfrm>
             <a:off x="852297" y="1705371"/>
-            <a:ext cx="10870780" cy="1002967"/>
+            <a:ext cx="10870780" cy="1987852"/>
           </a:xfrm>
           <a:prstGeom prst="rect">
             <a:avLst/>
@@ -5421,8 +5421,68 @@
                 <a:ea typeface="微软雅黑" panose="020B0503020204020204" pitchFamily="34" charset="-122"/>
                 <a:sym typeface="Wingdings" panose="05000000000000000000" pitchFamily="2" charset="2"/>
               </a:rPr>
-              <a:t>WSOLA</a:t>
-            </a:r>
+              <a:t>OLA</a:t>
+            </a:r>
+          </a:p>
+          <a:p>
+            <a:pPr marL="285750" indent="-285750">
+              <a:lnSpc>
+                <a:spcPct val="200000"/>
+              </a:lnSpc>
+              <a:buFont typeface="Wingdings" panose="05000000000000000000" pitchFamily="2" charset="2"/>
+              <a:buChar char="p"/>
+            </a:pPr>
+            <a:r>
+              <a:rPr lang="zh-CN" altLang="en-US" sz="1600" dirty="0">
+                <a:latin typeface="微软雅黑" panose="020B0503020204020204" pitchFamily="34" charset="-122"/>
+                <a:ea typeface="微软雅黑" panose="020B0503020204020204" pitchFamily="34" charset="-122"/>
+                <a:sym typeface="Wingdings" panose="05000000000000000000" pitchFamily="2" charset="2"/>
+              </a:rPr>
+              <a:t>噪声和切片粒度有关</a:t>
+            </a:r>
+            <a:endParaRPr lang="en-US" altLang="zh-CN" sz="1600" dirty="0">
+              <a:latin typeface="微软雅黑" panose="020B0503020204020204" pitchFamily="34" charset="-122"/>
+              <a:ea typeface="微软雅黑" panose="020B0503020204020204" pitchFamily="34" charset="-122"/>
+              <a:sym typeface="Wingdings" panose="05000000000000000000" pitchFamily="2" charset="2"/>
+            </a:endParaRPr>
+          </a:p>
+          <a:p>
+            <a:pPr marL="285750" indent="-285750">
+              <a:lnSpc>
+                <a:spcPct val="200000"/>
+              </a:lnSpc>
+              <a:buFont typeface="Wingdings" panose="05000000000000000000" pitchFamily="2" charset="2"/>
+              <a:buChar char="p"/>
+            </a:pPr>
+            <a:r>
+              <a:rPr lang="zh-CN" altLang="en-US" sz="1600" dirty="0">
+                <a:latin typeface="微软雅黑" panose="020B0503020204020204" pitchFamily="34" charset="-122"/>
+                <a:ea typeface="微软雅黑" panose="020B0503020204020204" pitchFamily="34" charset="-122"/>
+                <a:sym typeface="Wingdings" panose="05000000000000000000" pitchFamily="2" charset="2"/>
+              </a:rPr>
+              <a:t>快速之后有不完美造成的空（</a:t>
+            </a:r>
+            <a:r>
+              <a:rPr lang="en-US" altLang="zh-CN" sz="1600" dirty="0">
+                <a:latin typeface="微软雅黑" panose="020B0503020204020204" pitchFamily="34" charset="-122"/>
+                <a:ea typeface="微软雅黑" panose="020B0503020204020204" pitchFamily="34" charset="-122"/>
+                <a:sym typeface="Wingdings" panose="05000000000000000000" pitchFamily="2" charset="2"/>
+              </a:rPr>
+              <a:t>1.33</a:t>
+            </a:r>
+            <a:r>
+              <a:rPr lang="zh-CN" altLang="en-US" sz="1600" dirty="0">
+                <a:latin typeface="微软雅黑" panose="020B0503020204020204" pitchFamily="34" charset="-122"/>
+                <a:ea typeface="微软雅黑" panose="020B0503020204020204" pitchFamily="34" charset="-122"/>
+                <a:sym typeface="Wingdings" panose="05000000000000000000" pitchFamily="2" charset="2"/>
+              </a:rPr>
+              <a:t>）</a:t>
+            </a:r>
+            <a:endParaRPr lang="en-US" altLang="zh-CN" sz="1600" dirty="0">
+              <a:latin typeface="微软雅黑" panose="020B0503020204020204" pitchFamily="34" charset="-122"/>
+              <a:ea typeface="微软雅黑" panose="020B0503020204020204" pitchFamily="34" charset="-122"/>
+              <a:sym typeface="Wingdings" panose="05000000000000000000" pitchFamily="2" charset="2"/>
+            </a:endParaRPr>
           </a:p>
         </p:txBody>
       </p:sp>
@@ -5440,8 +5500,8 @@
         </p:nvSpPr>
         <p:spPr>
           <a:xfrm>
-            <a:off x="1535755" y="4609070"/>
-            <a:ext cx="1233030" cy="369332"/>
+            <a:off x="1555662" y="3964997"/>
+            <a:ext cx="2175596" cy="369332"/>
           </a:xfrm>
           <a:prstGeom prst="rect">
             <a:avLst/>
@@ -5456,7 +5516,7 @@
           <a:p>
             <a:r>
               <a:rPr lang="en-US" altLang="zh-CN" dirty="0"/>
-              <a:t>1_1.25_1.5</a:t>
+              <a:t>0.5:0.01:0.5+36*0.01</a:t>
             </a:r>
             <a:endParaRPr lang="zh-CN" altLang="en-US" dirty="0"/>
           </a:p>
@@ -5476,8 +5536,8 @@
         </p:nvSpPr>
         <p:spPr>
           <a:xfrm>
-            <a:off x="989270" y="5886806"/>
-            <a:ext cx="2658998" cy="369332"/>
+            <a:off x="1471184" y="5242733"/>
+            <a:ext cx="2344553" cy="369332"/>
           </a:xfrm>
           <a:prstGeom prst="rect">
             <a:avLst/>
@@ -5492,7 +5552,7 @@
           <a:p>
             <a:r>
               <a:rPr lang="en-US" altLang="zh-CN" dirty="0"/>
-              <a:t>Okay google take a picture</a:t>
+              <a:t>I want to take a picture</a:t>
             </a:r>
             <a:endParaRPr lang="zh-CN" altLang="en-US" dirty="0"/>
           </a:p>
@@ -5512,8 +5572,8 @@
         </p:nvSpPr>
         <p:spPr>
           <a:xfrm>
-            <a:off x="4590107" y="4609070"/>
-            <a:ext cx="1058303" cy="369332"/>
+            <a:off x="4600737" y="3964997"/>
+            <a:ext cx="2175596" cy="369332"/>
           </a:xfrm>
           <a:prstGeom prst="rect">
             <a:avLst/>
@@ -5528,7 +5588,7 @@
           <a:p>
             <a:r>
               <a:rPr lang="en-US" altLang="zh-CN" dirty="0"/>
-              <a:t>1_1.25_2</a:t>
+              <a:t>0.5:0.02:0.5+36*0.02</a:t>
             </a:r>
             <a:endParaRPr lang="zh-CN" altLang="en-US" dirty="0"/>
           </a:p>
@@ -5548,8 +5608,8 @@
         </p:nvSpPr>
         <p:spPr>
           <a:xfrm>
-            <a:off x="3877122" y="5891110"/>
-            <a:ext cx="2658998" cy="369332"/>
+            <a:off x="4516258" y="5247037"/>
+            <a:ext cx="2344553" cy="369332"/>
           </a:xfrm>
           <a:prstGeom prst="rect">
             <a:avLst/>
@@ -5564,79 +5624,7 @@
           <a:p>
             <a:r>
               <a:rPr lang="en-US" altLang="zh-CN" dirty="0"/>
-              <a:t>Okay google take a picture</a:t>
-            </a:r>
-            <a:endParaRPr lang="zh-CN" altLang="en-US" dirty="0"/>
-          </a:p>
-        </p:txBody>
-      </p:sp>
-      <p:sp>
-        <p:nvSpPr>
-          <p:cNvPr id="15" name="文本框 14">
-            <a:extLst>
-              <a:ext uri="{FF2B5EF4-FFF2-40B4-BE49-F238E27FC236}">
-                <a16:creationId xmlns:a16="http://schemas.microsoft.com/office/drawing/2014/main" id="{AC670B4B-D64A-45C8-A982-61240B225330}"/>
-              </a:ext>
-            </a:extLst>
-          </p:cNvPr>
-          <p:cNvSpPr txBox="1"/>
-          <p:nvPr/>
-        </p:nvSpPr>
-        <p:spPr>
-          <a:xfrm>
-            <a:off x="9843577" y="4609070"/>
-            <a:ext cx="941283" cy="369332"/>
-          </a:xfrm>
-          <a:prstGeom prst="rect">
-            <a:avLst/>
-          </a:prstGeom>
-          <a:noFill/>
-        </p:spPr>
-        <p:txBody>
-          <a:bodyPr wrap="none" rtlCol="0">
-            <a:spAutoFit/>
-          </a:bodyPr>
-          <a:lstStyle/>
-          <a:p>
-            <a:r>
-              <a:rPr lang="en-US" altLang="zh-CN" dirty="0"/>
-              <a:t>2_1.5_1</a:t>
-            </a:r>
-            <a:endParaRPr lang="zh-CN" altLang="en-US" dirty="0"/>
-          </a:p>
-        </p:txBody>
-      </p:sp>
-      <p:sp>
-        <p:nvSpPr>
-          <p:cNvPr id="16" name="文本框 15">
-            <a:extLst>
-              <a:ext uri="{FF2B5EF4-FFF2-40B4-BE49-F238E27FC236}">
-                <a16:creationId xmlns:a16="http://schemas.microsoft.com/office/drawing/2014/main" id="{14A89AFF-4039-44A8-961E-1F23CD97CA7F}"/>
-              </a:ext>
-            </a:extLst>
-          </p:cNvPr>
-          <p:cNvSpPr txBox="1"/>
-          <p:nvPr/>
-        </p:nvSpPr>
-        <p:spPr>
-          <a:xfrm>
-            <a:off x="9631787" y="5866396"/>
-            <a:ext cx="1481881" cy="369332"/>
-          </a:xfrm>
-          <a:prstGeom prst="rect">
-            <a:avLst/>
-          </a:prstGeom>
-          <a:noFill/>
-        </p:spPr>
-        <p:txBody>
-          <a:bodyPr wrap="none" rtlCol="0">
-            <a:spAutoFit/>
-          </a:bodyPr>
-          <a:lstStyle/>
-          <a:p>
-            <a:r>
-              <a:rPr lang="en-US" altLang="zh-CN" dirty="0"/>
-              <a:t>Take a picture</a:t>
+              <a:t>I want to take a picture</a:t>
             </a:r>
             <a:endParaRPr lang="zh-CN" altLang="en-US" dirty="0"/>
           </a:p>
@@ -5656,8 +5644,8 @@
         </p:nvSpPr>
         <p:spPr>
           <a:xfrm>
-            <a:off x="7469732" y="4609070"/>
-            <a:ext cx="941283" cy="369332"/>
+            <a:off x="7508673" y="3964997"/>
+            <a:ext cx="2175596" cy="369332"/>
           </a:xfrm>
           <a:prstGeom prst="rect">
             <a:avLst/>
@@ -5672,7 +5660,7 @@
           <a:p>
             <a:r>
               <a:rPr lang="en-US" altLang="zh-CN" dirty="0"/>
-              <a:t>1_1.5_2</a:t>
+              <a:t>0.5:0.03:0.5+36*0.03</a:t>
             </a:r>
             <a:endParaRPr lang="zh-CN" altLang="en-US" dirty="0"/>
           </a:p>
@@ -5692,8 +5680,8 @@
         </p:nvSpPr>
         <p:spPr>
           <a:xfrm>
-            <a:off x="6744573" y="5886806"/>
-            <a:ext cx="2658998" cy="369332"/>
+            <a:off x="7424195" y="5242733"/>
+            <a:ext cx="2344553" cy="369332"/>
           </a:xfrm>
           <a:prstGeom prst="rect">
             <a:avLst/>
@@ -5708,87 +5696,7 @@
           <a:p>
             <a:r>
               <a:rPr lang="en-US" altLang="zh-CN" dirty="0"/>
-              <a:t>Okay google take a</a:t>
-            </a:r>
-            <a:r>
-              <a:rPr lang="zh-CN" altLang="en-US" dirty="0"/>
-              <a:t> </a:t>
-            </a:r>
-            <a:r>
-              <a:rPr lang="en-US" altLang="zh-CN" dirty="0"/>
-              <a:t>picture</a:t>
-            </a:r>
-            <a:endParaRPr lang="zh-CN" altLang="en-US" dirty="0"/>
-          </a:p>
-        </p:txBody>
-      </p:sp>
-      <p:sp>
-        <p:nvSpPr>
-          <p:cNvPr id="21" name="文本框 20">
-            <a:extLst>
-              <a:ext uri="{FF2B5EF4-FFF2-40B4-BE49-F238E27FC236}">
-                <a16:creationId xmlns:a16="http://schemas.microsoft.com/office/drawing/2014/main" id="{16913F74-444D-4CAF-97F2-495D2383A728}"/>
-              </a:ext>
-            </a:extLst>
-          </p:cNvPr>
-          <p:cNvSpPr txBox="1"/>
-          <p:nvPr/>
-        </p:nvSpPr>
-        <p:spPr>
-          <a:xfrm>
-            <a:off x="9843576" y="2150841"/>
-            <a:ext cx="941283" cy="369332"/>
-          </a:xfrm>
-          <a:prstGeom prst="rect">
-            <a:avLst/>
-          </a:prstGeom>
-          <a:noFill/>
-        </p:spPr>
-        <p:txBody>
-          <a:bodyPr wrap="none" rtlCol="0">
-            <a:spAutoFit/>
-          </a:bodyPr>
-          <a:lstStyle/>
-          <a:p>
-            <a:r>
-              <a:rPr lang="en-US" altLang="zh-CN" dirty="0"/>
-              <a:t>2_1_0.5</a:t>
-            </a:r>
-            <a:endParaRPr lang="zh-CN" altLang="en-US" dirty="0"/>
-          </a:p>
-        </p:txBody>
-      </p:sp>
-      <p:sp>
-        <p:nvSpPr>
-          <p:cNvPr id="22" name="文本框 21">
-            <a:extLst>
-              <a:ext uri="{FF2B5EF4-FFF2-40B4-BE49-F238E27FC236}">
-                <a16:creationId xmlns:a16="http://schemas.microsoft.com/office/drawing/2014/main" id="{B9726F09-A9A4-48B8-83D0-05AB1781BA85}"/>
-              </a:ext>
-            </a:extLst>
-          </p:cNvPr>
-          <p:cNvSpPr txBox="1"/>
-          <p:nvPr/>
-        </p:nvSpPr>
-        <p:spPr>
-          <a:xfrm>
-            <a:off x="9836627" y="3367526"/>
-            <a:ext cx="1060098" cy="369332"/>
-          </a:xfrm>
-          <a:prstGeom prst="rect">
-            <a:avLst/>
-          </a:prstGeom>
-          <a:noFill/>
-        </p:spPr>
-        <p:txBody>
-          <a:bodyPr wrap="none" rtlCol="0">
-            <a:spAutoFit/>
-          </a:bodyPr>
-          <a:lstStyle/>
-          <a:p>
-            <a:r>
-              <a:rPr lang="en-US" altLang="zh-CN" dirty="0"/>
-              <a:t>Take it sir</a:t>
+              <a:t>I want to take a picture</a:t>
             </a:r>
             <a:endParaRPr lang="zh-CN" altLang="en-US" dirty="0"/>
           </a:p>
@@ -5796,11 +5704,11 @@
       </p:sp>
       <p:pic>
         <p:nvPicPr>
-          <p:cNvPr id="2" name="1_1.25_1.5_ola_okay_google_take_a_picture">
+          <p:cNvPr id="3" name="0.5_0.01_i_want_to_take_a_picture">
             <a:hlinkClick r:id="" action="ppaction://media"/>
             <a:extLst>
               <a:ext uri="{FF2B5EF4-FFF2-40B4-BE49-F238E27FC236}">
-                <a16:creationId xmlns:a16="http://schemas.microsoft.com/office/drawing/2014/main" id="{B4BEAF5F-9C0C-4305-B7C2-616E84605E0E}"/>
+                <a16:creationId xmlns:a16="http://schemas.microsoft.com/office/drawing/2014/main" id="{E3594B65-6004-4DDB-B5C2-B2A53EBF39E0}"/>
               </a:ext>
             </a:extLst>
           </p:cNvPr>
@@ -5817,14 +5725,14 @@
           </p:nvPr>
         </p:nvPicPr>
         <p:blipFill>
-          <a:blip r:embed="rId13"/>
+          <a:blip r:embed="rId11"/>
           <a:stretch>
             <a:fillRect/>
           </a:stretch>
         </p:blipFill>
         <p:spPr>
           <a:xfrm>
-            <a:off x="2013969" y="5205813"/>
+            <a:off x="2338660" y="4485883"/>
             <a:ext cx="609600" cy="609600"/>
           </a:xfrm>
           <a:prstGeom prst="rect">
@@ -5834,11 +5742,11 @@
       </p:pic>
       <p:pic>
         <p:nvPicPr>
-          <p:cNvPr id="4" name="1_1.25_2_okay_google_take_a_picture">
+          <p:cNvPr id="7" name="1_0.02_ola_I_want_to_take_a_picture">
             <a:hlinkClick r:id="" action="ppaction://media"/>
             <a:extLst>
               <a:ext uri="{FF2B5EF4-FFF2-40B4-BE49-F238E27FC236}">
-                <a16:creationId xmlns:a16="http://schemas.microsoft.com/office/drawing/2014/main" id="{18457C9F-9867-4D57-BDE6-110FD0083756}"/>
+                <a16:creationId xmlns:a16="http://schemas.microsoft.com/office/drawing/2014/main" id="{2729DE0B-878D-4A1F-A658-5D853468B8BD}"/>
               </a:ext>
             </a:extLst>
           </p:cNvPr>
@@ -5855,14 +5763,14 @@
           </p:nvPr>
         </p:nvPicPr>
         <p:blipFill>
-          <a:blip r:embed="rId13"/>
+          <a:blip r:embed="rId11"/>
           <a:stretch>
             <a:fillRect/>
           </a:stretch>
         </p:blipFill>
         <p:spPr>
           <a:xfrm>
-            <a:off x="4901821" y="5129956"/>
+            <a:off x="5383734" y="4485883"/>
             <a:ext cx="609600" cy="609600"/>
           </a:xfrm>
           <a:prstGeom prst="rect">
@@ -5872,11 +5780,11 @@
       </p:pic>
       <p:pic>
         <p:nvPicPr>
-          <p:cNvPr id="5" name="1_1.5_2_okay_google_take_a_picture">
+          <p:cNvPr id="8" name="1_0.03_ola">
             <a:hlinkClick r:id="" action="ppaction://media"/>
             <a:extLst>
               <a:ext uri="{FF2B5EF4-FFF2-40B4-BE49-F238E27FC236}">
-                <a16:creationId xmlns:a16="http://schemas.microsoft.com/office/drawing/2014/main" id="{C7836A63-5E3B-4AC1-80FF-5F7ED75F1D54}"/>
+                <a16:creationId xmlns:a16="http://schemas.microsoft.com/office/drawing/2014/main" id="{CE3CF7AB-FE85-4DF5-9E4B-6CECC94CD930}"/>
               </a:ext>
             </a:extLst>
           </p:cNvPr>
@@ -5893,14 +5801,14 @@
           </p:nvPr>
         </p:nvPicPr>
         <p:blipFill>
-          <a:blip r:embed="rId13"/>
+          <a:blip r:embed="rId11"/>
           <a:stretch>
             <a:fillRect/>
           </a:stretch>
         </p:blipFill>
         <p:spPr>
           <a:xfrm>
-            <a:off x="7769272" y="5152629"/>
+            <a:off x="8291671" y="4508556"/>
             <a:ext cx="609600" cy="609600"/>
           </a:xfrm>
           <a:prstGeom prst="rect">
@@ -5908,13 +5816,85 @@
           </a:prstGeom>
         </p:spPr>
       </p:pic>
+      <p:sp>
+        <p:nvSpPr>
+          <p:cNvPr id="23" name="文本框 22">
+            <a:extLst>
+              <a:ext uri="{FF2B5EF4-FFF2-40B4-BE49-F238E27FC236}">
+                <a16:creationId xmlns:a16="http://schemas.microsoft.com/office/drawing/2014/main" id="{D729B690-8231-4957-B92B-02B98609CE1B}"/>
+              </a:ext>
+            </a:extLst>
+          </p:cNvPr>
+          <p:cNvSpPr txBox="1"/>
+          <p:nvPr/>
+        </p:nvSpPr>
+        <p:spPr>
+          <a:xfrm>
+            <a:off x="4600736" y="1985241"/>
+            <a:ext cx="2201244" cy="369332"/>
+          </a:xfrm>
+          <a:prstGeom prst="rect">
+            <a:avLst/>
+          </a:prstGeom>
+          <a:noFill/>
+        </p:spPr>
+        <p:txBody>
+          <a:bodyPr wrap="none" rtlCol="0">
+            <a:spAutoFit/>
+          </a:bodyPr>
+          <a:lstStyle/>
+          <a:p>
+            <a:r>
+              <a:rPr lang="en-US" altLang="zh-CN" dirty="0"/>
+              <a:t>1.5:-0.01:1.5-36*0.01</a:t>
+            </a:r>
+            <a:endParaRPr lang="zh-CN" altLang="en-US" dirty="0"/>
+          </a:p>
+        </p:txBody>
+      </p:sp>
+      <p:sp>
+        <p:nvSpPr>
+          <p:cNvPr id="24" name="文本框 23">
+            <a:extLst>
+              <a:ext uri="{FF2B5EF4-FFF2-40B4-BE49-F238E27FC236}">
+                <a16:creationId xmlns:a16="http://schemas.microsoft.com/office/drawing/2014/main" id="{15E61F5E-1BC2-4CB5-B6A0-2726C547B18F}"/>
+              </a:ext>
+            </a:extLst>
+          </p:cNvPr>
+          <p:cNvSpPr txBox="1"/>
+          <p:nvPr/>
+        </p:nvSpPr>
+        <p:spPr>
+          <a:xfrm>
+            <a:off x="5544103" y="3262977"/>
+            <a:ext cx="314510" cy="369332"/>
+          </a:xfrm>
+          <a:prstGeom prst="rect">
+            <a:avLst/>
+          </a:prstGeom>
+          <a:noFill/>
+        </p:spPr>
+        <p:txBody>
+          <a:bodyPr wrap="none" rtlCol="0">
+            <a:spAutoFit/>
+          </a:bodyPr>
+          <a:lstStyle/>
+          <a:p>
+            <a:r>
+              <a:rPr lang="en-US" altLang="zh-CN" dirty="0"/>
+              <a:t>it</a:t>
+            </a:r>
+            <a:endParaRPr lang="zh-CN" altLang="en-US" dirty="0"/>
+          </a:p>
+        </p:txBody>
+      </p:sp>
       <p:pic>
         <p:nvPicPr>
-          <p:cNvPr id="6" name="2_1.5_1_ola_take_a_picture">
+          <p:cNvPr id="11" name="1.5_0.01_it">
             <a:hlinkClick r:id="" action="ppaction://media"/>
             <a:extLst>
               <a:ext uri="{FF2B5EF4-FFF2-40B4-BE49-F238E27FC236}">
-                <a16:creationId xmlns:a16="http://schemas.microsoft.com/office/drawing/2014/main" id="{2CF88FD5-D187-443E-88BB-F7E721B373FB}"/>
+                <a16:creationId xmlns:a16="http://schemas.microsoft.com/office/drawing/2014/main" id="{162FE29F-3EFA-4ADC-A21D-10CB912E5F67}"/>
               </a:ext>
             </a:extLst>
           </p:cNvPr>
@@ -5931,14 +5911,14 @@
           </p:nvPr>
         </p:nvPicPr>
         <p:blipFill>
-          <a:blip r:embed="rId13"/>
+          <a:blip r:embed="rId11"/>
           <a:stretch>
             <a:fillRect/>
           </a:stretch>
         </p:blipFill>
         <p:spPr>
           <a:xfrm>
-            <a:off x="10047492" y="5150050"/>
+            <a:off x="5371684" y="2475309"/>
             <a:ext cx="609600" cy="609600"/>
           </a:xfrm>
           <a:prstGeom prst="rect">
@@ -5946,13 +5926,85 @@
           </a:prstGeom>
         </p:spPr>
       </p:pic>
+      <p:sp>
+        <p:nvSpPr>
+          <p:cNvPr id="26" name="文本框 25">
+            <a:extLst>
+              <a:ext uri="{FF2B5EF4-FFF2-40B4-BE49-F238E27FC236}">
+                <a16:creationId xmlns:a16="http://schemas.microsoft.com/office/drawing/2014/main" id="{2C1C4707-41E0-4D04-9E5B-D0BE4AA4F8A8}"/>
+              </a:ext>
+            </a:extLst>
+          </p:cNvPr>
+          <p:cNvSpPr txBox="1"/>
+          <p:nvPr/>
+        </p:nvSpPr>
+        <p:spPr>
+          <a:xfrm>
+            <a:off x="7975631" y="1900315"/>
+            <a:ext cx="2201244" cy="369332"/>
+          </a:xfrm>
+          <a:prstGeom prst="rect">
+            <a:avLst/>
+          </a:prstGeom>
+          <a:noFill/>
+        </p:spPr>
+        <p:txBody>
+          <a:bodyPr wrap="none" rtlCol="0">
+            <a:spAutoFit/>
+          </a:bodyPr>
+          <a:lstStyle/>
+          <a:p>
+            <a:r>
+              <a:rPr lang="en-US" altLang="zh-CN" dirty="0"/>
+              <a:t>1.5:-0.02:1.5-36*0.02</a:t>
+            </a:r>
+            <a:endParaRPr lang="zh-CN" altLang="en-US" dirty="0"/>
+          </a:p>
+        </p:txBody>
+      </p:sp>
+      <p:sp>
+        <p:nvSpPr>
+          <p:cNvPr id="27" name="文本框 26">
+            <a:extLst>
+              <a:ext uri="{FF2B5EF4-FFF2-40B4-BE49-F238E27FC236}">
+                <a16:creationId xmlns:a16="http://schemas.microsoft.com/office/drawing/2014/main" id="{F73B690B-4F97-48A4-8D96-E7B37FBF860D}"/>
+              </a:ext>
+            </a:extLst>
+          </p:cNvPr>
+          <p:cNvSpPr txBox="1"/>
+          <p:nvPr/>
+        </p:nvSpPr>
+        <p:spPr>
+          <a:xfrm>
+            <a:off x="8918998" y="3178051"/>
+            <a:ext cx="314510" cy="369332"/>
+          </a:xfrm>
+          <a:prstGeom prst="rect">
+            <a:avLst/>
+          </a:prstGeom>
+          <a:noFill/>
+        </p:spPr>
+        <p:txBody>
+          <a:bodyPr wrap="none" rtlCol="0">
+            <a:spAutoFit/>
+          </a:bodyPr>
+          <a:lstStyle/>
+          <a:p>
+            <a:r>
+              <a:rPr lang="en-US" altLang="zh-CN" dirty="0"/>
+              <a:t>it</a:t>
+            </a:r>
+            <a:endParaRPr lang="zh-CN" altLang="en-US" dirty="0"/>
+          </a:p>
+        </p:txBody>
+      </p:sp>
       <p:pic>
         <p:nvPicPr>
-          <p:cNvPr id="20" name="2_1_0.5_ola_take_it_sir">
+          <p:cNvPr id="28" name="1.5_0.01_it">
             <a:hlinkClick r:id="" action="ppaction://media"/>
             <a:extLst>
               <a:ext uri="{FF2B5EF4-FFF2-40B4-BE49-F238E27FC236}">
-                <a16:creationId xmlns:a16="http://schemas.microsoft.com/office/drawing/2014/main" id="{B53C9FD9-67CB-4E65-8831-3776BE95A083}"/>
+                <a16:creationId xmlns:a16="http://schemas.microsoft.com/office/drawing/2014/main" id="{1A23E408-15BC-412D-9A23-FB55F2B31C3A}"/>
               </a:ext>
             </a:extLst>
           </p:cNvPr>
@@ -5960,23 +6012,23 @@
             <a:picLocks noChangeAspect="1"/>
           </p:cNvPicPr>
           <p:nvPr>
-            <a:audioFile r:link="rId10"/>
+            <a:audioFile r:link="rId8"/>
             <p:extLst>
               <p:ext uri="{DAA4B4D4-6D71-4841-9C94-3DE7FCFB9230}">
-                <p14:media xmlns:p14="http://schemas.microsoft.com/office/powerpoint/2010/main" r:embed="rId9"/>
+                <p14:media xmlns:p14="http://schemas.microsoft.com/office/powerpoint/2010/main" r:embed="rId7"/>
               </p:ext>
             </p:extLst>
           </p:nvPr>
         </p:nvPicPr>
         <p:blipFill>
-          <a:blip r:embed="rId13"/>
+          <a:blip r:embed="rId11"/>
           <a:stretch>
             <a:fillRect/>
           </a:stretch>
         </p:blipFill>
         <p:spPr>
           <a:xfrm>
-            <a:off x="10015551" y="2629901"/>
+            <a:off x="8746579" y="2390383"/>
             <a:ext cx="609600" cy="609600"/>
           </a:xfrm>
           <a:prstGeom prst="rect">
@@ -6022,9 +6074,9 @@
                                   <p:childTnLst>
                                     <p:cmd type="call" cmd="playFrom(0.0)">
                                       <p:cBhvr>
-                                        <p:cTn id="6" dur="1848" fill="hold"/>
+                                        <p:cTn id="6" dur="2120" fill="hold"/>
                                         <p:tgtEl>
-                                          <p:spTgt spid="2"/>
+                                          <p:spTgt spid="3"/>
                                         </p:tgtEl>
                                       </p:cBhvr>
                                     </p:cmd>
@@ -6057,9 +6109,9 @@
                                   <p:childTnLst>
                                     <p:cmd type="call" cmd="playFrom(0.0)">
                                       <p:cBhvr>
-                                        <p:cTn id="10" dur="1760" fill="hold"/>
+                                        <p:cTn id="10" dur="1712" fill="hold"/>
                                         <p:tgtEl>
-                                          <p:spTgt spid="4"/>
+                                          <p:spTgt spid="7"/>
                                         </p:tgtEl>
                                       </p:cBhvr>
                                     </p:cmd>
@@ -6092,9 +6144,9 @@
                                   <p:childTnLst>
                                     <p:cmd type="call" cmd="playFrom(0.0)">
                                       <p:cBhvr>
-                                        <p:cTn id="14" dur="1720" fill="hold"/>
+                                        <p:cTn id="14" dur="1464" fill="hold"/>
                                         <p:tgtEl>
-                                          <p:spTgt spid="5"/>
+                                          <p:spTgt spid="8"/>
                                         </p:tgtEl>
                                       </p:cBhvr>
                                     </p:cmd>
@@ -6127,9 +6179,9 @@
                                   <p:childTnLst>
                                     <p:cmd type="call" cmd="playFrom(0.0)">
                                       <p:cBhvr>
-                                        <p:cTn id="18" dur="1568" fill="hold"/>
+                                        <p:cTn id="18" dur="976" fill="hold"/>
                                         <p:tgtEl>
-                                          <p:spTgt spid="6"/>
+                                          <p:spTgt spid="11"/>
                                         </p:tgtEl>
                                       </p:cBhvr>
                                     </p:cmd>
@@ -6162,9 +6214,9 @@
                                   <p:childTnLst>
                                     <p:cmd type="call" cmd="playFrom(0.0)">
                                       <p:cBhvr>
-                                        <p:cTn id="22" dur="2160" fill="hold"/>
+                                        <p:cTn id="22" dur="976" fill="hold"/>
                                         <p:tgtEl>
-                                          <p:spTgt spid="20"/>
+                                          <p:spTgt spid="28"/>
                                         </p:tgtEl>
                                       </p:cBhvr>
                                     </p:cmd>
@@ -6209,7 +6261,7 @@
                   </p:endCondLst>
                 </p:cTn>
                 <p:tgtEl>
-                  <p:spTgt spid="2"/>
+                  <p:spTgt spid="3"/>
                 </p:tgtEl>
               </p:cMediaNode>
             </p:audio>
@@ -6228,7 +6280,7 @@
                   </p:endCondLst>
                 </p:cTn>
                 <p:tgtEl>
-                  <p:spTgt spid="4"/>
+                  <p:spTgt spid="7"/>
                 </p:tgtEl>
               </p:cMediaNode>
             </p:audio>
@@ -6247,7 +6299,7 @@
                   </p:endCondLst>
                 </p:cTn>
                 <p:tgtEl>
-                  <p:spTgt spid="5"/>
+                  <p:spTgt spid="8"/>
                 </p:tgtEl>
               </p:cMediaNode>
             </p:audio>
@@ -6266,7 +6318,7 @@
                   </p:endCondLst>
                 </p:cTn>
                 <p:tgtEl>
-                  <p:spTgt spid="6"/>
+                  <p:spTgt spid="11"/>
                 </p:tgtEl>
               </p:cMediaNode>
             </p:audio>
@@ -6285,7 +6337,7 @@
                   </p:endCondLst>
                 </p:cTn>
                 <p:tgtEl>
-                  <p:spTgt spid="20"/>
+                  <p:spTgt spid="28"/>
                 </p:tgtEl>
               </p:cMediaNode>
             </p:audio>
